--- a/documentation/images/easyfranchise-diagrams.pptx
+++ b/documentation/images/easyfranchise-diagrams.pptx
@@ -8,10 +8,13 @@
     <p:sldId id="256" r:id="rId2"/>
     <p:sldId id="258" r:id="rId3"/>
     <p:sldId id="259" r:id="rId4"/>
-    <p:sldId id="261" r:id="rId5"/>
+    <p:sldId id="2146846452" r:id="rId5"/>
     <p:sldId id="260" r:id="rId6"/>
     <p:sldId id="264" r:id="rId7"/>
-    <p:sldId id="263" r:id="rId8"/>
+    <p:sldId id="261" r:id="rId8"/>
+    <p:sldId id="2146846453" r:id="rId9"/>
+    <p:sldId id="2146846451" r:id="rId10"/>
+    <p:sldId id="9561" r:id="rId11"/>
   </p:sldIdLst>
   <p:sldSz cx="12192000" cy="6858000"/>
   <p:notesSz cx="6858000" cy="9144000"/>
@@ -267,7 +270,7 @@
           <a:p>
             <a:fld id="{11055433-DDDA-1147-A71A-BE0AE55CB161}" type="datetimeFigureOut">
               <a:rPr lang="en-DE" smtClean="0"/>
-              <a:t>22.10.21</a:t>
+              <a:t>15.12.21</a:t>
             </a:fld>
             <a:endParaRPr lang="en-DE"/>
           </a:p>
@@ -467,7 +470,7 @@
           <a:p>
             <a:fld id="{11055433-DDDA-1147-A71A-BE0AE55CB161}" type="datetimeFigureOut">
               <a:rPr lang="en-DE" smtClean="0"/>
-              <a:t>22.10.21</a:t>
+              <a:t>15.12.21</a:t>
             </a:fld>
             <a:endParaRPr lang="en-DE"/>
           </a:p>
@@ -677,7 +680,7 @@
           <a:p>
             <a:fld id="{11055433-DDDA-1147-A71A-BE0AE55CB161}" type="datetimeFigureOut">
               <a:rPr lang="en-DE" smtClean="0"/>
-              <a:t>22.10.21</a:t>
+              <a:t>15.12.21</a:t>
             </a:fld>
             <a:endParaRPr lang="en-DE"/>
           </a:p>
@@ -741,6 +744,206 @@
     <p:extLst>
       <p:ext uri="{BB962C8B-B14F-4D97-AF65-F5344CB8AC3E}">
         <p14:creationId xmlns:p14="http://schemas.microsoft.com/office/powerpoint/2010/main" val="2236285805"/>
+      </p:ext>
+    </p:extLst>
+  </p:cSld>
+  <p:clrMapOvr>
+    <a:masterClrMapping/>
+  </p:clrMapOvr>
+</p:sldLayout>
+</file>
+
+<file path=ppt/slideLayouts/slideLayout12.xml><?xml version="1.0" encoding="utf-8"?>
+<p:sldLayout xmlns:a="http://schemas.openxmlformats.org/drawingml/2006/main" xmlns:r="http://schemas.openxmlformats.org/officeDocument/2006/relationships" xmlns:p="http://schemas.openxmlformats.org/presentationml/2006/main" type="obj">
+  <p:cSld name="1_Title and Content">
+    <p:spTree>
+      <p:nvGrpSpPr>
+        <p:cNvPr id="1" name=""/>
+        <p:cNvGrpSpPr/>
+        <p:nvPr/>
+      </p:nvGrpSpPr>
+      <p:grpSpPr>
+        <a:xfrm>
+          <a:off x="0" y="0"/>
+          <a:ext cx="0" cy="0"/>
+          <a:chOff x="0" y="0"/>
+          <a:chExt cx="0" cy="0"/>
+        </a:xfrm>
+      </p:grpSpPr>
+      <p:sp>
+        <p:nvSpPr>
+          <p:cNvPr id="2" name="Title 1">
+            <a:extLst>
+              <a:ext uri="{FF2B5EF4-FFF2-40B4-BE49-F238E27FC236}">
+                <a16:creationId xmlns:a16="http://schemas.microsoft.com/office/drawing/2014/main" id="{64884EC8-6496-4F9B-8B42-22BCB1DA9A1E}"/>
+              </a:ext>
+            </a:extLst>
+          </p:cNvPr>
+          <p:cNvSpPr>
+            <a:spLocks noGrp="1"/>
+          </p:cNvSpPr>
+          <p:nvPr>
+            <p:ph type="title"/>
+          </p:nvPr>
+        </p:nvSpPr>
+        <p:spPr/>
+        <p:txBody>
+          <a:bodyPr/>
+          <a:lstStyle/>
+          <a:p>
+            <a:r>
+              <a:rPr lang="en-US"/>
+              <a:t>Click to edit Master title style</a:t>
+            </a:r>
+            <a:endParaRPr lang="de-DE"/>
+          </a:p>
+        </p:txBody>
+      </p:sp>
+      <p:sp>
+        <p:nvSpPr>
+          <p:cNvPr id="3" name="Content Placeholder 2">
+            <a:extLst>
+              <a:ext uri="{FF2B5EF4-FFF2-40B4-BE49-F238E27FC236}">
+                <a16:creationId xmlns:a16="http://schemas.microsoft.com/office/drawing/2014/main" id="{3413937E-CFBF-4436-8199-12CFBA3439D0}"/>
+              </a:ext>
+            </a:extLst>
+          </p:cNvPr>
+          <p:cNvSpPr>
+            <a:spLocks noGrp="1"/>
+          </p:cNvSpPr>
+          <p:nvPr>
+            <p:ph idx="1"/>
+          </p:nvPr>
+        </p:nvSpPr>
+        <p:spPr/>
+        <p:txBody>
+          <a:bodyPr/>
+          <a:lstStyle/>
+          <a:p>
+            <a:pPr lvl="0"/>
+            <a:r>
+              <a:rPr lang="en-US"/>
+              <a:t>Click to edit Master text styles</a:t>
+            </a:r>
+          </a:p>
+          <a:p>
+            <a:pPr lvl="1"/>
+            <a:r>
+              <a:rPr lang="en-US"/>
+              <a:t>Second level</a:t>
+            </a:r>
+          </a:p>
+          <a:p>
+            <a:pPr lvl="2"/>
+            <a:r>
+              <a:rPr lang="en-US"/>
+              <a:t>Third level</a:t>
+            </a:r>
+          </a:p>
+          <a:p>
+            <a:pPr lvl="3"/>
+            <a:r>
+              <a:rPr lang="en-US"/>
+              <a:t>Fourth level</a:t>
+            </a:r>
+          </a:p>
+          <a:p>
+            <a:pPr lvl="4"/>
+            <a:r>
+              <a:rPr lang="en-US"/>
+              <a:t>Fifth level</a:t>
+            </a:r>
+            <a:endParaRPr lang="de-DE"/>
+          </a:p>
+        </p:txBody>
+      </p:sp>
+      <p:sp>
+        <p:nvSpPr>
+          <p:cNvPr id="4" name="Date Placeholder 3">
+            <a:extLst>
+              <a:ext uri="{FF2B5EF4-FFF2-40B4-BE49-F238E27FC236}">
+                <a16:creationId xmlns:a16="http://schemas.microsoft.com/office/drawing/2014/main" id="{9102FC3A-F1A6-4ED0-B220-D46D69F44A41}"/>
+              </a:ext>
+            </a:extLst>
+          </p:cNvPr>
+          <p:cNvSpPr>
+            <a:spLocks noGrp="1"/>
+          </p:cNvSpPr>
+          <p:nvPr>
+            <p:ph type="dt" sz="half" idx="10"/>
+          </p:nvPr>
+        </p:nvSpPr>
+        <p:spPr/>
+        <p:txBody>
+          <a:bodyPr/>
+          <a:lstStyle/>
+          <a:p>
+            <a:fld id="{6108F170-7087-4325-8F5D-6140410ED24A}" type="datetimeFigureOut">
+              <a:rPr lang="de-DE" smtClean="0"/>
+              <a:t>15.12.21</a:t>
+            </a:fld>
+            <a:endParaRPr lang="de-DE"/>
+          </a:p>
+        </p:txBody>
+      </p:sp>
+      <p:sp>
+        <p:nvSpPr>
+          <p:cNvPr id="5" name="Footer Placeholder 4">
+            <a:extLst>
+              <a:ext uri="{FF2B5EF4-FFF2-40B4-BE49-F238E27FC236}">
+                <a16:creationId xmlns:a16="http://schemas.microsoft.com/office/drawing/2014/main" id="{2E95C348-CC58-4787-B2BB-22F77474D90A}"/>
+              </a:ext>
+            </a:extLst>
+          </p:cNvPr>
+          <p:cNvSpPr>
+            <a:spLocks noGrp="1"/>
+          </p:cNvSpPr>
+          <p:nvPr>
+            <p:ph type="ftr" sz="quarter" idx="11"/>
+          </p:nvPr>
+        </p:nvSpPr>
+        <p:spPr/>
+        <p:txBody>
+          <a:bodyPr/>
+          <a:lstStyle/>
+          <a:p>
+            <a:endParaRPr lang="de-DE"/>
+          </a:p>
+        </p:txBody>
+      </p:sp>
+      <p:sp>
+        <p:nvSpPr>
+          <p:cNvPr id="6" name="Slide Number Placeholder 5">
+            <a:extLst>
+              <a:ext uri="{FF2B5EF4-FFF2-40B4-BE49-F238E27FC236}">
+                <a16:creationId xmlns:a16="http://schemas.microsoft.com/office/drawing/2014/main" id="{D74C0497-1EE1-48FF-9890-0EC0E89E651C}"/>
+              </a:ext>
+            </a:extLst>
+          </p:cNvPr>
+          <p:cNvSpPr>
+            <a:spLocks noGrp="1"/>
+          </p:cNvSpPr>
+          <p:nvPr>
+            <p:ph type="sldNum" sz="quarter" idx="12"/>
+          </p:nvPr>
+        </p:nvSpPr>
+        <p:spPr/>
+        <p:txBody>
+          <a:bodyPr/>
+          <a:lstStyle/>
+          <a:p>
+            <a:fld id="{5069B96E-FF7C-4162-87F3-B7BA23F5A58A}" type="slidenum">
+              <a:rPr lang="de-DE" smtClean="0"/>
+              <a:t>‹#›</a:t>
+            </a:fld>
+            <a:endParaRPr lang="de-DE"/>
+          </a:p>
+        </p:txBody>
+      </p:sp>
+    </p:spTree>
+    <p:extLst>
+      <p:ext uri="{BB962C8B-B14F-4D97-AF65-F5344CB8AC3E}">
+        <p14:creationId xmlns:p14="http://schemas.microsoft.com/office/powerpoint/2010/main" val="3858463727"/>
       </p:ext>
     </p:extLst>
   </p:cSld>
@@ -983,7 +1186,7 @@
           <a:p>
             <a:fld id="{11055433-DDDA-1147-A71A-BE0AE55CB161}" type="datetimeFigureOut">
               <a:rPr lang="en-DE" smtClean="0"/>
-              <a:t>22.10.21</a:t>
+              <a:t>15.12.21</a:t>
             </a:fld>
             <a:endParaRPr lang="en-DE"/>
           </a:p>
@@ -1251,7 +1454,7 @@
           <a:p>
             <a:fld id="{11055433-DDDA-1147-A71A-BE0AE55CB161}" type="datetimeFigureOut">
               <a:rPr lang="en-DE" smtClean="0"/>
-              <a:t>22.10.21</a:t>
+              <a:t>15.12.21</a:t>
             </a:fld>
             <a:endParaRPr lang="en-DE"/>
           </a:p>
@@ -1666,7 +1869,7 @@
           <a:p>
             <a:fld id="{11055433-DDDA-1147-A71A-BE0AE55CB161}" type="datetimeFigureOut">
               <a:rPr lang="en-DE" smtClean="0"/>
-              <a:t>22.10.21</a:t>
+              <a:t>15.12.21</a:t>
             </a:fld>
             <a:endParaRPr lang="en-DE"/>
           </a:p>
@@ -1808,7 +2011,7 @@
           <a:p>
             <a:fld id="{11055433-DDDA-1147-A71A-BE0AE55CB161}" type="datetimeFigureOut">
               <a:rPr lang="en-DE" smtClean="0"/>
-              <a:t>22.10.21</a:t>
+              <a:t>15.12.21</a:t>
             </a:fld>
             <a:endParaRPr lang="en-DE"/>
           </a:p>
@@ -1921,7 +2124,7 @@
           <a:p>
             <a:fld id="{11055433-DDDA-1147-A71A-BE0AE55CB161}" type="datetimeFigureOut">
               <a:rPr lang="en-DE" smtClean="0"/>
-              <a:t>22.10.21</a:t>
+              <a:t>15.12.21</a:t>
             </a:fld>
             <a:endParaRPr lang="en-DE"/>
           </a:p>
@@ -2234,7 +2437,7 @@
           <a:p>
             <a:fld id="{11055433-DDDA-1147-A71A-BE0AE55CB161}" type="datetimeFigureOut">
               <a:rPr lang="en-DE" smtClean="0"/>
-              <a:t>22.10.21</a:t>
+              <a:t>15.12.21</a:t>
             </a:fld>
             <a:endParaRPr lang="en-DE"/>
           </a:p>
@@ -2523,7 +2726,7 @@
           <a:p>
             <a:fld id="{11055433-DDDA-1147-A71A-BE0AE55CB161}" type="datetimeFigureOut">
               <a:rPr lang="en-DE" smtClean="0"/>
-              <a:t>22.10.21</a:t>
+              <a:t>15.12.21</a:t>
             </a:fld>
             <a:endParaRPr lang="en-DE"/>
           </a:p>
@@ -2766,7 +2969,7 @@
           <a:p>
             <a:fld id="{11055433-DDDA-1147-A71A-BE0AE55CB161}" type="datetimeFigureOut">
               <a:rPr lang="en-DE" smtClean="0"/>
-              <a:t>22.10.21</a:t>
+              <a:t>15.12.21</a:t>
             </a:fld>
             <a:endParaRPr lang="en-DE"/>
           </a:p>
@@ -2882,6 +3085,7 @@
     <p:sldLayoutId id="2147483657" r:id="rId9"/>
     <p:sldLayoutId id="2147483658" r:id="rId10"/>
     <p:sldLayoutId id="2147483659" r:id="rId11"/>
+    <p:sldLayoutId id="2147483660" r:id="rId12"/>
   </p:sldLayoutIdLst>
   <p:txStyles>
     <p:titleStyle>
@@ -3252,6 +3456,1055 @@
 </p:sld>
 </file>
 
+<file path=ppt/slides/slide10.xml><?xml version="1.0" encoding="utf-8"?>
+<p:sld xmlns:a="http://schemas.openxmlformats.org/drawingml/2006/main" xmlns:r="http://schemas.openxmlformats.org/officeDocument/2006/relationships" xmlns:p="http://schemas.openxmlformats.org/presentationml/2006/main">
+  <p:cSld>
+    <p:spTree>
+      <p:nvGrpSpPr>
+        <p:cNvPr id="1" name=""/>
+        <p:cNvGrpSpPr/>
+        <p:nvPr/>
+      </p:nvGrpSpPr>
+      <p:grpSpPr>
+        <a:xfrm>
+          <a:off x="0" y="0"/>
+          <a:ext cx="0" cy="0"/>
+          <a:chOff x="0" y="0"/>
+          <a:chExt cx="0" cy="0"/>
+        </a:xfrm>
+      </p:grpSpPr>
+      <p:sp>
+        <p:nvSpPr>
+          <p:cNvPr id="2" name="TextBox 1">
+            <a:extLst>
+              <a:ext uri="{FF2B5EF4-FFF2-40B4-BE49-F238E27FC236}">
+                <a16:creationId xmlns:a16="http://schemas.microsoft.com/office/drawing/2014/main" id="{DA6306E3-981A-F645-BBBE-378D46EBAED7}"/>
+              </a:ext>
+            </a:extLst>
+          </p:cNvPr>
+          <p:cNvSpPr txBox="1"/>
+          <p:nvPr/>
+        </p:nvSpPr>
+        <p:spPr>
+          <a:xfrm>
+            <a:off x="2873995" y="3600860"/>
+            <a:ext cx="1393010" cy="369332"/>
+          </a:xfrm>
+          <a:prstGeom prst="rect">
+            <a:avLst/>
+          </a:prstGeom>
+          <a:noFill/>
+        </p:spPr>
+        <p:txBody>
+          <a:bodyPr wrap="none" rtlCol="0">
+            <a:spAutoFit/>
+          </a:bodyPr>
+          <a:lstStyle/>
+          <a:p>
+            <a:r>
+              <a:rPr lang="en-DE">
+                <a:solidFill>
+                  <a:schemeClr val="accent5">
+                    <a:lumMod val="75000"/>
+                  </a:schemeClr>
+                </a:solidFill>
+              </a:rPr>
+              <a:t>S/4 Manager</a:t>
+            </a:r>
+          </a:p>
+        </p:txBody>
+      </p:sp>
+      <p:sp>
+        <p:nvSpPr>
+          <p:cNvPr id="14" name="TextBox 13">
+            <a:extLst>
+              <a:ext uri="{FF2B5EF4-FFF2-40B4-BE49-F238E27FC236}">
+                <a16:creationId xmlns:a16="http://schemas.microsoft.com/office/drawing/2014/main" id="{D3FBCCEF-E67A-E14C-91D3-57F7B2287034}"/>
+              </a:ext>
+            </a:extLst>
+          </p:cNvPr>
+          <p:cNvSpPr txBox="1"/>
+          <p:nvPr/>
+        </p:nvSpPr>
+        <p:spPr>
+          <a:xfrm>
+            <a:off x="5436221" y="3526938"/>
+            <a:ext cx="2254720" cy="369332"/>
+          </a:xfrm>
+          <a:prstGeom prst="rect">
+            <a:avLst/>
+          </a:prstGeom>
+          <a:noFill/>
+        </p:spPr>
+        <p:txBody>
+          <a:bodyPr wrap="none" rtlCol="0">
+            <a:spAutoFit/>
+          </a:bodyPr>
+          <a:lstStyle/>
+          <a:p>
+            <a:r>
+              <a:rPr lang="en-DE">
+                <a:solidFill>
+                  <a:schemeClr val="accent5">
+                    <a:lumMod val="75000"/>
+                  </a:schemeClr>
+                </a:solidFill>
+              </a:rPr>
+              <a:t>Franchise Coordinator</a:t>
+            </a:r>
+          </a:p>
+        </p:txBody>
+      </p:sp>
+      <p:sp>
+        <p:nvSpPr>
+          <p:cNvPr id="15" name="TextBox 14">
+            <a:extLst>
+              <a:ext uri="{FF2B5EF4-FFF2-40B4-BE49-F238E27FC236}">
+                <a16:creationId xmlns:a16="http://schemas.microsoft.com/office/drawing/2014/main" id="{6A4DAF62-EE20-9D43-8E7D-9EE091B28E81}"/>
+              </a:ext>
+            </a:extLst>
+          </p:cNvPr>
+          <p:cNvSpPr txBox="1"/>
+          <p:nvPr/>
+        </p:nvSpPr>
+        <p:spPr>
+          <a:xfrm>
+            <a:off x="8832303" y="3523805"/>
+            <a:ext cx="1837875" cy="369332"/>
+          </a:xfrm>
+          <a:prstGeom prst="rect">
+            <a:avLst/>
+          </a:prstGeom>
+          <a:noFill/>
+        </p:spPr>
+        <p:txBody>
+          <a:bodyPr wrap="none" rtlCol="0">
+            <a:spAutoFit/>
+          </a:bodyPr>
+          <a:lstStyle/>
+          <a:p>
+            <a:r>
+              <a:rPr lang="en-DE">
+                <a:solidFill>
+                  <a:schemeClr val="accent5">
+                    <a:lumMod val="75000"/>
+                  </a:schemeClr>
+                </a:solidFill>
+              </a:rPr>
+              <a:t>Franchise Mentor</a:t>
+            </a:r>
+          </a:p>
+        </p:txBody>
+      </p:sp>
+      <p:pic>
+        <p:nvPicPr>
+          <p:cNvPr id="1026" name="Picture 2" descr="Person icon - Free download on Iconfinder">
+            <a:extLst>
+              <a:ext uri="{FF2B5EF4-FFF2-40B4-BE49-F238E27FC236}">
+                <a16:creationId xmlns:a16="http://schemas.microsoft.com/office/drawing/2014/main" id="{33AFA16E-5685-6244-BF83-3171AD985C4D}"/>
+              </a:ext>
+            </a:extLst>
+          </p:cNvPr>
+          <p:cNvPicPr>
+            <a:picLocks noChangeAspect="1" noChangeArrowheads="1"/>
+          </p:cNvPicPr>
+          <p:nvPr/>
+        </p:nvPicPr>
+        <p:blipFill rotWithShape="1">
+          <a:blip r:embed="rId2">
+            <a:duotone>
+              <a:schemeClr val="accent1">
+                <a:shade val="45000"/>
+                <a:satMod val="135000"/>
+              </a:schemeClr>
+              <a:prstClr val="white"/>
+            </a:duotone>
+            <a:extLst>
+              <a:ext uri="{28A0092B-C50C-407E-A947-70E740481C1C}">
+                <a14:useLocalDpi xmlns:a14="http://schemas.microsoft.com/office/drawing/2010/main" val="0"/>
+              </a:ext>
+            </a:extLst>
+          </a:blip>
+          <a:srcRect l="15080" t="15830" r="14159" b="16310"/>
+          <a:stretch/>
+        </p:blipFill>
+        <p:spPr bwMode="auto">
+          <a:xfrm>
+            <a:off x="1205188" y="496084"/>
+            <a:ext cx="68678" cy="65864"/>
+          </a:xfrm>
+          <a:prstGeom prst="rect">
+            <a:avLst/>
+          </a:prstGeom>
+          <a:noFill/>
+          <a:extLst>
+            <a:ext uri="{909E8E84-426E-40DD-AFC4-6F175D3DCCD1}">
+              <a14:hiddenFill xmlns:a14="http://schemas.microsoft.com/office/drawing/2010/main">
+                <a:solidFill>
+                  <a:srgbClr val="FFFFFF"/>
+                </a:solidFill>
+              </a14:hiddenFill>
+            </a:ext>
+          </a:extLst>
+        </p:spPr>
+      </p:pic>
+      <p:sp>
+        <p:nvSpPr>
+          <p:cNvPr id="3" name="TextBox 2">
+            <a:extLst>
+              <a:ext uri="{FF2B5EF4-FFF2-40B4-BE49-F238E27FC236}">
+                <a16:creationId xmlns:a16="http://schemas.microsoft.com/office/drawing/2014/main" id="{89915BF6-60A2-6E4F-9E46-9D7177E26BF6}"/>
+              </a:ext>
+            </a:extLst>
+          </p:cNvPr>
+          <p:cNvSpPr txBox="1"/>
+          <p:nvPr/>
+        </p:nvSpPr>
+        <p:spPr>
+          <a:xfrm>
+            <a:off x="715395" y="1148309"/>
+            <a:ext cx="1537590" cy="369332"/>
+          </a:xfrm>
+          <a:prstGeom prst="rect">
+            <a:avLst/>
+          </a:prstGeom>
+          <a:noFill/>
+        </p:spPr>
+        <p:txBody>
+          <a:bodyPr wrap="square" rtlCol="0">
+            <a:spAutoFit/>
+          </a:bodyPr>
+          <a:lstStyle/>
+          <a:p>
+            <a:r>
+              <a:rPr lang="en-US" b="1" kern="0">
+                <a:solidFill>
+                  <a:srgbClr val="7030A0"/>
+                </a:solidFill>
+                <a:ea typeface="Arial Unicode MS" pitchFamily="34" charset="-128"/>
+                <a:cs typeface="Arial Unicode MS" pitchFamily="34" charset="-128"/>
+              </a:rPr>
+              <a:t>SAP PARTNER</a:t>
+            </a:r>
+            <a:r>
+              <a:rPr lang="en-US" kern="0">
+                <a:solidFill>
+                  <a:srgbClr val="7030A0"/>
+                </a:solidFill>
+                <a:ea typeface="Arial Unicode MS" pitchFamily="34" charset="-128"/>
+                <a:cs typeface="Arial Unicode MS" pitchFamily="34" charset="-128"/>
+              </a:rPr>
+              <a:t> </a:t>
+            </a:r>
+          </a:p>
+        </p:txBody>
+      </p:sp>
+      <p:sp>
+        <p:nvSpPr>
+          <p:cNvPr id="4" name="Rectangle 3">
+            <a:extLst>
+              <a:ext uri="{FF2B5EF4-FFF2-40B4-BE49-F238E27FC236}">
+                <a16:creationId xmlns:a16="http://schemas.microsoft.com/office/drawing/2014/main" id="{736526CF-ED7C-2345-9D31-39540921535A}"/>
+              </a:ext>
+            </a:extLst>
+          </p:cNvPr>
+          <p:cNvSpPr/>
+          <p:nvPr/>
+        </p:nvSpPr>
+        <p:spPr>
+          <a:xfrm>
+            <a:off x="707086" y="2155248"/>
+            <a:ext cx="10541809" cy="46594"/>
+          </a:xfrm>
+          <a:prstGeom prst="rect">
+            <a:avLst/>
+          </a:prstGeom>
+        </p:spPr>
+        <p:style>
+          <a:lnRef idx="2">
+            <a:schemeClr val="accent1">
+              <a:shade val="50000"/>
+            </a:schemeClr>
+          </a:lnRef>
+          <a:fillRef idx="1">
+            <a:schemeClr val="accent1"/>
+          </a:fillRef>
+          <a:effectRef idx="0">
+            <a:schemeClr val="accent1"/>
+          </a:effectRef>
+          <a:fontRef idx="minor">
+            <a:schemeClr val="lt1"/>
+          </a:fontRef>
+        </p:style>
+        <p:txBody>
+          <a:bodyPr rtlCol="0" anchor="ctr"/>
+          <a:lstStyle/>
+          <a:p>
+            <a:pPr algn="ctr"/>
+            <a:endParaRPr lang="en-DE"/>
+          </a:p>
+        </p:txBody>
+      </p:sp>
+      <p:sp>
+        <p:nvSpPr>
+          <p:cNvPr id="21" name="Rectangle 20">
+            <a:extLst>
+              <a:ext uri="{FF2B5EF4-FFF2-40B4-BE49-F238E27FC236}">
+                <a16:creationId xmlns:a16="http://schemas.microsoft.com/office/drawing/2014/main" id="{33520AA3-DF78-9844-AEAB-FA7719836A3F}"/>
+              </a:ext>
+            </a:extLst>
+          </p:cNvPr>
+          <p:cNvSpPr/>
+          <p:nvPr/>
+        </p:nvSpPr>
+        <p:spPr>
+          <a:xfrm>
+            <a:off x="726397" y="4663997"/>
+            <a:ext cx="10541809" cy="46594"/>
+          </a:xfrm>
+          <a:prstGeom prst="rect">
+            <a:avLst/>
+          </a:prstGeom>
+        </p:spPr>
+        <p:style>
+          <a:lnRef idx="2">
+            <a:schemeClr val="accent1">
+              <a:shade val="50000"/>
+            </a:schemeClr>
+          </a:lnRef>
+          <a:fillRef idx="1">
+            <a:schemeClr val="accent1"/>
+          </a:fillRef>
+          <a:effectRef idx="0">
+            <a:schemeClr val="accent1"/>
+          </a:effectRef>
+          <a:fontRef idx="minor">
+            <a:schemeClr val="lt1"/>
+          </a:fontRef>
+        </p:style>
+        <p:txBody>
+          <a:bodyPr rtlCol="0" anchor="ctr"/>
+          <a:lstStyle/>
+          <a:p>
+            <a:pPr algn="ctr"/>
+            <a:endParaRPr lang="en-DE"/>
+          </a:p>
+        </p:txBody>
+      </p:sp>
+      <p:sp>
+        <p:nvSpPr>
+          <p:cNvPr id="22" name="TextBox 21">
+            <a:extLst>
+              <a:ext uri="{FF2B5EF4-FFF2-40B4-BE49-F238E27FC236}">
+                <a16:creationId xmlns:a16="http://schemas.microsoft.com/office/drawing/2014/main" id="{A97383FD-49E7-A544-9F48-83FE8D3C23E6}"/>
+              </a:ext>
+            </a:extLst>
+          </p:cNvPr>
+          <p:cNvSpPr txBox="1"/>
+          <p:nvPr/>
+        </p:nvSpPr>
+        <p:spPr>
+          <a:xfrm>
+            <a:off x="627996" y="3221786"/>
+            <a:ext cx="1723964" cy="646331"/>
+          </a:xfrm>
+          <a:prstGeom prst="rect">
+            <a:avLst/>
+          </a:prstGeom>
+          <a:noFill/>
+        </p:spPr>
+        <p:txBody>
+          <a:bodyPr wrap="square" rtlCol="0">
+            <a:spAutoFit/>
+          </a:bodyPr>
+          <a:lstStyle/>
+          <a:p>
+            <a:r>
+              <a:rPr lang="en-US" b="1" kern="0">
+                <a:solidFill>
+                  <a:schemeClr val="accent5">
+                    <a:lumMod val="75000"/>
+                  </a:schemeClr>
+                </a:solidFill>
+                <a:ea typeface="Arial Unicode MS" pitchFamily="34" charset="-128"/>
+                <a:cs typeface="Arial Unicode MS" pitchFamily="34" charset="-128"/>
+              </a:rPr>
+              <a:t>BUSINESS CUSTOMER</a:t>
+            </a:r>
+            <a:r>
+              <a:rPr lang="en-US" kern="0">
+                <a:solidFill>
+                  <a:schemeClr val="accent5">
+                    <a:lumMod val="75000"/>
+                  </a:schemeClr>
+                </a:solidFill>
+                <a:ea typeface="Arial Unicode MS" pitchFamily="34" charset="-128"/>
+                <a:cs typeface="Arial Unicode MS" pitchFamily="34" charset="-128"/>
+              </a:rPr>
+              <a:t> </a:t>
+            </a:r>
+          </a:p>
+        </p:txBody>
+      </p:sp>
+      <p:sp>
+        <p:nvSpPr>
+          <p:cNvPr id="23" name="TextBox 22">
+            <a:extLst>
+              <a:ext uri="{FF2B5EF4-FFF2-40B4-BE49-F238E27FC236}">
+                <a16:creationId xmlns:a16="http://schemas.microsoft.com/office/drawing/2014/main" id="{A1ADE29E-BA2C-1747-8301-12ACC041D87F}"/>
+              </a:ext>
+            </a:extLst>
+          </p:cNvPr>
+          <p:cNvSpPr txBox="1"/>
+          <p:nvPr/>
+        </p:nvSpPr>
+        <p:spPr>
+          <a:xfrm>
+            <a:off x="707087" y="5341577"/>
+            <a:ext cx="1314888" cy="646331"/>
+          </a:xfrm>
+          <a:prstGeom prst="rect">
+            <a:avLst/>
+          </a:prstGeom>
+          <a:noFill/>
+        </p:spPr>
+        <p:txBody>
+          <a:bodyPr wrap="square" rtlCol="0">
+            <a:spAutoFit/>
+          </a:bodyPr>
+          <a:lstStyle/>
+          <a:p>
+            <a:r>
+              <a:rPr lang="en-US" b="1" kern="0">
+                <a:solidFill>
+                  <a:schemeClr val="accent3"/>
+                </a:solidFill>
+                <a:ea typeface="Arial Unicode MS" pitchFamily="34" charset="-128"/>
+                <a:cs typeface="Arial Unicode MS" pitchFamily="34" charset="-128"/>
+              </a:rPr>
+              <a:t>FRANCHISE </a:t>
+            </a:r>
+          </a:p>
+          <a:p>
+            <a:r>
+              <a:rPr lang="en-US" b="1" kern="0">
+                <a:solidFill>
+                  <a:schemeClr val="accent3"/>
+                </a:solidFill>
+                <a:ea typeface="Arial Unicode MS" pitchFamily="34" charset="-128"/>
+                <a:cs typeface="Arial Unicode MS" pitchFamily="34" charset="-128"/>
+              </a:rPr>
+              <a:t>COMPANY</a:t>
+            </a:r>
+            <a:endParaRPr lang="en-US" kern="0">
+              <a:solidFill>
+                <a:schemeClr val="accent3"/>
+              </a:solidFill>
+              <a:ea typeface="Arial Unicode MS" pitchFamily="34" charset="-128"/>
+              <a:cs typeface="Arial Unicode MS" pitchFamily="34" charset="-128"/>
+            </a:endParaRPr>
+          </a:p>
+        </p:txBody>
+      </p:sp>
+      <p:sp>
+        <p:nvSpPr>
+          <p:cNvPr id="24" name="TextBox 23">
+            <a:extLst>
+              <a:ext uri="{FF2B5EF4-FFF2-40B4-BE49-F238E27FC236}">
+                <a16:creationId xmlns:a16="http://schemas.microsoft.com/office/drawing/2014/main" id="{F6E58648-7024-F845-85E1-EE81F5FFF3F3}"/>
+              </a:ext>
+            </a:extLst>
+          </p:cNvPr>
+          <p:cNvSpPr txBox="1"/>
+          <p:nvPr/>
+        </p:nvSpPr>
+        <p:spPr>
+          <a:xfrm>
+            <a:off x="2700448" y="5618576"/>
+            <a:ext cx="1971758" cy="369332"/>
+          </a:xfrm>
+          <a:prstGeom prst="rect">
+            <a:avLst/>
+          </a:prstGeom>
+          <a:noFill/>
+        </p:spPr>
+        <p:txBody>
+          <a:bodyPr wrap="none" rtlCol="0">
+            <a:spAutoFit/>
+          </a:bodyPr>
+          <a:lstStyle/>
+          <a:p>
+            <a:r>
+              <a:rPr lang="en-DE">
+                <a:solidFill>
+                  <a:schemeClr val="accent3"/>
+                </a:solidFill>
+              </a:rPr>
+              <a:t>Franchise Manager</a:t>
+            </a:r>
+          </a:p>
+        </p:txBody>
+      </p:sp>
+      <p:pic>
+        <p:nvPicPr>
+          <p:cNvPr id="25" name="Picture 2" descr="Person icon - Free download on Iconfinder">
+            <a:extLst>
+              <a:ext uri="{FF2B5EF4-FFF2-40B4-BE49-F238E27FC236}">
+                <a16:creationId xmlns:a16="http://schemas.microsoft.com/office/drawing/2014/main" id="{14081C55-B0EF-5A45-B7F9-2AD299AB2042}"/>
+              </a:ext>
+            </a:extLst>
+          </p:cNvPr>
+          <p:cNvPicPr>
+            <a:picLocks noChangeAspect="1" noChangeArrowheads="1"/>
+          </p:cNvPicPr>
+          <p:nvPr/>
+        </p:nvPicPr>
+        <p:blipFill rotWithShape="1">
+          <a:blip r:embed="rId2">
+            <a:duotone>
+              <a:schemeClr val="bg2">
+                <a:shade val="45000"/>
+                <a:satMod val="135000"/>
+              </a:schemeClr>
+              <a:prstClr val="white"/>
+            </a:duotone>
+            <a:extLst>
+              <a:ext uri="{28A0092B-C50C-407E-A947-70E740481C1C}">
+                <a14:useLocalDpi xmlns:a14="http://schemas.microsoft.com/office/drawing/2010/main" val="0"/>
+              </a:ext>
+            </a:extLst>
+          </a:blip>
+          <a:srcRect l="15080" t="15830" r="14159" b="16310"/>
+          <a:stretch/>
+        </p:blipFill>
+        <p:spPr bwMode="auto">
+          <a:xfrm>
+            <a:off x="3307067" y="5000237"/>
+            <a:ext cx="710553" cy="681433"/>
+          </a:xfrm>
+          <a:prstGeom prst="rect">
+            <a:avLst/>
+          </a:prstGeom>
+          <a:noFill/>
+          <a:extLst>
+            <a:ext uri="{909E8E84-426E-40DD-AFC4-6F175D3DCCD1}">
+              <a14:hiddenFill xmlns:a14="http://schemas.microsoft.com/office/drawing/2010/main">
+                <a:solidFill>
+                  <a:srgbClr val="FFFFFF"/>
+                </a:solidFill>
+              </a14:hiddenFill>
+            </a:ext>
+          </a:extLst>
+        </p:spPr>
+      </p:pic>
+      <p:sp>
+        <p:nvSpPr>
+          <p:cNvPr id="31" name="TextBox 30">
+            <a:extLst>
+              <a:ext uri="{FF2B5EF4-FFF2-40B4-BE49-F238E27FC236}">
+                <a16:creationId xmlns:a16="http://schemas.microsoft.com/office/drawing/2014/main" id="{E44515B4-DBB1-2E46-A3D5-1D7E8D2AA39F}"/>
+              </a:ext>
+            </a:extLst>
+          </p:cNvPr>
+          <p:cNvSpPr txBox="1"/>
+          <p:nvPr/>
+        </p:nvSpPr>
+        <p:spPr>
+          <a:xfrm>
+            <a:off x="3307067" y="1587009"/>
+            <a:ext cx="936347" cy="369332"/>
+          </a:xfrm>
+          <a:prstGeom prst="rect">
+            <a:avLst/>
+          </a:prstGeom>
+          <a:noFill/>
+        </p:spPr>
+        <p:txBody>
+          <a:bodyPr wrap="none" rtlCol="0">
+            <a:spAutoFit/>
+          </a:bodyPr>
+          <a:lstStyle/>
+          <a:p>
+            <a:r>
+              <a:rPr lang="en-DE">
+                <a:solidFill>
+                  <a:srgbClr val="7030A0"/>
+                </a:solidFill>
+              </a:rPr>
+              <a:t>Partner</a:t>
+            </a:r>
+            <a:r>
+              <a:rPr lang="en-DE"/>
+              <a:t> </a:t>
+            </a:r>
+          </a:p>
+        </p:txBody>
+      </p:sp>
+      <p:sp>
+        <p:nvSpPr>
+          <p:cNvPr id="34" name="Rounded Rectangle 33">
+            <a:extLst>
+              <a:ext uri="{FF2B5EF4-FFF2-40B4-BE49-F238E27FC236}">
+                <a16:creationId xmlns:a16="http://schemas.microsoft.com/office/drawing/2014/main" id="{2EA81886-C970-8E4E-838A-D6A1755DF41F}"/>
+              </a:ext>
+            </a:extLst>
+          </p:cNvPr>
+          <p:cNvSpPr/>
+          <p:nvPr/>
+        </p:nvSpPr>
+        <p:spPr>
+          <a:xfrm>
+            <a:off x="4721534" y="2621479"/>
+            <a:ext cx="3740206" cy="1411532"/>
+          </a:xfrm>
+          <a:prstGeom prst="roundRect">
+            <a:avLst/>
+          </a:prstGeom>
+          <a:noFill/>
+          <a:ln w="38100">
+            <a:solidFill>
+              <a:schemeClr val="accent4"/>
+            </a:solidFill>
+            <a:prstDash val="dash"/>
+          </a:ln>
+        </p:spPr>
+        <p:style>
+          <a:lnRef idx="2">
+            <a:schemeClr val="accent1">
+              <a:shade val="50000"/>
+            </a:schemeClr>
+          </a:lnRef>
+          <a:fillRef idx="1">
+            <a:schemeClr val="accent1"/>
+          </a:fillRef>
+          <a:effectRef idx="0">
+            <a:schemeClr val="accent1"/>
+          </a:effectRef>
+          <a:fontRef idx="minor">
+            <a:schemeClr val="lt1"/>
+          </a:fontRef>
+        </p:style>
+        <p:txBody>
+          <a:bodyPr rtlCol="0" anchor="ctr"/>
+          <a:lstStyle/>
+          <a:p>
+            <a:pPr algn="ctr"/>
+            <a:endParaRPr lang="en-DE"/>
+          </a:p>
+        </p:txBody>
+      </p:sp>
+      <p:pic>
+        <p:nvPicPr>
+          <p:cNvPr id="1028" name="Picture 4" descr="My Sales Consultant Svg Png Icon Free Download (#140545) -  OnlineWebFonts.COM">
+            <a:extLst>
+              <a:ext uri="{FF2B5EF4-FFF2-40B4-BE49-F238E27FC236}">
+                <a16:creationId xmlns:a16="http://schemas.microsoft.com/office/drawing/2014/main" id="{41BEAAA0-DC37-6944-BC4E-C602C878F85A}"/>
+              </a:ext>
+            </a:extLst>
+          </p:cNvPr>
+          <p:cNvPicPr>
+            <a:picLocks noChangeAspect="1" noChangeArrowheads="1"/>
+          </p:cNvPicPr>
+          <p:nvPr/>
+        </p:nvPicPr>
+        <p:blipFill>
+          <a:blip r:embed="rId3">
+            <a:duotone>
+              <a:schemeClr val="accent1">
+                <a:shade val="45000"/>
+                <a:satMod val="135000"/>
+              </a:schemeClr>
+              <a:prstClr val="white"/>
+            </a:duotone>
+            <a:extLst>
+              <a:ext uri="{28A0092B-C50C-407E-A947-70E740481C1C}">
+                <a14:useLocalDpi xmlns:a14="http://schemas.microsoft.com/office/drawing/2010/main" val="0"/>
+              </a:ext>
+            </a:extLst>
+          </a:blip>
+          <a:srcRect/>
+          <a:stretch>
+            <a:fillRect/>
+          </a:stretch>
+        </p:blipFill>
+        <p:spPr bwMode="auto">
+          <a:xfrm>
+            <a:off x="3226260" y="2968901"/>
+            <a:ext cx="647357" cy="662855"/>
+          </a:xfrm>
+          <a:prstGeom prst="rect">
+            <a:avLst/>
+          </a:prstGeom>
+          <a:noFill/>
+          <a:extLst>
+            <a:ext uri="{909E8E84-426E-40DD-AFC4-6F175D3DCCD1}">
+              <a14:hiddenFill xmlns:a14="http://schemas.microsoft.com/office/drawing/2010/main">
+                <a:solidFill>
+                  <a:srgbClr val="FFFFFF"/>
+                </a:solidFill>
+              </a14:hiddenFill>
+            </a:ext>
+          </a:extLst>
+        </p:spPr>
+      </p:pic>
+      <p:pic>
+        <p:nvPicPr>
+          <p:cNvPr id="1030" name="Picture 6" descr="Operator Svg Png Icon Free Download (#506180) - OnlineWebFonts.COM">
+            <a:extLst>
+              <a:ext uri="{FF2B5EF4-FFF2-40B4-BE49-F238E27FC236}">
+                <a16:creationId xmlns:a16="http://schemas.microsoft.com/office/drawing/2014/main" id="{C442D164-37B5-EF4B-B128-701767BBA41E}"/>
+              </a:ext>
+            </a:extLst>
+          </p:cNvPr>
+          <p:cNvPicPr>
+            <a:picLocks noChangeAspect="1" noChangeArrowheads="1"/>
+          </p:cNvPicPr>
+          <p:nvPr/>
+        </p:nvPicPr>
+        <p:blipFill>
+          <a:blip r:embed="rId4">
+            <a:duotone>
+              <a:schemeClr val="accent1">
+                <a:shade val="45000"/>
+                <a:satMod val="135000"/>
+              </a:schemeClr>
+              <a:prstClr val="white"/>
+            </a:duotone>
+            <a:extLst>
+              <a:ext uri="{28A0092B-C50C-407E-A947-70E740481C1C}">
+                <a14:useLocalDpi xmlns:a14="http://schemas.microsoft.com/office/drawing/2010/main" val="0"/>
+              </a:ext>
+            </a:extLst>
+          </a:blip>
+          <a:srcRect/>
+          <a:stretch>
+            <a:fillRect/>
+          </a:stretch>
+        </p:blipFill>
+        <p:spPr bwMode="auto">
+          <a:xfrm>
+            <a:off x="9477922" y="2876568"/>
+            <a:ext cx="603321" cy="662855"/>
+          </a:xfrm>
+          <a:prstGeom prst="rect">
+            <a:avLst/>
+          </a:prstGeom>
+          <a:noFill/>
+          <a:extLst>
+            <a:ext uri="{909E8E84-426E-40DD-AFC4-6F175D3DCCD1}">
+              <a14:hiddenFill xmlns:a14="http://schemas.microsoft.com/office/drawing/2010/main">
+                <a:solidFill>
+                  <a:srgbClr val="FFFFFF"/>
+                </a:solidFill>
+              </a14:hiddenFill>
+            </a:ext>
+          </a:extLst>
+        </p:spPr>
+      </p:pic>
+      <p:pic>
+        <p:nvPicPr>
+          <p:cNvPr id="19" name="Picture 18" descr="A picture containing text, clipart&#10;&#10;Description automatically generated">
+            <a:extLst>
+              <a:ext uri="{FF2B5EF4-FFF2-40B4-BE49-F238E27FC236}">
+                <a16:creationId xmlns:a16="http://schemas.microsoft.com/office/drawing/2014/main" id="{41D426B1-08AE-604F-99FA-672EAF7E97E9}"/>
+              </a:ext>
+            </a:extLst>
+          </p:cNvPr>
+          <p:cNvPicPr>
+            <a:picLocks noChangeAspect="1"/>
+          </p:cNvPicPr>
+          <p:nvPr/>
+        </p:nvPicPr>
+        <p:blipFill>
+          <a:blip r:embed="rId5"/>
+          <a:stretch>
+            <a:fillRect/>
+          </a:stretch>
+        </p:blipFill>
+        <p:spPr>
+          <a:xfrm>
+            <a:off x="3420430" y="1003443"/>
+            <a:ext cx="562565" cy="635698"/>
+          </a:xfrm>
+          <a:prstGeom prst="rect">
+            <a:avLst/>
+          </a:prstGeom>
+        </p:spPr>
+      </p:pic>
+      <p:pic>
+        <p:nvPicPr>
+          <p:cNvPr id="26" name="Picture 25">
+            <a:extLst>
+              <a:ext uri="{FF2B5EF4-FFF2-40B4-BE49-F238E27FC236}">
+                <a16:creationId xmlns:a16="http://schemas.microsoft.com/office/drawing/2014/main" id="{58BD14CC-8196-2F46-9BC9-2F488D29BEE7}"/>
+              </a:ext>
+            </a:extLst>
+          </p:cNvPr>
+          <p:cNvPicPr>
+            <a:picLocks noChangeAspect="1"/>
+          </p:cNvPicPr>
+          <p:nvPr/>
+        </p:nvPicPr>
+        <p:blipFill>
+          <a:blip r:embed="rId6">
+            <a:duotone>
+              <a:schemeClr val="accent1">
+                <a:shade val="45000"/>
+                <a:satMod val="135000"/>
+              </a:schemeClr>
+              <a:prstClr val="white"/>
+            </a:duotone>
+          </a:blip>
+          <a:stretch>
+            <a:fillRect/>
+          </a:stretch>
+        </p:blipFill>
+        <p:spPr>
+          <a:xfrm>
+            <a:off x="6092093" y="2780002"/>
+            <a:ext cx="943837" cy="821138"/>
+          </a:xfrm>
+          <a:prstGeom prst="rect">
+            <a:avLst/>
+          </a:prstGeom>
+        </p:spPr>
+      </p:pic>
+      <p:sp>
+        <p:nvSpPr>
+          <p:cNvPr id="5" name="TextBox 4">
+            <a:extLst>
+              <a:ext uri="{FF2B5EF4-FFF2-40B4-BE49-F238E27FC236}">
+                <a16:creationId xmlns:a16="http://schemas.microsoft.com/office/drawing/2014/main" id="{82A30F02-1FF3-8F44-BE94-2614513119F8}"/>
+              </a:ext>
+            </a:extLst>
+          </p:cNvPr>
+          <p:cNvSpPr txBox="1"/>
+          <p:nvPr/>
+        </p:nvSpPr>
+        <p:spPr>
+          <a:xfrm>
+            <a:off x="4111465" y="1148309"/>
+            <a:ext cx="2598788" cy="507831"/>
+          </a:xfrm>
+          <a:prstGeom prst="rect">
+            <a:avLst/>
+          </a:prstGeom>
+          <a:noFill/>
+        </p:spPr>
+        <p:txBody>
+          <a:bodyPr wrap="none" rtlCol="0">
+            <a:spAutoFit/>
+          </a:bodyPr>
+          <a:lstStyle/>
+          <a:p>
+            <a:pPr marL="171450" indent="-171450">
+              <a:buClr>
+                <a:schemeClr val="accent4"/>
+              </a:buClr>
+              <a:buFont typeface="Wingdings" pitchFamily="2" charset="2"/>
+              <a:buChar char="ü"/>
+            </a:pPr>
+            <a:r>
+              <a:rPr lang="en-DE" sz="900"/>
+              <a:t>Application developer</a:t>
+            </a:r>
+          </a:p>
+          <a:p>
+            <a:pPr marL="171450" indent="-171450">
+              <a:buClr>
+                <a:schemeClr val="accent4"/>
+              </a:buClr>
+              <a:buFont typeface="Wingdings" pitchFamily="2" charset="2"/>
+              <a:buChar char="ü"/>
+            </a:pPr>
+            <a:r>
+              <a:rPr lang="en-DE" sz="900"/>
+              <a:t>Cloud native mindset &amp; skills</a:t>
+            </a:r>
+          </a:p>
+          <a:p>
+            <a:pPr marL="171450" indent="-171450">
+              <a:buClr>
+                <a:schemeClr val="accent4"/>
+              </a:buClr>
+              <a:buFont typeface="Wingdings" pitchFamily="2" charset="2"/>
+              <a:buChar char="ü"/>
+            </a:pPr>
+            <a:r>
+              <a:rPr lang="en-DE" sz="900"/>
+              <a:t>Create apps de facilitate franchise management</a:t>
+            </a:r>
+            <a:endParaRPr lang="en-DE"/>
+          </a:p>
+        </p:txBody>
+      </p:sp>
+      <p:sp>
+        <p:nvSpPr>
+          <p:cNvPr id="27" name="TextBox 26">
+            <a:extLst>
+              <a:ext uri="{FF2B5EF4-FFF2-40B4-BE49-F238E27FC236}">
+                <a16:creationId xmlns:a16="http://schemas.microsoft.com/office/drawing/2014/main" id="{736EF79A-102F-3E4D-809E-2C0FEECA6CA8}"/>
+              </a:ext>
+            </a:extLst>
+          </p:cNvPr>
+          <p:cNvSpPr txBox="1"/>
+          <p:nvPr/>
+        </p:nvSpPr>
+        <p:spPr>
+          <a:xfrm>
+            <a:off x="6913550" y="2997722"/>
+            <a:ext cx="1535998" cy="507831"/>
+          </a:xfrm>
+          <a:prstGeom prst="rect">
+            <a:avLst/>
+          </a:prstGeom>
+          <a:noFill/>
+        </p:spPr>
+        <p:txBody>
+          <a:bodyPr wrap="none" rtlCol="0">
+            <a:spAutoFit/>
+          </a:bodyPr>
+          <a:lstStyle/>
+          <a:p>
+            <a:pPr marL="171450" indent="-171450">
+              <a:buClr>
+                <a:schemeClr val="accent4"/>
+              </a:buClr>
+              <a:buFont typeface="Wingdings" pitchFamily="2" charset="2"/>
+              <a:buChar char="ü"/>
+            </a:pPr>
+            <a:r>
+              <a:rPr lang="en-DE" sz="900"/>
+              <a:t>Application user</a:t>
+            </a:r>
+          </a:p>
+          <a:p>
+            <a:pPr marL="171450" indent="-171450">
+              <a:buClr>
+                <a:schemeClr val="accent4"/>
+              </a:buClr>
+              <a:buFont typeface="Wingdings" pitchFamily="2" charset="2"/>
+              <a:buChar char="ü"/>
+            </a:pPr>
+            <a:r>
+              <a:rPr lang="en-DE" sz="900"/>
+              <a:t>Employee of City Scooter</a:t>
+            </a:r>
+          </a:p>
+          <a:p>
+            <a:pPr marL="171450" indent="-171450">
+              <a:buClr>
+                <a:schemeClr val="accent4"/>
+              </a:buClr>
+              <a:buFont typeface="Wingdings" pitchFamily="2" charset="2"/>
+              <a:buChar char="ü"/>
+            </a:pPr>
+            <a:r>
+              <a:rPr lang="en-DE" sz="900"/>
+              <a:t>Name: John Doe</a:t>
+            </a:r>
+          </a:p>
+        </p:txBody>
+      </p:sp>
+    </p:spTree>
+    <p:extLst>
+      <p:ext uri="{BB962C8B-B14F-4D97-AF65-F5344CB8AC3E}">
+        <p14:creationId xmlns:p14="http://schemas.microsoft.com/office/powerpoint/2010/main" val="3259412879"/>
+      </p:ext>
+    </p:extLst>
+  </p:cSld>
+  <p:clrMapOvr>
+    <a:masterClrMapping/>
+  </p:clrMapOvr>
+  <p:timing>
+    <p:tnLst>
+      <p:par>
+        <p:cTn id="1" dur="indefinite" restart="never" nodeType="tmRoot">
+          <p:childTnLst>
+            <p:seq concurrent="1" nextAc="seek">
+              <p:cTn id="2" dur="indefinite" nodeType="mainSeq">
+                <p:childTnLst>
+                  <p:par>
+                    <p:cTn id="3" fill="hold">
+                      <p:stCondLst>
+                        <p:cond delay="indefinite"/>
+                      </p:stCondLst>
+                      <p:childTnLst>
+                        <p:par>
+                          <p:cTn id="4" fill="hold">
+                            <p:stCondLst>
+                              <p:cond delay="0"/>
+                            </p:stCondLst>
+                            <p:childTnLst>
+                              <p:par>
+                                <p:cTn id="5" presetID="21" presetClass="entr" presetSubtype="1" fill="hold" grpId="0" nodeType="clickEffect">
+                                  <p:stCondLst>
+                                    <p:cond delay="0"/>
+                                  </p:stCondLst>
+                                  <p:childTnLst>
+                                    <p:set>
+                                      <p:cBhvr>
+                                        <p:cTn id="6" dur="1" fill="hold">
+                                          <p:stCondLst>
+                                            <p:cond delay="0"/>
+                                          </p:stCondLst>
+                                        </p:cTn>
+                                        <p:tgtEl>
+                                          <p:spTgt spid="34"/>
+                                        </p:tgtEl>
+                                        <p:attrNameLst>
+                                          <p:attrName>style.visibility</p:attrName>
+                                        </p:attrNameLst>
+                                      </p:cBhvr>
+                                      <p:to>
+                                        <p:strVal val="visible"/>
+                                      </p:to>
+                                    </p:set>
+                                    <p:animEffect transition="in" filter="wheel(1)">
+                                      <p:cBhvr>
+                                        <p:cTn id="7" dur="2000"/>
+                                        <p:tgtEl>
+                                          <p:spTgt spid="34"/>
+                                        </p:tgtEl>
+                                      </p:cBhvr>
+                                    </p:animEffect>
+                                  </p:childTnLst>
+                                </p:cTn>
+                              </p:par>
+                            </p:childTnLst>
+                          </p:cTn>
+                        </p:par>
+                      </p:childTnLst>
+                    </p:cTn>
+                  </p:par>
+                </p:childTnLst>
+              </p:cTn>
+              <p:prevCondLst>
+                <p:cond evt="onPrev" delay="0">
+                  <p:tgtEl>
+                    <p:sldTgt/>
+                  </p:tgtEl>
+                </p:cond>
+              </p:prevCondLst>
+              <p:nextCondLst>
+                <p:cond evt="onNext" delay="0">
+                  <p:tgtEl>
+                    <p:sldTgt/>
+                  </p:tgtEl>
+                </p:cond>
+              </p:nextCondLst>
+            </p:seq>
+          </p:childTnLst>
+        </p:cTn>
+      </p:par>
+    </p:tnLst>
+    <p:bldLst>
+      <p:bldP spid="34" grpId="0" animBg="1"/>
+    </p:bldLst>
+  </p:timing>
+</p:sld>
+</file>
+
 <file path=ppt/slides/slide2.xml><?xml version="1.0" encoding="utf-8"?>
 <p:sld xmlns:a="http://schemas.openxmlformats.org/drawingml/2006/main" xmlns:r="http://schemas.openxmlformats.org/officeDocument/2006/relationships" xmlns:p="http://schemas.openxmlformats.org/presentationml/2006/main">
   <p:cSld>
@@ -10439,7 +11692,7 @@
     </p:spTree>
     <p:extLst>
       <p:ext uri="{BB962C8B-B14F-4D97-AF65-F5344CB8AC3E}">
-        <p14:creationId xmlns:p14="http://schemas.microsoft.com/office/powerpoint/2010/main" val="4128701898"/>
+        <p14:creationId xmlns:p14="http://schemas.microsoft.com/office/powerpoint/2010/main" val="2288082032"/>
       </p:ext>
     </p:extLst>
   </p:cSld>
@@ -18103,12 +19356,5218 @@
           <a:chExt cx="0" cy="0"/>
         </a:xfrm>
       </p:grpSpPr>
+      <p:sp>
+        <p:nvSpPr>
+          <p:cNvPr id="91" name="Rectangle 90">
+            <a:extLst>
+              <a:ext uri="{FF2B5EF4-FFF2-40B4-BE49-F238E27FC236}">
+                <a16:creationId xmlns:a16="http://schemas.microsoft.com/office/drawing/2014/main" id="{D901E0BA-9E60-724C-A59C-C495F94FF5E3}"/>
+              </a:ext>
+            </a:extLst>
+          </p:cNvPr>
+          <p:cNvSpPr/>
+          <p:nvPr/>
+        </p:nvSpPr>
+        <p:spPr>
+          <a:xfrm>
+            <a:off x="9739932" y="901391"/>
+            <a:ext cx="1796800" cy="5400178"/>
+          </a:xfrm>
+          <a:prstGeom prst="rect">
+            <a:avLst/>
+          </a:prstGeom>
+          <a:solidFill>
+            <a:schemeClr val="bg1"/>
+          </a:solidFill>
+          <a:ln w="15875">
+            <a:solidFill>
+              <a:schemeClr val="bg1">
+                <a:lumMod val="65000"/>
+              </a:schemeClr>
+            </a:solidFill>
+            <a:prstDash val="sysDot"/>
+          </a:ln>
+        </p:spPr>
+        <p:style>
+          <a:lnRef idx="2">
+            <a:schemeClr val="accent1">
+              <a:shade val="50000"/>
+            </a:schemeClr>
+          </a:lnRef>
+          <a:fillRef idx="1">
+            <a:schemeClr val="accent1"/>
+          </a:fillRef>
+          <a:effectRef idx="0">
+            <a:schemeClr val="accent1"/>
+          </a:effectRef>
+          <a:fontRef idx="minor">
+            <a:schemeClr val="lt1"/>
+          </a:fontRef>
+        </p:style>
+        <p:txBody>
+          <a:bodyPr rtlCol="0" anchor="ctr"/>
+          <a:lstStyle/>
+          <a:p>
+            <a:pPr algn="ctr"/>
+            <a:r>
+              <a:rPr lang="en-DE" sz="1400" dirty="0">
+                <a:solidFill>
+                  <a:schemeClr val="tx1"/>
+                </a:solidFill>
+              </a:rPr>
+              <a:t>SAP </a:t>
+            </a:r>
+          </a:p>
+          <a:p>
+            <a:pPr algn="ctr"/>
+            <a:r>
+              <a:rPr lang="en-DE" sz="1400" dirty="0">
+                <a:solidFill>
+                  <a:schemeClr val="tx1"/>
+                </a:solidFill>
+              </a:rPr>
+              <a:t>S/4HANA </a:t>
+            </a:r>
+          </a:p>
+          <a:p>
+            <a:pPr algn="ctr"/>
+            <a:r>
+              <a:rPr lang="en-DE" sz="1400" dirty="0">
+                <a:solidFill>
+                  <a:schemeClr val="tx1"/>
+                </a:solidFill>
+              </a:rPr>
+              <a:t>Cloud</a:t>
+            </a:r>
+          </a:p>
+        </p:txBody>
+      </p:sp>
+      <p:sp>
+        <p:nvSpPr>
+          <p:cNvPr id="90" name="Rectangle 89">
+            <a:extLst>
+              <a:ext uri="{FF2B5EF4-FFF2-40B4-BE49-F238E27FC236}">
+                <a16:creationId xmlns:a16="http://schemas.microsoft.com/office/drawing/2014/main" id="{E1BD0654-56A5-8640-BE7B-C9C4696B46BF}"/>
+              </a:ext>
+            </a:extLst>
+          </p:cNvPr>
+          <p:cNvSpPr/>
+          <p:nvPr/>
+        </p:nvSpPr>
+        <p:spPr>
+          <a:xfrm>
+            <a:off x="9587532" y="748990"/>
+            <a:ext cx="1796800" cy="5400177"/>
+          </a:xfrm>
+          <a:prstGeom prst="rect">
+            <a:avLst/>
+          </a:prstGeom>
+          <a:solidFill>
+            <a:schemeClr val="bg1"/>
+          </a:solidFill>
+          <a:ln w="15875">
+            <a:solidFill>
+              <a:schemeClr val="bg1">
+                <a:lumMod val="65000"/>
+              </a:schemeClr>
+            </a:solidFill>
+            <a:prstDash val="sysDot"/>
+          </a:ln>
+        </p:spPr>
+        <p:style>
+          <a:lnRef idx="2">
+            <a:schemeClr val="accent1">
+              <a:shade val="50000"/>
+            </a:schemeClr>
+          </a:lnRef>
+          <a:fillRef idx="1">
+            <a:schemeClr val="accent1"/>
+          </a:fillRef>
+          <a:effectRef idx="0">
+            <a:schemeClr val="accent1"/>
+          </a:effectRef>
+          <a:fontRef idx="minor">
+            <a:schemeClr val="lt1"/>
+          </a:fontRef>
+        </p:style>
+        <p:txBody>
+          <a:bodyPr rtlCol="0" anchor="ctr"/>
+          <a:lstStyle/>
+          <a:p>
+            <a:pPr algn="ctr"/>
+            <a:r>
+              <a:rPr lang="en-DE" sz="1400" dirty="0">
+                <a:solidFill>
+                  <a:schemeClr val="tx1"/>
+                </a:solidFill>
+              </a:rPr>
+              <a:t>SAP </a:t>
+            </a:r>
+          </a:p>
+          <a:p>
+            <a:pPr algn="ctr"/>
+            <a:r>
+              <a:rPr lang="en-DE" sz="1400" dirty="0">
+                <a:solidFill>
+                  <a:schemeClr val="tx1"/>
+                </a:solidFill>
+              </a:rPr>
+              <a:t>S/4HANA </a:t>
+            </a:r>
+          </a:p>
+          <a:p>
+            <a:pPr algn="ctr"/>
+            <a:r>
+              <a:rPr lang="en-DE" sz="1400" dirty="0">
+                <a:solidFill>
+                  <a:schemeClr val="tx1"/>
+                </a:solidFill>
+              </a:rPr>
+              <a:t>Cloud</a:t>
+            </a:r>
+          </a:p>
+        </p:txBody>
+      </p:sp>
+      <p:sp>
+        <p:nvSpPr>
+          <p:cNvPr id="87" name="Rectangle 86">
+            <a:extLst>
+              <a:ext uri="{FF2B5EF4-FFF2-40B4-BE49-F238E27FC236}">
+                <a16:creationId xmlns:a16="http://schemas.microsoft.com/office/drawing/2014/main" id="{3583A072-8D9E-174A-B145-3D6A6CB4F1E1}"/>
+              </a:ext>
+            </a:extLst>
+          </p:cNvPr>
+          <p:cNvSpPr/>
+          <p:nvPr/>
+        </p:nvSpPr>
+        <p:spPr>
+          <a:xfrm>
+            <a:off x="9435132" y="596590"/>
+            <a:ext cx="1796800" cy="5400177"/>
+          </a:xfrm>
+          <a:prstGeom prst="rect">
+            <a:avLst/>
+          </a:prstGeom>
+          <a:solidFill>
+            <a:schemeClr val="bg1"/>
+          </a:solidFill>
+          <a:ln w="15875">
+            <a:solidFill>
+              <a:schemeClr val="bg1">
+                <a:lumMod val="65000"/>
+              </a:schemeClr>
+            </a:solidFill>
+            <a:prstDash val="sysDot"/>
+          </a:ln>
+        </p:spPr>
+        <p:style>
+          <a:lnRef idx="2">
+            <a:schemeClr val="accent1">
+              <a:shade val="50000"/>
+            </a:schemeClr>
+          </a:lnRef>
+          <a:fillRef idx="1">
+            <a:schemeClr val="accent1"/>
+          </a:fillRef>
+          <a:effectRef idx="0">
+            <a:schemeClr val="accent1"/>
+          </a:effectRef>
+          <a:fontRef idx="minor">
+            <a:schemeClr val="lt1"/>
+          </a:fontRef>
+        </p:style>
+        <p:txBody>
+          <a:bodyPr rtlCol="0" anchor="ctr"/>
+          <a:lstStyle/>
+          <a:p>
+            <a:pPr algn="ctr"/>
+            <a:endParaRPr lang="en-DE" sz="1400" dirty="0">
+              <a:solidFill>
+                <a:schemeClr val="tx1"/>
+              </a:solidFill>
+            </a:endParaRPr>
+          </a:p>
+        </p:txBody>
+      </p:sp>
+      <p:sp>
+        <p:nvSpPr>
+          <p:cNvPr id="4" name="Rechteck 9">
+            <a:extLst>
+              <a:ext uri="{FF2B5EF4-FFF2-40B4-BE49-F238E27FC236}">
+                <a16:creationId xmlns:a16="http://schemas.microsoft.com/office/drawing/2014/main" id="{843DC14A-BA69-7D46-ACB3-B95EC3790DCE}"/>
+              </a:ext>
+            </a:extLst>
+          </p:cNvPr>
+          <p:cNvSpPr/>
+          <p:nvPr/>
+        </p:nvSpPr>
+        <p:spPr>
+          <a:xfrm>
+            <a:off x="1591283" y="1114572"/>
+            <a:ext cx="3530632" cy="4968176"/>
+          </a:xfrm>
+          <a:prstGeom prst="rect">
+            <a:avLst/>
+          </a:prstGeom>
+          <a:solidFill>
+            <a:schemeClr val="accent5">
+              <a:lumMod val="20000"/>
+              <a:lumOff val="80000"/>
+            </a:schemeClr>
+          </a:solidFill>
+          <a:ln w="19050" cap="rnd">
+            <a:solidFill>
+              <a:srgbClr val="0092D1"/>
+            </a:solidFill>
+          </a:ln>
+        </p:spPr>
+        <p:style>
+          <a:lnRef idx="2">
+            <a:schemeClr val="accent1">
+              <a:shade val="50000"/>
+            </a:schemeClr>
+          </a:lnRef>
+          <a:fillRef idx="1">
+            <a:schemeClr val="accent1"/>
+          </a:fillRef>
+          <a:effectRef idx="0">
+            <a:schemeClr val="accent1"/>
+          </a:effectRef>
+          <a:fontRef idx="minor">
+            <a:schemeClr val="lt1"/>
+          </a:fontRef>
+        </p:style>
+        <p:txBody>
+          <a:bodyPr lIns="71981" tIns="71981" rIns="71981" bIns="71981" rtlCol="0" anchor="t"/>
+          <a:lstStyle/>
+          <a:p>
+            <a:r>
+              <a:rPr lang="en-US" sz="1200" dirty="0">
+                <a:solidFill>
+                  <a:schemeClr val="accent5"/>
+                </a:solidFill>
+                <a:latin typeface="Arial" panose="020B0604020202020204" pitchFamily="34" charset="0"/>
+                <a:cs typeface="Arial" panose="020B0604020202020204" pitchFamily="34" charset="0"/>
+              </a:rPr>
+              <a:t>Partner </a:t>
+            </a:r>
+            <a:r>
+              <a:rPr lang="en-US" sz="1200" dirty="0">
+                <a:solidFill>
+                  <a:srgbClr val="5B9BD5"/>
+                </a:solidFill>
+                <a:latin typeface="Arial" panose="020B0604020202020204" pitchFamily="34" charset="0"/>
+                <a:cs typeface="Arial" panose="020B0604020202020204" pitchFamily="34" charset="0"/>
+              </a:rPr>
+              <a:t>Subaccount (</a:t>
+            </a:r>
+            <a:r>
+              <a:rPr lang="en-US" sz="1200" dirty="0">
+                <a:solidFill>
+                  <a:schemeClr val="accent5"/>
+                </a:solidFill>
+                <a:latin typeface="Arial" panose="020B0604020202020204" pitchFamily="34" charset="0"/>
+                <a:cs typeface="Arial" panose="020B0604020202020204" pitchFamily="34" charset="0"/>
+              </a:rPr>
+              <a:t>Provider)</a:t>
+            </a:r>
+            <a:endParaRPr lang="en-US" sz="1200" dirty="0">
+              <a:solidFill>
+                <a:srgbClr val="5B9BD5"/>
+              </a:solidFill>
+              <a:latin typeface="Arial" panose="020B0604020202020204" pitchFamily="34" charset="0"/>
+              <a:cs typeface="Arial" panose="020B0604020202020204" pitchFamily="34" charset="0"/>
+            </a:endParaRPr>
+          </a:p>
+          <a:p>
+            <a:endParaRPr lang="en-US" sz="1200" b="1" dirty="0">
+              <a:solidFill>
+                <a:srgbClr val="0092D1"/>
+              </a:solidFill>
+            </a:endParaRPr>
+          </a:p>
+        </p:txBody>
+      </p:sp>
+      <p:sp>
+        <p:nvSpPr>
+          <p:cNvPr id="20" name="Rechteck 9">
+            <a:extLst>
+              <a:ext uri="{FF2B5EF4-FFF2-40B4-BE49-F238E27FC236}">
+                <a16:creationId xmlns:a16="http://schemas.microsoft.com/office/drawing/2014/main" id="{AF7E6466-972D-964A-ACAD-0F38F86D6C70}"/>
+              </a:ext>
+            </a:extLst>
+          </p:cNvPr>
+          <p:cNvSpPr/>
+          <p:nvPr/>
+        </p:nvSpPr>
+        <p:spPr>
+          <a:xfrm>
+            <a:off x="5757658" y="1489590"/>
+            <a:ext cx="2774274" cy="2536311"/>
+          </a:xfrm>
+          <a:prstGeom prst="rect">
+            <a:avLst/>
+          </a:prstGeom>
+          <a:solidFill>
+            <a:schemeClr val="accent5">
+              <a:lumMod val="20000"/>
+              <a:lumOff val="80000"/>
+            </a:schemeClr>
+          </a:solidFill>
+          <a:ln w="19050" cap="rnd">
+            <a:solidFill>
+              <a:srgbClr val="0092D1"/>
+            </a:solidFill>
+          </a:ln>
+        </p:spPr>
+        <p:style>
+          <a:lnRef idx="2">
+            <a:schemeClr val="accent1">
+              <a:shade val="50000"/>
+            </a:schemeClr>
+          </a:lnRef>
+          <a:fillRef idx="1">
+            <a:schemeClr val="accent1"/>
+          </a:fillRef>
+          <a:effectRef idx="0">
+            <a:schemeClr val="accent1"/>
+          </a:effectRef>
+          <a:fontRef idx="minor">
+            <a:schemeClr val="lt1"/>
+          </a:fontRef>
+        </p:style>
+        <p:txBody>
+          <a:bodyPr lIns="71981" tIns="71981" rIns="71981" bIns="71981" rtlCol="0" anchor="t"/>
+          <a:lstStyle/>
+          <a:p>
+            <a:endParaRPr lang="en-US" sz="1200" b="1" dirty="0">
+              <a:solidFill>
+                <a:srgbClr val="0092D1"/>
+              </a:solidFill>
+            </a:endParaRPr>
+          </a:p>
+        </p:txBody>
+      </p:sp>
+      <p:sp>
+        <p:nvSpPr>
+          <p:cNvPr id="19" name="Rechteck 9">
+            <a:extLst>
+              <a:ext uri="{FF2B5EF4-FFF2-40B4-BE49-F238E27FC236}">
+                <a16:creationId xmlns:a16="http://schemas.microsoft.com/office/drawing/2014/main" id="{C9064A47-D602-D44B-B78E-4A53A3C88ABA}"/>
+              </a:ext>
+            </a:extLst>
+          </p:cNvPr>
+          <p:cNvSpPr/>
+          <p:nvPr/>
+        </p:nvSpPr>
+        <p:spPr>
+          <a:xfrm>
+            <a:off x="5557351" y="1306456"/>
+            <a:ext cx="2774274" cy="2527567"/>
+          </a:xfrm>
+          <a:prstGeom prst="rect">
+            <a:avLst/>
+          </a:prstGeom>
+          <a:solidFill>
+            <a:schemeClr val="accent5">
+              <a:lumMod val="20000"/>
+              <a:lumOff val="80000"/>
+            </a:schemeClr>
+          </a:solidFill>
+          <a:ln w="19050" cap="rnd">
+            <a:solidFill>
+              <a:srgbClr val="0092D1"/>
+            </a:solidFill>
+          </a:ln>
+        </p:spPr>
+        <p:style>
+          <a:lnRef idx="2">
+            <a:schemeClr val="accent1">
+              <a:shade val="50000"/>
+            </a:schemeClr>
+          </a:lnRef>
+          <a:fillRef idx="1">
+            <a:schemeClr val="accent1"/>
+          </a:fillRef>
+          <a:effectRef idx="0">
+            <a:schemeClr val="accent1"/>
+          </a:effectRef>
+          <a:fontRef idx="minor">
+            <a:schemeClr val="lt1"/>
+          </a:fontRef>
+        </p:style>
+        <p:txBody>
+          <a:bodyPr lIns="71981" tIns="71981" rIns="71981" bIns="71981" rtlCol="0" anchor="t"/>
+          <a:lstStyle/>
+          <a:p>
+            <a:endParaRPr lang="en-US" sz="1200" b="1" dirty="0">
+              <a:solidFill>
+                <a:srgbClr val="0092D1"/>
+              </a:solidFill>
+            </a:endParaRPr>
+          </a:p>
+        </p:txBody>
+      </p:sp>
+      <p:sp>
+        <p:nvSpPr>
+          <p:cNvPr id="9" name="Rectangle 8">
+            <a:extLst>
+              <a:ext uri="{FF2B5EF4-FFF2-40B4-BE49-F238E27FC236}">
+                <a16:creationId xmlns:a16="http://schemas.microsoft.com/office/drawing/2014/main" id="{EAEBDF2E-E572-EE44-9BF9-4B20B314BABB}"/>
+              </a:ext>
+            </a:extLst>
+          </p:cNvPr>
+          <p:cNvSpPr/>
+          <p:nvPr/>
+        </p:nvSpPr>
+        <p:spPr>
+          <a:xfrm>
+            <a:off x="9655745" y="2917178"/>
+            <a:ext cx="1368464" cy="804844"/>
+          </a:xfrm>
+          <a:prstGeom prst="rect">
+            <a:avLst/>
+          </a:prstGeom>
+          <a:solidFill>
+            <a:schemeClr val="bg1"/>
+          </a:solidFill>
+          <a:ln w="15875">
+            <a:noFill/>
+            <a:prstDash val="sysDot"/>
+          </a:ln>
+        </p:spPr>
+        <p:style>
+          <a:lnRef idx="2">
+            <a:schemeClr val="accent1">
+              <a:shade val="50000"/>
+            </a:schemeClr>
+          </a:lnRef>
+          <a:fillRef idx="1">
+            <a:schemeClr val="accent1"/>
+          </a:fillRef>
+          <a:effectRef idx="0">
+            <a:schemeClr val="accent1"/>
+          </a:effectRef>
+          <a:fontRef idx="minor">
+            <a:schemeClr val="lt1"/>
+          </a:fontRef>
+        </p:style>
+        <p:txBody>
+          <a:bodyPr rtlCol="0" anchor="ctr"/>
+          <a:lstStyle/>
+          <a:p>
+            <a:pPr algn="ctr"/>
+            <a:r>
+              <a:rPr lang="en-DE" sz="1400" dirty="0">
+                <a:solidFill>
+                  <a:schemeClr val="tx1"/>
+                </a:solidFill>
+              </a:rPr>
+              <a:t>SAP </a:t>
+            </a:r>
+          </a:p>
+          <a:p>
+            <a:pPr algn="ctr"/>
+            <a:r>
+              <a:rPr lang="en-DE" sz="1400" dirty="0">
+                <a:solidFill>
+                  <a:schemeClr val="tx1"/>
+                </a:solidFill>
+              </a:rPr>
+              <a:t>S/4HANA </a:t>
+            </a:r>
+          </a:p>
+          <a:p>
+            <a:pPr algn="ctr"/>
+            <a:r>
+              <a:rPr lang="en-DE" sz="1400" dirty="0">
+                <a:solidFill>
+                  <a:schemeClr val="tx1"/>
+                </a:solidFill>
+              </a:rPr>
+              <a:t>Cloud</a:t>
+            </a:r>
+          </a:p>
+        </p:txBody>
+      </p:sp>
+      <p:sp>
+        <p:nvSpPr>
+          <p:cNvPr id="2" name="Rechteck 9">
+            <a:extLst>
+              <a:ext uri="{FF2B5EF4-FFF2-40B4-BE49-F238E27FC236}">
+                <a16:creationId xmlns:a16="http://schemas.microsoft.com/office/drawing/2014/main" id="{C07D0A0D-62AF-974E-874B-ACB6BAC14F37}"/>
+              </a:ext>
+            </a:extLst>
+          </p:cNvPr>
+          <p:cNvSpPr/>
+          <p:nvPr/>
+        </p:nvSpPr>
+        <p:spPr>
+          <a:xfrm>
+            <a:off x="1376864" y="576511"/>
+            <a:ext cx="7390197" cy="5704978"/>
+          </a:xfrm>
+          <a:prstGeom prst="rect">
+            <a:avLst/>
+          </a:prstGeom>
+          <a:noFill/>
+          <a:ln w="19050">
+            <a:solidFill>
+              <a:srgbClr val="427CAC"/>
+            </a:solidFill>
+          </a:ln>
+        </p:spPr>
+        <p:style>
+          <a:lnRef idx="2">
+            <a:schemeClr val="accent1">
+              <a:shade val="50000"/>
+            </a:schemeClr>
+          </a:lnRef>
+          <a:fillRef idx="1">
+            <a:schemeClr val="accent1"/>
+          </a:fillRef>
+          <a:effectRef idx="0">
+            <a:schemeClr val="accent1"/>
+          </a:effectRef>
+          <a:fontRef idx="minor">
+            <a:schemeClr val="lt1"/>
+          </a:fontRef>
+        </p:style>
+        <p:txBody>
+          <a:bodyPr lIns="71983" tIns="71983" rIns="71983" bIns="71983" rtlCol="0" anchor="t"/>
+          <a:lstStyle/>
+          <a:p>
+            <a:endParaRPr lang="en-US" sz="1799" b="1" dirty="0">
+              <a:solidFill>
+                <a:schemeClr val="tx1">
+                  <a:lumMod val="65000"/>
+                  <a:lumOff val="35000"/>
+                </a:schemeClr>
+              </a:solidFill>
+            </a:endParaRPr>
+          </a:p>
+        </p:txBody>
+      </p:sp>
+      <p:sp>
+        <p:nvSpPr>
+          <p:cNvPr id="3" name="TextBox 2">
+            <a:extLst>
+              <a:ext uri="{FF2B5EF4-FFF2-40B4-BE49-F238E27FC236}">
+                <a16:creationId xmlns:a16="http://schemas.microsoft.com/office/drawing/2014/main" id="{8322A7B5-D204-BF44-B2AD-294A876ADD95}"/>
+              </a:ext>
+            </a:extLst>
+          </p:cNvPr>
+          <p:cNvSpPr txBox="1"/>
+          <p:nvPr/>
+        </p:nvSpPr>
+        <p:spPr>
+          <a:xfrm>
+            <a:off x="1436499" y="673954"/>
+            <a:ext cx="2951295" cy="276999"/>
+          </a:xfrm>
+          <a:prstGeom prst="rect">
+            <a:avLst/>
+          </a:prstGeom>
+          <a:noFill/>
+        </p:spPr>
+        <p:txBody>
+          <a:bodyPr wrap="square" rtlCol="0">
+            <a:spAutoFit/>
+          </a:bodyPr>
+          <a:lstStyle/>
+          <a:p>
+            <a:r>
+              <a:rPr lang="en-DE" sz="1200" b="1" dirty="0">
+                <a:solidFill>
+                  <a:schemeClr val="tx2"/>
+                </a:solidFill>
+                <a:latin typeface="Arial" panose="020B0604020202020204" pitchFamily="34" charset="0"/>
+                <a:cs typeface="Arial" panose="020B0604020202020204" pitchFamily="34" charset="0"/>
+              </a:rPr>
+              <a:t>SAP BTP – Partner Global Account</a:t>
+            </a:r>
+          </a:p>
+        </p:txBody>
+      </p:sp>
+      <p:sp>
+        <p:nvSpPr>
+          <p:cNvPr id="6" name="Rectangle 5">
+            <a:extLst>
+              <a:ext uri="{FF2B5EF4-FFF2-40B4-BE49-F238E27FC236}">
+                <a16:creationId xmlns:a16="http://schemas.microsoft.com/office/drawing/2014/main" id="{21D7C2CA-BF19-AF4D-8EE8-2A63999B0C3A}"/>
+              </a:ext>
+            </a:extLst>
+          </p:cNvPr>
+          <p:cNvSpPr/>
+          <p:nvPr/>
+        </p:nvSpPr>
+        <p:spPr>
+          <a:xfrm>
+            <a:off x="9655745" y="1134653"/>
+            <a:ext cx="1368464" cy="4676878"/>
+          </a:xfrm>
+          <a:prstGeom prst="rect">
+            <a:avLst/>
+          </a:prstGeom>
+          <a:noFill/>
+          <a:ln>
+            <a:solidFill>
+              <a:schemeClr val="tx1"/>
+            </a:solidFill>
+          </a:ln>
+        </p:spPr>
+        <p:style>
+          <a:lnRef idx="2">
+            <a:schemeClr val="accent1">
+              <a:shade val="50000"/>
+            </a:schemeClr>
+          </a:lnRef>
+          <a:fillRef idx="1">
+            <a:schemeClr val="accent1"/>
+          </a:fillRef>
+          <a:effectRef idx="0">
+            <a:schemeClr val="accent1"/>
+          </a:effectRef>
+          <a:fontRef idx="minor">
+            <a:schemeClr val="lt1"/>
+          </a:fontRef>
+        </p:style>
+        <p:txBody>
+          <a:bodyPr rtlCol="0" anchor="ctr"/>
+          <a:lstStyle/>
+          <a:p>
+            <a:pPr algn="ctr"/>
+            <a:endParaRPr lang="en-DE"/>
+          </a:p>
+        </p:txBody>
+      </p:sp>
+      <p:sp>
+        <p:nvSpPr>
+          <p:cNvPr id="10" name="TextBox 9">
+            <a:extLst>
+              <a:ext uri="{FF2B5EF4-FFF2-40B4-BE49-F238E27FC236}">
+                <a16:creationId xmlns:a16="http://schemas.microsoft.com/office/drawing/2014/main" id="{F0C104F9-042F-064D-8FC8-33F4131EFE2F}"/>
+              </a:ext>
+            </a:extLst>
+          </p:cNvPr>
+          <p:cNvSpPr txBox="1"/>
+          <p:nvPr/>
+        </p:nvSpPr>
+        <p:spPr>
+          <a:xfrm>
+            <a:off x="9399378" y="694151"/>
+            <a:ext cx="1832553" cy="276999"/>
+          </a:xfrm>
+          <a:prstGeom prst="rect">
+            <a:avLst/>
+          </a:prstGeom>
+          <a:noFill/>
+        </p:spPr>
+        <p:txBody>
+          <a:bodyPr wrap="none" rtlCol="0">
+            <a:spAutoFit/>
+          </a:bodyPr>
+          <a:lstStyle/>
+          <a:p>
+            <a:r>
+              <a:rPr lang="en-DE" sz="1200" b="1" dirty="0">
+                <a:solidFill>
+                  <a:schemeClr val="bg1">
+                    <a:lumMod val="50000"/>
+                  </a:schemeClr>
+                </a:solidFill>
+                <a:latin typeface="Arial" panose="020B0604020202020204" pitchFamily="34" charset="0"/>
+                <a:cs typeface="Arial" panose="020B0604020202020204" pitchFamily="34" charset="0"/>
+              </a:rPr>
+              <a:t>Customer Landscapes</a:t>
+            </a:r>
+          </a:p>
+        </p:txBody>
+      </p:sp>
+      <p:sp>
+        <p:nvSpPr>
+          <p:cNvPr id="13" name="Abgerundetes Rechteck 30">
+            <a:extLst>
+              <a:ext uri="{FF2B5EF4-FFF2-40B4-BE49-F238E27FC236}">
+                <a16:creationId xmlns:a16="http://schemas.microsoft.com/office/drawing/2014/main" id="{C1A2AA0B-3092-A74E-8B54-6707F6BABB9B}"/>
+              </a:ext>
+            </a:extLst>
+          </p:cNvPr>
+          <p:cNvSpPr/>
+          <p:nvPr/>
+        </p:nvSpPr>
+        <p:spPr>
+          <a:xfrm>
+            <a:off x="206255" y="3069331"/>
+            <a:ext cx="773607" cy="309486"/>
+          </a:xfrm>
+          <a:prstGeom prst="roundRect">
+            <a:avLst>
+              <a:gd name="adj" fmla="val 4078"/>
+            </a:avLst>
+          </a:prstGeom>
+          <a:noFill/>
+          <a:ln w="28575">
+            <a:noFill/>
+          </a:ln>
+        </p:spPr>
+        <p:style>
+          <a:lnRef idx="2">
+            <a:schemeClr val="accent1">
+              <a:shade val="50000"/>
+            </a:schemeClr>
+          </a:lnRef>
+          <a:fillRef idx="1">
+            <a:schemeClr val="accent1"/>
+          </a:fillRef>
+          <a:effectRef idx="0">
+            <a:schemeClr val="accent1"/>
+          </a:effectRef>
+          <a:fontRef idx="minor">
+            <a:schemeClr val="lt1"/>
+          </a:fontRef>
+        </p:style>
+        <p:txBody>
+          <a:bodyPr lIns="35982" tIns="35982" rIns="35982" bIns="35982" rtlCol="0" anchor="ctr"/>
+          <a:lstStyle/>
+          <a:p>
+            <a:pPr algn="ctr"/>
+            <a:r>
+              <a:rPr lang="en-US" sz="800" dirty="0">
+                <a:solidFill>
+                  <a:schemeClr val="tx1">
+                    <a:lumMod val="65000"/>
+                    <a:lumOff val="35000"/>
+                  </a:schemeClr>
+                </a:solidFill>
+                <a:latin typeface="Arial" charset="0"/>
+                <a:cs typeface="Arial" charset="0"/>
+              </a:rPr>
+              <a:t>Mentor Coordinator</a:t>
+            </a:r>
+          </a:p>
+          <a:p>
+            <a:pPr algn="ctr"/>
+            <a:r>
+              <a:rPr lang="en-US" sz="800" dirty="0">
+                <a:solidFill>
+                  <a:schemeClr val="tx1">
+                    <a:lumMod val="65000"/>
+                    <a:lumOff val="35000"/>
+                  </a:schemeClr>
+                </a:solidFill>
+                <a:latin typeface="Arial" charset="0"/>
+                <a:cs typeface="Arial" charset="0"/>
+              </a:rPr>
+              <a:t>(City Scooter)</a:t>
+            </a:r>
+          </a:p>
+        </p:txBody>
+      </p:sp>
+      <p:pic>
+        <p:nvPicPr>
+          <p:cNvPr id="14" name="Bild 5">
+            <a:extLst>
+              <a:ext uri="{FF2B5EF4-FFF2-40B4-BE49-F238E27FC236}">
+                <a16:creationId xmlns:a16="http://schemas.microsoft.com/office/drawing/2014/main" id="{3A534551-F2F6-E845-8164-1AE9C2D5CC2E}"/>
+              </a:ext>
+            </a:extLst>
+          </p:cNvPr>
+          <p:cNvPicPr>
+            <a:picLocks noChangeAspect="1"/>
+          </p:cNvPicPr>
+          <p:nvPr/>
+        </p:nvPicPr>
+        <p:blipFill rotWithShape="1">
+          <a:blip r:embed="rId2">
+            <a:extLst>
+              <a:ext uri="{28A0092B-C50C-407E-A947-70E740481C1C}">
+                <a14:useLocalDpi xmlns:a14="http://schemas.microsoft.com/office/drawing/2010/main" val="0"/>
+              </a:ext>
+            </a:extLst>
+          </a:blip>
+          <a:srcRect t="-1" b="-14943"/>
+          <a:stretch/>
+        </p:blipFill>
+        <p:spPr>
+          <a:xfrm>
+            <a:off x="427920" y="2699695"/>
+            <a:ext cx="313201" cy="360000"/>
+          </a:xfrm>
+          <a:prstGeom prst="rect">
+            <a:avLst/>
+          </a:prstGeom>
+        </p:spPr>
+      </p:pic>
+      <p:sp>
+        <p:nvSpPr>
+          <p:cNvPr id="18" name="Rechteck 9">
+            <a:extLst>
+              <a:ext uri="{FF2B5EF4-FFF2-40B4-BE49-F238E27FC236}">
+                <a16:creationId xmlns:a16="http://schemas.microsoft.com/office/drawing/2014/main" id="{C6595030-9149-DC41-AB82-7B6F55A98BD7}"/>
+              </a:ext>
+            </a:extLst>
+          </p:cNvPr>
+          <p:cNvSpPr/>
+          <p:nvPr/>
+        </p:nvSpPr>
+        <p:spPr>
+          <a:xfrm>
+            <a:off x="5369457" y="1114578"/>
+            <a:ext cx="2774273" cy="2536311"/>
+          </a:xfrm>
+          <a:prstGeom prst="rect">
+            <a:avLst/>
+          </a:prstGeom>
+          <a:solidFill>
+            <a:schemeClr val="accent5">
+              <a:lumMod val="20000"/>
+              <a:lumOff val="80000"/>
+            </a:schemeClr>
+          </a:solidFill>
+          <a:ln w="19050" cap="rnd">
+            <a:solidFill>
+              <a:srgbClr val="0092D1"/>
+            </a:solidFill>
+          </a:ln>
+        </p:spPr>
+        <p:style>
+          <a:lnRef idx="2">
+            <a:schemeClr val="accent1">
+              <a:shade val="50000"/>
+            </a:schemeClr>
+          </a:lnRef>
+          <a:fillRef idx="1">
+            <a:schemeClr val="accent1"/>
+          </a:fillRef>
+          <a:effectRef idx="0">
+            <a:schemeClr val="accent1"/>
+          </a:effectRef>
+          <a:fontRef idx="minor">
+            <a:schemeClr val="lt1"/>
+          </a:fontRef>
+        </p:style>
+        <p:txBody>
+          <a:bodyPr lIns="71981" tIns="71981" rIns="71981" bIns="71981" rtlCol="0" anchor="t"/>
+          <a:lstStyle/>
+          <a:p>
+            <a:r>
+              <a:rPr lang="en-US" sz="1200" dirty="0">
+                <a:solidFill>
+                  <a:srgbClr val="5B9BD5"/>
+                </a:solidFill>
+                <a:latin typeface="Arial" panose="020B0604020202020204" pitchFamily="34" charset="0"/>
+                <a:cs typeface="Arial" panose="020B0604020202020204" pitchFamily="34" charset="0"/>
+              </a:rPr>
+              <a:t>Customer Subaccounts (Subscribers)</a:t>
+            </a:r>
+          </a:p>
+        </p:txBody>
+      </p:sp>
+      <p:sp>
+        <p:nvSpPr>
+          <p:cNvPr id="21" name="Rectangle 20">
+            <a:extLst>
+              <a:ext uri="{FF2B5EF4-FFF2-40B4-BE49-F238E27FC236}">
+                <a16:creationId xmlns:a16="http://schemas.microsoft.com/office/drawing/2014/main" id="{65CC5A98-B99E-A246-8201-09841D559A53}"/>
+              </a:ext>
+            </a:extLst>
+          </p:cNvPr>
+          <p:cNvSpPr/>
+          <p:nvPr/>
+        </p:nvSpPr>
+        <p:spPr>
+          <a:xfrm>
+            <a:off x="1758571" y="1593714"/>
+            <a:ext cx="3147392" cy="2426848"/>
+          </a:xfrm>
+          <a:prstGeom prst="rect">
+            <a:avLst/>
+          </a:prstGeom>
+          <a:noFill/>
+          <a:ln>
+            <a:solidFill>
+              <a:schemeClr val="tx2"/>
+            </a:solidFill>
+          </a:ln>
+        </p:spPr>
+        <p:style>
+          <a:lnRef idx="2">
+            <a:schemeClr val="accent1">
+              <a:shade val="50000"/>
+            </a:schemeClr>
+          </a:lnRef>
+          <a:fillRef idx="1">
+            <a:schemeClr val="accent1"/>
+          </a:fillRef>
+          <a:effectRef idx="0">
+            <a:schemeClr val="accent1"/>
+          </a:effectRef>
+          <a:fontRef idx="minor">
+            <a:schemeClr val="lt1"/>
+          </a:fontRef>
+        </p:style>
+        <p:txBody>
+          <a:bodyPr rtlCol="0" anchor="ctr"/>
+          <a:lstStyle/>
+          <a:p>
+            <a:pPr algn="ctr"/>
+            <a:endParaRPr lang="en-DE" dirty="0"/>
+          </a:p>
+        </p:txBody>
+      </p:sp>
+      <p:pic>
+        <p:nvPicPr>
+          <p:cNvPr id="1026" name="Picture 2" descr="GitHub - kyma-project/kyma: A flexible and easy way to connect and extend  enterprise applications in a cloud-native world">
+            <a:extLst>
+              <a:ext uri="{FF2B5EF4-FFF2-40B4-BE49-F238E27FC236}">
+                <a16:creationId xmlns:a16="http://schemas.microsoft.com/office/drawing/2014/main" id="{83A04BB7-1236-2C47-A716-AFCCC36A7ED9}"/>
+              </a:ext>
+            </a:extLst>
+          </p:cNvPr>
+          <p:cNvPicPr>
+            <a:picLocks noChangeAspect="1" noChangeArrowheads="1"/>
+          </p:cNvPicPr>
+          <p:nvPr/>
+        </p:nvPicPr>
+        <p:blipFill>
+          <a:blip r:embed="rId3">
+            <a:extLst>
+              <a:ext uri="{28A0092B-C50C-407E-A947-70E740481C1C}">
+                <a14:useLocalDpi xmlns:a14="http://schemas.microsoft.com/office/drawing/2010/main" val="0"/>
+              </a:ext>
+            </a:extLst>
+          </a:blip>
+          <a:srcRect/>
+          <a:stretch>
+            <a:fillRect/>
+          </a:stretch>
+        </p:blipFill>
+        <p:spPr bwMode="auto">
+          <a:xfrm>
+            <a:off x="1882733" y="1696943"/>
+            <a:ext cx="960055" cy="338269"/>
+          </a:xfrm>
+          <a:prstGeom prst="rect">
+            <a:avLst/>
+          </a:prstGeom>
+          <a:noFill/>
+          <a:extLst>
+            <a:ext uri="{909E8E84-426E-40DD-AFC4-6F175D3DCCD1}">
+              <a14:hiddenFill xmlns:a14="http://schemas.microsoft.com/office/drawing/2010/main">
+                <a:solidFill>
+                  <a:srgbClr val="FFFFFF"/>
+                </a:solidFill>
+              </a14:hiddenFill>
+            </a:ext>
+          </a:extLst>
+        </p:spPr>
+      </p:pic>
+      <p:sp>
+        <p:nvSpPr>
+          <p:cNvPr id="23" name="Rectangle 22">
+            <a:extLst>
+              <a:ext uri="{FF2B5EF4-FFF2-40B4-BE49-F238E27FC236}">
+                <a16:creationId xmlns:a16="http://schemas.microsoft.com/office/drawing/2014/main" id="{D8C16350-31BF-0140-BFA1-0B628BE410C7}"/>
+              </a:ext>
+            </a:extLst>
+          </p:cNvPr>
+          <p:cNvSpPr/>
+          <p:nvPr/>
+        </p:nvSpPr>
+        <p:spPr>
+          <a:xfrm>
+            <a:off x="1766729" y="4221418"/>
+            <a:ext cx="3147392" cy="1689378"/>
+          </a:xfrm>
+          <a:prstGeom prst="rect">
+            <a:avLst/>
+          </a:prstGeom>
+          <a:noFill/>
+          <a:ln>
+            <a:solidFill>
+              <a:schemeClr val="tx2"/>
+            </a:solidFill>
+          </a:ln>
+        </p:spPr>
+        <p:style>
+          <a:lnRef idx="2">
+            <a:schemeClr val="accent1">
+              <a:shade val="50000"/>
+            </a:schemeClr>
+          </a:lnRef>
+          <a:fillRef idx="1">
+            <a:schemeClr val="accent1"/>
+          </a:fillRef>
+          <a:effectRef idx="0">
+            <a:schemeClr val="accent1"/>
+          </a:effectRef>
+          <a:fontRef idx="minor">
+            <a:schemeClr val="lt1"/>
+          </a:fontRef>
+        </p:style>
+        <p:txBody>
+          <a:bodyPr rtlCol="0" anchor="ctr"/>
+          <a:lstStyle/>
+          <a:p>
+            <a:pPr algn="ctr"/>
+            <a:endParaRPr lang="en-DE" dirty="0"/>
+          </a:p>
+        </p:txBody>
+      </p:sp>
+      <p:pic>
+        <p:nvPicPr>
+          <p:cNvPr id="1028" name="Picture 4" descr="Cloud Foundry – Open Source Cloud Native Application Delivery">
+            <a:extLst>
+              <a:ext uri="{FF2B5EF4-FFF2-40B4-BE49-F238E27FC236}">
+                <a16:creationId xmlns:a16="http://schemas.microsoft.com/office/drawing/2014/main" id="{CBEBA09B-CC6D-5448-9FCE-CEB7170E6C16}"/>
+              </a:ext>
+            </a:extLst>
+          </p:cNvPr>
+          <p:cNvPicPr>
+            <a:picLocks noChangeAspect="1" noChangeArrowheads="1"/>
+          </p:cNvPicPr>
+          <p:nvPr/>
+        </p:nvPicPr>
+        <p:blipFill>
+          <a:blip r:embed="rId4">
+            <a:extLst>
+              <a:ext uri="{28A0092B-C50C-407E-A947-70E740481C1C}">
+                <a14:useLocalDpi xmlns:a14="http://schemas.microsoft.com/office/drawing/2010/main" val="0"/>
+              </a:ext>
+            </a:extLst>
+          </a:blip>
+          <a:srcRect/>
+          <a:stretch>
+            <a:fillRect/>
+          </a:stretch>
+        </p:blipFill>
+        <p:spPr bwMode="auto">
+          <a:xfrm>
+            <a:off x="1888300" y="4403650"/>
+            <a:ext cx="1252966" cy="171304"/>
+          </a:xfrm>
+          <a:prstGeom prst="rect">
+            <a:avLst/>
+          </a:prstGeom>
+          <a:noFill/>
+          <a:extLst>
+            <a:ext uri="{909E8E84-426E-40DD-AFC4-6F175D3DCCD1}">
+              <a14:hiddenFill xmlns:a14="http://schemas.microsoft.com/office/drawing/2010/main">
+                <a:solidFill>
+                  <a:srgbClr val="FFFFFF"/>
+                </a:solidFill>
+              </a14:hiddenFill>
+            </a:ext>
+          </a:extLst>
+        </p:spPr>
+      </p:pic>
+      <p:sp>
+        <p:nvSpPr>
+          <p:cNvPr id="54" name="Rectangle 53">
+            <a:extLst>
+              <a:ext uri="{FF2B5EF4-FFF2-40B4-BE49-F238E27FC236}">
+                <a16:creationId xmlns:a16="http://schemas.microsoft.com/office/drawing/2014/main" id="{5DB38D41-92F6-164C-9D07-B0206166646F}"/>
+              </a:ext>
+            </a:extLst>
+          </p:cNvPr>
+          <p:cNvSpPr/>
+          <p:nvPr/>
+        </p:nvSpPr>
+        <p:spPr>
+          <a:xfrm>
+            <a:off x="1960670" y="4696825"/>
+            <a:ext cx="2733665" cy="1049812"/>
+          </a:xfrm>
+          <a:prstGeom prst="rect">
+            <a:avLst/>
+          </a:prstGeom>
+          <a:solidFill>
+            <a:schemeClr val="bg1"/>
+          </a:solidFill>
+          <a:ln w="15875">
+            <a:solidFill>
+              <a:schemeClr val="tx1">
+                <a:lumMod val="50000"/>
+                <a:lumOff val="50000"/>
+              </a:schemeClr>
+            </a:solidFill>
+            <a:prstDash val="sysDot"/>
+          </a:ln>
+        </p:spPr>
+        <p:style>
+          <a:lnRef idx="2">
+            <a:schemeClr val="accent1">
+              <a:shade val="50000"/>
+            </a:schemeClr>
+          </a:lnRef>
+          <a:fillRef idx="1">
+            <a:schemeClr val="accent1"/>
+          </a:fillRef>
+          <a:effectRef idx="0">
+            <a:schemeClr val="accent1"/>
+          </a:effectRef>
+          <a:fontRef idx="minor">
+            <a:schemeClr val="lt1"/>
+          </a:fontRef>
+        </p:style>
+        <p:txBody>
+          <a:bodyPr rtlCol="0" anchor="ctr"/>
+          <a:lstStyle/>
+          <a:p>
+            <a:pPr algn="ctr"/>
+            <a:endParaRPr lang="en-DE" sz="1000" dirty="0">
+              <a:solidFill>
+                <a:schemeClr val="tx1"/>
+              </a:solidFill>
+            </a:endParaRPr>
+          </a:p>
+        </p:txBody>
+      </p:sp>
+      <p:sp>
+        <p:nvSpPr>
+          <p:cNvPr id="55" name="TextBox 54">
+            <a:extLst>
+              <a:ext uri="{FF2B5EF4-FFF2-40B4-BE49-F238E27FC236}">
+                <a16:creationId xmlns:a16="http://schemas.microsoft.com/office/drawing/2014/main" id="{DE8D58DE-86FB-AC46-801A-7F7CFC8394CA}"/>
+              </a:ext>
+            </a:extLst>
+          </p:cNvPr>
+          <p:cNvSpPr txBox="1"/>
+          <p:nvPr/>
+        </p:nvSpPr>
+        <p:spPr>
+          <a:xfrm>
+            <a:off x="1963276" y="4745100"/>
+            <a:ext cx="1255215" cy="276999"/>
+          </a:xfrm>
+          <a:prstGeom prst="rect">
+            <a:avLst/>
+          </a:prstGeom>
+          <a:noFill/>
+        </p:spPr>
+        <p:txBody>
+          <a:bodyPr wrap="none" rtlCol="0">
+            <a:spAutoFit/>
+          </a:bodyPr>
+          <a:lstStyle/>
+          <a:p>
+            <a:r>
+              <a:rPr lang="en-DE" sz="1200" b="1" dirty="0">
+                <a:solidFill>
+                  <a:schemeClr val="tx1">
+                    <a:lumMod val="50000"/>
+                    <a:lumOff val="50000"/>
+                  </a:schemeClr>
+                </a:solidFill>
+              </a:rPr>
+              <a:t>SAP HANA Cloud</a:t>
+            </a:r>
+          </a:p>
+        </p:txBody>
+      </p:sp>
+      <p:pic>
+        <p:nvPicPr>
+          <p:cNvPr id="1044" name="Picture 20" descr="Datenbank - Kostenlose technologie Icons">
+            <a:extLst>
+              <a:ext uri="{FF2B5EF4-FFF2-40B4-BE49-F238E27FC236}">
+                <a16:creationId xmlns:a16="http://schemas.microsoft.com/office/drawing/2014/main" id="{02E14EAC-C5B6-DE4B-8F0C-B776A25B480B}"/>
+              </a:ext>
+            </a:extLst>
+          </p:cNvPr>
+          <p:cNvPicPr>
+            <a:picLocks noChangeAspect="1" noChangeArrowheads="1"/>
+          </p:cNvPicPr>
+          <p:nvPr/>
+        </p:nvPicPr>
+        <p:blipFill>
+          <a:blip r:embed="rId5">
+            <a:duotone>
+              <a:prstClr val="black"/>
+              <a:schemeClr val="accent3">
+                <a:tint val="45000"/>
+                <a:satMod val="400000"/>
+              </a:schemeClr>
+            </a:duotone>
+            <a:extLst>
+              <a:ext uri="{28A0092B-C50C-407E-A947-70E740481C1C}">
+                <a14:useLocalDpi xmlns:a14="http://schemas.microsoft.com/office/drawing/2010/main" val="0"/>
+              </a:ext>
+            </a:extLst>
+          </a:blip>
+          <a:srcRect/>
+          <a:stretch>
+            <a:fillRect/>
+          </a:stretch>
+        </p:blipFill>
+        <p:spPr bwMode="auto">
+          <a:xfrm>
+            <a:off x="2357588" y="5084427"/>
+            <a:ext cx="301876" cy="301876"/>
+          </a:xfrm>
+          <a:prstGeom prst="rect">
+            <a:avLst/>
+          </a:prstGeom>
+          <a:noFill/>
+          <a:extLst>
+            <a:ext uri="{909E8E84-426E-40DD-AFC4-6F175D3DCCD1}">
+              <a14:hiddenFill xmlns:a14="http://schemas.microsoft.com/office/drawing/2010/main">
+                <a:solidFill>
+                  <a:srgbClr val="FFFFFF"/>
+                </a:solidFill>
+              </a14:hiddenFill>
+            </a:ext>
+          </a:extLst>
+        </p:spPr>
+      </p:pic>
+      <p:pic>
+        <p:nvPicPr>
+          <p:cNvPr id="57" name="Picture 20" descr="Datenbank - Kostenlose technologie Icons">
+            <a:extLst>
+              <a:ext uri="{FF2B5EF4-FFF2-40B4-BE49-F238E27FC236}">
+                <a16:creationId xmlns:a16="http://schemas.microsoft.com/office/drawing/2014/main" id="{9EF612DB-4FCC-D74B-851F-381ADF50111B}"/>
+              </a:ext>
+            </a:extLst>
+          </p:cNvPr>
+          <p:cNvPicPr>
+            <a:picLocks noChangeAspect="1" noChangeArrowheads="1"/>
+          </p:cNvPicPr>
+          <p:nvPr/>
+        </p:nvPicPr>
+        <p:blipFill>
+          <a:blip r:embed="rId5">
+            <a:duotone>
+              <a:prstClr val="black"/>
+              <a:schemeClr val="accent3">
+                <a:tint val="45000"/>
+                <a:satMod val="400000"/>
+              </a:schemeClr>
+            </a:duotone>
+            <a:extLst>
+              <a:ext uri="{28A0092B-C50C-407E-A947-70E740481C1C}">
+                <a14:useLocalDpi xmlns:a14="http://schemas.microsoft.com/office/drawing/2010/main" val="0"/>
+              </a:ext>
+            </a:extLst>
+          </a:blip>
+          <a:srcRect/>
+          <a:stretch>
+            <a:fillRect/>
+          </a:stretch>
+        </p:blipFill>
+        <p:spPr bwMode="auto">
+          <a:xfrm>
+            <a:off x="3332656" y="5095231"/>
+            <a:ext cx="301876" cy="301876"/>
+          </a:xfrm>
+          <a:prstGeom prst="rect">
+            <a:avLst/>
+          </a:prstGeom>
+          <a:noFill/>
+          <a:extLst>
+            <a:ext uri="{909E8E84-426E-40DD-AFC4-6F175D3DCCD1}">
+              <a14:hiddenFill xmlns:a14="http://schemas.microsoft.com/office/drawing/2010/main">
+                <a:solidFill>
+                  <a:srgbClr val="FFFFFF"/>
+                </a:solidFill>
+              </a14:hiddenFill>
+            </a:ext>
+          </a:extLst>
+        </p:spPr>
+      </p:pic>
+      <p:pic>
+        <p:nvPicPr>
+          <p:cNvPr id="58" name="Picture 20" descr="Datenbank - Kostenlose technologie Icons">
+            <a:extLst>
+              <a:ext uri="{FF2B5EF4-FFF2-40B4-BE49-F238E27FC236}">
+                <a16:creationId xmlns:a16="http://schemas.microsoft.com/office/drawing/2014/main" id="{43BE0961-4AF8-884E-83F1-DEB1324CC64C}"/>
+              </a:ext>
+            </a:extLst>
+          </p:cNvPr>
+          <p:cNvPicPr>
+            <a:picLocks noChangeAspect="1" noChangeArrowheads="1"/>
+          </p:cNvPicPr>
+          <p:nvPr/>
+        </p:nvPicPr>
+        <p:blipFill>
+          <a:blip r:embed="rId5">
+            <a:duotone>
+              <a:prstClr val="black"/>
+              <a:schemeClr val="accent3">
+                <a:tint val="45000"/>
+                <a:satMod val="400000"/>
+              </a:schemeClr>
+            </a:duotone>
+            <a:extLst>
+              <a:ext uri="{28A0092B-C50C-407E-A947-70E740481C1C}">
+                <a14:useLocalDpi xmlns:a14="http://schemas.microsoft.com/office/drawing/2010/main" val="0"/>
+              </a:ext>
+            </a:extLst>
+          </a:blip>
+          <a:srcRect/>
+          <a:stretch>
+            <a:fillRect/>
+          </a:stretch>
+        </p:blipFill>
+        <p:spPr bwMode="auto">
+          <a:xfrm>
+            <a:off x="3723005" y="5095231"/>
+            <a:ext cx="301876" cy="301876"/>
+          </a:xfrm>
+          <a:prstGeom prst="rect">
+            <a:avLst/>
+          </a:prstGeom>
+          <a:noFill/>
+          <a:extLst>
+            <a:ext uri="{909E8E84-426E-40DD-AFC4-6F175D3DCCD1}">
+              <a14:hiddenFill xmlns:a14="http://schemas.microsoft.com/office/drawing/2010/main">
+                <a:solidFill>
+                  <a:srgbClr val="FFFFFF"/>
+                </a:solidFill>
+              </a14:hiddenFill>
+            </a:ext>
+          </a:extLst>
+        </p:spPr>
+      </p:pic>
+      <p:pic>
+        <p:nvPicPr>
+          <p:cNvPr id="59" name="Picture 20" descr="Datenbank - Kostenlose technologie Icons">
+            <a:extLst>
+              <a:ext uri="{FF2B5EF4-FFF2-40B4-BE49-F238E27FC236}">
+                <a16:creationId xmlns:a16="http://schemas.microsoft.com/office/drawing/2014/main" id="{977C8B9D-3BDB-6F47-95CB-262AC0F604FF}"/>
+              </a:ext>
+            </a:extLst>
+          </p:cNvPr>
+          <p:cNvPicPr>
+            <a:picLocks noChangeAspect="1" noChangeArrowheads="1"/>
+          </p:cNvPicPr>
+          <p:nvPr/>
+        </p:nvPicPr>
+        <p:blipFill>
+          <a:blip r:embed="rId5">
+            <a:duotone>
+              <a:prstClr val="black"/>
+              <a:schemeClr val="accent3">
+                <a:tint val="45000"/>
+                <a:satMod val="400000"/>
+              </a:schemeClr>
+            </a:duotone>
+            <a:extLst>
+              <a:ext uri="{28A0092B-C50C-407E-A947-70E740481C1C}">
+                <a14:useLocalDpi xmlns:a14="http://schemas.microsoft.com/office/drawing/2010/main" val="0"/>
+              </a:ext>
+            </a:extLst>
+          </a:blip>
+          <a:srcRect/>
+          <a:stretch>
+            <a:fillRect/>
+          </a:stretch>
+        </p:blipFill>
+        <p:spPr bwMode="auto">
+          <a:xfrm>
+            <a:off x="4112769" y="5095231"/>
+            <a:ext cx="301876" cy="301876"/>
+          </a:xfrm>
+          <a:prstGeom prst="rect">
+            <a:avLst/>
+          </a:prstGeom>
+          <a:noFill/>
+          <a:extLst>
+            <a:ext uri="{909E8E84-426E-40DD-AFC4-6F175D3DCCD1}">
+              <a14:hiddenFill xmlns:a14="http://schemas.microsoft.com/office/drawing/2010/main">
+                <a:solidFill>
+                  <a:srgbClr val="FFFFFF"/>
+                </a:solidFill>
+              </a14:hiddenFill>
+            </a:ext>
+          </a:extLst>
+        </p:spPr>
+      </p:pic>
+      <p:sp>
+        <p:nvSpPr>
+          <p:cNvPr id="26" name="TextBox 25">
+            <a:extLst>
+              <a:ext uri="{FF2B5EF4-FFF2-40B4-BE49-F238E27FC236}">
+                <a16:creationId xmlns:a16="http://schemas.microsoft.com/office/drawing/2014/main" id="{031E8F6E-B1F9-C048-8889-347562A1E461}"/>
+              </a:ext>
+            </a:extLst>
+          </p:cNvPr>
+          <p:cNvSpPr txBox="1"/>
+          <p:nvPr/>
+        </p:nvSpPr>
+        <p:spPr>
+          <a:xfrm flipH="1">
+            <a:off x="1907966" y="5436505"/>
+            <a:ext cx="1185292" cy="246221"/>
+          </a:xfrm>
+          <a:prstGeom prst="rect">
+            <a:avLst/>
+          </a:prstGeom>
+          <a:noFill/>
+        </p:spPr>
+        <p:txBody>
+          <a:bodyPr wrap="square" rtlCol="0">
+            <a:spAutoFit/>
+          </a:bodyPr>
+          <a:lstStyle/>
+          <a:p>
+            <a:pPr algn="ctr"/>
+            <a:r>
+              <a:rPr lang="en-DE" sz="1000" dirty="0">
+                <a:solidFill>
+                  <a:schemeClr val="tx1">
+                    <a:lumMod val="75000"/>
+                    <a:lumOff val="25000"/>
+                  </a:schemeClr>
+                </a:solidFill>
+                <a:latin typeface="Arial" panose="020B0604020202020204" pitchFamily="34" charset="0"/>
+                <a:cs typeface="Arial" panose="020B0604020202020204" pitchFamily="34" charset="0"/>
+              </a:rPr>
+              <a:t>Partner Schema</a:t>
+            </a:r>
+          </a:p>
+        </p:txBody>
+      </p:sp>
+      <p:sp>
+        <p:nvSpPr>
+          <p:cNvPr id="61" name="TextBox 60">
+            <a:extLst>
+              <a:ext uri="{FF2B5EF4-FFF2-40B4-BE49-F238E27FC236}">
+                <a16:creationId xmlns:a16="http://schemas.microsoft.com/office/drawing/2014/main" id="{EF6DEA95-B95D-9C49-B4CD-A306911EF9AA}"/>
+              </a:ext>
+            </a:extLst>
+          </p:cNvPr>
+          <p:cNvSpPr txBox="1"/>
+          <p:nvPr/>
+        </p:nvSpPr>
+        <p:spPr>
+          <a:xfrm flipH="1">
+            <a:off x="3198504" y="5436504"/>
+            <a:ext cx="1312762" cy="246221"/>
+          </a:xfrm>
+          <a:prstGeom prst="rect">
+            <a:avLst/>
+          </a:prstGeom>
+          <a:noFill/>
+        </p:spPr>
+        <p:txBody>
+          <a:bodyPr wrap="square" rtlCol="0">
+            <a:spAutoFit/>
+          </a:bodyPr>
+          <a:lstStyle/>
+          <a:p>
+            <a:pPr algn="ctr"/>
+            <a:r>
+              <a:rPr lang="en-DE" sz="1000" dirty="0">
+                <a:solidFill>
+                  <a:schemeClr val="tx1">
+                    <a:lumMod val="75000"/>
+                    <a:lumOff val="25000"/>
+                  </a:schemeClr>
+                </a:solidFill>
+                <a:latin typeface="Arial" panose="020B0604020202020204" pitchFamily="34" charset="0"/>
+                <a:cs typeface="Arial" panose="020B0604020202020204" pitchFamily="34" charset="0"/>
+              </a:rPr>
+              <a:t>Customer Schemas</a:t>
+            </a:r>
+          </a:p>
+        </p:txBody>
+      </p:sp>
+      <p:cxnSp>
+        <p:nvCxnSpPr>
+          <p:cNvPr id="62" name="Gewinkelte Verbindung 42">
+            <a:extLst>
+              <a:ext uri="{FF2B5EF4-FFF2-40B4-BE49-F238E27FC236}">
+                <a16:creationId xmlns:a16="http://schemas.microsoft.com/office/drawing/2014/main" id="{B7079E11-1E5A-B141-AC2A-AB58A2223D4A}"/>
+              </a:ext>
+            </a:extLst>
+          </p:cNvPr>
+          <p:cNvCxnSpPr>
+            <a:cxnSpLocks/>
+          </p:cNvCxnSpPr>
+          <p:nvPr/>
+        </p:nvCxnSpPr>
+        <p:spPr>
+          <a:xfrm>
+            <a:off x="939114" y="3051605"/>
+            <a:ext cx="827615" cy="0"/>
+          </a:xfrm>
+          <a:prstGeom prst="straightConnector1">
+            <a:avLst/>
+          </a:prstGeom>
+          <a:ln w="19050" cap="rnd" cmpd="sng">
+            <a:solidFill>
+              <a:schemeClr val="tx1">
+                <a:lumMod val="65000"/>
+                <a:lumOff val="35000"/>
+              </a:schemeClr>
+            </a:solidFill>
+            <a:round/>
+            <a:headEnd type="none" w="med" len="med"/>
+            <a:tailEnd type="triangle" w="med" len="med"/>
+          </a:ln>
+        </p:spPr>
+        <p:style>
+          <a:lnRef idx="1">
+            <a:schemeClr val="accent1"/>
+          </a:lnRef>
+          <a:fillRef idx="0">
+            <a:schemeClr val="accent1"/>
+          </a:fillRef>
+          <a:effectRef idx="0">
+            <a:schemeClr val="accent1"/>
+          </a:effectRef>
+          <a:fontRef idx="minor">
+            <a:schemeClr val="tx1"/>
+          </a:fontRef>
+        </p:style>
+      </p:cxnSp>
+      <p:sp>
+        <p:nvSpPr>
+          <p:cNvPr id="68" name="Rechteck 61">
+            <a:extLst>
+              <a:ext uri="{FF2B5EF4-FFF2-40B4-BE49-F238E27FC236}">
+                <a16:creationId xmlns:a16="http://schemas.microsoft.com/office/drawing/2014/main" id="{0F865632-7EAB-674D-A123-39F83D885E43}"/>
+              </a:ext>
+            </a:extLst>
+          </p:cNvPr>
+          <p:cNvSpPr/>
+          <p:nvPr/>
+        </p:nvSpPr>
+        <p:spPr>
+          <a:xfrm>
+            <a:off x="1954199" y="2217974"/>
+            <a:ext cx="2733665" cy="1589037"/>
+          </a:xfrm>
+          <a:prstGeom prst="rect">
+            <a:avLst/>
+          </a:prstGeom>
+          <a:solidFill>
+            <a:schemeClr val="bg1"/>
+          </a:solidFill>
+          <a:ln w="19050">
+            <a:solidFill>
+              <a:schemeClr val="tx1">
+                <a:lumMod val="65000"/>
+                <a:lumOff val="35000"/>
+              </a:schemeClr>
+            </a:solidFill>
+          </a:ln>
+          <a:effectLst/>
+        </p:spPr>
+        <p:style>
+          <a:lnRef idx="2">
+            <a:schemeClr val="accent1">
+              <a:shade val="50000"/>
+            </a:schemeClr>
+          </a:lnRef>
+          <a:fillRef idx="1">
+            <a:schemeClr val="accent1"/>
+          </a:fillRef>
+          <a:effectRef idx="0">
+            <a:schemeClr val="accent1"/>
+          </a:effectRef>
+          <a:fontRef idx="minor">
+            <a:schemeClr val="lt1"/>
+          </a:fontRef>
+        </p:style>
+        <p:txBody>
+          <a:bodyPr lIns="72000" tIns="72000" rIns="72000" bIns="72000" rtlCol="0" anchor="t" anchorCtr="0"/>
+          <a:lstStyle/>
+          <a:p>
+            <a:pPr algn="ctr"/>
+            <a:endParaRPr lang="en-US" sz="1400" kern="0" dirty="0">
+              <a:solidFill>
+                <a:schemeClr val="tx1"/>
+              </a:solidFill>
+              <a:latin typeface="Arial" panose="020B0604020202020204" pitchFamily="34" charset="0"/>
+              <a:ea typeface="BentonSans Bold" charset="0"/>
+              <a:cs typeface="Arial" panose="020B0604020202020204" pitchFamily="34" charset="0"/>
+            </a:endParaRPr>
+          </a:p>
+        </p:txBody>
+      </p:sp>
+      <p:pic>
+        <p:nvPicPr>
+          <p:cNvPr id="72" name="Picture 8">
+            <a:extLst>
+              <a:ext uri="{FF2B5EF4-FFF2-40B4-BE49-F238E27FC236}">
+                <a16:creationId xmlns:a16="http://schemas.microsoft.com/office/drawing/2014/main" id="{8987DABF-9652-514F-845C-4F27407B0231}"/>
+              </a:ext>
+            </a:extLst>
+          </p:cNvPr>
+          <p:cNvPicPr>
+            <a:picLocks noChangeAspect="1" noChangeArrowheads="1"/>
+          </p:cNvPicPr>
+          <p:nvPr/>
+        </p:nvPicPr>
+        <p:blipFill>
+          <a:blip r:embed="rId6">
+            <a:extLst>
+              <a:ext uri="{28A0092B-C50C-407E-A947-70E740481C1C}">
+                <a14:useLocalDpi xmlns:a14="http://schemas.microsoft.com/office/drawing/2010/main" val="0"/>
+              </a:ext>
+            </a:extLst>
+          </a:blip>
+          <a:srcRect/>
+          <a:stretch>
+            <a:fillRect/>
+          </a:stretch>
+        </p:blipFill>
+        <p:spPr bwMode="auto">
+          <a:xfrm>
+            <a:off x="4004034" y="3201903"/>
+            <a:ext cx="317665" cy="275289"/>
+          </a:xfrm>
+          <a:prstGeom prst="rect">
+            <a:avLst/>
+          </a:prstGeom>
+          <a:noFill/>
+          <a:extLst>
+            <a:ext uri="{909E8E84-426E-40DD-AFC4-6F175D3DCCD1}">
+              <a14:hiddenFill xmlns:a14="http://schemas.microsoft.com/office/drawing/2010/main">
+                <a:solidFill>
+                  <a:srgbClr val="FFFFFF"/>
+                </a:solidFill>
+              </a14:hiddenFill>
+            </a:ext>
+          </a:extLst>
+        </p:spPr>
+      </p:pic>
+      <p:pic>
+        <p:nvPicPr>
+          <p:cNvPr id="65" name="Picture 12" descr="Klausur 76891 – Einführung in Java – peripherstudent">
+            <a:extLst>
+              <a:ext uri="{FF2B5EF4-FFF2-40B4-BE49-F238E27FC236}">
+                <a16:creationId xmlns:a16="http://schemas.microsoft.com/office/drawing/2014/main" id="{834800F4-38F9-F842-8DEE-F20817EDBAD4}"/>
+              </a:ext>
+            </a:extLst>
+          </p:cNvPr>
+          <p:cNvPicPr>
+            <a:picLocks noChangeAspect="1" noChangeArrowheads="1"/>
+          </p:cNvPicPr>
+          <p:nvPr/>
+        </p:nvPicPr>
+        <p:blipFill>
+          <a:blip r:embed="rId7">
+            <a:extLst>
+              <a:ext uri="{28A0092B-C50C-407E-A947-70E740481C1C}">
+                <a14:useLocalDpi xmlns:a14="http://schemas.microsoft.com/office/drawing/2010/main" val="0"/>
+              </a:ext>
+            </a:extLst>
+          </a:blip>
+          <a:srcRect/>
+          <a:stretch>
+            <a:fillRect/>
+          </a:stretch>
+        </p:blipFill>
+        <p:spPr bwMode="auto">
+          <a:xfrm>
+            <a:off x="2233911" y="3046951"/>
+            <a:ext cx="507653" cy="507653"/>
+          </a:xfrm>
+          <a:prstGeom prst="rect">
+            <a:avLst/>
+          </a:prstGeom>
+          <a:noFill/>
+          <a:extLst>
+            <a:ext uri="{909E8E84-426E-40DD-AFC4-6F175D3DCCD1}">
+              <a14:hiddenFill xmlns:a14="http://schemas.microsoft.com/office/drawing/2010/main">
+                <a:solidFill>
+                  <a:srgbClr val="FFFFFF"/>
+                </a:solidFill>
+              </a14:hiddenFill>
+            </a:ext>
+          </a:extLst>
+        </p:spPr>
+      </p:pic>
+      <p:pic>
+        <p:nvPicPr>
+          <p:cNvPr id="66" name="Picture 18" descr="Nodejsvektorlogo Backendprogrammierung In Javascript Serverentwicklung  Stock Vektor Art und mehr Bilder von Logo - iStock">
+            <a:extLst>
+              <a:ext uri="{FF2B5EF4-FFF2-40B4-BE49-F238E27FC236}">
+                <a16:creationId xmlns:a16="http://schemas.microsoft.com/office/drawing/2014/main" id="{7CED82D5-D829-7644-8281-035B65F32DB2}"/>
+              </a:ext>
+            </a:extLst>
+          </p:cNvPr>
+          <p:cNvPicPr>
+            <a:picLocks noChangeAspect="1" noChangeArrowheads="1"/>
+          </p:cNvPicPr>
+          <p:nvPr/>
+        </p:nvPicPr>
+        <p:blipFill>
+          <a:blip r:embed="rId8">
+            <a:extLst>
+              <a:ext uri="{28A0092B-C50C-407E-A947-70E740481C1C}">
+                <a14:useLocalDpi xmlns:a14="http://schemas.microsoft.com/office/drawing/2010/main" val="0"/>
+              </a:ext>
+            </a:extLst>
+          </a:blip>
+          <a:srcRect/>
+          <a:stretch>
+            <a:fillRect/>
+          </a:stretch>
+        </p:blipFill>
+        <p:spPr bwMode="auto">
+          <a:xfrm>
+            <a:off x="3141266" y="3136679"/>
+            <a:ext cx="371623" cy="371623"/>
+          </a:xfrm>
+          <a:prstGeom prst="rect">
+            <a:avLst/>
+          </a:prstGeom>
+          <a:noFill/>
+          <a:extLst>
+            <a:ext uri="{909E8E84-426E-40DD-AFC4-6F175D3DCCD1}">
+              <a14:hiddenFill xmlns:a14="http://schemas.microsoft.com/office/drawing/2010/main">
+                <a:solidFill>
+                  <a:srgbClr val="FFFFFF"/>
+                </a:solidFill>
+              </a14:hiddenFill>
+            </a:ext>
+          </a:extLst>
+        </p:spPr>
+      </p:pic>
+      <p:sp>
+        <p:nvSpPr>
+          <p:cNvPr id="7" name="Rounded Rectangle 6">
+            <a:extLst>
+              <a:ext uri="{FF2B5EF4-FFF2-40B4-BE49-F238E27FC236}">
+                <a16:creationId xmlns:a16="http://schemas.microsoft.com/office/drawing/2014/main" id="{EB05E2ED-780C-2F4F-A8DF-9D5B49AE124C}"/>
+              </a:ext>
+            </a:extLst>
+          </p:cNvPr>
+          <p:cNvSpPr/>
+          <p:nvPr/>
+        </p:nvSpPr>
+        <p:spPr>
+          <a:xfrm>
+            <a:off x="2123475" y="3030301"/>
+            <a:ext cx="729966" cy="540779"/>
+          </a:xfrm>
+          <a:prstGeom prst="roundRect">
+            <a:avLst/>
+          </a:prstGeom>
+          <a:noFill/>
+          <a:ln w="19050">
+            <a:solidFill>
+              <a:srgbClr val="1A9898"/>
+            </a:solidFill>
+            <a:prstDash val="dash"/>
+          </a:ln>
+        </p:spPr>
+        <p:style>
+          <a:lnRef idx="2">
+            <a:schemeClr val="accent1">
+              <a:shade val="50000"/>
+            </a:schemeClr>
+          </a:lnRef>
+          <a:fillRef idx="1">
+            <a:schemeClr val="accent1"/>
+          </a:fillRef>
+          <a:effectRef idx="0">
+            <a:schemeClr val="accent1"/>
+          </a:effectRef>
+          <a:fontRef idx="minor">
+            <a:schemeClr val="lt1"/>
+          </a:fontRef>
+        </p:style>
+        <p:txBody>
+          <a:bodyPr rtlCol="0" anchor="ctr"/>
+          <a:lstStyle/>
+          <a:p>
+            <a:pPr algn="ctr"/>
+            <a:endParaRPr lang="en-DE"/>
+          </a:p>
+        </p:txBody>
+      </p:sp>
+      <p:sp>
+        <p:nvSpPr>
+          <p:cNvPr id="76" name="Rounded Rectangle 75">
+            <a:extLst>
+              <a:ext uri="{FF2B5EF4-FFF2-40B4-BE49-F238E27FC236}">
+                <a16:creationId xmlns:a16="http://schemas.microsoft.com/office/drawing/2014/main" id="{64080598-8A5F-C74E-BED3-3941653B2FC7}"/>
+              </a:ext>
+            </a:extLst>
+          </p:cNvPr>
+          <p:cNvSpPr/>
+          <p:nvPr/>
+        </p:nvSpPr>
+        <p:spPr>
+          <a:xfrm>
+            <a:off x="2947013" y="3046925"/>
+            <a:ext cx="729966" cy="540779"/>
+          </a:xfrm>
+          <a:prstGeom prst="roundRect">
+            <a:avLst/>
+          </a:prstGeom>
+          <a:noFill/>
+          <a:ln w="19050">
+            <a:solidFill>
+              <a:srgbClr val="1A9898"/>
+            </a:solidFill>
+            <a:prstDash val="dash"/>
+          </a:ln>
+        </p:spPr>
+        <p:style>
+          <a:lnRef idx="2">
+            <a:schemeClr val="accent1">
+              <a:shade val="50000"/>
+            </a:schemeClr>
+          </a:lnRef>
+          <a:fillRef idx="1">
+            <a:schemeClr val="accent1"/>
+          </a:fillRef>
+          <a:effectRef idx="0">
+            <a:schemeClr val="accent1"/>
+          </a:effectRef>
+          <a:fontRef idx="minor">
+            <a:schemeClr val="lt1"/>
+          </a:fontRef>
+        </p:style>
+        <p:txBody>
+          <a:bodyPr rtlCol="0" anchor="ctr"/>
+          <a:lstStyle/>
+          <a:p>
+            <a:pPr algn="ctr"/>
+            <a:endParaRPr lang="en-DE"/>
+          </a:p>
+        </p:txBody>
+      </p:sp>
+      <p:sp>
+        <p:nvSpPr>
+          <p:cNvPr id="78" name="Rounded Rectangle 77">
+            <a:extLst>
+              <a:ext uri="{FF2B5EF4-FFF2-40B4-BE49-F238E27FC236}">
+                <a16:creationId xmlns:a16="http://schemas.microsoft.com/office/drawing/2014/main" id="{ED71FF34-1CFC-6143-8D85-A33856391C7D}"/>
+              </a:ext>
+            </a:extLst>
+          </p:cNvPr>
+          <p:cNvSpPr/>
+          <p:nvPr/>
+        </p:nvSpPr>
+        <p:spPr>
+          <a:xfrm>
+            <a:off x="3789467" y="3046926"/>
+            <a:ext cx="729966" cy="540779"/>
+          </a:xfrm>
+          <a:prstGeom prst="roundRect">
+            <a:avLst/>
+          </a:prstGeom>
+          <a:noFill/>
+          <a:ln w="19050">
+            <a:solidFill>
+              <a:srgbClr val="1A9898"/>
+            </a:solidFill>
+            <a:prstDash val="dash"/>
+          </a:ln>
+        </p:spPr>
+        <p:style>
+          <a:lnRef idx="2">
+            <a:schemeClr val="accent1">
+              <a:shade val="50000"/>
+            </a:schemeClr>
+          </a:lnRef>
+          <a:fillRef idx="1">
+            <a:schemeClr val="accent1"/>
+          </a:fillRef>
+          <a:effectRef idx="0">
+            <a:schemeClr val="accent1"/>
+          </a:effectRef>
+          <a:fontRef idx="minor">
+            <a:schemeClr val="lt1"/>
+          </a:fontRef>
+        </p:style>
+        <p:txBody>
+          <a:bodyPr rtlCol="0" anchor="ctr"/>
+          <a:lstStyle/>
+          <a:p>
+            <a:pPr algn="ctr"/>
+            <a:endParaRPr lang="en-DE"/>
+          </a:p>
+        </p:txBody>
+      </p:sp>
+      <p:cxnSp>
+        <p:nvCxnSpPr>
+          <p:cNvPr id="79" name="Gewinkelte Verbindung 42">
+            <a:extLst>
+              <a:ext uri="{FF2B5EF4-FFF2-40B4-BE49-F238E27FC236}">
+                <a16:creationId xmlns:a16="http://schemas.microsoft.com/office/drawing/2014/main" id="{281F630F-91DF-BC4B-93DD-FA25964CD0CA}"/>
+              </a:ext>
+            </a:extLst>
+          </p:cNvPr>
+          <p:cNvCxnSpPr>
+            <a:cxnSpLocks/>
+          </p:cNvCxnSpPr>
+          <p:nvPr/>
+        </p:nvCxnSpPr>
+        <p:spPr>
+          <a:xfrm>
+            <a:off x="3356599" y="3802527"/>
+            <a:ext cx="0" cy="894298"/>
+          </a:xfrm>
+          <a:prstGeom prst="straightConnector1">
+            <a:avLst/>
+          </a:prstGeom>
+          <a:ln w="19050" cap="rnd" cmpd="sng">
+            <a:solidFill>
+              <a:schemeClr val="tx1">
+                <a:lumMod val="65000"/>
+                <a:lumOff val="35000"/>
+              </a:schemeClr>
+            </a:solidFill>
+            <a:round/>
+            <a:headEnd type="none" w="med" len="med"/>
+            <a:tailEnd type="triangle" w="med" len="med"/>
+          </a:ln>
+        </p:spPr>
+        <p:style>
+          <a:lnRef idx="1">
+            <a:schemeClr val="accent1"/>
+          </a:lnRef>
+          <a:fillRef idx="0">
+            <a:schemeClr val="accent1"/>
+          </a:fillRef>
+          <a:effectRef idx="0">
+            <a:schemeClr val="accent1"/>
+          </a:effectRef>
+          <a:fontRef idx="minor">
+            <a:schemeClr val="tx1"/>
+          </a:fontRef>
+        </p:style>
+      </p:cxnSp>
+      <p:cxnSp>
+        <p:nvCxnSpPr>
+          <p:cNvPr id="84" name="Gewinkelte Verbindung 42">
+            <a:extLst>
+              <a:ext uri="{FF2B5EF4-FFF2-40B4-BE49-F238E27FC236}">
+                <a16:creationId xmlns:a16="http://schemas.microsoft.com/office/drawing/2014/main" id="{1F760EDB-1CCE-4C40-96D7-888402C3C4B0}"/>
+              </a:ext>
+            </a:extLst>
+          </p:cNvPr>
+          <p:cNvCxnSpPr>
+            <a:cxnSpLocks/>
+          </p:cNvCxnSpPr>
+          <p:nvPr/>
+        </p:nvCxnSpPr>
+        <p:spPr>
+          <a:xfrm>
+            <a:off x="4687864" y="2898095"/>
+            <a:ext cx="681593" cy="0"/>
+          </a:xfrm>
+          <a:prstGeom prst="straightConnector1">
+            <a:avLst/>
+          </a:prstGeom>
+          <a:ln w="19050" cap="rnd" cmpd="sng">
+            <a:solidFill>
+              <a:schemeClr val="tx1">
+                <a:lumMod val="65000"/>
+                <a:lumOff val="35000"/>
+              </a:schemeClr>
+            </a:solidFill>
+            <a:round/>
+            <a:headEnd type="none" w="med" len="med"/>
+            <a:tailEnd type="triangle" w="med" len="med"/>
+          </a:ln>
+        </p:spPr>
+        <p:style>
+          <a:lnRef idx="1">
+            <a:schemeClr val="accent1"/>
+          </a:lnRef>
+          <a:fillRef idx="0">
+            <a:schemeClr val="accent1"/>
+          </a:fillRef>
+          <a:effectRef idx="0">
+            <a:schemeClr val="accent1"/>
+          </a:effectRef>
+          <a:fontRef idx="minor">
+            <a:schemeClr val="tx1"/>
+          </a:fontRef>
+        </p:style>
+      </p:cxnSp>
+      <p:cxnSp>
+        <p:nvCxnSpPr>
+          <p:cNvPr id="89" name="Gewinkelte Verbindung 42">
+            <a:extLst>
+              <a:ext uri="{FF2B5EF4-FFF2-40B4-BE49-F238E27FC236}">
+                <a16:creationId xmlns:a16="http://schemas.microsoft.com/office/drawing/2014/main" id="{8287951B-1E67-5C4F-8CA9-F768A2897436}"/>
+              </a:ext>
+            </a:extLst>
+          </p:cNvPr>
+          <p:cNvCxnSpPr>
+            <a:cxnSpLocks/>
+          </p:cNvCxnSpPr>
+          <p:nvPr/>
+        </p:nvCxnSpPr>
+        <p:spPr>
+          <a:xfrm>
+            <a:off x="8566378" y="2897098"/>
+            <a:ext cx="1089367" cy="997"/>
+          </a:xfrm>
+          <a:prstGeom prst="straightConnector1">
+            <a:avLst/>
+          </a:prstGeom>
+          <a:ln w="19050" cap="rnd" cmpd="sng">
+            <a:solidFill>
+              <a:schemeClr val="tx1">
+                <a:lumMod val="65000"/>
+                <a:lumOff val="35000"/>
+              </a:schemeClr>
+            </a:solidFill>
+            <a:round/>
+            <a:headEnd type="none" w="med" len="med"/>
+            <a:tailEnd type="triangle" w="med" len="med"/>
+          </a:ln>
+        </p:spPr>
+        <p:style>
+          <a:lnRef idx="1">
+            <a:schemeClr val="accent1"/>
+          </a:lnRef>
+          <a:fillRef idx="0">
+            <a:schemeClr val="accent1"/>
+          </a:fillRef>
+          <a:effectRef idx="0">
+            <a:schemeClr val="accent1"/>
+          </a:effectRef>
+          <a:fontRef idx="minor">
+            <a:schemeClr val="tx1"/>
+          </a:fontRef>
+        </p:style>
+      </p:cxnSp>
+      <p:sp>
+        <p:nvSpPr>
+          <p:cNvPr id="34" name="TextBox 33">
+            <a:extLst>
+              <a:ext uri="{FF2B5EF4-FFF2-40B4-BE49-F238E27FC236}">
+                <a16:creationId xmlns:a16="http://schemas.microsoft.com/office/drawing/2014/main" id="{80531925-FC10-9947-95A7-C28A6F5BD153}"/>
+              </a:ext>
+            </a:extLst>
+          </p:cNvPr>
+          <p:cNvSpPr txBox="1"/>
+          <p:nvPr/>
+        </p:nvSpPr>
+        <p:spPr>
+          <a:xfrm>
+            <a:off x="1960671" y="2349774"/>
+            <a:ext cx="2733665" cy="523220"/>
+          </a:xfrm>
+          <a:prstGeom prst="rect">
+            <a:avLst/>
+          </a:prstGeom>
+          <a:noFill/>
+        </p:spPr>
+        <p:txBody>
+          <a:bodyPr wrap="square" rtlCol="0">
+            <a:spAutoFit/>
+          </a:bodyPr>
+          <a:lstStyle/>
+          <a:p>
+            <a:pPr algn="ctr"/>
+            <a:r>
+              <a:rPr lang="en-US" sz="1400" kern="0" dirty="0">
+                <a:latin typeface="Arial" panose="020B0604020202020204" pitchFamily="34" charset="0"/>
+                <a:ea typeface="BentonSans Bold" charset="0"/>
+                <a:cs typeface="Arial" panose="020B0604020202020204" pitchFamily="34" charset="0"/>
+              </a:rPr>
+              <a:t>Easy Franchise</a:t>
+            </a:r>
+          </a:p>
+          <a:p>
+            <a:pPr algn="ctr"/>
+            <a:r>
+              <a:rPr lang="en-US" sz="1400" kern="0" dirty="0">
+                <a:latin typeface="Arial" panose="020B0604020202020204" pitchFamily="34" charset="0"/>
+                <a:ea typeface="BentonSans Bold" charset="0"/>
+                <a:cs typeface="Arial" panose="020B0604020202020204" pitchFamily="34" charset="0"/>
+              </a:rPr>
+              <a:t>Microservices based App</a:t>
+            </a:r>
+          </a:p>
+        </p:txBody>
+      </p:sp>
+      <p:sp>
+        <p:nvSpPr>
+          <p:cNvPr id="42" name="Rechteck 61">
+            <a:extLst>
+              <a:ext uri="{FF2B5EF4-FFF2-40B4-BE49-F238E27FC236}">
+                <a16:creationId xmlns:a16="http://schemas.microsoft.com/office/drawing/2014/main" id="{0F24B410-32D2-714A-B3E6-E03A5ABE5733}"/>
+              </a:ext>
+            </a:extLst>
+          </p:cNvPr>
+          <p:cNvSpPr/>
+          <p:nvPr/>
+        </p:nvSpPr>
+        <p:spPr>
+          <a:xfrm>
+            <a:off x="5595806" y="2946460"/>
+            <a:ext cx="2318141" cy="516736"/>
+          </a:xfrm>
+          <a:prstGeom prst="rect">
+            <a:avLst/>
+          </a:prstGeom>
+          <a:solidFill>
+            <a:schemeClr val="bg1"/>
+          </a:solidFill>
+          <a:ln w="19050">
+            <a:solidFill>
+              <a:schemeClr val="tx1">
+                <a:lumMod val="65000"/>
+                <a:lumOff val="35000"/>
+              </a:schemeClr>
+            </a:solidFill>
+          </a:ln>
+          <a:effectLst/>
+        </p:spPr>
+        <p:style>
+          <a:lnRef idx="2">
+            <a:schemeClr val="accent1">
+              <a:shade val="50000"/>
+            </a:schemeClr>
+          </a:lnRef>
+          <a:fillRef idx="1">
+            <a:schemeClr val="accent1"/>
+          </a:fillRef>
+          <a:effectRef idx="0">
+            <a:schemeClr val="accent1"/>
+          </a:effectRef>
+          <a:fontRef idx="minor">
+            <a:schemeClr val="lt1"/>
+          </a:fontRef>
+        </p:style>
+        <p:txBody>
+          <a:bodyPr lIns="72000" tIns="72000" rIns="72000" bIns="72000" rtlCol="0" anchor="ctr" anchorCtr="0"/>
+          <a:lstStyle/>
+          <a:p>
+            <a:pPr algn="ctr"/>
+            <a:r>
+              <a:rPr lang="en-US" sz="1200" kern="0" dirty="0">
+                <a:solidFill>
+                  <a:schemeClr val="tx1"/>
+                </a:solidFill>
+                <a:latin typeface="Arial" panose="020B0604020202020204" pitchFamily="34" charset="0"/>
+                <a:ea typeface="BentonSans Bold" charset="0"/>
+                <a:cs typeface="Arial" panose="020B0604020202020204" pitchFamily="34" charset="0"/>
+              </a:rPr>
+              <a:t>End User </a:t>
+            </a:r>
+            <a:r>
+              <a:rPr lang="en-US" sz="1200" kern="0" dirty="0" err="1">
+                <a:solidFill>
+                  <a:schemeClr val="tx1"/>
+                </a:solidFill>
+                <a:latin typeface="Arial" panose="020B0604020202020204" pitchFamily="34" charset="0"/>
+                <a:ea typeface="BentonSans Bold" charset="0"/>
+                <a:cs typeface="Arial" panose="020B0604020202020204" pitchFamily="34" charset="0"/>
+              </a:rPr>
+              <a:t>Assignement</a:t>
+            </a:r>
+            <a:endParaRPr lang="en-US" sz="1200" kern="0" dirty="0">
+              <a:solidFill>
+                <a:schemeClr val="tx1"/>
+              </a:solidFill>
+              <a:latin typeface="Arial" panose="020B0604020202020204" pitchFamily="34" charset="0"/>
+              <a:ea typeface="BentonSans Bold" charset="0"/>
+              <a:cs typeface="Arial" panose="020B0604020202020204" pitchFamily="34" charset="0"/>
+            </a:endParaRPr>
+          </a:p>
+        </p:txBody>
+      </p:sp>
+      <p:sp>
+        <p:nvSpPr>
+          <p:cNvPr id="44" name="Rechteck 61">
+            <a:extLst>
+              <a:ext uri="{FF2B5EF4-FFF2-40B4-BE49-F238E27FC236}">
+                <a16:creationId xmlns:a16="http://schemas.microsoft.com/office/drawing/2014/main" id="{9714078E-D5AA-7E45-8716-9B4C61AFFF25}"/>
+              </a:ext>
+            </a:extLst>
+          </p:cNvPr>
+          <p:cNvSpPr/>
+          <p:nvPr/>
+        </p:nvSpPr>
+        <p:spPr>
+          <a:xfrm>
+            <a:off x="5589273" y="2270087"/>
+            <a:ext cx="2318142" cy="516736"/>
+          </a:xfrm>
+          <a:prstGeom prst="rect">
+            <a:avLst/>
+          </a:prstGeom>
+          <a:solidFill>
+            <a:schemeClr val="bg1"/>
+          </a:solidFill>
+          <a:ln w="19050">
+            <a:solidFill>
+              <a:schemeClr val="tx1">
+                <a:lumMod val="65000"/>
+                <a:lumOff val="35000"/>
+              </a:schemeClr>
+            </a:solidFill>
+          </a:ln>
+          <a:effectLst/>
+        </p:spPr>
+        <p:style>
+          <a:lnRef idx="2">
+            <a:schemeClr val="accent1">
+              <a:shade val="50000"/>
+            </a:schemeClr>
+          </a:lnRef>
+          <a:fillRef idx="1">
+            <a:schemeClr val="accent1"/>
+          </a:fillRef>
+          <a:effectRef idx="0">
+            <a:schemeClr val="accent1"/>
+          </a:effectRef>
+          <a:fontRef idx="minor">
+            <a:schemeClr val="lt1"/>
+          </a:fontRef>
+        </p:style>
+        <p:txBody>
+          <a:bodyPr lIns="72000" tIns="72000" rIns="72000" bIns="72000" rtlCol="0" anchor="ctr" anchorCtr="0"/>
+          <a:lstStyle/>
+          <a:p>
+            <a:pPr algn="ctr"/>
+            <a:r>
+              <a:rPr lang="en-US" sz="1200" kern="0" dirty="0">
+                <a:solidFill>
+                  <a:schemeClr val="tx1"/>
+                </a:solidFill>
+                <a:latin typeface="Arial" panose="020B0604020202020204" pitchFamily="34" charset="0"/>
+                <a:ea typeface="BentonSans Bold" charset="0"/>
+                <a:cs typeface="Arial" panose="020B0604020202020204" pitchFamily="34" charset="0"/>
+              </a:rPr>
+              <a:t>Destination Configuration</a:t>
+            </a:r>
+          </a:p>
+        </p:txBody>
+      </p:sp>
+      <p:sp>
+        <p:nvSpPr>
+          <p:cNvPr id="45" name="Rechteck 61">
+            <a:extLst>
+              <a:ext uri="{FF2B5EF4-FFF2-40B4-BE49-F238E27FC236}">
+                <a16:creationId xmlns:a16="http://schemas.microsoft.com/office/drawing/2014/main" id="{9DFC3280-3A5F-AA4B-8606-7D29D5656E92}"/>
+              </a:ext>
+            </a:extLst>
+          </p:cNvPr>
+          <p:cNvSpPr/>
+          <p:nvPr/>
+        </p:nvSpPr>
+        <p:spPr>
+          <a:xfrm>
+            <a:off x="5584387" y="1593714"/>
+            <a:ext cx="2323028" cy="516736"/>
+          </a:xfrm>
+          <a:prstGeom prst="rect">
+            <a:avLst/>
+          </a:prstGeom>
+          <a:solidFill>
+            <a:schemeClr val="bg1"/>
+          </a:solidFill>
+          <a:ln w="19050">
+            <a:solidFill>
+              <a:schemeClr val="tx1">
+                <a:lumMod val="65000"/>
+                <a:lumOff val="35000"/>
+              </a:schemeClr>
+            </a:solidFill>
+          </a:ln>
+          <a:effectLst/>
+        </p:spPr>
+        <p:style>
+          <a:lnRef idx="2">
+            <a:schemeClr val="accent1">
+              <a:shade val="50000"/>
+            </a:schemeClr>
+          </a:lnRef>
+          <a:fillRef idx="1">
+            <a:schemeClr val="accent1"/>
+          </a:fillRef>
+          <a:effectRef idx="0">
+            <a:schemeClr val="accent1"/>
+          </a:effectRef>
+          <a:fontRef idx="minor">
+            <a:schemeClr val="lt1"/>
+          </a:fontRef>
+        </p:style>
+        <p:txBody>
+          <a:bodyPr lIns="72000" tIns="72000" rIns="72000" bIns="72000" rtlCol="0" anchor="ctr" anchorCtr="0"/>
+          <a:lstStyle/>
+          <a:p>
+            <a:pPr algn="ctr"/>
+            <a:r>
+              <a:rPr lang="en-US" sz="1200" kern="0" dirty="0">
+                <a:solidFill>
+                  <a:schemeClr val="tx1"/>
+                </a:solidFill>
+                <a:latin typeface="Arial" panose="020B0604020202020204" pitchFamily="34" charset="0"/>
+                <a:ea typeface="BentonSans Bold" charset="0"/>
+                <a:cs typeface="Arial" panose="020B0604020202020204" pitchFamily="34" charset="0"/>
+              </a:rPr>
+              <a:t>Application Subscription</a:t>
+            </a:r>
+          </a:p>
+        </p:txBody>
+      </p:sp>
+    </p:spTree>
+    <p:extLst>
+      <p:ext uri="{BB962C8B-B14F-4D97-AF65-F5344CB8AC3E}">
+        <p14:creationId xmlns:p14="http://schemas.microsoft.com/office/powerpoint/2010/main" val="4128701898"/>
+      </p:ext>
+    </p:extLst>
+  </p:cSld>
+  <p:clrMapOvr>
+    <a:masterClrMapping/>
+  </p:clrMapOvr>
+</p:sld>
+</file>
+
+<file path=ppt/slides/slide8.xml><?xml version="1.0" encoding="utf-8"?>
+<p:sld xmlns:a="http://schemas.openxmlformats.org/drawingml/2006/main" xmlns:r="http://schemas.openxmlformats.org/officeDocument/2006/relationships" xmlns:p="http://schemas.openxmlformats.org/presentationml/2006/main">
+  <p:cSld>
+    <p:spTree>
+      <p:nvGrpSpPr>
+        <p:cNvPr id="1" name=""/>
+        <p:cNvGrpSpPr/>
+        <p:nvPr/>
+      </p:nvGrpSpPr>
+      <p:grpSpPr>
+        <a:xfrm>
+          <a:off x="0" y="0"/>
+          <a:ext cx="0" cy="0"/>
+          <a:chOff x="0" y="0"/>
+          <a:chExt cx="0" cy="0"/>
+        </a:xfrm>
+      </p:grpSpPr>
+      <p:sp>
+        <p:nvSpPr>
+          <p:cNvPr id="87" name="Rectangle 86">
+            <a:extLst>
+              <a:ext uri="{FF2B5EF4-FFF2-40B4-BE49-F238E27FC236}">
+                <a16:creationId xmlns:a16="http://schemas.microsoft.com/office/drawing/2014/main" id="{3583A072-8D9E-174A-B145-3D6A6CB4F1E1}"/>
+              </a:ext>
+            </a:extLst>
+          </p:cNvPr>
+          <p:cNvSpPr/>
+          <p:nvPr/>
+        </p:nvSpPr>
+        <p:spPr>
+          <a:xfrm>
+            <a:off x="9503021" y="580642"/>
+            <a:ext cx="2253700" cy="3066851"/>
+          </a:xfrm>
+          <a:prstGeom prst="rect">
+            <a:avLst/>
+          </a:prstGeom>
+          <a:solidFill>
+            <a:schemeClr val="bg1"/>
+          </a:solidFill>
+          <a:ln w="15875">
+            <a:solidFill>
+              <a:schemeClr val="bg1">
+                <a:lumMod val="65000"/>
+              </a:schemeClr>
+            </a:solidFill>
+            <a:prstDash val="sysDot"/>
+          </a:ln>
+        </p:spPr>
+        <p:style>
+          <a:lnRef idx="2">
+            <a:schemeClr val="accent1">
+              <a:shade val="50000"/>
+            </a:schemeClr>
+          </a:lnRef>
+          <a:fillRef idx="1">
+            <a:schemeClr val="accent1"/>
+          </a:fillRef>
+          <a:effectRef idx="0">
+            <a:schemeClr val="accent1"/>
+          </a:effectRef>
+          <a:fontRef idx="minor">
+            <a:schemeClr val="lt1"/>
+          </a:fontRef>
+        </p:style>
+        <p:txBody>
+          <a:bodyPr rtlCol="0" anchor="ctr"/>
+          <a:lstStyle/>
+          <a:p>
+            <a:pPr algn="ctr"/>
+            <a:endParaRPr lang="en-DE" sz="1400" dirty="0">
+              <a:solidFill>
+                <a:schemeClr val="tx1"/>
+              </a:solidFill>
+            </a:endParaRPr>
+          </a:p>
+        </p:txBody>
+      </p:sp>
+      <p:sp>
+        <p:nvSpPr>
+          <p:cNvPr id="4" name="Rechteck 9">
+            <a:extLst>
+              <a:ext uri="{FF2B5EF4-FFF2-40B4-BE49-F238E27FC236}">
+                <a16:creationId xmlns:a16="http://schemas.microsoft.com/office/drawing/2014/main" id="{843DC14A-BA69-7D46-ACB3-B95EC3790DCE}"/>
+              </a:ext>
+            </a:extLst>
+          </p:cNvPr>
+          <p:cNvSpPr/>
+          <p:nvPr/>
+        </p:nvSpPr>
+        <p:spPr>
+          <a:xfrm>
+            <a:off x="1692288" y="1114572"/>
+            <a:ext cx="3530632" cy="4968176"/>
+          </a:xfrm>
+          <a:prstGeom prst="rect">
+            <a:avLst/>
+          </a:prstGeom>
+          <a:solidFill>
+            <a:schemeClr val="accent5">
+              <a:lumMod val="20000"/>
+              <a:lumOff val="80000"/>
+            </a:schemeClr>
+          </a:solidFill>
+          <a:ln w="19050" cap="rnd">
+            <a:solidFill>
+              <a:srgbClr val="0092D1"/>
+            </a:solidFill>
+          </a:ln>
+        </p:spPr>
+        <p:style>
+          <a:lnRef idx="2">
+            <a:schemeClr val="accent1">
+              <a:shade val="50000"/>
+            </a:schemeClr>
+          </a:lnRef>
+          <a:fillRef idx="1">
+            <a:schemeClr val="accent1"/>
+          </a:fillRef>
+          <a:effectRef idx="0">
+            <a:schemeClr val="accent1"/>
+          </a:effectRef>
+          <a:fontRef idx="minor">
+            <a:schemeClr val="lt1"/>
+          </a:fontRef>
+        </p:style>
+        <p:txBody>
+          <a:bodyPr lIns="71981" tIns="71981" rIns="71981" bIns="71981" rtlCol="0" anchor="t"/>
+          <a:lstStyle/>
+          <a:p>
+            <a:r>
+              <a:rPr lang="en-US" sz="1200" dirty="0">
+                <a:solidFill>
+                  <a:schemeClr val="accent5"/>
+                </a:solidFill>
+                <a:latin typeface="Arial" panose="020B0604020202020204" pitchFamily="34" charset="0"/>
+                <a:cs typeface="Arial" panose="020B0604020202020204" pitchFamily="34" charset="0"/>
+              </a:rPr>
+              <a:t>Partner </a:t>
+            </a:r>
+            <a:r>
+              <a:rPr lang="en-US" sz="1200" dirty="0">
+                <a:solidFill>
+                  <a:srgbClr val="5B9BD5"/>
+                </a:solidFill>
+                <a:latin typeface="Arial" panose="020B0604020202020204" pitchFamily="34" charset="0"/>
+                <a:cs typeface="Arial" panose="020B0604020202020204" pitchFamily="34" charset="0"/>
+              </a:rPr>
+              <a:t>Subaccount (</a:t>
+            </a:r>
+            <a:r>
+              <a:rPr lang="en-US" sz="1200" dirty="0">
+                <a:solidFill>
+                  <a:schemeClr val="accent5"/>
+                </a:solidFill>
+                <a:latin typeface="Arial" panose="020B0604020202020204" pitchFamily="34" charset="0"/>
+                <a:cs typeface="Arial" panose="020B0604020202020204" pitchFamily="34" charset="0"/>
+              </a:rPr>
+              <a:t>Provider)</a:t>
+            </a:r>
+            <a:endParaRPr lang="en-US" sz="1200" dirty="0">
+              <a:solidFill>
+                <a:srgbClr val="5B9BD5"/>
+              </a:solidFill>
+              <a:latin typeface="Arial" panose="020B0604020202020204" pitchFamily="34" charset="0"/>
+              <a:cs typeface="Arial" panose="020B0604020202020204" pitchFamily="34" charset="0"/>
+            </a:endParaRPr>
+          </a:p>
+          <a:p>
+            <a:endParaRPr lang="en-US" sz="1200" b="1" dirty="0">
+              <a:solidFill>
+                <a:srgbClr val="0092D1"/>
+              </a:solidFill>
+            </a:endParaRPr>
+          </a:p>
+        </p:txBody>
+      </p:sp>
+      <p:sp>
+        <p:nvSpPr>
+          <p:cNvPr id="9" name="Rectangle 8">
+            <a:extLst>
+              <a:ext uri="{FF2B5EF4-FFF2-40B4-BE49-F238E27FC236}">
+                <a16:creationId xmlns:a16="http://schemas.microsoft.com/office/drawing/2014/main" id="{EAEBDF2E-E572-EE44-9BF9-4B20B314BABB}"/>
+              </a:ext>
+            </a:extLst>
+          </p:cNvPr>
+          <p:cNvSpPr/>
+          <p:nvPr/>
+        </p:nvSpPr>
+        <p:spPr>
+          <a:xfrm>
+            <a:off x="9740996" y="1826763"/>
+            <a:ext cx="1795329" cy="804844"/>
+          </a:xfrm>
+          <a:prstGeom prst="rect">
+            <a:avLst/>
+          </a:prstGeom>
+          <a:solidFill>
+            <a:schemeClr val="bg1"/>
+          </a:solidFill>
+          <a:ln w="15875">
+            <a:noFill/>
+            <a:prstDash val="sysDot"/>
+          </a:ln>
+        </p:spPr>
+        <p:style>
+          <a:lnRef idx="2">
+            <a:schemeClr val="accent1">
+              <a:shade val="50000"/>
+            </a:schemeClr>
+          </a:lnRef>
+          <a:fillRef idx="1">
+            <a:schemeClr val="accent1"/>
+          </a:fillRef>
+          <a:effectRef idx="0">
+            <a:schemeClr val="accent1"/>
+          </a:effectRef>
+          <a:fontRef idx="minor">
+            <a:schemeClr val="lt1"/>
+          </a:fontRef>
+        </p:style>
+        <p:txBody>
+          <a:bodyPr rtlCol="0" anchor="ctr"/>
+          <a:lstStyle/>
+          <a:p>
+            <a:pPr algn="ctr"/>
+            <a:r>
+              <a:rPr lang="en-DE" sz="1400" dirty="0">
+                <a:solidFill>
+                  <a:schemeClr val="tx1"/>
+                </a:solidFill>
+              </a:rPr>
+              <a:t>SAP </a:t>
+            </a:r>
+          </a:p>
+          <a:p>
+            <a:pPr algn="ctr"/>
+            <a:r>
+              <a:rPr lang="en-DE" sz="1400" dirty="0">
+                <a:solidFill>
+                  <a:schemeClr val="tx1"/>
+                </a:solidFill>
+              </a:rPr>
+              <a:t>S/4HANA </a:t>
+            </a:r>
+          </a:p>
+          <a:p>
+            <a:pPr algn="ctr"/>
+            <a:r>
+              <a:rPr lang="en-DE" sz="1400" dirty="0">
+                <a:solidFill>
+                  <a:schemeClr val="tx1"/>
+                </a:solidFill>
+              </a:rPr>
+              <a:t>Cloud</a:t>
+            </a:r>
+          </a:p>
+        </p:txBody>
+      </p:sp>
+      <p:sp>
+        <p:nvSpPr>
+          <p:cNvPr id="2" name="Rechteck 9">
+            <a:extLst>
+              <a:ext uri="{FF2B5EF4-FFF2-40B4-BE49-F238E27FC236}">
+                <a16:creationId xmlns:a16="http://schemas.microsoft.com/office/drawing/2014/main" id="{C07D0A0D-62AF-974E-874B-ACB6BAC14F37}"/>
+              </a:ext>
+            </a:extLst>
+          </p:cNvPr>
+          <p:cNvSpPr/>
+          <p:nvPr/>
+        </p:nvSpPr>
+        <p:spPr>
+          <a:xfrm>
+            <a:off x="1477869" y="576511"/>
+            <a:ext cx="7496006" cy="5704978"/>
+          </a:xfrm>
+          <a:prstGeom prst="rect">
+            <a:avLst/>
+          </a:prstGeom>
+          <a:noFill/>
+          <a:ln w="19050">
+            <a:solidFill>
+              <a:srgbClr val="427CAC"/>
+            </a:solidFill>
+          </a:ln>
+        </p:spPr>
+        <p:style>
+          <a:lnRef idx="2">
+            <a:schemeClr val="accent1">
+              <a:shade val="50000"/>
+            </a:schemeClr>
+          </a:lnRef>
+          <a:fillRef idx="1">
+            <a:schemeClr val="accent1"/>
+          </a:fillRef>
+          <a:effectRef idx="0">
+            <a:schemeClr val="accent1"/>
+          </a:effectRef>
+          <a:fontRef idx="minor">
+            <a:schemeClr val="lt1"/>
+          </a:fontRef>
+        </p:style>
+        <p:txBody>
+          <a:bodyPr lIns="71983" tIns="71983" rIns="71983" bIns="71983" rtlCol="0" anchor="t"/>
+          <a:lstStyle/>
+          <a:p>
+            <a:endParaRPr lang="en-US" sz="1799" b="1" dirty="0">
+              <a:solidFill>
+                <a:schemeClr val="tx1">
+                  <a:lumMod val="65000"/>
+                  <a:lumOff val="35000"/>
+                </a:schemeClr>
+              </a:solidFill>
+            </a:endParaRPr>
+          </a:p>
+        </p:txBody>
+      </p:sp>
+      <p:sp>
+        <p:nvSpPr>
+          <p:cNvPr id="3" name="TextBox 2">
+            <a:extLst>
+              <a:ext uri="{FF2B5EF4-FFF2-40B4-BE49-F238E27FC236}">
+                <a16:creationId xmlns:a16="http://schemas.microsoft.com/office/drawing/2014/main" id="{8322A7B5-D204-BF44-B2AD-294A876ADD95}"/>
+              </a:ext>
+            </a:extLst>
+          </p:cNvPr>
+          <p:cNvSpPr txBox="1"/>
+          <p:nvPr/>
+        </p:nvSpPr>
+        <p:spPr>
+          <a:xfrm>
+            <a:off x="1537504" y="673954"/>
+            <a:ext cx="2951295" cy="276999"/>
+          </a:xfrm>
+          <a:prstGeom prst="rect">
+            <a:avLst/>
+          </a:prstGeom>
+          <a:noFill/>
+        </p:spPr>
+        <p:txBody>
+          <a:bodyPr wrap="square" rtlCol="0">
+            <a:spAutoFit/>
+          </a:bodyPr>
+          <a:lstStyle/>
+          <a:p>
+            <a:r>
+              <a:rPr lang="en-DE" sz="1200" b="1" dirty="0">
+                <a:solidFill>
+                  <a:schemeClr val="tx2"/>
+                </a:solidFill>
+                <a:latin typeface="Arial" panose="020B0604020202020204" pitchFamily="34" charset="0"/>
+                <a:cs typeface="Arial" panose="020B0604020202020204" pitchFamily="34" charset="0"/>
+              </a:rPr>
+              <a:t>SAP BTP – Partner Global Account</a:t>
+            </a:r>
+          </a:p>
+        </p:txBody>
+      </p:sp>
+      <p:sp>
+        <p:nvSpPr>
+          <p:cNvPr id="6" name="Rectangle 5">
+            <a:extLst>
+              <a:ext uri="{FF2B5EF4-FFF2-40B4-BE49-F238E27FC236}">
+                <a16:creationId xmlns:a16="http://schemas.microsoft.com/office/drawing/2014/main" id="{21D7C2CA-BF19-AF4D-8EE8-2A63999B0C3A}"/>
+              </a:ext>
+            </a:extLst>
+          </p:cNvPr>
+          <p:cNvSpPr/>
+          <p:nvPr/>
+        </p:nvSpPr>
+        <p:spPr>
+          <a:xfrm>
+            <a:off x="9740996" y="1114572"/>
+            <a:ext cx="1795329" cy="2314428"/>
+          </a:xfrm>
+          <a:prstGeom prst="rect">
+            <a:avLst/>
+          </a:prstGeom>
+          <a:noFill/>
+          <a:ln>
+            <a:solidFill>
+              <a:schemeClr val="tx1"/>
+            </a:solidFill>
+          </a:ln>
+        </p:spPr>
+        <p:style>
+          <a:lnRef idx="2">
+            <a:schemeClr val="accent1">
+              <a:shade val="50000"/>
+            </a:schemeClr>
+          </a:lnRef>
+          <a:fillRef idx="1">
+            <a:schemeClr val="accent1"/>
+          </a:fillRef>
+          <a:effectRef idx="0">
+            <a:schemeClr val="accent1"/>
+          </a:effectRef>
+          <a:fontRef idx="minor">
+            <a:schemeClr val="lt1"/>
+          </a:fontRef>
+        </p:style>
+        <p:txBody>
+          <a:bodyPr rtlCol="0" anchor="ctr"/>
+          <a:lstStyle/>
+          <a:p>
+            <a:pPr algn="ctr"/>
+            <a:endParaRPr lang="en-DE"/>
+          </a:p>
+        </p:txBody>
+      </p:sp>
+      <p:sp>
+        <p:nvSpPr>
+          <p:cNvPr id="10" name="TextBox 9">
+            <a:extLst>
+              <a:ext uri="{FF2B5EF4-FFF2-40B4-BE49-F238E27FC236}">
+                <a16:creationId xmlns:a16="http://schemas.microsoft.com/office/drawing/2014/main" id="{F0C104F9-042F-064D-8FC8-33F4131EFE2F}"/>
+              </a:ext>
+            </a:extLst>
+          </p:cNvPr>
+          <p:cNvSpPr txBox="1"/>
+          <p:nvPr/>
+        </p:nvSpPr>
+        <p:spPr>
+          <a:xfrm>
+            <a:off x="9534623" y="650293"/>
+            <a:ext cx="1936749" cy="276999"/>
+          </a:xfrm>
+          <a:prstGeom prst="rect">
+            <a:avLst/>
+          </a:prstGeom>
+          <a:noFill/>
+        </p:spPr>
+        <p:txBody>
+          <a:bodyPr wrap="none" rtlCol="0">
+            <a:spAutoFit/>
+          </a:bodyPr>
+          <a:lstStyle/>
+          <a:p>
+            <a:r>
+              <a:rPr lang="en-DE" sz="1200" b="1" dirty="0">
+                <a:solidFill>
+                  <a:schemeClr val="bg1">
+                    <a:lumMod val="50000"/>
+                  </a:schemeClr>
+                </a:solidFill>
+                <a:latin typeface="Arial" panose="020B0604020202020204" pitchFamily="34" charset="0"/>
+                <a:cs typeface="Arial" panose="020B0604020202020204" pitchFamily="34" charset="0"/>
+              </a:rPr>
+              <a:t>City Scooter Landscape</a:t>
+            </a:r>
+          </a:p>
+        </p:txBody>
+      </p:sp>
+      <p:sp>
+        <p:nvSpPr>
+          <p:cNvPr id="13" name="Abgerundetes Rechteck 30">
+            <a:extLst>
+              <a:ext uri="{FF2B5EF4-FFF2-40B4-BE49-F238E27FC236}">
+                <a16:creationId xmlns:a16="http://schemas.microsoft.com/office/drawing/2014/main" id="{C1A2AA0B-3092-A74E-8B54-6707F6BABB9B}"/>
+              </a:ext>
+            </a:extLst>
+          </p:cNvPr>
+          <p:cNvSpPr/>
+          <p:nvPr/>
+        </p:nvSpPr>
+        <p:spPr>
+          <a:xfrm>
+            <a:off x="307260" y="3069331"/>
+            <a:ext cx="773607" cy="309486"/>
+          </a:xfrm>
+          <a:prstGeom prst="roundRect">
+            <a:avLst>
+              <a:gd name="adj" fmla="val 4078"/>
+            </a:avLst>
+          </a:prstGeom>
+          <a:noFill/>
+          <a:ln w="28575">
+            <a:noFill/>
+          </a:ln>
+        </p:spPr>
+        <p:style>
+          <a:lnRef idx="2">
+            <a:schemeClr val="accent1">
+              <a:shade val="50000"/>
+            </a:schemeClr>
+          </a:lnRef>
+          <a:fillRef idx="1">
+            <a:schemeClr val="accent1"/>
+          </a:fillRef>
+          <a:effectRef idx="0">
+            <a:schemeClr val="accent1"/>
+          </a:effectRef>
+          <a:fontRef idx="minor">
+            <a:schemeClr val="lt1"/>
+          </a:fontRef>
+        </p:style>
+        <p:txBody>
+          <a:bodyPr lIns="35982" tIns="35982" rIns="35982" bIns="35982" rtlCol="0" anchor="ctr"/>
+          <a:lstStyle/>
+          <a:p>
+            <a:pPr algn="ctr"/>
+            <a:r>
+              <a:rPr lang="en-US" sz="800" dirty="0">
+                <a:solidFill>
+                  <a:schemeClr val="tx1">
+                    <a:lumMod val="65000"/>
+                    <a:lumOff val="35000"/>
+                  </a:schemeClr>
+                </a:solidFill>
+                <a:latin typeface="Arial" charset="0"/>
+                <a:cs typeface="Arial" charset="0"/>
+              </a:rPr>
+              <a:t>Mentor Coordinator</a:t>
+            </a:r>
+          </a:p>
+          <a:p>
+            <a:pPr algn="ctr"/>
+            <a:r>
+              <a:rPr lang="en-US" sz="800" dirty="0">
+                <a:solidFill>
+                  <a:schemeClr val="tx1">
+                    <a:lumMod val="65000"/>
+                    <a:lumOff val="35000"/>
+                  </a:schemeClr>
+                </a:solidFill>
+                <a:latin typeface="Arial" charset="0"/>
+                <a:cs typeface="Arial" charset="0"/>
+              </a:rPr>
+              <a:t>(City Scooter)</a:t>
+            </a:r>
+          </a:p>
+        </p:txBody>
+      </p:sp>
+      <p:pic>
+        <p:nvPicPr>
+          <p:cNvPr id="14" name="Bild 5">
+            <a:extLst>
+              <a:ext uri="{FF2B5EF4-FFF2-40B4-BE49-F238E27FC236}">
+                <a16:creationId xmlns:a16="http://schemas.microsoft.com/office/drawing/2014/main" id="{3A534551-F2F6-E845-8164-1AE9C2D5CC2E}"/>
+              </a:ext>
+            </a:extLst>
+          </p:cNvPr>
+          <p:cNvPicPr>
+            <a:picLocks noChangeAspect="1"/>
+          </p:cNvPicPr>
+          <p:nvPr/>
+        </p:nvPicPr>
+        <p:blipFill rotWithShape="1">
+          <a:blip r:embed="rId2">
+            <a:extLst>
+              <a:ext uri="{28A0092B-C50C-407E-A947-70E740481C1C}">
+                <a14:useLocalDpi xmlns:a14="http://schemas.microsoft.com/office/drawing/2010/main" val="0"/>
+              </a:ext>
+            </a:extLst>
+          </a:blip>
+          <a:srcRect t="-1" b="-14943"/>
+          <a:stretch/>
+        </p:blipFill>
+        <p:spPr>
+          <a:xfrm>
+            <a:off x="528925" y="2699695"/>
+            <a:ext cx="313201" cy="360000"/>
+          </a:xfrm>
+          <a:prstGeom prst="rect">
+            <a:avLst/>
+          </a:prstGeom>
+        </p:spPr>
+      </p:pic>
+      <p:sp>
+        <p:nvSpPr>
+          <p:cNvPr id="18" name="Rechteck 9">
+            <a:extLst>
+              <a:ext uri="{FF2B5EF4-FFF2-40B4-BE49-F238E27FC236}">
+                <a16:creationId xmlns:a16="http://schemas.microsoft.com/office/drawing/2014/main" id="{C6595030-9149-DC41-AB82-7B6F55A98BD7}"/>
+              </a:ext>
+            </a:extLst>
+          </p:cNvPr>
+          <p:cNvSpPr/>
+          <p:nvPr/>
+        </p:nvSpPr>
+        <p:spPr>
+          <a:xfrm>
+            <a:off x="5809920" y="1118042"/>
+            <a:ext cx="2637643" cy="2529451"/>
+          </a:xfrm>
+          <a:prstGeom prst="rect">
+            <a:avLst/>
+          </a:prstGeom>
+          <a:solidFill>
+            <a:schemeClr val="accent5">
+              <a:lumMod val="20000"/>
+              <a:lumOff val="80000"/>
+            </a:schemeClr>
+          </a:solidFill>
+          <a:ln w="19050" cap="rnd">
+            <a:solidFill>
+              <a:srgbClr val="0092D1"/>
+            </a:solidFill>
+          </a:ln>
+        </p:spPr>
+        <p:style>
+          <a:lnRef idx="2">
+            <a:schemeClr val="accent1">
+              <a:shade val="50000"/>
+            </a:schemeClr>
+          </a:lnRef>
+          <a:fillRef idx="1">
+            <a:schemeClr val="accent1"/>
+          </a:fillRef>
+          <a:effectRef idx="0">
+            <a:schemeClr val="accent1"/>
+          </a:effectRef>
+          <a:fontRef idx="minor">
+            <a:schemeClr val="lt1"/>
+          </a:fontRef>
+        </p:style>
+        <p:txBody>
+          <a:bodyPr lIns="71981" tIns="71981" rIns="71981" bIns="71981" rtlCol="0" anchor="t"/>
+          <a:lstStyle/>
+          <a:p>
+            <a:r>
+              <a:rPr lang="en-US" sz="1200" dirty="0">
+                <a:solidFill>
+                  <a:srgbClr val="5B9BD5"/>
+                </a:solidFill>
+                <a:latin typeface="Arial" panose="020B0604020202020204" pitchFamily="34" charset="0"/>
+                <a:cs typeface="Arial" panose="020B0604020202020204" pitchFamily="34" charset="0"/>
+              </a:rPr>
+              <a:t>City Scooter Subaccount</a:t>
+            </a:r>
+          </a:p>
+        </p:txBody>
+      </p:sp>
+      <p:sp>
+        <p:nvSpPr>
+          <p:cNvPr id="21" name="Rectangle 20">
+            <a:extLst>
+              <a:ext uri="{FF2B5EF4-FFF2-40B4-BE49-F238E27FC236}">
+                <a16:creationId xmlns:a16="http://schemas.microsoft.com/office/drawing/2014/main" id="{65CC5A98-B99E-A246-8201-09841D559A53}"/>
+              </a:ext>
+            </a:extLst>
+          </p:cNvPr>
+          <p:cNvSpPr/>
+          <p:nvPr/>
+        </p:nvSpPr>
+        <p:spPr>
+          <a:xfrm>
+            <a:off x="1859576" y="1593714"/>
+            <a:ext cx="3147392" cy="2426848"/>
+          </a:xfrm>
+          <a:prstGeom prst="rect">
+            <a:avLst/>
+          </a:prstGeom>
+          <a:noFill/>
+          <a:ln>
+            <a:solidFill>
+              <a:schemeClr val="tx2"/>
+            </a:solidFill>
+          </a:ln>
+        </p:spPr>
+        <p:style>
+          <a:lnRef idx="2">
+            <a:schemeClr val="accent1">
+              <a:shade val="50000"/>
+            </a:schemeClr>
+          </a:lnRef>
+          <a:fillRef idx="1">
+            <a:schemeClr val="accent1"/>
+          </a:fillRef>
+          <a:effectRef idx="0">
+            <a:schemeClr val="accent1"/>
+          </a:effectRef>
+          <a:fontRef idx="minor">
+            <a:schemeClr val="lt1"/>
+          </a:fontRef>
+        </p:style>
+        <p:txBody>
+          <a:bodyPr rtlCol="0" anchor="ctr"/>
+          <a:lstStyle/>
+          <a:p>
+            <a:pPr algn="ctr"/>
+            <a:endParaRPr lang="en-DE" dirty="0"/>
+          </a:p>
+        </p:txBody>
+      </p:sp>
+      <p:pic>
+        <p:nvPicPr>
+          <p:cNvPr id="1026" name="Picture 2" descr="GitHub - kyma-project/kyma: A flexible and easy way to connect and extend  enterprise applications in a cloud-native world">
+            <a:extLst>
+              <a:ext uri="{FF2B5EF4-FFF2-40B4-BE49-F238E27FC236}">
+                <a16:creationId xmlns:a16="http://schemas.microsoft.com/office/drawing/2014/main" id="{83A04BB7-1236-2C47-A716-AFCCC36A7ED9}"/>
+              </a:ext>
+            </a:extLst>
+          </p:cNvPr>
+          <p:cNvPicPr>
+            <a:picLocks noChangeAspect="1" noChangeArrowheads="1"/>
+          </p:cNvPicPr>
+          <p:nvPr/>
+        </p:nvPicPr>
+        <p:blipFill>
+          <a:blip r:embed="rId3">
+            <a:extLst>
+              <a:ext uri="{28A0092B-C50C-407E-A947-70E740481C1C}">
+                <a14:useLocalDpi xmlns:a14="http://schemas.microsoft.com/office/drawing/2010/main" val="0"/>
+              </a:ext>
+            </a:extLst>
+          </a:blip>
+          <a:srcRect/>
+          <a:stretch>
+            <a:fillRect/>
+          </a:stretch>
+        </p:blipFill>
+        <p:spPr bwMode="auto">
+          <a:xfrm>
+            <a:off x="1983738" y="1696943"/>
+            <a:ext cx="960055" cy="338269"/>
+          </a:xfrm>
+          <a:prstGeom prst="rect">
+            <a:avLst/>
+          </a:prstGeom>
+          <a:noFill/>
+          <a:extLst>
+            <a:ext uri="{909E8E84-426E-40DD-AFC4-6F175D3DCCD1}">
+              <a14:hiddenFill xmlns:a14="http://schemas.microsoft.com/office/drawing/2010/main">
+                <a:solidFill>
+                  <a:srgbClr val="FFFFFF"/>
+                </a:solidFill>
+              </a14:hiddenFill>
+            </a:ext>
+          </a:extLst>
+        </p:spPr>
+      </p:pic>
+      <p:sp>
+        <p:nvSpPr>
+          <p:cNvPr id="23" name="Rectangle 22">
+            <a:extLst>
+              <a:ext uri="{FF2B5EF4-FFF2-40B4-BE49-F238E27FC236}">
+                <a16:creationId xmlns:a16="http://schemas.microsoft.com/office/drawing/2014/main" id="{D8C16350-31BF-0140-BFA1-0B628BE410C7}"/>
+              </a:ext>
+            </a:extLst>
+          </p:cNvPr>
+          <p:cNvSpPr/>
+          <p:nvPr/>
+        </p:nvSpPr>
+        <p:spPr>
+          <a:xfrm>
+            <a:off x="1867734" y="4221418"/>
+            <a:ext cx="3147392" cy="1689378"/>
+          </a:xfrm>
+          <a:prstGeom prst="rect">
+            <a:avLst/>
+          </a:prstGeom>
+          <a:noFill/>
+          <a:ln>
+            <a:solidFill>
+              <a:schemeClr val="tx2"/>
+            </a:solidFill>
+          </a:ln>
+        </p:spPr>
+        <p:style>
+          <a:lnRef idx="2">
+            <a:schemeClr val="accent1">
+              <a:shade val="50000"/>
+            </a:schemeClr>
+          </a:lnRef>
+          <a:fillRef idx="1">
+            <a:schemeClr val="accent1"/>
+          </a:fillRef>
+          <a:effectRef idx="0">
+            <a:schemeClr val="accent1"/>
+          </a:effectRef>
+          <a:fontRef idx="minor">
+            <a:schemeClr val="lt1"/>
+          </a:fontRef>
+        </p:style>
+        <p:txBody>
+          <a:bodyPr rtlCol="0" anchor="ctr"/>
+          <a:lstStyle/>
+          <a:p>
+            <a:pPr algn="ctr"/>
+            <a:endParaRPr lang="en-DE" dirty="0"/>
+          </a:p>
+        </p:txBody>
+      </p:sp>
+      <p:pic>
+        <p:nvPicPr>
+          <p:cNvPr id="1028" name="Picture 4" descr="Cloud Foundry – Open Source Cloud Native Application Delivery">
+            <a:extLst>
+              <a:ext uri="{FF2B5EF4-FFF2-40B4-BE49-F238E27FC236}">
+                <a16:creationId xmlns:a16="http://schemas.microsoft.com/office/drawing/2014/main" id="{CBEBA09B-CC6D-5448-9FCE-CEB7170E6C16}"/>
+              </a:ext>
+            </a:extLst>
+          </p:cNvPr>
+          <p:cNvPicPr>
+            <a:picLocks noChangeAspect="1" noChangeArrowheads="1"/>
+          </p:cNvPicPr>
+          <p:nvPr/>
+        </p:nvPicPr>
+        <p:blipFill>
+          <a:blip r:embed="rId4">
+            <a:extLst>
+              <a:ext uri="{28A0092B-C50C-407E-A947-70E740481C1C}">
+                <a14:useLocalDpi xmlns:a14="http://schemas.microsoft.com/office/drawing/2010/main" val="0"/>
+              </a:ext>
+            </a:extLst>
+          </a:blip>
+          <a:srcRect/>
+          <a:stretch>
+            <a:fillRect/>
+          </a:stretch>
+        </p:blipFill>
+        <p:spPr bwMode="auto">
+          <a:xfrm>
+            <a:off x="1989305" y="4403650"/>
+            <a:ext cx="1252966" cy="171304"/>
+          </a:xfrm>
+          <a:prstGeom prst="rect">
+            <a:avLst/>
+          </a:prstGeom>
+          <a:noFill/>
+          <a:extLst>
+            <a:ext uri="{909E8E84-426E-40DD-AFC4-6F175D3DCCD1}">
+              <a14:hiddenFill xmlns:a14="http://schemas.microsoft.com/office/drawing/2010/main">
+                <a:solidFill>
+                  <a:srgbClr val="FFFFFF"/>
+                </a:solidFill>
+              </a14:hiddenFill>
+            </a:ext>
+          </a:extLst>
+        </p:spPr>
+      </p:pic>
+      <p:sp>
+        <p:nvSpPr>
+          <p:cNvPr id="43" name="Rechteck 61">
+            <a:extLst>
+              <a:ext uri="{FF2B5EF4-FFF2-40B4-BE49-F238E27FC236}">
+                <a16:creationId xmlns:a16="http://schemas.microsoft.com/office/drawing/2014/main" id="{61F5C82C-44E7-B049-999A-967401ACCADA}"/>
+              </a:ext>
+            </a:extLst>
+          </p:cNvPr>
+          <p:cNvSpPr/>
+          <p:nvPr/>
+        </p:nvSpPr>
+        <p:spPr>
+          <a:xfrm>
+            <a:off x="5963463" y="2946460"/>
+            <a:ext cx="2318141" cy="516736"/>
+          </a:xfrm>
+          <a:prstGeom prst="rect">
+            <a:avLst/>
+          </a:prstGeom>
+          <a:solidFill>
+            <a:schemeClr val="bg1"/>
+          </a:solidFill>
+          <a:ln w="19050">
+            <a:solidFill>
+              <a:schemeClr val="tx1">
+                <a:lumMod val="65000"/>
+                <a:lumOff val="35000"/>
+              </a:schemeClr>
+            </a:solidFill>
+          </a:ln>
+          <a:effectLst/>
+        </p:spPr>
+        <p:style>
+          <a:lnRef idx="2">
+            <a:schemeClr val="accent1">
+              <a:shade val="50000"/>
+            </a:schemeClr>
+          </a:lnRef>
+          <a:fillRef idx="1">
+            <a:schemeClr val="accent1"/>
+          </a:fillRef>
+          <a:effectRef idx="0">
+            <a:schemeClr val="accent1"/>
+          </a:effectRef>
+          <a:fontRef idx="minor">
+            <a:schemeClr val="lt1"/>
+          </a:fontRef>
+        </p:style>
+        <p:txBody>
+          <a:bodyPr lIns="72000" tIns="72000" rIns="72000" bIns="72000" rtlCol="0" anchor="ctr" anchorCtr="0"/>
+          <a:lstStyle/>
+          <a:p>
+            <a:pPr algn="ctr"/>
+            <a:r>
+              <a:rPr lang="en-US" sz="1200" kern="0" dirty="0">
+                <a:solidFill>
+                  <a:schemeClr val="tx1"/>
+                </a:solidFill>
+                <a:latin typeface="Arial" panose="020B0604020202020204" pitchFamily="34" charset="0"/>
+                <a:ea typeface="BentonSans Bold" charset="0"/>
+                <a:cs typeface="Arial" panose="020B0604020202020204" pitchFamily="34" charset="0"/>
+              </a:rPr>
+              <a:t>End User </a:t>
+            </a:r>
+            <a:r>
+              <a:rPr lang="en-US" sz="1200" kern="0" dirty="0" err="1">
+                <a:solidFill>
+                  <a:schemeClr val="tx1"/>
+                </a:solidFill>
+                <a:latin typeface="Arial" panose="020B0604020202020204" pitchFamily="34" charset="0"/>
+                <a:ea typeface="BentonSans Bold" charset="0"/>
+                <a:cs typeface="Arial" panose="020B0604020202020204" pitchFamily="34" charset="0"/>
+              </a:rPr>
+              <a:t>Assignement</a:t>
+            </a:r>
+            <a:endParaRPr lang="en-US" sz="1200" kern="0" dirty="0">
+              <a:solidFill>
+                <a:schemeClr val="tx1"/>
+              </a:solidFill>
+              <a:latin typeface="Arial" panose="020B0604020202020204" pitchFamily="34" charset="0"/>
+              <a:ea typeface="BentonSans Bold" charset="0"/>
+              <a:cs typeface="Arial" panose="020B0604020202020204" pitchFamily="34" charset="0"/>
+            </a:endParaRPr>
+          </a:p>
+        </p:txBody>
+      </p:sp>
+      <p:sp>
+        <p:nvSpPr>
+          <p:cNvPr id="54" name="Rectangle 53">
+            <a:extLst>
+              <a:ext uri="{FF2B5EF4-FFF2-40B4-BE49-F238E27FC236}">
+                <a16:creationId xmlns:a16="http://schemas.microsoft.com/office/drawing/2014/main" id="{5DB38D41-92F6-164C-9D07-B0206166646F}"/>
+              </a:ext>
+            </a:extLst>
+          </p:cNvPr>
+          <p:cNvSpPr/>
+          <p:nvPr/>
+        </p:nvSpPr>
+        <p:spPr>
+          <a:xfrm>
+            <a:off x="2061675" y="4696825"/>
+            <a:ext cx="2733665" cy="1049812"/>
+          </a:xfrm>
+          <a:prstGeom prst="rect">
+            <a:avLst/>
+          </a:prstGeom>
+          <a:solidFill>
+            <a:schemeClr val="bg1"/>
+          </a:solidFill>
+          <a:ln w="15875">
+            <a:solidFill>
+              <a:schemeClr val="tx1">
+                <a:lumMod val="50000"/>
+                <a:lumOff val="50000"/>
+              </a:schemeClr>
+            </a:solidFill>
+            <a:prstDash val="sysDot"/>
+          </a:ln>
+        </p:spPr>
+        <p:style>
+          <a:lnRef idx="2">
+            <a:schemeClr val="accent1">
+              <a:shade val="50000"/>
+            </a:schemeClr>
+          </a:lnRef>
+          <a:fillRef idx="1">
+            <a:schemeClr val="accent1"/>
+          </a:fillRef>
+          <a:effectRef idx="0">
+            <a:schemeClr val="accent1"/>
+          </a:effectRef>
+          <a:fontRef idx="minor">
+            <a:schemeClr val="lt1"/>
+          </a:fontRef>
+        </p:style>
+        <p:txBody>
+          <a:bodyPr rtlCol="0" anchor="ctr"/>
+          <a:lstStyle/>
+          <a:p>
+            <a:pPr algn="ctr"/>
+            <a:endParaRPr lang="en-DE" sz="1000" dirty="0">
+              <a:solidFill>
+                <a:schemeClr val="tx1"/>
+              </a:solidFill>
+            </a:endParaRPr>
+          </a:p>
+        </p:txBody>
+      </p:sp>
+      <p:sp>
+        <p:nvSpPr>
+          <p:cNvPr id="55" name="TextBox 54">
+            <a:extLst>
+              <a:ext uri="{FF2B5EF4-FFF2-40B4-BE49-F238E27FC236}">
+                <a16:creationId xmlns:a16="http://schemas.microsoft.com/office/drawing/2014/main" id="{DE8D58DE-86FB-AC46-801A-7F7CFC8394CA}"/>
+              </a:ext>
+            </a:extLst>
+          </p:cNvPr>
+          <p:cNvSpPr txBox="1"/>
+          <p:nvPr/>
+        </p:nvSpPr>
+        <p:spPr>
+          <a:xfrm>
+            <a:off x="2064281" y="4745100"/>
+            <a:ext cx="1255215" cy="276999"/>
+          </a:xfrm>
+          <a:prstGeom prst="rect">
+            <a:avLst/>
+          </a:prstGeom>
+          <a:noFill/>
+        </p:spPr>
+        <p:txBody>
+          <a:bodyPr wrap="none" rtlCol="0">
+            <a:spAutoFit/>
+          </a:bodyPr>
+          <a:lstStyle/>
+          <a:p>
+            <a:r>
+              <a:rPr lang="en-DE" sz="1200" b="1" dirty="0">
+                <a:solidFill>
+                  <a:schemeClr val="tx1">
+                    <a:lumMod val="50000"/>
+                    <a:lumOff val="50000"/>
+                  </a:schemeClr>
+                </a:solidFill>
+              </a:rPr>
+              <a:t>SAP HANA Cloud</a:t>
+            </a:r>
+          </a:p>
+        </p:txBody>
+      </p:sp>
+      <p:pic>
+        <p:nvPicPr>
+          <p:cNvPr id="1044" name="Picture 20" descr="Datenbank - Kostenlose technologie Icons">
+            <a:extLst>
+              <a:ext uri="{FF2B5EF4-FFF2-40B4-BE49-F238E27FC236}">
+                <a16:creationId xmlns:a16="http://schemas.microsoft.com/office/drawing/2014/main" id="{02E14EAC-C5B6-DE4B-8F0C-B776A25B480B}"/>
+              </a:ext>
+            </a:extLst>
+          </p:cNvPr>
+          <p:cNvPicPr>
+            <a:picLocks noChangeAspect="1" noChangeArrowheads="1"/>
+          </p:cNvPicPr>
+          <p:nvPr/>
+        </p:nvPicPr>
+        <p:blipFill>
+          <a:blip r:embed="rId5">
+            <a:duotone>
+              <a:prstClr val="black"/>
+              <a:schemeClr val="accent3">
+                <a:tint val="45000"/>
+                <a:satMod val="400000"/>
+              </a:schemeClr>
+            </a:duotone>
+            <a:extLst>
+              <a:ext uri="{28A0092B-C50C-407E-A947-70E740481C1C}">
+                <a14:useLocalDpi xmlns:a14="http://schemas.microsoft.com/office/drawing/2010/main" val="0"/>
+              </a:ext>
+            </a:extLst>
+          </a:blip>
+          <a:srcRect/>
+          <a:stretch>
+            <a:fillRect/>
+          </a:stretch>
+        </p:blipFill>
+        <p:spPr bwMode="auto">
+          <a:xfrm>
+            <a:off x="2458593" y="5084427"/>
+            <a:ext cx="301876" cy="301876"/>
+          </a:xfrm>
+          <a:prstGeom prst="rect">
+            <a:avLst/>
+          </a:prstGeom>
+          <a:noFill/>
+          <a:extLst>
+            <a:ext uri="{909E8E84-426E-40DD-AFC4-6F175D3DCCD1}">
+              <a14:hiddenFill xmlns:a14="http://schemas.microsoft.com/office/drawing/2010/main">
+                <a:solidFill>
+                  <a:srgbClr val="FFFFFF"/>
+                </a:solidFill>
+              </a14:hiddenFill>
+            </a:ext>
+          </a:extLst>
+        </p:spPr>
+      </p:pic>
+      <p:pic>
+        <p:nvPicPr>
+          <p:cNvPr id="57" name="Picture 20" descr="Datenbank - Kostenlose technologie Icons">
+            <a:extLst>
+              <a:ext uri="{FF2B5EF4-FFF2-40B4-BE49-F238E27FC236}">
+                <a16:creationId xmlns:a16="http://schemas.microsoft.com/office/drawing/2014/main" id="{9EF612DB-4FCC-D74B-851F-381ADF50111B}"/>
+              </a:ext>
+            </a:extLst>
+          </p:cNvPr>
+          <p:cNvPicPr>
+            <a:picLocks noChangeAspect="1" noChangeArrowheads="1"/>
+          </p:cNvPicPr>
+          <p:nvPr/>
+        </p:nvPicPr>
+        <p:blipFill>
+          <a:blip r:embed="rId5">
+            <a:duotone>
+              <a:prstClr val="black"/>
+              <a:schemeClr val="accent3">
+                <a:tint val="45000"/>
+                <a:satMod val="400000"/>
+              </a:schemeClr>
+            </a:duotone>
+            <a:extLst>
+              <a:ext uri="{28A0092B-C50C-407E-A947-70E740481C1C}">
+                <a14:useLocalDpi xmlns:a14="http://schemas.microsoft.com/office/drawing/2010/main" val="0"/>
+              </a:ext>
+            </a:extLst>
+          </a:blip>
+          <a:srcRect/>
+          <a:stretch>
+            <a:fillRect/>
+          </a:stretch>
+        </p:blipFill>
+        <p:spPr bwMode="auto">
+          <a:xfrm>
+            <a:off x="3433661" y="5095231"/>
+            <a:ext cx="301876" cy="301876"/>
+          </a:xfrm>
+          <a:prstGeom prst="rect">
+            <a:avLst/>
+          </a:prstGeom>
+          <a:noFill/>
+          <a:extLst>
+            <a:ext uri="{909E8E84-426E-40DD-AFC4-6F175D3DCCD1}">
+              <a14:hiddenFill xmlns:a14="http://schemas.microsoft.com/office/drawing/2010/main">
+                <a:solidFill>
+                  <a:srgbClr val="FFFFFF"/>
+                </a:solidFill>
+              </a14:hiddenFill>
+            </a:ext>
+          </a:extLst>
+        </p:spPr>
+      </p:pic>
+      <p:pic>
+        <p:nvPicPr>
+          <p:cNvPr id="58" name="Picture 20" descr="Datenbank - Kostenlose technologie Icons">
+            <a:extLst>
+              <a:ext uri="{FF2B5EF4-FFF2-40B4-BE49-F238E27FC236}">
+                <a16:creationId xmlns:a16="http://schemas.microsoft.com/office/drawing/2014/main" id="{43BE0961-4AF8-884E-83F1-DEB1324CC64C}"/>
+              </a:ext>
+            </a:extLst>
+          </p:cNvPr>
+          <p:cNvPicPr>
+            <a:picLocks noChangeAspect="1" noChangeArrowheads="1"/>
+          </p:cNvPicPr>
+          <p:nvPr/>
+        </p:nvPicPr>
+        <p:blipFill>
+          <a:blip r:embed="rId5">
+            <a:duotone>
+              <a:prstClr val="black"/>
+              <a:schemeClr val="accent3">
+                <a:tint val="45000"/>
+                <a:satMod val="400000"/>
+              </a:schemeClr>
+            </a:duotone>
+            <a:extLst>
+              <a:ext uri="{28A0092B-C50C-407E-A947-70E740481C1C}">
+                <a14:useLocalDpi xmlns:a14="http://schemas.microsoft.com/office/drawing/2010/main" val="0"/>
+              </a:ext>
+            </a:extLst>
+          </a:blip>
+          <a:srcRect/>
+          <a:stretch>
+            <a:fillRect/>
+          </a:stretch>
+        </p:blipFill>
+        <p:spPr bwMode="auto">
+          <a:xfrm>
+            <a:off x="3824010" y="5095231"/>
+            <a:ext cx="301876" cy="301876"/>
+          </a:xfrm>
+          <a:prstGeom prst="rect">
+            <a:avLst/>
+          </a:prstGeom>
+          <a:noFill/>
+          <a:extLst>
+            <a:ext uri="{909E8E84-426E-40DD-AFC4-6F175D3DCCD1}">
+              <a14:hiddenFill xmlns:a14="http://schemas.microsoft.com/office/drawing/2010/main">
+                <a:solidFill>
+                  <a:srgbClr val="FFFFFF"/>
+                </a:solidFill>
+              </a14:hiddenFill>
+            </a:ext>
+          </a:extLst>
+        </p:spPr>
+      </p:pic>
+      <p:pic>
+        <p:nvPicPr>
+          <p:cNvPr id="59" name="Picture 20" descr="Datenbank - Kostenlose technologie Icons">
+            <a:extLst>
+              <a:ext uri="{FF2B5EF4-FFF2-40B4-BE49-F238E27FC236}">
+                <a16:creationId xmlns:a16="http://schemas.microsoft.com/office/drawing/2014/main" id="{977C8B9D-3BDB-6F47-95CB-262AC0F604FF}"/>
+              </a:ext>
+            </a:extLst>
+          </p:cNvPr>
+          <p:cNvPicPr>
+            <a:picLocks noChangeAspect="1" noChangeArrowheads="1"/>
+          </p:cNvPicPr>
+          <p:nvPr/>
+        </p:nvPicPr>
+        <p:blipFill>
+          <a:blip r:embed="rId5">
+            <a:duotone>
+              <a:prstClr val="black"/>
+              <a:schemeClr val="accent3">
+                <a:tint val="45000"/>
+                <a:satMod val="400000"/>
+              </a:schemeClr>
+            </a:duotone>
+            <a:extLst>
+              <a:ext uri="{28A0092B-C50C-407E-A947-70E740481C1C}">
+                <a14:useLocalDpi xmlns:a14="http://schemas.microsoft.com/office/drawing/2010/main" val="0"/>
+              </a:ext>
+            </a:extLst>
+          </a:blip>
+          <a:srcRect/>
+          <a:stretch>
+            <a:fillRect/>
+          </a:stretch>
+        </p:blipFill>
+        <p:spPr bwMode="auto">
+          <a:xfrm>
+            <a:off x="4213774" y="5095231"/>
+            <a:ext cx="301876" cy="301876"/>
+          </a:xfrm>
+          <a:prstGeom prst="rect">
+            <a:avLst/>
+          </a:prstGeom>
+          <a:noFill/>
+          <a:extLst>
+            <a:ext uri="{909E8E84-426E-40DD-AFC4-6F175D3DCCD1}">
+              <a14:hiddenFill xmlns:a14="http://schemas.microsoft.com/office/drawing/2010/main">
+                <a:solidFill>
+                  <a:srgbClr val="FFFFFF"/>
+                </a:solidFill>
+              </a14:hiddenFill>
+            </a:ext>
+          </a:extLst>
+        </p:spPr>
+      </p:pic>
+      <p:sp>
+        <p:nvSpPr>
+          <p:cNvPr id="26" name="TextBox 25">
+            <a:extLst>
+              <a:ext uri="{FF2B5EF4-FFF2-40B4-BE49-F238E27FC236}">
+                <a16:creationId xmlns:a16="http://schemas.microsoft.com/office/drawing/2014/main" id="{031E8F6E-B1F9-C048-8889-347562A1E461}"/>
+              </a:ext>
+            </a:extLst>
+          </p:cNvPr>
+          <p:cNvSpPr txBox="1"/>
+          <p:nvPr/>
+        </p:nvSpPr>
+        <p:spPr>
+          <a:xfrm flipH="1">
+            <a:off x="2008971" y="5436505"/>
+            <a:ext cx="1185292" cy="246221"/>
+          </a:xfrm>
+          <a:prstGeom prst="rect">
+            <a:avLst/>
+          </a:prstGeom>
+          <a:noFill/>
+        </p:spPr>
+        <p:txBody>
+          <a:bodyPr wrap="square" rtlCol="0">
+            <a:spAutoFit/>
+          </a:bodyPr>
+          <a:lstStyle/>
+          <a:p>
+            <a:pPr algn="ctr"/>
+            <a:r>
+              <a:rPr lang="en-DE" sz="1000" dirty="0">
+                <a:solidFill>
+                  <a:schemeClr val="tx1">
+                    <a:lumMod val="75000"/>
+                    <a:lumOff val="25000"/>
+                  </a:schemeClr>
+                </a:solidFill>
+                <a:latin typeface="Arial" panose="020B0604020202020204" pitchFamily="34" charset="0"/>
+                <a:cs typeface="Arial" panose="020B0604020202020204" pitchFamily="34" charset="0"/>
+              </a:rPr>
+              <a:t>Partner Schema</a:t>
+            </a:r>
+          </a:p>
+        </p:txBody>
+      </p:sp>
+      <p:sp>
+        <p:nvSpPr>
+          <p:cNvPr id="61" name="TextBox 60">
+            <a:extLst>
+              <a:ext uri="{FF2B5EF4-FFF2-40B4-BE49-F238E27FC236}">
+                <a16:creationId xmlns:a16="http://schemas.microsoft.com/office/drawing/2014/main" id="{EF6DEA95-B95D-9C49-B4CD-A306911EF9AA}"/>
+              </a:ext>
+            </a:extLst>
+          </p:cNvPr>
+          <p:cNvSpPr txBox="1"/>
+          <p:nvPr/>
+        </p:nvSpPr>
+        <p:spPr>
+          <a:xfrm flipH="1">
+            <a:off x="3299509" y="5436504"/>
+            <a:ext cx="1312762" cy="246221"/>
+          </a:xfrm>
+          <a:prstGeom prst="rect">
+            <a:avLst/>
+          </a:prstGeom>
+          <a:noFill/>
+        </p:spPr>
+        <p:txBody>
+          <a:bodyPr wrap="square" rtlCol="0">
+            <a:spAutoFit/>
+          </a:bodyPr>
+          <a:lstStyle/>
+          <a:p>
+            <a:pPr algn="ctr"/>
+            <a:r>
+              <a:rPr lang="en-DE" sz="1000" dirty="0">
+                <a:solidFill>
+                  <a:schemeClr val="tx1">
+                    <a:lumMod val="75000"/>
+                    <a:lumOff val="25000"/>
+                  </a:schemeClr>
+                </a:solidFill>
+                <a:latin typeface="Arial" panose="020B0604020202020204" pitchFamily="34" charset="0"/>
+                <a:cs typeface="Arial" panose="020B0604020202020204" pitchFamily="34" charset="0"/>
+              </a:rPr>
+              <a:t>Customer Schemas</a:t>
+            </a:r>
+          </a:p>
+        </p:txBody>
+      </p:sp>
+      <p:cxnSp>
+        <p:nvCxnSpPr>
+          <p:cNvPr id="62" name="Gewinkelte Verbindung 42">
+            <a:extLst>
+              <a:ext uri="{FF2B5EF4-FFF2-40B4-BE49-F238E27FC236}">
+                <a16:creationId xmlns:a16="http://schemas.microsoft.com/office/drawing/2014/main" id="{B7079E11-1E5A-B141-AC2A-AB58A2223D4A}"/>
+              </a:ext>
+            </a:extLst>
+          </p:cNvPr>
+          <p:cNvCxnSpPr>
+            <a:cxnSpLocks/>
+          </p:cNvCxnSpPr>
+          <p:nvPr/>
+        </p:nvCxnSpPr>
+        <p:spPr>
+          <a:xfrm>
+            <a:off x="1040119" y="3051605"/>
+            <a:ext cx="827615" cy="0"/>
+          </a:xfrm>
+          <a:prstGeom prst="straightConnector1">
+            <a:avLst/>
+          </a:prstGeom>
+          <a:ln w="19050" cap="rnd" cmpd="sng">
+            <a:solidFill>
+              <a:schemeClr val="tx1">
+                <a:lumMod val="65000"/>
+                <a:lumOff val="35000"/>
+              </a:schemeClr>
+            </a:solidFill>
+            <a:round/>
+            <a:headEnd type="none" w="med" len="med"/>
+            <a:tailEnd type="triangle" w="med" len="med"/>
+          </a:ln>
+        </p:spPr>
+        <p:style>
+          <a:lnRef idx="1">
+            <a:schemeClr val="accent1"/>
+          </a:lnRef>
+          <a:fillRef idx="0">
+            <a:schemeClr val="accent1"/>
+          </a:fillRef>
+          <a:effectRef idx="0">
+            <a:schemeClr val="accent1"/>
+          </a:effectRef>
+          <a:fontRef idx="minor">
+            <a:schemeClr val="tx1"/>
+          </a:fontRef>
+        </p:style>
+      </p:cxnSp>
+      <p:sp>
+        <p:nvSpPr>
+          <p:cNvPr id="68" name="Rechteck 61">
+            <a:extLst>
+              <a:ext uri="{FF2B5EF4-FFF2-40B4-BE49-F238E27FC236}">
+                <a16:creationId xmlns:a16="http://schemas.microsoft.com/office/drawing/2014/main" id="{0F865632-7EAB-674D-A123-39F83D885E43}"/>
+              </a:ext>
+            </a:extLst>
+          </p:cNvPr>
+          <p:cNvSpPr/>
+          <p:nvPr/>
+        </p:nvSpPr>
+        <p:spPr>
+          <a:xfrm>
+            <a:off x="2055204" y="2217974"/>
+            <a:ext cx="2733665" cy="1589037"/>
+          </a:xfrm>
+          <a:prstGeom prst="rect">
+            <a:avLst/>
+          </a:prstGeom>
+          <a:solidFill>
+            <a:schemeClr val="bg1"/>
+          </a:solidFill>
+          <a:ln w="19050">
+            <a:solidFill>
+              <a:schemeClr val="tx1">
+                <a:lumMod val="65000"/>
+                <a:lumOff val="35000"/>
+              </a:schemeClr>
+            </a:solidFill>
+          </a:ln>
+          <a:effectLst/>
+        </p:spPr>
+        <p:style>
+          <a:lnRef idx="2">
+            <a:schemeClr val="accent1">
+              <a:shade val="50000"/>
+            </a:schemeClr>
+          </a:lnRef>
+          <a:fillRef idx="1">
+            <a:schemeClr val="accent1"/>
+          </a:fillRef>
+          <a:effectRef idx="0">
+            <a:schemeClr val="accent1"/>
+          </a:effectRef>
+          <a:fontRef idx="minor">
+            <a:schemeClr val="lt1"/>
+          </a:fontRef>
+        </p:style>
+        <p:txBody>
+          <a:bodyPr lIns="72000" tIns="72000" rIns="72000" bIns="72000" rtlCol="0" anchor="t" anchorCtr="0"/>
+          <a:lstStyle/>
+          <a:p>
+            <a:pPr algn="ctr"/>
+            <a:endParaRPr lang="en-US" sz="1400" kern="0" dirty="0">
+              <a:solidFill>
+                <a:schemeClr val="tx1"/>
+              </a:solidFill>
+              <a:latin typeface="Arial" panose="020B0604020202020204" pitchFamily="34" charset="0"/>
+              <a:ea typeface="BentonSans Bold" charset="0"/>
+              <a:cs typeface="Arial" panose="020B0604020202020204" pitchFamily="34" charset="0"/>
+            </a:endParaRPr>
+          </a:p>
+        </p:txBody>
+      </p:sp>
+      <p:pic>
+        <p:nvPicPr>
+          <p:cNvPr id="72" name="Picture 8">
+            <a:extLst>
+              <a:ext uri="{FF2B5EF4-FFF2-40B4-BE49-F238E27FC236}">
+                <a16:creationId xmlns:a16="http://schemas.microsoft.com/office/drawing/2014/main" id="{8987DABF-9652-514F-845C-4F27407B0231}"/>
+              </a:ext>
+            </a:extLst>
+          </p:cNvPr>
+          <p:cNvPicPr>
+            <a:picLocks noChangeAspect="1" noChangeArrowheads="1"/>
+          </p:cNvPicPr>
+          <p:nvPr/>
+        </p:nvPicPr>
+        <p:blipFill>
+          <a:blip r:embed="rId6">
+            <a:extLst>
+              <a:ext uri="{28A0092B-C50C-407E-A947-70E740481C1C}">
+                <a14:useLocalDpi xmlns:a14="http://schemas.microsoft.com/office/drawing/2010/main" val="0"/>
+              </a:ext>
+            </a:extLst>
+          </a:blip>
+          <a:srcRect/>
+          <a:stretch>
+            <a:fillRect/>
+          </a:stretch>
+        </p:blipFill>
+        <p:spPr bwMode="auto">
+          <a:xfrm>
+            <a:off x="4105039" y="3201903"/>
+            <a:ext cx="317665" cy="275289"/>
+          </a:xfrm>
+          <a:prstGeom prst="rect">
+            <a:avLst/>
+          </a:prstGeom>
+          <a:noFill/>
+          <a:extLst>
+            <a:ext uri="{909E8E84-426E-40DD-AFC4-6F175D3DCCD1}">
+              <a14:hiddenFill xmlns:a14="http://schemas.microsoft.com/office/drawing/2010/main">
+                <a:solidFill>
+                  <a:srgbClr val="FFFFFF"/>
+                </a:solidFill>
+              </a14:hiddenFill>
+            </a:ext>
+          </a:extLst>
+        </p:spPr>
+      </p:pic>
+      <p:pic>
+        <p:nvPicPr>
+          <p:cNvPr id="65" name="Picture 12" descr="Klausur 76891 – Einführung in Java – peripherstudent">
+            <a:extLst>
+              <a:ext uri="{FF2B5EF4-FFF2-40B4-BE49-F238E27FC236}">
+                <a16:creationId xmlns:a16="http://schemas.microsoft.com/office/drawing/2014/main" id="{834800F4-38F9-F842-8DEE-F20817EDBAD4}"/>
+              </a:ext>
+            </a:extLst>
+          </p:cNvPr>
+          <p:cNvPicPr>
+            <a:picLocks noChangeAspect="1" noChangeArrowheads="1"/>
+          </p:cNvPicPr>
+          <p:nvPr/>
+        </p:nvPicPr>
+        <p:blipFill>
+          <a:blip r:embed="rId7">
+            <a:extLst>
+              <a:ext uri="{28A0092B-C50C-407E-A947-70E740481C1C}">
+                <a14:useLocalDpi xmlns:a14="http://schemas.microsoft.com/office/drawing/2010/main" val="0"/>
+              </a:ext>
+            </a:extLst>
+          </a:blip>
+          <a:srcRect/>
+          <a:stretch>
+            <a:fillRect/>
+          </a:stretch>
+        </p:blipFill>
+        <p:spPr bwMode="auto">
+          <a:xfrm>
+            <a:off x="2334916" y="3046951"/>
+            <a:ext cx="507653" cy="507653"/>
+          </a:xfrm>
+          <a:prstGeom prst="rect">
+            <a:avLst/>
+          </a:prstGeom>
+          <a:noFill/>
+          <a:extLst>
+            <a:ext uri="{909E8E84-426E-40DD-AFC4-6F175D3DCCD1}">
+              <a14:hiddenFill xmlns:a14="http://schemas.microsoft.com/office/drawing/2010/main">
+                <a:solidFill>
+                  <a:srgbClr val="FFFFFF"/>
+                </a:solidFill>
+              </a14:hiddenFill>
+            </a:ext>
+          </a:extLst>
+        </p:spPr>
+      </p:pic>
+      <p:pic>
+        <p:nvPicPr>
+          <p:cNvPr id="66" name="Picture 18" descr="Nodejsvektorlogo Backendprogrammierung In Javascript Serverentwicklung  Stock Vektor Art und mehr Bilder von Logo - iStock">
+            <a:extLst>
+              <a:ext uri="{FF2B5EF4-FFF2-40B4-BE49-F238E27FC236}">
+                <a16:creationId xmlns:a16="http://schemas.microsoft.com/office/drawing/2014/main" id="{7CED82D5-D829-7644-8281-035B65F32DB2}"/>
+              </a:ext>
+            </a:extLst>
+          </p:cNvPr>
+          <p:cNvPicPr>
+            <a:picLocks noChangeAspect="1" noChangeArrowheads="1"/>
+          </p:cNvPicPr>
+          <p:nvPr/>
+        </p:nvPicPr>
+        <p:blipFill>
+          <a:blip r:embed="rId8">
+            <a:extLst>
+              <a:ext uri="{28A0092B-C50C-407E-A947-70E740481C1C}">
+                <a14:useLocalDpi xmlns:a14="http://schemas.microsoft.com/office/drawing/2010/main" val="0"/>
+              </a:ext>
+            </a:extLst>
+          </a:blip>
+          <a:srcRect/>
+          <a:stretch>
+            <a:fillRect/>
+          </a:stretch>
+        </p:blipFill>
+        <p:spPr bwMode="auto">
+          <a:xfrm>
+            <a:off x="3242271" y="3136679"/>
+            <a:ext cx="371623" cy="371623"/>
+          </a:xfrm>
+          <a:prstGeom prst="rect">
+            <a:avLst/>
+          </a:prstGeom>
+          <a:noFill/>
+          <a:extLst>
+            <a:ext uri="{909E8E84-426E-40DD-AFC4-6F175D3DCCD1}">
+              <a14:hiddenFill xmlns:a14="http://schemas.microsoft.com/office/drawing/2010/main">
+                <a:solidFill>
+                  <a:srgbClr val="FFFFFF"/>
+                </a:solidFill>
+              </a14:hiddenFill>
+            </a:ext>
+          </a:extLst>
+        </p:spPr>
+      </p:pic>
+      <p:sp>
+        <p:nvSpPr>
+          <p:cNvPr id="7" name="Rounded Rectangle 6">
+            <a:extLst>
+              <a:ext uri="{FF2B5EF4-FFF2-40B4-BE49-F238E27FC236}">
+                <a16:creationId xmlns:a16="http://schemas.microsoft.com/office/drawing/2014/main" id="{EB05E2ED-780C-2F4F-A8DF-9D5B49AE124C}"/>
+              </a:ext>
+            </a:extLst>
+          </p:cNvPr>
+          <p:cNvSpPr/>
+          <p:nvPr/>
+        </p:nvSpPr>
+        <p:spPr>
+          <a:xfrm>
+            <a:off x="2224480" y="3030301"/>
+            <a:ext cx="729966" cy="540779"/>
+          </a:xfrm>
+          <a:prstGeom prst="roundRect">
+            <a:avLst/>
+          </a:prstGeom>
+          <a:noFill/>
+          <a:ln w="19050">
+            <a:solidFill>
+              <a:srgbClr val="1A9898"/>
+            </a:solidFill>
+            <a:prstDash val="dash"/>
+          </a:ln>
+        </p:spPr>
+        <p:style>
+          <a:lnRef idx="2">
+            <a:schemeClr val="accent1">
+              <a:shade val="50000"/>
+            </a:schemeClr>
+          </a:lnRef>
+          <a:fillRef idx="1">
+            <a:schemeClr val="accent1"/>
+          </a:fillRef>
+          <a:effectRef idx="0">
+            <a:schemeClr val="accent1"/>
+          </a:effectRef>
+          <a:fontRef idx="minor">
+            <a:schemeClr val="lt1"/>
+          </a:fontRef>
+        </p:style>
+        <p:txBody>
+          <a:bodyPr rtlCol="0" anchor="ctr"/>
+          <a:lstStyle/>
+          <a:p>
+            <a:pPr algn="ctr"/>
+            <a:endParaRPr lang="en-DE"/>
+          </a:p>
+        </p:txBody>
+      </p:sp>
+      <p:sp>
+        <p:nvSpPr>
+          <p:cNvPr id="76" name="Rounded Rectangle 75">
+            <a:extLst>
+              <a:ext uri="{FF2B5EF4-FFF2-40B4-BE49-F238E27FC236}">
+                <a16:creationId xmlns:a16="http://schemas.microsoft.com/office/drawing/2014/main" id="{64080598-8A5F-C74E-BED3-3941653B2FC7}"/>
+              </a:ext>
+            </a:extLst>
+          </p:cNvPr>
+          <p:cNvSpPr/>
+          <p:nvPr/>
+        </p:nvSpPr>
+        <p:spPr>
+          <a:xfrm>
+            <a:off x="3048018" y="3046925"/>
+            <a:ext cx="729966" cy="540779"/>
+          </a:xfrm>
+          <a:prstGeom prst="roundRect">
+            <a:avLst/>
+          </a:prstGeom>
+          <a:noFill/>
+          <a:ln w="19050">
+            <a:solidFill>
+              <a:srgbClr val="1A9898"/>
+            </a:solidFill>
+            <a:prstDash val="dash"/>
+          </a:ln>
+        </p:spPr>
+        <p:style>
+          <a:lnRef idx="2">
+            <a:schemeClr val="accent1">
+              <a:shade val="50000"/>
+            </a:schemeClr>
+          </a:lnRef>
+          <a:fillRef idx="1">
+            <a:schemeClr val="accent1"/>
+          </a:fillRef>
+          <a:effectRef idx="0">
+            <a:schemeClr val="accent1"/>
+          </a:effectRef>
+          <a:fontRef idx="minor">
+            <a:schemeClr val="lt1"/>
+          </a:fontRef>
+        </p:style>
+        <p:txBody>
+          <a:bodyPr rtlCol="0" anchor="ctr"/>
+          <a:lstStyle/>
+          <a:p>
+            <a:pPr algn="ctr"/>
+            <a:endParaRPr lang="en-DE"/>
+          </a:p>
+        </p:txBody>
+      </p:sp>
+      <p:sp>
+        <p:nvSpPr>
+          <p:cNvPr id="78" name="Rounded Rectangle 77">
+            <a:extLst>
+              <a:ext uri="{FF2B5EF4-FFF2-40B4-BE49-F238E27FC236}">
+                <a16:creationId xmlns:a16="http://schemas.microsoft.com/office/drawing/2014/main" id="{ED71FF34-1CFC-6143-8D85-A33856391C7D}"/>
+              </a:ext>
+            </a:extLst>
+          </p:cNvPr>
+          <p:cNvSpPr/>
+          <p:nvPr/>
+        </p:nvSpPr>
+        <p:spPr>
+          <a:xfrm>
+            <a:off x="3890472" y="3046926"/>
+            <a:ext cx="729966" cy="540779"/>
+          </a:xfrm>
+          <a:prstGeom prst="roundRect">
+            <a:avLst/>
+          </a:prstGeom>
+          <a:noFill/>
+          <a:ln w="19050">
+            <a:solidFill>
+              <a:srgbClr val="1A9898"/>
+            </a:solidFill>
+            <a:prstDash val="dash"/>
+          </a:ln>
+        </p:spPr>
+        <p:style>
+          <a:lnRef idx="2">
+            <a:schemeClr val="accent1">
+              <a:shade val="50000"/>
+            </a:schemeClr>
+          </a:lnRef>
+          <a:fillRef idx="1">
+            <a:schemeClr val="accent1"/>
+          </a:fillRef>
+          <a:effectRef idx="0">
+            <a:schemeClr val="accent1"/>
+          </a:effectRef>
+          <a:fontRef idx="minor">
+            <a:schemeClr val="lt1"/>
+          </a:fontRef>
+        </p:style>
+        <p:txBody>
+          <a:bodyPr rtlCol="0" anchor="ctr"/>
+          <a:lstStyle/>
+          <a:p>
+            <a:pPr algn="ctr"/>
+            <a:endParaRPr lang="en-DE"/>
+          </a:p>
+        </p:txBody>
+      </p:sp>
+      <p:cxnSp>
+        <p:nvCxnSpPr>
+          <p:cNvPr id="79" name="Gewinkelte Verbindung 42">
+            <a:extLst>
+              <a:ext uri="{FF2B5EF4-FFF2-40B4-BE49-F238E27FC236}">
+                <a16:creationId xmlns:a16="http://schemas.microsoft.com/office/drawing/2014/main" id="{281F630F-91DF-BC4B-93DD-FA25964CD0CA}"/>
+              </a:ext>
+            </a:extLst>
+          </p:cNvPr>
+          <p:cNvCxnSpPr>
+            <a:cxnSpLocks/>
+          </p:cNvCxnSpPr>
+          <p:nvPr/>
+        </p:nvCxnSpPr>
+        <p:spPr>
+          <a:xfrm>
+            <a:off x="3457604" y="3802527"/>
+            <a:ext cx="0" cy="894298"/>
+          </a:xfrm>
+          <a:prstGeom prst="straightConnector1">
+            <a:avLst/>
+          </a:prstGeom>
+          <a:ln w="19050" cap="rnd" cmpd="sng">
+            <a:solidFill>
+              <a:schemeClr val="tx1">
+                <a:lumMod val="65000"/>
+                <a:lumOff val="35000"/>
+              </a:schemeClr>
+            </a:solidFill>
+            <a:round/>
+            <a:headEnd type="none" w="med" len="med"/>
+            <a:tailEnd type="triangle" w="med" len="med"/>
+          </a:ln>
+        </p:spPr>
+        <p:style>
+          <a:lnRef idx="1">
+            <a:schemeClr val="accent1"/>
+          </a:lnRef>
+          <a:fillRef idx="0">
+            <a:schemeClr val="accent1"/>
+          </a:fillRef>
+          <a:effectRef idx="0">
+            <a:schemeClr val="accent1"/>
+          </a:effectRef>
+          <a:fontRef idx="minor">
+            <a:schemeClr val="tx1"/>
+          </a:fontRef>
+        </p:style>
+      </p:cxnSp>
+      <p:sp>
+        <p:nvSpPr>
+          <p:cNvPr id="81" name="Rechteck 61">
+            <a:extLst>
+              <a:ext uri="{FF2B5EF4-FFF2-40B4-BE49-F238E27FC236}">
+                <a16:creationId xmlns:a16="http://schemas.microsoft.com/office/drawing/2014/main" id="{E04AE7FB-074E-9F44-8104-D1ACF5B33643}"/>
+              </a:ext>
+            </a:extLst>
+          </p:cNvPr>
+          <p:cNvSpPr/>
+          <p:nvPr/>
+        </p:nvSpPr>
+        <p:spPr>
+          <a:xfrm>
+            <a:off x="5956930" y="2270087"/>
+            <a:ext cx="2318142" cy="516736"/>
+          </a:xfrm>
+          <a:prstGeom prst="rect">
+            <a:avLst/>
+          </a:prstGeom>
+          <a:solidFill>
+            <a:schemeClr val="bg1"/>
+          </a:solidFill>
+          <a:ln w="19050">
+            <a:solidFill>
+              <a:schemeClr val="tx1">
+                <a:lumMod val="65000"/>
+                <a:lumOff val="35000"/>
+              </a:schemeClr>
+            </a:solidFill>
+          </a:ln>
+          <a:effectLst/>
+        </p:spPr>
+        <p:style>
+          <a:lnRef idx="2">
+            <a:schemeClr val="accent1">
+              <a:shade val="50000"/>
+            </a:schemeClr>
+          </a:lnRef>
+          <a:fillRef idx="1">
+            <a:schemeClr val="accent1"/>
+          </a:fillRef>
+          <a:effectRef idx="0">
+            <a:schemeClr val="accent1"/>
+          </a:effectRef>
+          <a:fontRef idx="minor">
+            <a:schemeClr val="lt1"/>
+          </a:fontRef>
+        </p:style>
+        <p:txBody>
+          <a:bodyPr lIns="72000" tIns="72000" rIns="72000" bIns="72000" rtlCol="0" anchor="ctr" anchorCtr="0"/>
+          <a:lstStyle/>
+          <a:p>
+            <a:pPr algn="ctr"/>
+            <a:r>
+              <a:rPr lang="en-US" sz="1200" kern="0" dirty="0">
+                <a:solidFill>
+                  <a:schemeClr val="tx1"/>
+                </a:solidFill>
+                <a:latin typeface="Arial" panose="020B0604020202020204" pitchFamily="34" charset="0"/>
+                <a:ea typeface="BentonSans Bold" charset="0"/>
+                <a:cs typeface="Arial" panose="020B0604020202020204" pitchFamily="34" charset="0"/>
+              </a:rPr>
+              <a:t>Destination Configuration</a:t>
+            </a:r>
+          </a:p>
+        </p:txBody>
+      </p:sp>
+      <p:cxnSp>
+        <p:nvCxnSpPr>
+          <p:cNvPr id="84" name="Gewinkelte Verbindung 42">
+            <a:extLst>
+              <a:ext uri="{FF2B5EF4-FFF2-40B4-BE49-F238E27FC236}">
+                <a16:creationId xmlns:a16="http://schemas.microsoft.com/office/drawing/2014/main" id="{1F760EDB-1CCE-4C40-96D7-888402C3C4B0}"/>
+              </a:ext>
+            </a:extLst>
+          </p:cNvPr>
+          <p:cNvCxnSpPr>
+            <a:cxnSpLocks/>
+          </p:cNvCxnSpPr>
+          <p:nvPr/>
+        </p:nvCxnSpPr>
+        <p:spPr>
+          <a:xfrm>
+            <a:off x="4788869" y="2898095"/>
+            <a:ext cx="1021050" cy="3568"/>
+          </a:xfrm>
+          <a:prstGeom prst="straightConnector1">
+            <a:avLst/>
+          </a:prstGeom>
+          <a:ln w="19050" cap="rnd" cmpd="sng">
+            <a:solidFill>
+              <a:schemeClr val="tx1">
+                <a:lumMod val="65000"/>
+                <a:lumOff val="35000"/>
+              </a:schemeClr>
+            </a:solidFill>
+            <a:round/>
+            <a:headEnd type="none" w="med" len="med"/>
+            <a:tailEnd type="triangle" w="med" len="med"/>
+          </a:ln>
+        </p:spPr>
+        <p:style>
+          <a:lnRef idx="1">
+            <a:schemeClr val="accent1"/>
+          </a:lnRef>
+          <a:fillRef idx="0">
+            <a:schemeClr val="accent1"/>
+          </a:fillRef>
+          <a:effectRef idx="0">
+            <a:schemeClr val="accent1"/>
+          </a:effectRef>
+          <a:fontRef idx="minor">
+            <a:schemeClr val="tx1"/>
+          </a:fontRef>
+        </p:style>
+      </p:cxnSp>
+      <p:cxnSp>
+        <p:nvCxnSpPr>
+          <p:cNvPr id="89" name="Gewinkelte Verbindung 42">
+            <a:extLst>
+              <a:ext uri="{FF2B5EF4-FFF2-40B4-BE49-F238E27FC236}">
+                <a16:creationId xmlns:a16="http://schemas.microsoft.com/office/drawing/2014/main" id="{8287951B-1E67-5C4F-8CA9-F768A2897436}"/>
+              </a:ext>
+            </a:extLst>
+          </p:cNvPr>
+          <p:cNvCxnSpPr>
+            <a:cxnSpLocks/>
+          </p:cNvCxnSpPr>
+          <p:nvPr/>
+        </p:nvCxnSpPr>
+        <p:spPr>
+          <a:xfrm>
+            <a:off x="8447563" y="2901663"/>
+            <a:ext cx="1293433" cy="0"/>
+          </a:xfrm>
+          <a:prstGeom prst="straightConnector1">
+            <a:avLst/>
+          </a:prstGeom>
+          <a:ln w="19050" cap="rnd" cmpd="sng">
+            <a:solidFill>
+              <a:schemeClr val="tx1">
+                <a:lumMod val="65000"/>
+                <a:lumOff val="35000"/>
+              </a:schemeClr>
+            </a:solidFill>
+            <a:round/>
+            <a:headEnd type="none" w="med" len="med"/>
+            <a:tailEnd type="triangle" w="med" len="med"/>
+          </a:ln>
+        </p:spPr>
+        <p:style>
+          <a:lnRef idx="1">
+            <a:schemeClr val="accent1"/>
+          </a:lnRef>
+          <a:fillRef idx="0">
+            <a:schemeClr val="accent1"/>
+          </a:fillRef>
+          <a:effectRef idx="0">
+            <a:schemeClr val="accent1"/>
+          </a:effectRef>
+          <a:fontRef idx="minor">
+            <a:schemeClr val="tx1"/>
+          </a:fontRef>
+        </p:style>
+      </p:cxnSp>
+      <p:sp>
+        <p:nvSpPr>
+          <p:cNvPr id="34" name="TextBox 33">
+            <a:extLst>
+              <a:ext uri="{FF2B5EF4-FFF2-40B4-BE49-F238E27FC236}">
+                <a16:creationId xmlns:a16="http://schemas.microsoft.com/office/drawing/2014/main" id="{80531925-FC10-9947-95A7-C28A6F5BD153}"/>
+              </a:ext>
+            </a:extLst>
+          </p:cNvPr>
+          <p:cNvSpPr txBox="1"/>
+          <p:nvPr/>
+        </p:nvSpPr>
+        <p:spPr>
+          <a:xfrm>
+            <a:off x="2061676" y="2349774"/>
+            <a:ext cx="2733665" cy="523220"/>
+          </a:xfrm>
+          <a:prstGeom prst="rect">
+            <a:avLst/>
+          </a:prstGeom>
+          <a:noFill/>
+        </p:spPr>
+        <p:txBody>
+          <a:bodyPr wrap="square" rtlCol="0">
+            <a:spAutoFit/>
+          </a:bodyPr>
+          <a:lstStyle/>
+          <a:p>
+            <a:pPr algn="ctr"/>
+            <a:r>
+              <a:rPr lang="en-US" sz="1400" kern="0" dirty="0">
+                <a:latin typeface="Arial" panose="020B0604020202020204" pitchFamily="34" charset="0"/>
+                <a:ea typeface="BentonSans Bold" charset="0"/>
+                <a:cs typeface="Arial" panose="020B0604020202020204" pitchFamily="34" charset="0"/>
+              </a:rPr>
+              <a:t>Easy Franchise</a:t>
+            </a:r>
+          </a:p>
+          <a:p>
+            <a:pPr algn="ctr"/>
+            <a:r>
+              <a:rPr lang="en-US" sz="1400" kern="0" dirty="0">
+                <a:latin typeface="Arial" panose="020B0604020202020204" pitchFamily="34" charset="0"/>
+                <a:ea typeface="BentonSans Bold" charset="0"/>
+                <a:cs typeface="Arial" panose="020B0604020202020204" pitchFamily="34" charset="0"/>
+              </a:rPr>
+              <a:t>Microservices based App</a:t>
+            </a:r>
+          </a:p>
+        </p:txBody>
+      </p:sp>
+      <p:sp>
+        <p:nvSpPr>
+          <p:cNvPr id="5" name="Oval 4">
+            <a:extLst>
+              <a:ext uri="{FF2B5EF4-FFF2-40B4-BE49-F238E27FC236}">
+                <a16:creationId xmlns:a16="http://schemas.microsoft.com/office/drawing/2014/main" id="{AF46C78C-5534-004D-8305-15E8C200F8C4}"/>
+              </a:ext>
+            </a:extLst>
+          </p:cNvPr>
+          <p:cNvSpPr/>
+          <p:nvPr/>
+        </p:nvSpPr>
+        <p:spPr>
+          <a:xfrm>
+            <a:off x="8275072" y="960400"/>
+            <a:ext cx="308344" cy="308344"/>
+          </a:xfrm>
+          <a:prstGeom prst="ellipse">
+            <a:avLst/>
+          </a:prstGeom>
+          <a:solidFill>
+            <a:schemeClr val="accent4"/>
+          </a:solidFill>
+          <a:ln>
+            <a:noFill/>
+          </a:ln>
+        </p:spPr>
+        <p:style>
+          <a:lnRef idx="2">
+            <a:schemeClr val="accent1">
+              <a:shade val="50000"/>
+            </a:schemeClr>
+          </a:lnRef>
+          <a:fillRef idx="1">
+            <a:schemeClr val="accent1"/>
+          </a:fillRef>
+          <a:effectRef idx="0">
+            <a:schemeClr val="accent1"/>
+          </a:effectRef>
+          <a:fontRef idx="minor">
+            <a:schemeClr val="lt1"/>
+          </a:fontRef>
+        </p:style>
+        <p:txBody>
+          <a:bodyPr rtlCol="0" anchor="ctr"/>
+          <a:lstStyle/>
+          <a:p>
+            <a:pPr algn="ctr"/>
+            <a:r>
+              <a:rPr lang="en-DE" dirty="0"/>
+              <a:t>1</a:t>
+            </a:r>
+          </a:p>
+        </p:txBody>
+      </p:sp>
+      <p:sp>
+        <p:nvSpPr>
+          <p:cNvPr id="45" name="Rechteck 61">
+            <a:extLst>
+              <a:ext uri="{FF2B5EF4-FFF2-40B4-BE49-F238E27FC236}">
+                <a16:creationId xmlns:a16="http://schemas.microsoft.com/office/drawing/2014/main" id="{EEEB999D-06DF-CA4F-BB7E-81E3FACB11B1}"/>
+              </a:ext>
+            </a:extLst>
+          </p:cNvPr>
+          <p:cNvSpPr/>
+          <p:nvPr/>
+        </p:nvSpPr>
+        <p:spPr>
+          <a:xfrm>
+            <a:off x="5952044" y="1593714"/>
+            <a:ext cx="2323028" cy="516736"/>
+          </a:xfrm>
+          <a:prstGeom prst="rect">
+            <a:avLst/>
+          </a:prstGeom>
+          <a:solidFill>
+            <a:schemeClr val="bg1"/>
+          </a:solidFill>
+          <a:ln w="19050">
+            <a:solidFill>
+              <a:schemeClr val="tx1">
+                <a:lumMod val="65000"/>
+                <a:lumOff val="35000"/>
+              </a:schemeClr>
+            </a:solidFill>
+          </a:ln>
+          <a:effectLst/>
+        </p:spPr>
+        <p:style>
+          <a:lnRef idx="2">
+            <a:schemeClr val="accent1">
+              <a:shade val="50000"/>
+            </a:schemeClr>
+          </a:lnRef>
+          <a:fillRef idx="1">
+            <a:schemeClr val="accent1"/>
+          </a:fillRef>
+          <a:effectRef idx="0">
+            <a:schemeClr val="accent1"/>
+          </a:effectRef>
+          <a:fontRef idx="minor">
+            <a:schemeClr val="lt1"/>
+          </a:fontRef>
+        </p:style>
+        <p:txBody>
+          <a:bodyPr lIns="72000" tIns="72000" rIns="72000" bIns="72000" rtlCol="0" anchor="ctr" anchorCtr="0"/>
+          <a:lstStyle/>
+          <a:p>
+            <a:pPr algn="ctr"/>
+            <a:r>
+              <a:rPr lang="en-US" sz="1200" kern="0" dirty="0">
+                <a:solidFill>
+                  <a:schemeClr val="tx1"/>
+                </a:solidFill>
+                <a:latin typeface="Arial" panose="020B0604020202020204" pitchFamily="34" charset="0"/>
+                <a:ea typeface="BentonSans Bold" charset="0"/>
+                <a:cs typeface="Arial" panose="020B0604020202020204" pitchFamily="34" charset="0"/>
+              </a:rPr>
+              <a:t>Application Subscription</a:t>
+            </a:r>
+          </a:p>
+        </p:txBody>
+      </p:sp>
+      <p:sp>
+        <p:nvSpPr>
+          <p:cNvPr id="46" name="Oval 45">
+            <a:extLst>
+              <a:ext uri="{FF2B5EF4-FFF2-40B4-BE49-F238E27FC236}">
+                <a16:creationId xmlns:a16="http://schemas.microsoft.com/office/drawing/2014/main" id="{EEC42505-501E-D049-BE03-D3F199A55BB0}"/>
+              </a:ext>
+            </a:extLst>
+          </p:cNvPr>
+          <p:cNvSpPr/>
+          <p:nvPr/>
+        </p:nvSpPr>
+        <p:spPr>
+          <a:xfrm>
+            <a:off x="5809919" y="1697910"/>
+            <a:ext cx="308344" cy="308344"/>
+          </a:xfrm>
+          <a:prstGeom prst="ellipse">
+            <a:avLst/>
+          </a:prstGeom>
+          <a:solidFill>
+            <a:schemeClr val="accent4"/>
+          </a:solidFill>
+          <a:ln>
+            <a:noFill/>
+          </a:ln>
+        </p:spPr>
+        <p:style>
+          <a:lnRef idx="2">
+            <a:schemeClr val="accent1">
+              <a:shade val="50000"/>
+            </a:schemeClr>
+          </a:lnRef>
+          <a:fillRef idx="1">
+            <a:schemeClr val="accent1"/>
+          </a:fillRef>
+          <a:effectRef idx="0">
+            <a:schemeClr val="accent1"/>
+          </a:effectRef>
+          <a:fontRef idx="minor">
+            <a:schemeClr val="lt1"/>
+          </a:fontRef>
+        </p:style>
+        <p:txBody>
+          <a:bodyPr rtlCol="0" anchor="ctr"/>
+          <a:lstStyle/>
+          <a:p>
+            <a:pPr algn="ctr"/>
+            <a:r>
+              <a:rPr lang="en-DE" dirty="0"/>
+              <a:t>2</a:t>
+            </a:r>
+          </a:p>
+        </p:txBody>
+      </p:sp>
+      <p:sp>
+        <p:nvSpPr>
+          <p:cNvPr id="47" name="Oval 46">
+            <a:extLst>
+              <a:ext uri="{FF2B5EF4-FFF2-40B4-BE49-F238E27FC236}">
+                <a16:creationId xmlns:a16="http://schemas.microsoft.com/office/drawing/2014/main" id="{1C82D36A-05D6-1843-89CF-3B044970C81D}"/>
+              </a:ext>
+            </a:extLst>
+          </p:cNvPr>
+          <p:cNvSpPr/>
+          <p:nvPr/>
+        </p:nvSpPr>
+        <p:spPr>
+          <a:xfrm>
+            <a:off x="5808821" y="2364458"/>
+            <a:ext cx="308344" cy="308344"/>
+          </a:xfrm>
+          <a:prstGeom prst="ellipse">
+            <a:avLst/>
+          </a:prstGeom>
+          <a:solidFill>
+            <a:schemeClr val="accent4"/>
+          </a:solidFill>
+          <a:ln>
+            <a:noFill/>
+          </a:ln>
+        </p:spPr>
+        <p:style>
+          <a:lnRef idx="2">
+            <a:schemeClr val="accent1">
+              <a:shade val="50000"/>
+            </a:schemeClr>
+          </a:lnRef>
+          <a:fillRef idx="1">
+            <a:schemeClr val="accent1"/>
+          </a:fillRef>
+          <a:effectRef idx="0">
+            <a:schemeClr val="accent1"/>
+          </a:effectRef>
+          <a:fontRef idx="minor">
+            <a:schemeClr val="lt1"/>
+          </a:fontRef>
+        </p:style>
+        <p:txBody>
+          <a:bodyPr rtlCol="0" anchor="ctr"/>
+          <a:lstStyle/>
+          <a:p>
+            <a:pPr algn="ctr"/>
+            <a:r>
+              <a:rPr lang="en-DE" dirty="0"/>
+              <a:t>3</a:t>
+            </a:r>
+          </a:p>
+        </p:txBody>
+      </p:sp>
+      <p:sp>
+        <p:nvSpPr>
+          <p:cNvPr id="48" name="Oval 47">
+            <a:extLst>
+              <a:ext uri="{FF2B5EF4-FFF2-40B4-BE49-F238E27FC236}">
+                <a16:creationId xmlns:a16="http://schemas.microsoft.com/office/drawing/2014/main" id="{BC778B15-3D55-1F49-9E10-00E13313D942}"/>
+              </a:ext>
+            </a:extLst>
+          </p:cNvPr>
+          <p:cNvSpPr/>
+          <p:nvPr/>
+        </p:nvSpPr>
+        <p:spPr>
+          <a:xfrm>
+            <a:off x="5805722" y="3045993"/>
+            <a:ext cx="308344" cy="308344"/>
+          </a:xfrm>
+          <a:prstGeom prst="ellipse">
+            <a:avLst/>
+          </a:prstGeom>
+          <a:solidFill>
+            <a:schemeClr val="accent4"/>
+          </a:solidFill>
+          <a:ln>
+            <a:noFill/>
+          </a:ln>
+        </p:spPr>
+        <p:style>
+          <a:lnRef idx="2">
+            <a:schemeClr val="accent1">
+              <a:shade val="50000"/>
+            </a:schemeClr>
+          </a:lnRef>
+          <a:fillRef idx="1">
+            <a:schemeClr val="accent1"/>
+          </a:fillRef>
+          <a:effectRef idx="0">
+            <a:schemeClr val="accent1"/>
+          </a:effectRef>
+          <a:fontRef idx="minor">
+            <a:schemeClr val="lt1"/>
+          </a:fontRef>
+        </p:style>
+        <p:txBody>
+          <a:bodyPr rtlCol="0" anchor="ctr"/>
+          <a:lstStyle/>
+          <a:p>
+            <a:pPr algn="ctr"/>
+            <a:r>
+              <a:rPr lang="en-DE" dirty="0"/>
+              <a:t>4</a:t>
+            </a:r>
+          </a:p>
+        </p:txBody>
+      </p:sp>
+      <p:sp>
+        <p:nvSpPr>
+          <p:cNvPr id="49" name="Oval 48">
+            <a:extLst>
+              <a:ext uri="{FF2B5EF4-FFF2-40B4-BE49-F238E27FC236}">
+                <a16:creationId xmlns:a16="http://schemas.microsoft.com/office/drawing/2014/main" id="{8A825A10-00C0-D442-9E11-A6CD2904AA1F}"/>
+              </a:ext>
+            </a:extLst>
+          </p:cNvPr>
+          <p:cNvSpPr/>
+          <p:nvPr/>
+        </p:nvSpPr>
+        <p:spPr>
+          <a:xfrm>
+            <a:off x="554883" y="3466213"/>
+            <a:ext cx="308344" cy="308344"/>
+          </a:xfrm>
+          <a:prstGeom prst="ellipse">
+            <a:avLst/>
+          </a:prstGeom>
+          <a:solidFill>
+            <a:schemeClr val="accent4"/>
+          </a:solidFill>
+          <a:ln>
+            <a:noFill/>
+          </a:ln>
+        </p:spPr>
+        <p:style>
+          <a:lnRef idx="2">
+            <a:schemeClr val="accent1">
+              <a:shade val="50000"/>
+            </a:schemeClr>
+          </a:lnRef>
+          <a:fillRef idx="1">
+            <a:schemeClr val="accent1"/>
+          </a:fillRef>
+          <a:effectRef idx="0">
+            <a:schemeClr val="accent1"/>
+          </a:effectRef>
+          <a:fontRef idx="minor">
+            <a:schemeClr val="lt1"/>
+          </a:fontRef>
+        </p:style>
+        <p:txBody>
+          <a:bodyPr rtlCol="0" anchor="ctr"/>
+          <a:lstStyle/>
+          <a:p>
+            <a:pPr algn="ctr"/>
+            <a:r>
+              <a:rPr lang="en-DE" dirty="0"/>
+              <a:t>5</a:t>
+            </a:r>
+          </a:p>
+        </p:txBody>
+      </p:sp>
+      <p:sp>
+        <p:nvSpPr>
+          <p:cNvPr id="51" name="Rechteck 9">
+            <a:extLst>
+              <a:ext uri="{FF2B5EF4-FFF2-40B4-BE49-F238E27FC236}">
+                <a16:creationId xmlns:a16="http://schemas.microsoft.com/office/drawing/2014/main" id="{C2FE8C34-328D-DD4F-9AE3-CB6978515D91}"/>
+              </a:ext>
+            </a:extLst>
+          </p:cNvPr>
+          <p:cNvSpPr/>
+          <p:nvPr/>
+        </p:nvSpPr>
+        <p:spPr>
+          <a:xfrm>
+            <a:off x="6198119" y="4474068"/>
+            <a:ext cx="2249444" cy="1608679"/>
+          </a:xfrm>
+          <a:prstGeom prst="rect">
+            <a:avLst/>
+          </a:prstGeom>
+          <a:solidFill>
+            <a:schemeClr val="accent5">
+              <a:lumMod val="20000"/>
+              <a:lumOff val="80000"/>
+            </a:schemeClr>
+          </a:solidFill>
+          <a:ln w="19050" cap="rnd">
+            <a:solidFill>
+              <a:srgbClr val="0092D1"/>
+            </a:solidFill>
+          </a:ln>
+        </p:spPr>
+        <p:style>
+          <a:lnRef idx="2">
+            <a:schemeClr val="accent1">
+              <a:shade val="50000"/>
+            </a:schemeClr>
+          </a:lnRef>
+          <a:fillRef idx="1">
+            <a:schemeClr val="accent1"/>
+          </a:fillRef>
+          <a:effectRef idx="0">
+            <a:schemeClr val="accent1"/>
+          </a:effectRef>
+          <a:fontRef idx="minor">
+            <a:schemeClr val="lt1"/>
+          </a:fontRef>
+        </p:style>
+        <p:txBody>
+          <a:bodyPr lIns="71981" tIns="71981" rIns="71981" bIns="71981" rtlCol="0" anchor="t"/>
+          <a:lstStyle/>
+          <a:p>
+            <a:endParaRPr lang="en-US" sz="1200" b="1" dirty="0">
+              <a:solidFill>
+                <a:srgbClr val="0092D1"/>
+              </a:solidFill>
+            </a:endParaRPr>
+          </a:p>
+        </p:txBody>
+      </p:sp>
+      <p:sp>
+        <p:nvSpPr>
+          <p:cNvPr id="52" name="Rechteck 9">
+            <a:extLst>
+              <a:ext uri="{FF2B5EF4-FFF2-40B4-BE49-F238E27FC236}">
+                <a16:creationId xmlns:a16="http://schemas.microsoft.com/office/drawing/2014/main" id="{6B09F1D6-7BD4-2E4A-BBB5-E674991E63F8}"/>
+              </a:ext>
+            </a:extLst>
+          </p:cNvPr>
+          <p:cNvSpPr/>
+          <p:nvPr/>
+        </p:nvSpPr>
+        <p:spPr>
+          <a:xfrm>
+            <a:off x="5997812" y="4290934"/>
+            <a:ext cx="2249444" cy="1603133"/>
+          </a:xfrm>
+          <a:prstGeom prst="rect">
+            <a:avLst/>
+          </a:prstGeom>
+          <a:solidFill>
+            <a:schemeClr val="accent5">
+              <a:lumMod val="20000"/>
+              <a:lumOff val="80000"/>
+            </a:schemeClr>
+          </a:solidFill>
+          <a:ln w="19050" cap="rnd">
+            <a:solidFill>
+              <a:srgbClr val="0092D1"/>
+            </a:solidFill>
+          </a:ln>
+        </p:spPr>
+        <p:style>
+          <a:lnRef idx="2">
+            <a:schemeClr val="accent1">
+              <a:shade val="50000"/>
+            </a:schemeClr>
+          </a:lnRef>
+          <a:fillRef idx="1">
+            <a:schemeClr val="accent1"/>
+          </a:fillRef>
+          <a:effectRef idx="0">
+            <a:schemeClr val="accent1"/>
+          </a:effectRef>
+          <a:fontRef idx="minor">
+            <a:schemeClr val="lt1"/>
+          </a:fontRef>
+        </p:style>
+        <p:txBody>
+          <a:bodyPr lIns="71981" tIns="71981" rIns="71981" bIns="71981" rtlCol="0" anchor="t"/>
+          <a:lstStyle/>
+          <a:p>
+            <a:endParaRPr lang="en-US" sz="1200" b="1" dirty="0">
+              <a:solidFill>
+                <a:srgbClr val="0092D1"/>
+              </a:solidFill>
+            </a:endParaRPr>
+          </a:p>
+        </p:txBody>
+      </p:sp>
+      <p:sp>
+        <p:nvSpPr>
+          <p:cNvPr id="53" name="Rechteck 9">
+            <a:extLst>
+              <a:ext uri="{FF2B5EF4-FFF2-40B4-BE49-F238E27FC236}">
+                <a16:creationId xmlns:a16="http://schemas.microsoft.com/office/drawing/2014/main" id="{14F14F54-6356-7C4C-ABCC-93955DF33035}"/>
+              </a:ext>
+            </a:extLst>
+          </p:cNvPr>
+          <p:cNvSpPr/>
+          <p:nvPr/>
+        </p:nvSpPr>
+        <p:spPr>
+          <a:xfrm>
+            <a:off x="5809918" y="4099056"/>
+            <a:ext cx="2249443" cy="1608679"/>
+          </a:xfrm>
+          <a:prstGeom prst="rect">
+            <a:avLst/>
+          </a:prstGeom>
+          <a:solidFill>
+            <a:schemeClr val="accent5">
+              <a:lumMod val="20000"/>
+              <a:lumOff val="80000"/>
+            </a:schemeClr>
+          </a:solidFill>
+          <a:ln w="19050" cap="rnd">
+            <a:solidFill>
+              <a:srgbClr val="0092D1"/>
+            </a:solidFill>
+          </a:ln>
+        </p:spPr>
+        <p:style>
+          <a:lnRef idx="2">
+            <a:schemeClr val="accent1">
+              <a:shade val="50000"/>
+            </a:schemeClr>
+          </a:lnRef>
+          <a:fillRef idx="1">
+            <a:schemeClr val="accent1"/>
+          </a:fillRef>
+          <a:effectRef idx="0">
+            <a:schemeClr val="accent1"/>
+          </a:effectRef>
+          <a:fontRef idx="minor">
+            <a:schemeClr val="lt1"/>
+          </a:fontRef>
+        </p:style>
+        <p:txBody>
+          <a:bodyPr lIns="71981" tIns="71981" rIns="71981" bIns="71981" rtlCol="0" anchor="t"/>
+          <a:lstStyle/>
+          <a:p>
+            <a:r>
+              <a:rPr lang="en-US" sz="1200" dirty="0">
+                <a:solidFill>
+                  <a:srgbClr val="5B9BD5"/>
+                </a:solidFill>
+                <a:latin typeface="Arial" panose="020B0604020202020204" pitchFamily="34" charset="0"/>
+                <a:cs typeface="Arial" panose="020B0604020202020204" pitchFamily="34" charset="0"/>
+              </a:rPr>
+              <a:t>Other Customer Subaccounts (Subscribers)</a:t>
+            </a:r>
+          </a:p>
+        </p:txBody>
+      </p:sp>
+      <p:sp>
+        <p:nvSpPr>
+          <p:cNvPr id="63" name="Rectangle 62">
+            <a:extLst>
+              <a:ext uri="{FF2B5EF4-FFF2-40B4-BE49-F238E27FC236}">
+                <a16:creationId xmlns:a16="http://schemas.microsoft.com/office/drawing/2014/main" id="{674B7472-270F-9940-974E-5403957D2DE1}"/>
+              </a:ext>
+            </a:extLst>
+          </p:cNvPr>
+          <p:cNvSpPr/>
+          <p:nvPr/>
+        </p:nvSpPr>
+        <p:spPr>
+          <a:xfrm>
+            <a:off x="9815180" y="4403856"/>
+            <a:ext cx="1985237" cy="1678891"/>
+          </a:xfrm>
+          <a:prstGeom prst="rect">
+            <a:avLst/>
+          </a:prstGeom>
+          <a:solidFill>
+            <a:schemeClr val="bg1"/>
+          </a:solidFill>
+          <a:ln w="15875">
+            <a:solidFill>
+              <a:schemeClr val="bg1">
+                <a:lumMod val="65000"/>
+              </a:schemeClr>
+            </a:solidFill>
+            <a:prstDash val="sysDot"/>
+          </a:ln>
+        </p:spPr>
+        <p:style>
+          <a:lnRef idx="2">
+            <a:schemeClr val="accent1">
+              <a:shade val="50000"/>
+            </a:schemeClr>
+          </a:lnRef>
+          <a:fillRef idx="1">
+            <a:schemeClr val="accent1"/>
+          </a:fillRef>
+          <a:effectRef idx="0">
+            <a:schemeClr val="accent1"/>
+          </a:effectRef>
+          <a:fontRef idx="minor">
+            <a:schemeClr val="lt1"/>
+          </a:fontRef>
+        </p:style>
+        <p:txBody>
+          <a:bodyPr rtlCol="0" anchor="ctr"/>
+          <a:lstStyle/>
+          <a:p>
+            <a:pPr algn="ctr"/>
+            <a:r>
+              <a:rPr lang="en-DE" sz="1400" dirty="0">
+                <a:solidFill>
+                  <a:schemeClr val="tx1"/>
+                </a:solidFill>
+              </a:rPr>
+              <a:t>SAP </a:t>
+            </a:r>
+          </a:p>
+          <a:p>
+            <a:pPr algn="ctr"/>
+            <a:r>
+              <a:rPr lang="en-DE" sz="1400" dirty="0">
+                <a:solidFill>
+                  <a:schemeClr val="tx1"/>
+                </a:solidFill>
+              </a:rPr>
+              <a:t>S/4HANA </a:t>
+            </a:r>
+          </a:p>
+          <a:p>
+            <a:pPr algn="ctr"/>
+            <a:r>
+              <a:rPr lang="en-DE" sz="1400" dirty="0">
+                <a:solidFill>
+                  <a:schemeClr val="tx1"/>
+                </a:solidFill>
+              </a:rPr>
+              <a:t>Cloud</a:t>
+            </a:r>
+          </a:p>
+        </p:txBody>
+      </p:sp>
+      <p:sp>
+        <p:nvSpPr>
+          <p:cNvPr id="64" name="Rectangle 63">
+            <a:extLst>
+              <a:ext uri="{FF2B5EF4-FFF2-40B4-BE49-F238E27FC236}">
+                <a16:creationId xmlns:a16="http://schemas.microsoft.com/office/drawing/2014/main" id="{FFAAF79B-5F87-E545-A88E-5EBBD5E01D73}"/>
+              </a:ext>
+            </a:extLst>
+          </p:cNvPr>
+          <p:cNvSpPr/>
+          <p:nvPr/>
+        </p:nvSpPr>
+        <p:spPr>
+          <a:xfrm>
+            <a:off x="9662780" y="4251456"/>
+            <a:ext cx="1985237" cy="1678891"/>
+          </a:xfrm>
+          <a:prstGeom prst="rect">
+            <a:avLst/>
+          </a:prstGeom>
+          <a:solidFill>
+            <a:schemeClr val="bg1"/>
+          </a:solidFill>
+          <a:ln w="15875">
+            <a:solidFill>
+              <a:schemeClr val="bg1">
+                <a:lumMod val="65000"/>
+              </a:schemeClr>
+            </a:solidFill>
+            <a:prstDash val="sysDot"/>
+          </a:ln>
+        </p:spPr>
+        <p:style>
+          <a:lnRef idx="2">
+            <a:schemeClr val="accent1">
+              <a:shade val="50000"/>
+            </a:schemeClr>
+          </a:lnRef>
+          <a:fillRef idx="1">
+            <a:schemeClr val="accent1"/>
+          </a:fillRef>
+          <a:effectRef idx="0">
+            <a:schemeClr val="accent1"/>
+          </a:effectRef>
+          <a:fontRef idx="minor">
+            <a:schemeClr val="lt1"/>
+          </a:fontRef>
+        </p:style>
+        <p:txBody>
+          <a:bodyPr rtlCol="0" anchor="ctr"/>
+          <a:lstStyle/>
+          <a:p>
+            <a:pPr algn="ctr"/>
+            <a:r>
+              <a:rPr lang="en-DE" sz="1400" dirty="0">
+                <a:solidFill>
+                  <a:schemeClr val="tx1"/>
+                </a:solidFill>
+              </a:rPr>
+              <a:t>SAP </a:t>
+            </a:r>
+          </a:p>
+          <a:p>
+            <a:pPr algn="ctr"/>
+            <a:r>
+              <a:rPr lang="en-DE" sz="1400" dirty="0">
+                <a:solidFill>
+                  <a:schemeClr val="tx1"/>
+                </a:solidFill>
+              </a:rPr>
+              <a:t>S/4HANA </a:t>
+            </a:r>
+          </a:p>
+          <a:p>
+            <a:pPr algn="ctr"/>
+            <a:r>
+              <a:rPr lang="en-DE" sz="1400" dirty="0">
+                <a:solidFill>
+                  <a:schemeClr val="tx1"/>
+                </a:solidFill>
+              </a:rPr>
+              <a:t>Cloud</a:t>
+            </a:r>
+          </a:p>
+        </p:txBody>
+      </p:sp>
+      <p:sp>
+        <p:nvSpPr>
+          <p:cNvPr id="67" name="Rectangle 66">
+            <a:extLst>
+              <a:ext uri="{FF2B5EF4-FFF2-40B4-BE49-F238E27FC236}">
+                <a16:creationId xmlns:a16="http://schemas.microsoft.com/office/drawing/2014/main" id="{34A04CFB-516D-4246-AA58-9624044E2D61}"/>
+              </a:ext>
+            </a:extLst>
+          </p:cNvPr>
+          <p:cNvSpPr/>
+          <p:nvPr/>
+        </p:nvSpPr>
+        <p:spPr>
+          <a:xfrm>
+            <a:off x="9510380" y="4099056"/>
+            <a:ext cx="1985237" cy="1678891"/>
+          </a:xfrm>
+          <a:prstGeom prst="rect">
+            <a:avLst/>
+          </a:prstGeom>
+          <a:solidFill>
+            <a:schemeClr val="bg1"/>
+          </a:solidFill>
+          <a:ln w="15875">
+            <a:solidFill>
+              <a:schemeClr val="bg1">
+                <a:lumMod val="65000"/>
+              </a:schemeClr>
+            </a:solidFill>
+            <a:prstDash val="sysDot"/>
+          </a:ln>
+        </p:spPr>
+        <p:style>
+          <a:lnRef idx="2">
+            <a:schemeClr val="accent1">
+              <a:shade val="50000"/>
+            </a:schemeClr>
+          </a:lnRef>
+          <a:fillRef idx="1">
+            <a:schemeClr val="accent1"/>
+          </a:fillRef>
+          <a:effectRef idx="0">
+            <a:schemeClr val="accent1"/>
+          </a:effectRef>
+          <a:fontRef idx="minor">
+            <a:schemeClr val="lt1"/>
+          </a:fontRef>
+        </p:style>
+        <p:txBody>
+          <a:bodyPr rtlCol="0" anchor="ctr"/>
+          <a:lstStyle/>
+          <a:p>
+            <a:pPr algn="ctr"/>
+            <a:endParaRPr lang="en-DE" sz="1400" dirty="0">
+              <a:solidFill>
+                <a:schemeClr val="tx1"/>
+              </a:solidFill>
+            </a:endParaRPr>
+          </a:p>
+        </p:txBody>
+      </p:sp>
+      <p:sp>
+        <p:nvSpPr>
+          <p:cNvPr id="71" name="TextBox 70">
+            <a:extLst>
+              <a:ext uri="{FF2B5EF4-FFF2-40B4-BE49-F238E27FC236}">
+                <a16:creationId xmlns:a16="http://schemas.microsoft.com/office/drawing/2014/main" id="{0D79A5CD-5C62-174F-AA56-CA67634044FE}"/>
+              </a:ext>
+            </a:extLst>
+          </p:cNvPr>
+          <p:cNvSpPr txBox="1"/>
+          <p:nvPr/>
+        </p:nvSpPr>
+        <p:spPr>
+          <a:xfrm>
+            <a:off x="9560873" y="4168302"/>
+            <a:ext cx="1938492" cy="461665"/>
+          </a:xfrm>
+          <a:prstGeom prst="rect">
+            <a:avLst/>
+          </a:prstGeom>
+          <a:noFill/>
+        </p:spPr>
+        <p:txBody>
+          <a:bodyPr wrap="square" rtlCol="0">
+            <a:spAutoFit/>
+          </a:bodyPr>
+          <a:lstStyle/>
+          <a:p>
+            <a:r>
+              <a:rPr lang="en-DE" sz="1200" b="1" dirty="0">
+                <a:solidFill>
+                  <a:schemeClr val="bg1">
+                    <a:lumMod val="50000"/>
+                  </a:schemeClr>
+                </a:solidFill>
+                <a:latin typeface="Arial" panose="020B0604020202020204" pitchFamily="34" charset="0"/>
+                <a:cs typeface="Arial" panose="020B0604020202020204" pitchFamily="34" charset="0"/>
+              </a:rPr>
+              <a:t>Other Customer Landscapes</a:t>
+            </a:r>
+          </a:p>
+        </p:txBody>
+      </p:sp>
+    </p:spTree>
+    <p:extLst>
+      <p:ext uri="{BB962C8B-B14F-4D97-AF65-F5344CB8AC3E}">
+        <p14:creationId xmlns:p14="http://schemas.microsoft.com/office/powerpoint/2010/main" val="2613432142"/>
+      </p:ext>
+    </p:extLst>
+  </p:cSld>
+  <p:clrMapOvr>
+    <a:masterClrMapping/>
+  </p:clrMapOvr>
+</p:sld>
+</file>
+
+<file path=ppt/slides/slide9.xml><?xml version="1.0" encoding="utf-8"?>
+<p:sld xmlns:a="http://schemas.openxmlformats.org/drawingml/2006/main" xmlns:r="http://schemas.openxmlformats.org/officeDocument/2006/relationships" xmlns:p="http://schemas.openxmlformats.org/presentationml/2006/main">
+  <p:cSld>
+    <p:spTree>
+      <p:nvGrpSpPr>
+        <p:cNvPr id="1" name=""/>
+        <p:cNvGrpSpPr/>
+        <p:nvPr/>
+      </p:nvGrpSpPr>
+      <p:grpSpPr>
+        <a:xfrm>
+          <a:off x="0" y="0"/>
+          <a:ext cx="0" cy="0"/>
+          <a:chOff x="0" y="0"/>
+          <a:chExt cx="0" cy="0"/>
+        </a:xfrm>
+      </p:grpSpPr>
       <p:grpSp>
         <p:nvGrpSpPr>
-          <p:cNvPr id="2" name="Group 1">
-            <a:extLst>
-              <a:ext uri="{FF2B5EF4-FFF2-40B4-BE49-F238E27FC236}">
-                <a16:creationId xmlns:a16="http://schemas.microsoft.com/office/drawing/2014/main" id="{97E2E677-B2B3-BB42-92BA-23340CC8C118}"/>
+          <p:cNvPr id="45" name="Group 44">
+            <a:extLst>
+              <a:ext uri="{FF2B5EF4-FFF2-40B4-BE49-F238E27FC236}">
+                <a16:creationId xmlns:a16="http://schemas.microsoft.com/office/drawing/2014/main" id="{A30BC2A5-F59B-4F31-BE76-DA2866E372DB}"/>
               </a:ext>
             </a:extLst>
           </p:cNvPr>
@@ -18117,48 +24576,18 @@
         </p:nvGrpSpPr>
         <p:grpSpPr>
           <a:xfrm>
-            <a:off x="3882025" y="2397278"/>
-            <a:ext cx="767839" cy="903204"/>
-            <a:chOff x="1774285" y="5004845"/>
-            <a:chExt cx="767839" cy="903204"/>
+            <a:off x="766253" y="1514913"/>
+            <a:ext cx="4801709" cy="1959332"/>
+            <a:chOff x="6782540" y="3684233"/>
+            <a:chExt cx="4429957" cy="2227340"/>
           </a:xfrm>
         </p:grpSpPr>
-        <p:pic>
-          <p:nvPicPr>
-            <p:cNvPr id="3" name="Picture 2">
+        <p:sp>
+          <p:nvSpPr>
+            <p:cNvPr id="46" name="Rectangle 45">
               <a:extLst>
                 <a:ext uri="{FF2B5EF4-FFF2-40B4-BE49-F238E27FC236}">
-                  <a16:creationId xmlns:a16="http://schemas.microsoft.com/office/drawing/2014/main" id="{160E0CB6-D2A0-9B4F-918A-339AB7B73819}"/>
-                </a:ext>
-              </a:extLst>
-            </p:cNvPr>
-            <p:cNvPicPr>
-              <a:picLocks noChangeAspect="1"/>
-            </p:cNvPicPr>
-            <p:nvPr/>
-          </p:nvPicPr>
-          <p:blipFill>
-            <a:blip r:embed="rId2"/>
-            <a:stretch>
-              <a:fillRect/>
-            </a:stretch>
-          </p:blipFill>
-          <p:spPr>
-            <a:xfrm>
-              <a:off x="1807939" y="5004845"/>
-              <a:ext cx="720000" cy="720000"/>
-            </a:xfrm>
-            <a:prstGeom prst="rect">
-              <a:avLst/>
-            </a:prstGeom>
-          </p:spPr>
-        </p:pic>
-        <p:sp>
-          <p:nvSpPr>
-            <p:cNvPr id="4" name="Rechteck 44">
-              <a:extLst>
-                <a:ext uri="{FF2B5EF4-FFF2-40B4-BE49-F238E27FC236}">
-                  <a16:creationId xmlns:a16="http://schemas.microsoft.com/office/drawing/2014/main" id="{4DDFC335-3E14-C24B-9433-133EC453FE74}"/>
+                  <a16:creationId xmlns:a16="http://schemas.microsoft.com/office/drawing/2014/main" id="{F87C34EB-B609-4DDE-B5B8-B74E81C69723}"/>
                 </a:ext>
               </a:extLst>
             </p:cNvPr>
@@ -18167,118 +24596,19 @@
           </p:nvSpPr>
           <p:spPr>
             <a:xfrm>
-              <a:off x="1774285" y="5738772"/>
-              <a:ext cx="767839" cy="169277"/>
+              <a:off x="6782540" y="3684233"/>
+              <a:ext cx="4429957" cy="2227340"/>
             </a:xfrm>
             <a:prstGeom prst="rect">
               <a:avLst/>
             </a:prstGeom>
-          </p:spPr>
-          <p:txBody>
-            <a:bodyPr wrap="none" lIns="0" tIns="0" rIns="0" bIns="0">
-              <a:spAutoFit/>
-            </a:bodyPr>
-            <a:lstStyle/>
-            <a:p>
-              <a:pPr algn="ctr"/>
-              <a:r>
-                <a:rPr lang="en-US" sz="1100" b="1" dirty="0">
-                  <a:solidFill>
-                    <a:srgbClr val="427CAC"/>
-                  </a:solidFill>
-                  <a:latin typeface="Arial" charset="0"/>
-                  <a:ea typeface="Arial" charset="0"/>
-                  <a:cs typeface="Arial" charset="0"/>
-                </a:rPr>
-                <a:t>Destination</a:t>
-              </a:r>
-            </a:p>
-          </p:txBody>
-        </p:sp>
-      </p:grpSp>
-      <p:grpSp>
-        <p:nvGrpSpPr>
-          <p:cNvPr id="5" name="Group 4">
-            <a:extLst>
-              <a:ext uri="{FF2B5EF4-FFF2-40B4-BE49-F238E27FC236}">
-                <a16:creationId xmlns:a16="http://schemas.microsoft.com/office/drawing/2014/main" id="{84EB1064-65C0-4C48-80F3-BE0851929E76}"/>
-              </a:ext>
-            </a:extLst>
-          </p:cNvPr>
-          <p:cNvGrpSpPr/>
-          <p:nvPr/>
-        </p:nvGrpSpPr>
-        <p:grpSpPr>
-          <a:xfrm>
-            <a:off x="2556021" y="2478644"/>
-            <a:ext cx="448472" cy="455355"/>
-            <a:chOff x="3399740" y="3257910"/>
-            <a:chExt cx="448472" cy="455355"/>
-          </a:xfrm>
-        </p:grpSpPr>
-        <p:pic>
-          <p:nvPicPr>
-            <p:cNvPr id="6" name="Bild 36">
-              <a:extLst>
-                <a:ext uri="{FF2B5EF4-FFF2-40B4-BE49-F238E27FC236}">
-                  <a16:creationId xmlns:a16="http://schemas.microsoft.com/office/drawing/2014/main" id="{BE9DF892-9B9B-9448-ABD8-70124E977C1F}"/>
-                </a:ext>
-              </a:extLst>
-            </p:cNvPr>
-            <p:cNvPicPr>
-              <a:picLocks noChangeAspect="1"/>
-            </p:cNvPicPr>
-            <p:nvPr/>
-          </p:nvPicPr>
-          <p:blipFill>
-            <a:blip r:embed="rId3">
-              <a:extLst>
-                <a:ext uri="{28A0092B-C50C-407E-A947-70E740481C1C}">
-                  <a14:useLocalDpi xmlns:a14="http://schemas.microsoft.com/office/drawing/2010/main" val="0"/>
-                </a:ext>
-              </a:extLst>
-            </a:blip>
-            <a:stretch>
-              <a:fillRect/>
-            </a:stretch>
-          </p:blipFill>
-          <p:spPr>
-            <a:xfrm>
-              <a:off x="3471475" y="3326983"/>
-              <a:ext cx="301163" cy="301163"/>
-            </a:xfrm>
-            <a:prstGeom prst="rect">
-              <a:avLst/>
-            </a:prstGeom>
-          </p:spPr>
-        </p:pic>
-        <p:sp>
-          <p:nvSpPr>
-            <p:cNvPr id="7" name="Oval 6">
-              <a:extLst>
-                <a:ext uri="{FF2B5EF4-FFF2-40B4-BE49-F238E27FC236}">
-                  <a16:creationId xmlns:a16="http://schemas.microsoft.com/office/drawing/2014/main" id="{87BB18F7-BAAD-A547-87CB-31518EBA2823}"/>
-                </a:ext>
-              </a:extLst>
-            </p:cNvPr>
-            <p:cNvSpPr/>
-            <p:nvPr/>
-          </p:nvSpPr>
-          <p:spPr>
-            <a:xfrm>
-              <a:off x="3399740" y="3257910"/>
-              <a:ext cx="448472" cy="455355"/>
-            </a:xfrm>
-            <a:prstGeom prst="ellipse">
-              <a:avLst/>
-            </a:prstGeom>
-            <a:noFill/>
-            <a:ln w="22860">
-              <a:solidFill>
-                <a:schemeClr val="accent5">
-                  <a:lumMod val="75000"/>
-                </a:schemeClr>
-              </a:solidFill>
+            <a:solidFill>
+              <a:schemeClr val="bg1">
+                <a:lumMod val="95000"/>
+              </a:schemeClr>
+            </a:solidFill>
+            <a:ln>
+              <a:noFill/>
             </a:ln>
           </p:spPr>
           <p:style>
@@ -18302,21 +24632,3174 @@
             <a:lstStyle/>
             <a:p>
               <a:pPr algn="ctr"/>
-              <a:endParaRPr lang="en-DE"/>
+              <a:endParaRPr lang="en-US"/>
+            </a:p>
+          </p:txBody>
+        </p:sp>
+        <p:sp>
+          <p:nvSpPr>
+            <p:cNvPr id="47" name="TextBox 46">
+              <a:extLst>
+                <a:ext uri="{FF2B5EF4-FFF2-40B4-BE49-F238E27FC236}">
+                  <a16:creationId xmlns:a16="http://schemas.microsoft.com/office/drawing/2014/main" id="{444D9DCF-E224-42F8-A7EF-86677715BDFA}"/>
+                </a:ext>
+              </a:extLst>
+            </p:cNvPr>
+            <p:cNvSpPr txBox="1"/>
+            <p:nvPr/>
+          </p:nvSpPr>
+          <p:spPr>
+            <a:xfrm>
+              <a:off x="6782540" y="3684233"/>
+              <a:ext cx="1514383" cy="270633"/>
+            </a:xfrm>
+            <a:prstGeom prst="rect">
+              <a:avLst/>
+            </a:prstGeom>
+            <a:noFill/>
+            <a:ln>
+              <a:noFill/>
+            </a:ln>
+          </p:spPr>
+          <p:txBody>
+            <a:bodyPr wrap="square" rtlCol="0">
+              <a:spAutoFit/>
+            </a:bodyPr>
+            <a:lstStyle/>
+            <a:p>
+              <a:r>
+                <a:rPr lang="de-DE" sz="900"/>
+                <a:t>Partner Global Account</a:t>
+              </a:r>
+              <a:endParaRPr lang="en-US" sz="900"/>
             </a:p>
           </p:txBody>
         </p:sp>
       </p:grpSp>
+      <p:grpSp>
+        <p:nvGrpSpPr>
+          <p:cNvPr id="57" name="Group 56">
+            <a:extLst>
+              <a:ext uri="{FF2B5EF4-FFF2-40B4-BE49-F238E27FC236}">
+                <a16:creationId xmlns:a16="http://schemas.microsoft.com/office/drawing/2014/main" id="{4696581E-1F3E-4A18-B70D-084AE4208B4C}"/>
+              </a:ext>
+            </a:extLst>
+          </p:cNvPr>
+          <p:cNvGrpSpPr/>
+          <p:nvPr/>
+        </p:nvGrpSpPr>
+        <p:grpSpPr>
+          <a:xfrm>
+            <a:off x="865388" y="2152829"/>
+            <a:ext cx="4606030" cy="1066216"/>
+            <a:chOff x="6782540" y="3684233"/>
+            <a:chExt cx="3340301" cy="1218267"/>
+          </a:xfrm>
+        </p:grpSpPr>
+        <p:sp>
+          <p:nvSpPr>
+            <p:cNvPr id="58" name="Rectangle 57">
+              <a:extLst>
+                <a:ext uri="{FF2B5EF4-FFF2-40B4-BE49-F238E27FC236}">
+                  <a16:creationId xmlns:a16="http://schemas.microsoft.com/office/drawing/2014/main" id="{AE4176CD-71F6-4EDE-9084-14EE655246AC}"/>
+                </a:ext>
+              </a:extLst>
+            </p:cNvPr>
+            <p:cNvSpPr/>
+            <p:nvPr/>
+          </p:nvSpPr>
+          <p:spPr>
+            <a:xfrm>
+              <a:off x="6782541" y="3684233"/>
+              <a:ext cx="3340300" cy="1218267"/>
+            </a:xfrm>
+            <a:prstGeom prst="rect">
+              <a:avLst/>
+            </a:prstGeom>
+            <a:solidFill>
+              <a:schemeClr val="bg1">
+                <a:lumMod val="85000"/>
+              </a:schemeClr>
+            </a:solidFill>
+            <a:ln>
+              <a:noFill/>
+            </a:ln>
+          </p:spPr>
+          <p:style>
+            <a:lnRef idx="2">
+              <a:schemeClr val="accent1">
+                <a:shade val="50000"/>
+              </a:schemeClr>
+            </a:lnRef>
+            <a:fillRef idx="1">
+              <a:schemeClr val="accent1"/>
+            </a:fillRef>
+            <a:effectRef idx="0">
+              <a:schemeClr val="accent1"/>
+            </a:effectRef>
+            <a:fontRef idx="minor">
+              <a:schemeClr val="lt1"/>
+            </a:fontRef>
+          </p:style>
+          <p:txBody>
+            <a:bodyPr rtlCol="0" anchor="ctr"/>
+            <a:lstStyle/>
+            <a:p>
+              <a:pPr algn="ctr"/>
+              <a:endParaRPr lang="en-US"/>
+            </a:p>
+          </p:txBody>
+        </p:sp>
+        <p:sp>
+          <p:nvSpPr>
+            <p:cNvPr id="59" name="TextBox 58">
+              <a:extLst>
+                <a:ext uri="{FF2B5EF4-FFF2-40B4-BE49-F238E27FC236}">
+                  <a16:creationId xmlns:a16="http://schemas.microsoft.com/office/drawing/2014/main" id="{A0566B54-4D7D-4872-B6F1-FDBFFE5A3784}"/>
+                </a:ext>
+              </a:extLst>
+            </p:cNvPr>
+            <p:cNvSpPr txBox="1"/>
+            <p:nvPr/>
+          </p:nvSpPr>
+          <p:spPr>
+            <a:xfrm>
+              <a:off x="6782540" y="3684233"/>
+              <a:ext cx="1514383" cy="270633"/>
+            </a:xfrm>
+            <a:prstGeom prst="rect">
+              <a:avLst/>
+            </a:prstGeom>
+            <a:noFill/>
+          </p:spPr>
+          <p:txBody>
+            <a:bodyPr wrap="square" rtlCol="0">
+              <a:spAutoFit/>
+            </a:bodyPr>
+            <a:lstStyle/>
+            <a:p>
+              <a:r>
+                <a:rPr lang="de-DE" sz="900"/>
+                <a:t>Provider Subaccount</a:t>
+              </a:r>
+              <a:endParaRPr lang="en-US" sz="900"/>
+            </a:p>
+          </p:txBody>
+        </p:sp>
+      </p:grpSp>
+      <p:sp>
+        <p:nvSpPr>
+          <p:cNvPr id="60" name="Rectangle 59">
+            <a:extLst>
+              <a:ext uri="{FF2B5EF4-FFF2-40B4-BE49-F238E27FC236}">
+                <a16:creationId xmlns:a16="http://schemas.microsoft.com/office/drawing/2014/main" id="{3C44A3AB-1EED-4455-8500-BDCB0AC59DD4}"/>
+              </a:ext>
+            </a:extLst>
+          </p:cNvPr>
+          <p:cNvSpPr/>
+          <p:nvPr/>
+        </p:nvSpPr>
+        <p:spPr>
+          <a:xfrm>
+            <a:off x="1999152" y="2432665"/>
+            <a:ext cx="2287850" cy="594475"/>
+          </a:xfrm>
+          <a:prstGeom prst="rect">
+            <a:avLst/>
+          </a:prstGeom>
+          <a:solidFill>
+            <a:schemeClr val="accent5"/>
+          </a:solidFill>
+          <a:ln>
+            <a:noFill/>
+          </a:ln>
+        </p:spPr>
+        <p:style>
+          <a:lnRef idx="2">
+            <a:schemeClr val="accent1">
+              <a:shade val="50000"/>
+            </a:schemeClr>
+          </a:lnRef>
+          <a:fillRef idx="1">
+            <a:schemeClr val="accent1"/>
+          </a:fillRef>
+          <a:effectRef idx="0">
+            <a:schemeClr val="accent1"/>
+          </a:effectRef>
+          <a:fontRef idx="minor">
+            <a:schemeClr val="lt1"/>
+          </a:fontRef>
+        </p:style>
+        <p:txBody>
+          <a:bodyPr rtlCol="0" anchor="ctr"/>
+          <a:lstStyle/>
+          <a:p>
+            <a:pPr algn="ctr"/>
+            <a:r>
+              <a:rPr lang="de-DE" sz="800">
+                <a:solidFill>
+                  <a:schemeClr val="bg1"/>
+                </a:solidFill>
+              </a:rPr>
+              <a:t>Business Application</a:t>
+            </a:r>
+            <a:endParaRPr lang="en-US">
+              <a:solidFill>
+                <a:schemeClr val="bg1"/>
+              </a:solidFill>
+            </a:endParaRPr>
+          </a:p>
+        </p:txBody>
+      </p:sp>
+      <p:sp>
+        <p:nvSpPr>
+          <p:cNvPr id="62" name="Rectangle 61">
+            <a:extLst>
+              <a:ext uri="{FF2B5EF4-FFF2-40B4-BE49-F238E27FC236}">
+                <a16:creationId xmlns:a16="http://schemas.microsoft.com/office/drawing/2014/main" id="{B793D3CD-9431-4115-88F9-6623160C60BB}"/>
+              </a:ext>
+            </a:extLst>
+          </p:cNvPr>
+          <p:cNvSpPr/>
+          <p:nvPr/>
+        </p:nvSpPr>
+        <p:spPr>
+          <a:xfrm>
+            <a:off x="907312" y="3954345"/>
+            <a:ext cx="630235" cy="480101"/>
+          </a:xfrm>
+          <a:prstGeom prst="rect">
+            <a:avLst/>
+          </a:prstGeom>
+          <a:solidFill>
+            <a:schemeClr val="bg1">
+              <a:lumMod val="85000"/>
+            </a:schemeClr>
+          </a:solidFill>
+          <a:ln>
+            <a:noFill/>
+          </a:ln>
+        </p:spPr>
+        <p:style>
+          <a:lnRef idx="2">
+            <a:schemeClr val="accent1">
+              <a:shade val="50000"/>
+            </a:schemeClr>
+          </a:lnRef>
+          <a:fillRef idx="1">
+            <a:schemeClr val="accent1"/>
+          </a:fillRef>
+          <a:effectRef idx="0">
+            <a:schemeClr val="accent1"/>
+          </a:effectRef>
+          <a:fontRef idx="minor">
+            <a:schemeClr val="lt1"/>
+          </a:fontRef>
+        </p:style>
+        <p:txBody>
+          <a:bodyPr rtlCol="0" anchor="ctr"/>
+          <a:lstStyle/>
+          <a:p>
+            <a:pPr algn="ctr"/>
+            <a:r>
+              <a:rPr lang="de-DE" sz="800">
+                <a:solidFill>
+                  <a:schemeClr val="tx1"/>
+                </a:solidFill>
+              </a:rPr>
+              <a:t>Customer</a:t>
+            </a:r>
+          </a:p>
+        </p:txBody>
+      </p:sp>
+      <p:cxnSp>
+        <p:nvCxnSpPr>
+          <p:cNvPr id="64" name="Straight Arrow Connector 63">
+            <a:extLst>
+              <a:ext uri="{FF2B5EF4-FFF2-40B4-BE49-F238E27FC236}">
+                <a16:creationId xmlns:a16="http://schemas.microsoft.com/office/drawing/2014/main" id="{B508E031-645E-441A-8AC9-84BAF9E611AE}"/>
+              </a:ext>
+            </a:extLst>
+          </p:cNvPr>
+          <p:cNvCxnSpPr>
+            <a:cxnSpLocks/>
+            <a:stCxn id="62" idx="0"/>
+          </p:cNvCxnSpPr>
+          <p:nvPr/>
+        </p:nvCxnSpPr>
+        <p:spPr>
+          <a:xfrm flipV="1">
+            <a:off x="1222430" y="3070121"/>
+            <a:ext cx="919608" cy="884224"/>
+          </a:xfrm>
+          <a:prstGeom prst="straightConnector1">
+            <a:avLst/>
+          </a:prstGeom>
+          <a:ln w="15875">
+            <a:solidFill>
+              <a:schemeClr val="tx1"/>
+            </a:solidFill>
+            <a:tailEnd type="triangle" w="sm" len="sm"/>
+          </a:ln>
+        </p:spPr>
+        <p:style>
+          <a:lnRef idx="1">
+            <a:schemeClr val="accent1"/>
+          </a:lnRef>
+          <a:fillRef idx="0">
+            <a:schemeClr val="accent1"/>
+          </a:fillRef>
+          <a:effectRef idx="0">
+            <a:schemeClr val="accent1"/>
+          </a:effectRef>
+          <a:fontRef idx="minor">
+            <a:schemeClr val="tx1"/>
+          </a:fontRef>
+        </p:style>
+      </p:cxnSp>
+      <p:sp>
+        <p:nvSpPr>
+          <p:cNvPr id="91" name="Rectangle 90">
+            <a:extLst>
+              <a:ext uri="{FF2B5EF4-FFF2-40B4-BE49-F238E27FC236}">
+                <a16:creationId xmlns:a16="http://schemas.microsoft.com/office/drawing/2014/main" id="{0FB9D354-A161-4DAA-A8C3-3FF6C07BB1A4}"/>
+              </a:ext>
+            </a:extLst>
+          </p:cNvPr>
+          <p:cNvSpPr/>
+          <p:nvPr/>
+        </p:nvSpPr>
+        <p:spPr>
+          <a:xfrm>
+            <a:off x="4770675" y="3976650"/>
+            <a:ext cx="630233" cy="480101"/>
+          </a:xfrm>
+          <a:prstGeom prst="rect">
+            <a:avLst/>
+          </a:prstGeom>
+          <a:solidFill>
+            <a:schemeClr val="bg1">
+              <a:lumMod val="85000"/>
+            </a:schemeClr>
+          </a:solidFill>
+          <a:ln>
+            <a:noFill/>
+          </a:ln>
+        </p:spPr>
+        <p:style>
+          <a:lnRef idx="2">
+            <a:schemeClr val="accent1">
+              <a:shade val="50000"/>
+            </a:schemeClr>
+          </a:lnRef>
+          <a:fillRef idx="1">
+            <a:schemeClr val="accent1"/>
+          </a:fillRef>
+          <a:effectRef idx="0">
+            <a:schemeClr val="accent1"/>
+          </a:effectRef>
+          <a:fontRef idx="minor">
+            <a:schemeClr val="lt1"/>
+          </a:fontRef>
+        </p:style>
+        <p:txBody>
+          <a:bodyPr rtlCol="0" anchor="ctr"/>
+          <a:lstStyle/>
+          <a:p>
+            <a:pPr algn="ctr"/>
+            <a:r>
+              <a:rPr lang="de-DE" sz="800">
+                <a:solidFill>
+                  <a:schemeClr val="tx1"/>
+                </a:solidFill>
+              </a:rPr>
+              <a:t>Customer</a:t>
+            </a:r>
+          </a:p>
+        </p:txBody>
+      </p:sp>
+      <p:cxnSp>
+        <p:nvCxnSpPr>
+          <p:cNvPr id="92" name="Straight Arrow Connector 91">
+            <a:extLst>
+              <a:ext uri="{FF2B5EF4-FFF2-40B4-BE49-F238E27FC236}">
+                <a16:creationId xmlns:a16="http://schemas.microsoft.com/office/drawing/2014/main" id="{E2F82BEF-2245-4D05-8939-E67EA567B11F}"/>
+              </a:ext>
+            </a:extLst>
+          </p:cNvPr>
+          <p:cNvCxnSpPr>
+            <a:cxnSpLocks/>
+            <a:stCxn id="134" idx="0"/>
+          </p:cNvCxnSpPr>
+          <p:nvPr/>
+        </p:nvCxnSpPr>
+        <p:spPr>
+          <a:xfrm flipV="1">
+            <a:off x="1992980" y="3079996"/>
+            <a:ext cx="544947" cy="874349"/>
+          </a:xfrm>
+          <a:prstGeom prst="straightConnector1">
+            <a:avLst/>
+          </a:prstGeom>
+          <a:ln w="15875">
+            <a:solidFill>
+              <a:schemeClr val="tx1"/>
+            </a:solidFill>
+            <a:tailEnd type="triangle" w="sm" len="sm"/>
+          </a:ln>
+        </p:spPr>
+        <p:style>
+          <a:lnRef idx="1">
+            <a:schemeClr val="accent1"/>
+          </a:lnRef>
+          <a:fillRef idx="0">
+            <a:schemeClr val="accent1"/>
+          </a:fillRef>
+          <a:effectRef idx="0">
+            <a:schemeClr val="accent1"/>
+          </a:effectRef>
+          <a:fontRef idx="minor">
+            <a:schemeClr val="tx1"/>
+          </a:fontRef>
+        </p:style>
+      </p:cxnSp>
+      <p:cxnSp>
+        <p:nvCxnSpPr>
+          <p:cNvPr id="96" name="Straight Arrow Connector 95">
+            <a:extLst>
+              <a:ext uri="{FF2B5EF4-FFF2-40B4-BE49-F238E27FC236}">
+                <a16:creationId xmlns:a16="http://schemas.microsoft.com/office/drawing/2014/main" id="{7C85B675-5DA4-4021-85A6-753F785352FC}"/>
+              </a:ext>
+            </a:extLst>
+          </p:cNvPr>
+          <p:cNvCxnSpPr>
+            <a:cxnSpLocks/>
+            <a:stCxn id="91" idx="0"/>
+          </p:cNvCxnSpPr>
+          <p:nvPr/>
+        </p:nvCxnSpPr>
+        <p:spPr>
+          <a:xfrm flipH="1" flipV="1">
+            <a:off x="4104653" y="3070121"/>
+            <a:ext cx="981139" cy="906529"/>
+          </a:xfrm>
+          <a:prstGeom prst="straightConnector1">
+            <a:avLst/>
+          </a:prstGeom>
+          <a:ln w="15875">
+            <a:solidFill>
+              <a:schemeClr val="tx1"/>
+            </a:solidFill>
+            <a:tailEnd type="triangle" w="sm" len="sm"/>
+          </a:ln>
+        </p:spPr>
+        <p:style>
+          <a:lnRef idx="1">
+            <a:schemeClr val="accent1"/>
+          </a:lnRef>
+          <a:fillRef idx="0">
+            <a:schemeClr val="accent1"/>
+          </a:fillRef>
+          <a:effectRef idx="0">
+            <a:schemeClr val="accent1"/>
+          </a:effectRef>
+          <a:fontRef idx="minor">
+            <a:schemeClr val="tx1"/>
+          </a:fontRef>
+        </p:style>
+      </p:cxnSp>
+      <p:sp>
+        <p:nvSpPr>
+          <p:cNvPr id="99" name="Rectangle 98">
+            <a:extLst>
+              <a:ext uri="{FF2B5EF4-FFF2-40B4-BE49-F238E27FC236}">
+                <a16:creationId xmlns:a16="http://schemas.microsoft.com/office/drawing/2014/main" id="{CF41CFB9-0CD8-433E-802A-61A4DD7A28EB}"/>
+              </a:ext>
+            </a:extLst>
+          </p:cNvPr>
+          <p:cNvSpPr/>
+          <p:nvPr/>
+        </p:nvSpPr>
+        <p:spPr>
+          <a:xfrm>
+            <a:off x="1999152" y="1744305"/>
+            <a:ext cx="2287850" cy="289955"/>
+          </a:xfrm>
+          <a:prstGeom prst="rect">
+            <a:avLst/>
+          </a:prstGeom>
+          <a:solidFill>
+            <a:schemeClr val="accent5"/>
+          </a:solidFill>
+          <a:ln>
+            <a:noFill/>
+          </a:ln>
+        </p:spPr>
+        <p:style>
+          <a:lnRef idx="2">
+            <a:schemeClr val="accent1">
+              <a:shade val="50000"/>
+            </a:schemeClr>
+          </a:lnRef>
+          <a:fillRef idx="1">
+            <a:schemeClr val="accent1"/>
+          </a:fillRef>
+          <a:effectRef idx="0">
+            <a:schemeClr val="accent1"/>
+          </a:effectRef>
+          <a:fontRef idx="minor">
+            <a:schemeClr val="lt1"/>
+          </a:fontRef>
+        </p:style>
+        <p:txBody>
+          <a:bodyPr rtlCol="0" anchor="ctr"/>
+          <a:lstStyle/>
+          <a:p>
+            <a:pPr algn="ctr"/>
+            <a:r>
+              <a:rPr lang="de-DE" sz="800">
+                <a:solidFill>
+                  <a:schemeClr val="bg1"/>
+                </a:solidFill>
+              </a:rPr>
+              <a:t>S/4 Hana</a:t>
+            </a:r>
+            <a:endParaRPr lang="en-US">
+              <a:solidFill>
+                <a:schemeClr val="bg1"/>
+              </a:solidFill>
+            </a:endParaRPr>
+          </a:p>
+        </p:txBody>
+      </p:sp>
+      <p:cxnSp>
+        <p:nvCxnSpPr>
+          <p:cNvPr id="101" name="Straight Connector 100">
+            <a:extLst>
+              <a:ext uri="{FF2B5EF4-FFF2-40B4-BE49-F238E27FC236}">
+                <a16:creationId xmlns:a16="http://schemas.microsoft.com/office/drawing/2014/main" id="{D3679DB6-9808-4D03-ACAE-0D2FA71F42CA}"/>
+              </a:ext>
+            </a:extLst>
+          </p:cNvPr>
+          <p:cNvCxnSpPr>
+            <a:cxnSpLocks/>
+            <a:stCxn id="99" idx="2"/>
+            <a:endCxn id="60" idx="0"/>
+          </p:cNvCxnSpPr>
+          <p:nvPr/>
+        </p:nvCxnSpPr>
+        <p:spPr>
+          <a:xfrm>
+            <a:off x="3143077" y="2034260"/>
+            <a:ext cx="0" cy="398405"/>
+          </a:xfrm>
+          <a:prstGeom prst="line">
+            <a:avLst/>
+          </a:prstGeom>
+          <a:ln>
+            <a:solidFill>
+              <a:schemeClr val="tx1"/>
+            </a:solidFill>
+          </a:ln>
+        </p:spPr>
+        <p:style>
+          <a:lnRef idx="1">
+            <a:schemeClr val="accent1"/>
+          </a:lnRef>
+          <a:fillRef idx="0">
+            <a:schemeClr val="accent1"/>
+          </a:fillRef>
+          <a:effectRef idx="0">
+            <a:schemeClr val="accent1"/>
+          </a:effectRef>
+          <a:fontRef idx="minor">
+            <a:schemeClr val="tx1"/>
+          </a:fontRef>
+        </p:style>
+      </p:cxnSp>
+      <p:grpSp>
+        <p:nvGrpSpPr>
+          <p:cNvPr id="104" name="Group 103">
+            <a:extLst>
+              <a:ext uri="{FF2B5EF4-FFF2-40B4-BE49-F238E27FC236}">
+                <a16:creationId xmlns:a16="http://schemas.microsoft.com/office/drawing/2014/main" id="{5756E217-9300-45C2-B3B7-44D26A130CDC}"/>
+              </a:ext>
+            </a:extLst>
+          </p:cNvPr>
+          <p:cNvGrpSpPr/>
+          <p:nvPr/>
+        </p:nvGrpSpPr>
+        <p:grpSpPr>
+          <a:xfrm>
+            <a:off x="6486188" y="1514913"/>
+            <a:ext cx="4801709" cy="2439432"/>
+            <a:chOff x="6782540" y="3684233"/>
+            <a:chExt cx="4429957" cy="2227340"/>
+          </a:xfrm>
+        </p:grpSpPr>
+        <p:sp>
+          <p:nvSpPr>
+            <p:cNvPr id="105" name="Rectangle 104">
+              <a:extLst>
+                <a:ext uri="{FF2B5EF4-FFF2-40B4-BE49-F238E27FC236}">
+                  <a16:creationId xmlns:a16="http://schemas.microsoft.com/office/drawing/2014/main" id="{8B048AF5-0A66-4D7D-8B23-5EE7DBE410AB}"/>
+                </a:ext>
+              </a:extLst>
+            </p:cNvPr>
+            <p:cNvSpPr/>
+            <p:nvPr/>
+          </p:nvSpPr>
+          <p:spPr>
+            <a:xfrm>
+              <a:off x="6782540" y="3684233"/>
+              <a:ext cx="4429957" cy="2227340"/>
+            </a:xfrm>
+            <a:prstGeom prst="rect">
+              <a:avLst/>
+            </a:prstGeom>
+            <a:solidFill>
+              <a:schemeClr val="bg1">
+                <a:lumMod val="95000"/>
+              </a:schemeClr>
+            </a:solidFill>
+            <a:ln>
+              <a:noFill/>
+            </a:ln>
+          </p:spPr>
+          <p:style>
+            <a:lnRef idx="2">
+              <a:schemeClr val="accent1">
+                <a:shade val="50000"/>
+              </a:schemeClr>
+            </a:lnRef>
+            <a:fillRef idx="1">
+              <a:schemeClr val="accent1"/>
+            </a:fillRef>
+            <a:effectRef idx="0">
+              <a:schemeClr val="accent1"/>
+            </a:effectRef>
+            <a:fontRef idx="minor">
+              <a:schemeClr val="lt1"/>
+            </a:fontRef>
+          </p:style>
+          <p:txBody>
+            <a:bodyPr rtlCol="0" anchor="ctr"/>
+            <a:lstStyle/>
+            <a:p>
+              <a:pPr algn="ctr"/>
+              <a:endParaRPr lang="en-US"/>
+            </a:p>
+          </p:txBody>
+        </p:sp>
+        <p:sp>
+          <p:nvSpPr>
+            <p:cNvPr id="106" name="TextBox 105">
+              <a:extLst>
+                <a:ext uri="{FF2B5EF4-FFF2-40B4-BE49-F238E27FC236}">
+                  <a16:creationId xmlns:a16="http://schemas.microsoft.com/office/drawing/2014/main" id="{55E43014-17E0-44C0-A8F7-34D30218ED21}"/>
+                </a:ext>
+              </a:extLst>
+            </p:cNvPr>
+            <p:cNvSpPr txBox="1"/>
+            <p:nvPr/>
+          </p:nvSpPr>
+          <p:spPr>
+            <a:xfrm>
+              <a:off x="6782540" y="3684233"/>
+              <a:ext cx="1514383" cy="270633"/>
+            </a:xfrm>
+            <a:prstGeom prst="rect">
+              <a:avLst/>
+            </a:prstGeom>
+            <a:noFill/>
+            <a:ln>
+              <a:noFill/>
+            </a:ln>
+          </p:spPr>
+          <p:txBody>
+            <a:bodyPr wrap="square" rtlCol="0">
+              <a:spAutoFit/>
+            </a:bodyPr>
+            <a:lstStyle/>
+            <a:p>
+              <a:r>
+                <a:rPr lang="de-DE" sz="900"/>
+                <a:t>Partner Global Account</a:t>
+              </a:r>
+              <a:endParaRPr lang="en-US" sz="900"/>
+            </a:p>
+          </p:txBody>
+        </p:sp>
+      </p:grpSp>
+      <p:grpSp>
+        <p:nvGrpSpPr>
+          <p:cNvPr id="107" name="Group 106">
+            <a:extLst>
+              <a:ext uri="{FF2B5EF4-FFF2-40B4-BE49-F238E27FC236}">
+                <a16:creationId xmlns:a16="http://schemas.microsoft.com/office/drawing/2014/main" id="{6463BFF3-45E0-47AE-AB66-284953867D8F}"/>
+              </a:ext>
+            </a:extLst>
+          </p:cNvPr>
+          <p:cNvGrpSpPr/>
+          <p:nvPr/>
+        </p:nvGrpSpPr>
+        <p:grpSpPr>
+          <a:xfrm>
+            <a:off x="6585323" y="2152829"/>
+            <a:ext cx="4606030" cy="1066216"/>
+            <a:chOff x="6782540" y="3684233"/>
+            <a:chExt cx="3340301" cy="1218267"/>
+          </a:xfrm>
+        </p:grpSpPr>
+        <p:sp>
+          <p:nvSpPr>
+            <p:cNvPr id="108" name="Rectangle 107">
+              <a:extLst>
+                <a:ext uri="{FF2B5EF4-FFF2-40B4-BE49-F238E27FC236}">
+                  <a16:creationId xmlns:a16="http://schemas.microsoft.com/office/drawing/2014/main" id="{1FF79291-BFBA-414D-AC76-14BDF7F99F65}"/>
+                </a:ext>
+              </a:extLst>
+            </p:cNvPr>
+            <p:cNvSpPr/>
+            <p:nvPr/>
+          </p:nvSpPr>
+          <p:spPr>
+            <a:xfrm>
+              <a:off x="6782541" y="3684233"/>
+              <a:ext cx="3340300" cy="1218267"/>
+            </a:xfrm>
+            <a:prstGeom prst="rect">
+              <a:avLst/>
+            </a:prstGeom>
+            <a:solidFill>
+              <a:schemeClr val="bg1">
+                <a:lumMod val="85000"/>
+              </a:schemeClr>
+            </a:solidFill>
+            <a:ln>
+              <a:noFill/>
+            </a:ln>
+          </p:spPr>
+          <p:style>
+            <a:lnRef idx="2">
+              <a:schemeClr val="accent1">
+                <a:shade val="50000"/>
+              </a:schemeClr>
+            </a:lnRef>
+            <a:fillRef idx="1">
+              <a:schemeClr val="accent1"/>
+            </a:fillRef>
+            <a:effectRef idx="0">
+              <a:schemeClr val="accent1"/>
+            </a:effectRef>
+            <a:fontRef idx="minor">
+              <a:schemeClr val="lt1"/>
+            </a:fontRef>
+          </p:style>
+          <p:txBody>
+            <a:bodyPr rtlCol="0" anchor="ctr"/>
+            <a:lstStyle/>
+            <a:p>
+              <a:pPr algn="ctr"/>
+              <a:endParaRPr lang="en-US"/>
+            </a:p>
+          </p:txBody>
+        </p:sp>
+        <p:sp>
+          <p:nvSpPr>
+            <p:cNvPr id="109" name="TextBox 108">
+              <a:extLst>
+                <a:ext uri="{FF2B5EF4-FFF2-40B4-BE49-F238E27FC236}">
+                  <a16:creationId xmlns:a16="http://schemas.microsoft.com/office/drawing/2014/main" id="{E4C6E554-860C-49A7-AB37-4476D0E72693}"/>
+                </a:ext>
+              </a:extLst>
+            </p:cNvPr>
+            <p:cNvSpPr txBox="1"/>
+            <p:nvPr/>
+          </p:nvSpPr>
+          <p:spPr>
+            <a:xfrm>
+              <a:off x="6782540" y="3684233"/>
+              <a:ext cx="1514383" cy="270633"/>
+            </a:xfrm>
+            <a:prstGeom prst="rect">
+              <a:avLst/>
+            </a:prstGeom>
+            <a:noFill/>
+          </p:spPr>
+          <p:txBody>
+            <a:bodyPr wrap="square" rtlCol="0">
+              <a:spAutoFit/>
+            </a:bodyPr>
+            <a:lstStyle/>
+            <a:p>
+              <a:r>
+                <a:rPr lang="de-DE" sz="900"/>
+                <a:t>Provider Subaccount</a:t>
+              </a:r>
+              <a:endParaRPr lang="en-US" sz="900"/>
+            </a:p>
+          </p:txBody>
+        </p:sp>
+      </p:grpSp>
+      <p:sp>
+        <p:nvSpPr>
+          <p:cNvPr id="110" name="Rectangle 109">
+            <a:extLst>
+              <a:ext uri="{FF2B5EF4-FFF2-40B4-BE49-F238E27FC236}">
+                <a16:creationId xmlns:a16="http://schemas.microsoft.com/office/drawing/2014/main" id="{9987B842-8E1A-48EF-9F1C-3DF2F671F8CD}"/>
+              </a:ext>
+            </a:extLst>
+          </p:cNvPr>
+          <p:cNvSpPr/>
+          <p:nvPr/>
+        </p:nvSpPr>
+        <p:spPr>
+          <a:xfrm>
+            <a:off x="7719087" y="2432665"/>
+            <a:ext cx="2287850" cy="594475"/>
+          </a:xfrm>
+          <a:prstGeom prst="rect">
+            <a:avLst/>
+          </a:prstGeom>
+          <a:solidFill>
+            <a:schemeClr val="accent5"/>
+          </a:solidFill>
+          <a:ln>
+            <a:noFill/>
+          </a:ln>
+        </p:spPr>
+        <p:style>
+          <a:lnRef idx="2">
+            <a:schemeClr val="accent1">
+              <a:shade val="50000"/>
+            </a:schemeClr>
+          </a:lnRef>
+          <a:fillRef idx="1">
+            <a:schemeClr val="accent1"/>
+          </a:fillRef>
+          <a:effectRef idx="0">
+            <a:schemeClr val="accent1"/>
+          </a:effectRef>
+          <a:fontRef idx="minor">
+            <a:schemeClr val="lt1"/>
+          </a:fontRef>
+        </p:style>
+        <p:txBody>
+          <a:bodyPr rtlCol="0" anchor="ctr"/>
+          <a:lstStyle/>
+          <a:p>
+            <a:pPr algn="ctr"/>
+            <a:r>
+              <a:rPr lang="de-DE" sz="800">
+                <a:solidFill>
+                  <a:schemeClr val="bg1"/>
+                </a:solidFill>
+              </a:rPr>
+              <a:t>Extension</a:t>
+            </a:r>
+            <a:endParaRPr lang="en-US">
+              <a:solidFill>
+                <a:schemeClr val="bg1"/>
+              </a:solidFill>
+            </a:endParaRPr>
+          </a:p>
+        </p:txBody>
+      </p:sp>
+      <p:sp>
+        <p:nvSpPr>
+          <p:cNvPr id="111" name="Rectangle 110">
+            <a:extLst>
+              <a:ext uri="{FF2B5EF4-FFF2-40B4-BE49-F238E27FC236}">
+                <a16:creationId xmlns:a16="http://schemas.microsoft.com/office/drawing/2014/main" id="{3F344215-5588-4F5A-BE89-0370F21A1704}"/>
+              </a:ext>
+            </a:extLst>
+          </p:cNvPr>
+          <p:cNvSpPr/>
+          <p:nvPr/>
+        </p:nvSpPr>
+        <p:spPr>
+          <a:xfrm>
+            <a:off x="6534330" y="4850960"/>
+            <a:ext cx="779874" cy="480101"/>
+          </a:xfrm>
+          <a:prstGeom prst="rect">
+            <a:avLst/>
+          </a:prstGeom>
+          <a:solidFill>
+            <a:schemeClr val="bg1">
+              <a:lumMod val="85000"/>
+            </a:schemeClr>
+          </a:solidFill>
+          <a:ln>
+            <a:noFill/>
+          </a:ln>
+        </p:spPr>
+        <p:style>
+          <a:lnRef idx="2">
+            <a:schemeClr val="accent1">
+              <a:shade val="50000"/>
+            </a:schemeClr>
+          </a:lnRef>
+          <a:fillRef idx="1">
+            <a:schemeClr val="accent1"/>
+          </a:fillRef>
+          <a:effectRef idx="0">
+            <a:schemeClr val="accent1"/>
+          </a:effectRef>
+          <a:fontRef idx="minor">
+            <a:schemeClr val="lt1"/>
+          </a:fontRef>
+        </p:style>
+        <p:txBody>
+          <a:bodyPr rtlCol="0" anchor="ctr"/>
+          <a:lstStyle/>
+          <a:p>
+            <a:pPr algn="ctr"/>
+            <a:r>
+              <a:rPr lang="de-DE" sz="800">
+                <a:solidFill>
+                  <a:schemeClr val="tx1"/>
+                </a:solidFill>
+              </a:rPr>
+              <a:t>Customer</a:t>
+            </a:r>
+          </a:p>
+        </p:txBody>
+      </p:sp>
+      <p:cxnSp>
+        <p:nvCxnSpPr>
+          <p:cNvPr id="112" name="Straight Arrow Connector 111">
+            <a:extLst>
+              <a:ext uri="{FF2B5EF4-FFF2-40B4-BE49-F238E27FC236}">
+                <a16:creationId xmlns:a16="http://schemas.microsoft.com/office/drawing/2014/main" id="{27511C64-9246-4A0A-9B75-87FFB82C4280}"/>
+              </a:ext>
+            </a:extLst>
+          </p:cNvPr>
+          <p:cNvCxnSpPr>
+            <a:cxnSpLocks/>
+          </p:cNvCxnSpPr>
+          <p:nvPr/>
+        </p:nvCxnSpPr>
+        <p:spPr>
+          <a:xfrm flipV="1">
+            <a:off x="7145463" y="3027140"/>
+            <a:ext cx="978266" cy="334023"/>
+          </a:xfrm>
+          <a:prstGeom prst="straightConnector1">
+            <a:avLst/>
+          </a:prstGeom>
+          <a:ln w="15875">
+            <a:solidFill>
+              <a:schemeClr val="tx1"/>
+            </a:solidFill>
+            <a:tailEnd type="triangle" w="sm" len="sm"/>
+          </a:ln>
+        </p:spPr>
+        <p:style>
+          <a:lnRef idx="1">
+            <a:schemeClr val="accent1"/>
+          </a:lnRef>
+          <a:fillRef idx="0">
+            <a:schemeClr val="accent1"/>
+          </a:fillRef>
+          <a:effectRef idx="0">
+            <a:schemeClr val="accent1"/>
+          </a:effectRef>
+          <a:fontRef idx="minor">
+            <a:schemeClr val="tx1"/>
+          </a:fontRef>
+        </p:style>
+      </p:cxnSp>
+      <p:sp>
+        <p:nvSpPr>
+          <p:cNvPr id="113" name="Rectangle 112">
+            <a:extLst>
+              <a:ext uri="{FF2B5EF4-FFF2-40B4-BE49-F238E27FC236}">
+                <a16:creationId xmlns:a16="http://schemas.microsoft.com/office/drawing/2014/main" id="{87BDE466-E2D4-4641-9CBB-8832DF601D5A}"/>
+              </a:ext>
+            </a:extLst>
+          </p:cNvPr>
+          <p:cNvSpPr/>
+          <p:nvPr/>
+        </p:nvSpPr>
+        <p:spPr>
+          <a:xfrm>
+            <a:off x="8242756" y="4850960"/>
+            <a:ext cx="779874" cy="480101"/>
+          </a:xfrm>
+          <a:prstGeom prst="rect">
+            <a:avLst/>
+          </a:prstGeom>
+          <a:solidFill>
+            <a:schemeClr val="bg1">
+              <a:lumMod val="85000"/>
+            </a:schemeClr>
+          </a:solidFill>
+          <a:ln>
+            <a:noFill/>
+          </a:ln>
+        </p:spPr>
+        <p:style>
+          <a:lnRef idx="2">
+            <a:schemeClr val="accent1">
+              <a:shade val="50000"/>
+            </a:schemeClr>
+          </a:lnRef>
+          <a:fillRef idx="1">
+            <a:schemeClr val="accent1"/>
+          </a:fillRef>
+          <a:effectRef idx="0">
+            <a:schemeClr val="accent1"/>
+          </a:effectRef>
+          <a:fontRef idx="minor">
+            <a:schemeClr val="lt1"/>
+          </a:fontRef>
+        </p:style>
+        <p:txBody>
+          <a:bodyPr rtlCol="0" anchor="ctr"/>
+          <a:lstStyle/>
+          <a:p>
+            <a:pPr algn="ctr"/>
+            <a:r>
+              <a:rPr lang="de-DE" sz="800">
+                <a:solidFill>
+                  <a:schemeClr val="tx1"/>
+                </a:solidFill>
+              </a:rPr>
+              <a:t>Customer</a:t>
+            </a:r>
+          </a:p>
+        </p:txBody>
+      </p:sp>
+      <p:sp>
+        <p:nvSpPr>
+          <p:cNvPr id="114" name="Rectangle 113">
+            <a:extLst>
+              <a:ext uri="{FF2B5EF4-FFF2-40B4-BE49-F238E27FC236}">
+                <a16:creationId xmlns:a16="http://schemas.microsoft.com/office/drawing/2014/main" id="{8EDC138A-AC7D-451C-9F2A-AA2777ACE482}"/>
+              </a:ext>
+            </a:extLst>
+          </p:cNvPr>
+          <p:cNvSpPr/>
+          <p:nvPr/>
+        </p:nvSpPr>
+        <p:spPr>
+          <a:xfrm>
+            <a:off x="9951182" y="4850960"/>
+            <a:ext cx="779874" cy="480101"/>
+          </a:xfrm>
+          <a:prstGeom prst="rect">
+            <a:avLst/>
+          </a:prstGeom>
+          <a:solidFill>
+            <a:schemeClr val="bg1">
+              <a:lumMod val="85000"/>
+            </a:schemeClr>
+          </a:solidFill>
+          <a:ln>
+            <a:noFill/>
+          </a:ln>
+        </p:spPr>
+        <p:style>
+          <a:lnRef idx="2">
+            <a:schemeClr val="accent1">
+              <a:shade val="50000"/>
+            </a:schemeClr>
+          </a:lnRef>
+          <a:fillRef idx="1">
+            <a:schemeClr val="accent1"/>
+          </a:fillRef>
+          <a:effectRef idx="0">
+            <a:schemeClr val="accent1"/>
+          </a:effectRef>
+          <a:fontRef idx="minor">
+            <a:schemeClr val="lt1"/>
+          </a:fontRef>
+        </p:style>
+        <p:txBody>
+          <a:bodyPr rtlCol="0" anchor="ctr"/>
+          <a:lstStyle/>
+          <a:p>
+            <a:pPr algn="ctr"/>
+            <a:r>
+              <a:rPr lang="de-DE" sz="800">
+                <a:solidFill>
+                  <a:schemeClr val="tx1"/>
+                </a:solidFill>
+              </a:rPr>
+              <a:t>Customer</a:t>
+            </a:r>
+          </a:p>
+        </p:txBody>
+      </p:sp>
+      <p:cxnSp>
+        <p:nvCxnSpPr>
+          <p:cNvPr id="115" name="Straight Arrow Connector 114">
+            <a:extLst>
+              <a:ext uri="{FF2B5EF4-FFF2-40B4-BE49-F238E27FC236}">
+                <a16:creationId xmlns:a16="http://schemas.microsoft.com/office/drawing/2014/main" id="{90DB8EDF-DD72-48AD-9B68-1B3DE9686368}"/>
+              </a:ext>
+            </a:extLst>
+          </p:cNvPr>
+          <p:cNvCxnSpPr>
+            <a:cxnSpLocks/>
+            <a:stCxn id="176" idx="0"/>
+            <a:endCxn id="110" idx="2"/>
+          </p:cNvCxnSpPr>
+          <p:nvPr/>
+        </p:nvCxnSpPr>
+        <p:spPr>
+          <a:xfrm flipH="1" flipV="1">
+            <a:off x="8863012" y="3027140"/>
+            <a:ext cx="9123" cy="341673"/>
+          </a:xfrm>
+          <a:prstGeom prst="straightConnector1">
+            <a:avLst/>
+          </a:prstGeom>
+          <a:ln w="15875">
+            <a:solidFill>
+              <a:schemeClr val="tx1"/>
+            </a:solidFill>
+            <a:tailEnd type="triangle" w="sm" len="sm"/>
+          </a:ln>
+        </p:spPr>
+        <p:style>
+          <a:lnRef idx="1">
+            <a:schemeClr val="accent1"/>
+          </a:lnRef>
+          <a:fillRef idx="0">
+            <a:schemeClr val="accent1"/>
+          </a:fillRef>
+          <a:effectRef idx="0">
+            <a:schemeClr val="accent1"/>
+          </a:effectRef>
+          <a:fontRef idx="minor">
+            <a:schemeClr val="tx1"/>
+          </a:fontRef>
+        </p:style>
+      </p:cxnSp>
+      <p:cxnSp>
+        <p:nvCxnSpPr>
+          <p:cNvPr id="116" name="Straight Arrow Connector 115">
+            <a:extLst>
+              <a:ext uri="{FF2B5EF4-FFF2-40B4-BE49-F238E27FC236}">
+                <a16:creationId xmlns:a16="http://schemas.microsoft.com/office/drawing/2014/main" id="{8CBFF1F6-E54C-4209-9EB9-73EE050857FD}"/>
+              </a:ext>
+            </a:extLst>
+          </p:cNvPr>
+          <p:cNvCxnSpPr>
+            <a:cxnSpLocks/>
+            <a:stCxn id="177" idx="0"/>
+          </p:cNvCxnSpPr>
+          <p:nvPr/>
+        </p:nvCxnSpPr>
+        <p:spPr>
+          <a:xfrm flipH="1" flipV="1">
+            <a:off x="9631563" y="3027141"/>
+            <a:ext cx="948998" cy="341672"/>
+          </a:xfrm>
+          <a:prstGeom prst="straightConnector1">
+            <a:avLst/>
+          </a:prstGeom>
+          <a:ln w="15875">
+            <a:solidFill>
+              <a:schemeClr val="tx1"/>
+            </a:solidFill>
+            <a:tailEnd type="triangle" w="sm" len="sm"/>
+          </a:ln>
+        </p:spPr>
+        <p:style>
+          <a:lnRef idx="1">
+            <a:schemeClr val="accent1"/>
+          </a:lnRef>
+          <a:fillRef idx="0">
+            <a:schemeClr val="accent1"/>
+          </a:fillRef>
+          <a:effectRef idx="0">
+            <a:schemeClr val="accent1"/>
+          </a:effectRef>
+          <a:fontRef idx="minor">
+            <a:schemeClr val="tx1"/>
+          </a:fontRef>
+        </p:style>
+      </p:cxnSp>
+      <p:sp>
+        <p:nvSpPr>
+          <p:cNvPr id="134" name="Rectangle 133">
+            <a:extLst>
+              <a:ext uri="{FF2B5EF4-FFF2-40B4-BE49-F238E27FC236}">
+                <a16:creationId xmlns:a16="http://schemas.microsoft.com/office/drawing/2014/main" id="{DEB25864-3B2F-4B4E-82CB-CA4F8B2CC1F7}"/>
+              </a:ext>
+            </a:extLst>
+          </p:cNvPr>
+          <p:cNvSpPr/>
+          <p:nvPr/>
+        </p:nvSpPr>
+        <p:spPr>
+          <a:xfrm>
+            <a:off x="1677862" y="3954345"/>
+            <a:ext cx="630235" cy="480101"/>
+          </a:xfrm>
+          <a:prstGeom prst="rect">
+            <a:avLst/>
+          </a:prstGeom>
+          <a:solidFill>
+            <a:schemeClr val="bg1">
+              <a:lumMod val="85000"/>
+            </a:schemeClr>
+          </a:solidFill>
+          <a:ln>
+            <a:noFill/>
+          </a:ln>
+        </p:spPr>
+        <p:style>
+          <a:lnRef idx="2">
+            <a:schemeClr val="accent1">
+              <a:shade val="50000"/>
+            </a:schemeClr>
+          </a:lnRef>
+          <a:fillRef idx="1">
+            <a:schemeClr val="accent1"/>
+          </a:fillRef>
+          <a:effectRef idx="0">
+            <a:schemeClr val="accent1"/>
+          </a:effectRef>
+          <a:fontRef idx="minor">
+            <a:schemeClr val="lt1"/>
+          </a:fontRef>
+        </p:style>
+        <p:txBody>
+          <a:bodyPr rtlCol="0" anchor="ctr"/>
+          <a:lstStyle/>
+          <a:p>
+            <a:pPr algn="ctr"/>
+            <a:r>
+              <a:rPr lang="de-DE" sz="800">
+                <a:solidFill>
+                  <a:schemeClr val="tx1"/>
+                </a:solidFill>
+              </a:rPr>
+              <a:t>Customer</a:t>
+            </a:r>
+          </a:p>
+        </p:txBody>
+      </p:sp>
+      <p:sp>
+        <p:nvSpPr>
+          <p:cNvPr id="135" name="Rectangle 134">
+            <a:extLst>
+              <a:ext uri="{FF2B5EF4-FFF2-40B4-BE49-F238E27FC236}">
+                <a16:creationId xmlns:a16="http://schemas.microsoft.com/office/drawing/2014/main" id="{480AB2A5-8059-4546-9DC1-3F262DA6BAF6}"/>
+              </a:ext>
+            </a:extLst>
+          </p:cNvPr>
+          <p:cNvSpPr/>
+          <p:nvPr/>
+        </p:nvSpPr>
+        <p:spPr>
+          <a:xfrm>
+            <a:off x="2448655" y="3954345"/>
+            <a:ext cx="630235" cy="480101"/>
+          </a:xfrm>
+          <a:prstGeom prst="rect">
+            <a:avLst/>
+          </a:prstGeom>
+          <a:solidFill>
+            <a:schemeClr val="bg1">
+              <a:lumMod val="85000"/>
+            </a:schemeClr>
+          </a:solidFill>
+          <a:ln>
+            <a:noFill/>
+          </a:ln>
+        </p:spPr>
+        <p:style>
+          <a:lnRef idx="2">
+            <a:schemeClr val="accent1">
+              <a:shade val="50000"/>
+            </a:schemeClr>
+          </a:lnRef>
+          <a:fillRef idx="1">
+            <a:schemeClr val="accent1"/>
+          </a:fillRef>
+          <a:effectRef idx="0">
+            <a:schemeClr val="accent1"/>
+          </a:effectRef>
+          <a:fontRef idx="minor">
+            <a:schemeClr val="lt1"/>
+          </a:fontRef>
+        </p:style>
+        <p:txBody>
+          <a:bodyPr rtlCol="0" anchor="ctr"/>
+          <a:lstStyle/>
+          <a:p>
+            <a:pPr algn="ctr"/>
+            <a:r>
+              <a:rPr lang="de-DE" sz="800">
+                <a:solidFill>
+                  <a:schemeClr val="tx1"/>
+                </a:solidFill>
+              </a:rPr>
+              <a:t>Customer</a:t>
+            </a:r>
+          </a:p>
+        </p:txBody>
+      </p:sp>
+      <p:sp>
+        <p:nvSpPr>
+          <p:cNvPr id="136" name="Rectangle 135">
+            <a:extLst>
+              <a:ext uri="{FF2B5EF4-FFF2-40B4-BE49-F238E27FC236}">
+                <a16:creationId xmlns:a16="http://schemas.microsoft.com/office/drawing/2014/main" id="{4DBE069C-9DFD-450A-9E6C-9D190B8FDF83}"/>
+              </a:ext>
+            </a:extLst>
+          </p:cNvPr>
+          <p:cNvSpPr/>
+          <p:nvPr/>
+        </p:nvSpPr>
+        <p:spPr>
+          <a:xfrm>
+            <a:off x="3218375" y="3954345"/>
+            <a:ext cx="630235" cy="480101"/>
+          </a:xfrm>
+          <a:prstGeom prst="rect">
+            <a:avLst/>
+          </a:prstGeom>
+          <a:solidFill>
+            <a:schemeClr val="bg1">
+              <a:lumMod val="85000"/>
+            </a:schemeClr>
+          </a:solidFill>
+          <a:ln>
+            <a:noFill/>
+          </a:ln>
+        </p:spPr>
+        <p:style>
+          <a:lnRef idx="2">
+            <a:schemeClr val="accent1">
+              <a:shade val="50000"/>
+            </a:schemeClr>
+          </a:lnRef>
+          <a:fillRef idx="1">
+            <a:schemeClr val="accent1"/>
+          </a:fillRef>
+          <a:effectRef idx="0">
+            <a:schemeClr val="accent1"/>
+          </a:effectRef>
+          <a:fontRef idx="minor">
+            <a:schemeClr val="lt1"/>
+          </a:fontRef>
+        </p:style>
+        <p:txBody>
+          <a:bodyPr rtlCol="0" anchor="ctr"/>
+          <a:lstStyle/>
+          <a:p>
+            <a:pPr algn="ctr"/>
+            <a:r>
+              <a:rPr lang="de-DE" sz="800">
+                <a:solidFill>
+                  <a:schemeClr val="tx1"/>
+                </a:solidFill>
+              </a:rPr>
+              <a:t>Customer</a:t>
+            </a:r>
+          </a:p>
+        </p:txBody>
+      </p:sp>
+      <p:sp>
+        <p:nvSpPr>
+          <p:cNvPr id="137" name="Rectangle 136">
+            <a:extLst>
+              <a:ext uri="{FF2B5EF4-FFF2-40B4-BE49-F238E27FC236}">
+                <a16:creationId xmlns:a16="http://schemas.microsoft.com/office/drawing/2014/main" id="{7EAE4470-94C3-428B-8E7A-AB19A9C70DD4}"/>
+              </a:ext>
+            </a:extLst>
+          </p:cNvPr>
+          <p:cNvSpPr/>
+          <p:nvPr/>
+        </p:nvSpPr>
+        <p:spPr>
+          <a:xfrm>
+            <a:off x="3996076" y="3954345"/>
+            <a:ext cx="630235" cy="480101"/>
+          </a:xfrm>
+          <a:prstGeom prst="rect">
+            <a:avLst/>
+          </a:prstGeom>
+          <a:solidFill>
+            <a:schemeClr val="bg1">
+              <a:lumMod val="85000"/>
+            </a:schemeClr>
+          </a:solidFill>
+          <a:ln>
+            <a:noFill/>
+          </a:ln>
+        </p:spPr>
+        <p:style>
+          <a:lnRef idx="2">
+            <a:schemeClr val="accent1">
+              <a:shade val="50000"/>
+            </a:schemeClr>
+          </a:lnRef>
+          <a:fillRef idx="1">
+            <a:schemeClr val="accent1"/>
+          </a:fillRef>
+          <a:effectRef idx="0">
+            <a:schemeClr val="accent1"/>
+          </a:effectRef>
+          <a:fontRef idx="minor">
+            <a:schemeClr val="lt1"/>
+          </a:fontRef>
+        </p:style>
+        <p:txBody>
+          <a:bodyPr rtlCol="0" anchor="ctr"/>
+          <a:lstStyle/>
+          <a:p>
+            <a:pPr algn="ctr"/>
+            <a:r>
+              <a:rPr lang="de-DE" sz="800">
+                <a:solidFill>
+                  <a:schemeClr val="tx1"/>
+                </a:solidFill>
+              </a:rPr>
+              <a:t>Customer</a:t>
+            </a:r>
+          </a:p>
+        </p:txBody>
+      </p:sp>
+      <p:sp>
+        <p:nvSpPr>
+          <p:cNvPr id="138" name="Rectangle 137">
+            <a:extLst>
+              <a:ext uri="{FF2B5EF4-FFF2-40B4-BE49-F238E27FC236}">
+                <a16:creationId xmlns:a16="http://schemas.microsoft.com/office/drawing/2014/main" id="{60E101CE-E318-470B-8A8E-4B80CC56D61A}"/>
+              </a:ext>
+            </a:extLst>
+          </p:cNvPr>
+          <p:cNvSpPr/>
+          <p:nvPr/>
+        </p:nvSpPr>
+        <p:spPr>
+          <a:xfrm>
+            <a:off x="907312" y="4610910"/>
+            <a:ext cx="630235" cy="480101"/>
+          </a:xfrm>
+          <a:prstGeom prst="rect">
+            <a:avLst/>
+          </a:prstGeom>
+          <a:solidFill>
+            <a:schemeClr val="bg1">
+              <a:lumMod val="85000"/>
+            </a:schemeClr>
+          </a:solidFill>
+          <a:ln>
+            <a:noFill/>
+          </a:ln>
+        </p:spPr>
+        <p:style>
+          <a:lnRef idx="2">
+            <a:schemeClr val="accent1">
+              <a:shade val="50000"/>
+            </a:schemeClr>
+          </a:lnRef>
+          <a:fillRef idx="1">
+            <a:schemeClr val="accent1"/>
+          </a:fillRef>
+          <a:effectRef idx="0">
+            <a:schemeClr val="accent1"/>
+          </a:effectRef>
+          <a:fontRef idx="minor">
+            <a:schemeClr val="lt1"/>
+          </a:fontRef>
+        </p:style>
+        <p:txBody>
+          <a:bodyPr rtlCol="0" anchor="ctr"/>
+          <a:lstStyle/>
+          <a:p>
+            <a:pPr algn="ctr"/>
+            <a:r>
+              <a:rPr lang="de-DE" sz="800">
+                <a:solidFill>
+                  <a:schemeClr val="tx1"/>
+                </a:solidFill>
+              </a:rPr>
+              <a:t>Customer</a:t>
+            </a:r>
+          </a:p>
+        </p:txBody>
+      </p:sp>
+      <p:sp>
+        <p:nvSpPr>
+          <p:cNvPr id="139" name="Rectangle 138">
+            <a:extLst>
+              <a:ext uri="{FF2B5EF4-FFF2-40B4-BE49-F238E27FC236}">
+                <a16:creationId xmlns:a16="http://schemas.microsoft.com/office/drawing/2014/main" id="{6BDBA6FA-8929-4685-88A7-DDF2CA690E54}"/>
+              </a:ext>
+            </a:extLst>
+          </p:cNvPr>
+          <p:cNvSpPr/>
+          <p:nvPr/>
+        </p:nvSpPr>
+        <p:spPr>
+          <a:xfrm>
+            <a:off x="4770675" y="4633215"/>
+            <a:ext cx="630233" cy="480101"/>
+          </a:xfrm>
+          <a:prstGeom prst="rect">
+            <a:avLst/>
+          </a:prstGeom>
+          <a:solidFill>
+            <a:schemeClr val="bg1">
+              <a:lumMod val="85000"/>
+            </a:schemeClr>
+          </a:solidFill>
+          <a:ln>
+            <a:noFill/>
+          </a:ln>
+        </p:spPr>
+        <p:style>
+          <a:lnRef idx="2">
+            <a:schemeClr val="accent1">
+              <a:shade val="50000"/>
+            </a:schemeClr>
+          </a:lnRef>
+          <a:fillRef idx="1">
+            <a:schemeClr val="accent1"/>
+          </a:fillRef>
+          <a:effectRef idx="0">
+            <a:schemeClr val="accent1"/>
+          </a:effectRef>
+          <a:fontRef idx="minor">
+            <a:schemeClr val="lt1"/>
+          </a:fontRef>
+        </p:style>
+        <p:txBody>
+          <a:bodyPr rtlCol="0" anchor="ctr"/>
+          <a:lstStyle/>
+          <a:p>
+            <a:pPr algn="ctr"/>
+            <a:r>
+              <a:rPr lang="de-DE" sz="800">
+                <a:solidFill>
+                  <a:schemeClr val="tx1"/>
+                </a:solidFill>
+              </a:rPr>
+              <a:t>Customer</a:t>
+            </a:r>
+          </a:p>
+        </p:txBody>
+      </p:sp>
+      <p:sp>
+        <p:nvSpPr>
+          <p:cNvPr id="140" name="Rectangle 139">
+            <a:extLst>
+              <a:ext uri="{FF2B5EF4-FFF2-40B4-BE49-F238E27FC236}">
+                <a16:creationId xmlns:a16="http://schemas.microsoft.com/office/drawing/2014/main" id="{BB3B8301-3101-4A01-A1ED-78BF992F1537}"/>
+              </a:ext>
+            </a:extLst>
+          </p:cNvPr>
+          <p:cNvSpPr/>
+          <p:nvPr/>
+        </p:nvSpPr>
+        <p:spPr>
+          <a:xfrm>
+            <a:off x="1677862" y="4610910"/>
+            <a:ext cx="630235" cy="480101"/>
+          </a:xfrm>
+          <a:prstGeom prst="rect">
+            <a:avLst/>
+          </a:prstGeom>
+          <a:solidFill>
+            <a:schemeClr val="bg1">
+              <a:lumMod val="85000"/>
+            </a:schemeClr>
+          </a:solidFill>
+          <a:ln>
+            <a:noFill/>
+          </a:ln>
+        </p:spPr>
+        <p:style>
+          <a:lnRef idx="2">
+            <a:schemeClr val="accent1">
+              <a:shade val="50000"/>
+            </a:schemeClr>
+          </a:lnRef>
+          <a:fillRef idx="1">
+            <a:schemeClr val="accent1"/>
+          </a:fillRef>
+          <a:effectRef idx="0">
+            <a:schemeClr val="accent1"/>
+          </a:effectRef>
+          <a:fontRef idx="minor">
+            <a:schemeClr val="lt1"/>
+          </a:fontRef>
+        </p:style>
+        <p:txBody>
+          <a:bodyPr rtlCol="0" anchor="ctr"/>
+          <a:lstStyle/>
+          <a:p>
+            <a:pPr algn="ctr"/>
+            <a:r>
+              <a:rPr lang="de-DE" sz="800">
+                <a:solidFill>
+                  <a:schemeClr val="tx1"/>
+                </a:solidFill>
+              </a:rPr>
+              <a:t>Customer</a:t>
+            </a:r>
+          </a:p>
+        </p:txBody>
+      </p:sp>
+      <p:sp>
+        <p:nvSpPr>
+          <p:cNvPr id="141" name="Rectangle 140">
+            <a:extLst>
+              <a:ext uri="{FF2B5EF4-FFF2-40B4-BE49-F238E27FC236}">
+                <a16:creationId xmlns:a16="http://schemas.microsoft.com/office/drawing/2014/main" id="{BC255232-7668-4878-97F0-8917ECFD3BFB}"/>
+              </a:ext>
+            </a:extLst>
+          </p:cNvPr>
+          <p:cNvSpPr/>
+          <p:nvPr/>
+        </p:nvSpPr>
+        <p:spPr>
+          <a:xfrm>
+            <a:off x="2448655" y="4610910"/>
+            <a:ext cx="630235" cy="480101"/>
+          </a:xfrm>
+          <a:prstGeom prst="rect">
+            <a:avLst/>
+          </a:prstGeom>
+          <a:solidFill>
+            <a:schemeClr val="bg1">
+              <a:lumMod val="85000"/>
+            </a:schemeClr>
+          </a:solidFill>
+          <a:ln>
+            <a:noFill/>
+          </a:ln>
+        </p:spPr>
+        <p:style>
+          <a:lnRef idx="2">
+            <a:schemeClr val="accent1">
+              <a:shade val="50000"/>
+            </a:schemeClr>
+          </a:lnRef>
+          <a:fillRef idx="1">
+            <a:schemeClr val="accent1"/>
+          </a:fillRef>
+          <a:effectRef idx="0">
+            <a:schemeClr val="accent1"/>
+          </a:effectRef>
+          <a:fontRef idx="minor">
+            <a:schemeClr val="lt1"/>
+          </a:fontRef>
+        </p:style>
+        <p:txBody>
+          <a:bodyPr rtlCol="0" anchor="ctr"/>
+          <a:lstStyle/>
+          <a:p>
+            <a:pPr algn="ctr"/>
+            <a:r>
+              <a:rPr lang="de-DE" sz="800">
+                <a:solidFill>
+                  <a:schemeClr val="tx1"/>
+                </a:solidFill>
+              </a:rPr>
+              <a:t>Customer</a:t>
+            </a:r>
+          </a:p>
+        </p:txBody>
+      </p:sp>
+      <p:sp>
+        <p:nvSpPr>
+          <p:cNvPr id="142" name="Rectangle 141">
+            <a:extLst>
+              <a:ext uri="{FF2B5EF4-FFF2-40B4-BE49-F238E27FC236}">
+                <a16:creationId xmlns:a16="http://schemas.microsoft.com/office/drawing/2014/main" id="{A67CF4A1-1CB4-4F74-82FE-5365FD321F4D}"/>
+              </a:ext>
+            </a:extLst>
+          </p:cNvPr>
+          <p:cNvSpPr/>
+          <p:nvPr/>
+        </p:nvSpPr>
+        <p:spPr>
+          <a:xfrm>
+            <a:off x="3218375" y="4610910"/>
+            <a:ext cx="630235" cy="480101"/>
+          </a:xfrm>
+          <a:prstGeom prst="rect">
+            <a:avLst/>
+          </a:prstGeom>
+          <a:solidFill>
+            <a:schemeClr val="bg1">
+              <a:lumMod val="85000"/>
+            </a:schemeClr>
+          </a:solidFill>
+          <a:ln>
+            <a:noFill/>
+          </a:ln>
+        </p:spPr>
+        <p:style>
+          <a:lnRef idx="2">
+            <a:schemeClr val="accent1">
+              <a:shade val="50000"/>
+            </a:schemeClr>
+          </a:lnRef>
+          <a:fillRef idx="1">
+            <a:schemeClr val="accent1"/>
+          </a:fillRef>
+          <a:effectRef idx="0">
+            <a:schemeClr val="accent1"/>
+          </a:effectRef>
+          <a:fontRef idx="minor">
+            <a:schemeClr val="lt1"/>
+          </a:fontRef>
+        </p:style>
+        <p:txBody>
+          <a:bodyPr rtlCol="0" anchor="ctr"/>
+          <a:lstStyle/>
+          <a:p>
+            <a:pPr algn="ctr"/>
+            <a:r>
+              <a:rPr lang="de-DE" sz="800">
+                <a:solidFill>
+                  <a:schemeClr val="tx1"/>
+                </a:solidFill>
+              </a:rPr>
+              <a:t>Customer</a:t>
+            </a:r>
+          </a:p>
+        </p:txBody>
+      </p:sp>
+      <p:sp>
+        <p:nvSpPr>
+          <p:cNvPr id="143" name="Rectangle 142">
+            <a:extLst>
+              <a:ext uri="{FF2B5EF4-FFF2-40B4-BE49-F238E27FC236}">
+                <a16:creationId xmlns:a16="http://schemas.microsoft.com/office/drawing/2014/main" id="{91D35B85-7F0E-4C3D-94BD-88629C6DBC22}"/>
+              </a:ext>
+            </a:extLst>
+          </p:cNvPr>
+          <p:cNvSpPr/>
+          <p:nvPr/>
+        </p:nvSpPr>
+        <p:spPr>
+          <a:xfrm>
+            <a:off x="3996076" y="4610910"/>
+            <a:ext cx="630235" cy="480101"/>
+          </a:xfrm>
+          <a:prstGeom prst="rect">
+            <a:avLst/>
+          </a:prstGeom>
+          <a:solidFill>
+            <a:schemeClr val="bg1">
+              <a:lumMod val="85000"/>
+            </a:schemeClr>
+          </a:solidFill>
+          <a:ln>
+            <a:noFill/>
+          </a:ln>
+        </p:spPr>
+        <p:style>
+          <a:lnRef idx="2">
+            <a:schemeClr val="accent1">
+              <a:shade val="50000"/>
+            </a:schemeClr>
+          </a:lnRef>
+          <a:fillRef idx="1">
+            <a:schemeClr val="accent1"/>
+          </a:fillRef>
+          <a:effectRef idx="0">
+            <a:schemeClr val="accent1"/>
+          </a:effectRef>
+          <a:fontRef idx="minor">
+            <a:schemeClr val="lt1"/>
+          </a:fontRef>
+        </p:style>
+        <p:txBody>
+          <a:bodyPr rtlCol="0" anchor="ctr"/>
+          <a:lstStyle/>
+          <a:p>
+            <a:pPr algn="ctr"/>
+            <a:r>
+              <a:rPr lang="de-DE" sz="800">
+                <a:solidFill>
+                  <a:schemeClr val="tx1"/>
+                </a:solidFill>
+              </a:rPr>
+              <a:t>Customer</a:t>
+            </a:r>
+          </a:p>
+        </p:txBody>
+      </p:sp>
+      <p:sp>
+        <p:nvSpPr>
+          <p:cNvPr id="144" name="Rectangle 143">
+            <a:extLst>
+              <a:ext uri="{FF2B5EF4-FFF2-40B4-BE49-F238E27FC236}">
+                <a16:creationId xmlns:a16="http://schemas.microsoft.com/office/drawing/2014/main" id="{CCE66F98-1C35-49DA-8270-5588AF3B0FB0}"/>
+              </a:ext>
+            </a:extLst>
+          </p:cNvPr>
+          <p:cNvSpPr/>
+          <p:nvPr/>
+        </p:nvSpPr>
+        <p:spPr>
+          <a:xfrm>
+            <a:off x="907312" y="5267475"/>
+            <a:ext cx="630235" cy="480101"/>
+          </a:xfrm>
+          <a:prstGeom prst="rect">
+            <a:avLst/>
+          </a:prstGeom>
+          <a:solidFill>
+            <a:schemeClr val="bg1">
+              <a:lumMod val="85000"/>
+            </a:schemeClr>
+          </a:solidFill>
+          <a:ln>
+            <a:noFill/>
+          </a:ln>
+        </p:spPr>
+        <p:style>
+          <a:lnRef idx="2">
+            <a:schemeClr val="accent1">
+              <a:shade val="50000"/>
+            </a:schemeClr>
+          </a:lnRef>
+          <a:fillRef idx="1">
+            <a:schemeClr val="accent1"/>
+          </a:fillRef>
+          <a:effectRef idx="0">
+            <a:schemeClr val="accent1"/>
+          </a:effectRef>
+          <a:fontRef idx="minor">
+            <a:schemeClr val="lt1"/>
+          </a:fontRef>
+        </p:style>
+        <p:txBody>
+          <a:bodyPr rtlCol="0" anchor="ctr"/>
+          <a:lstStyle/>
+          <a:p>
+            <a:pPr algn="ctr"/>
+            <a:r>
+              <a:rPr lang="de-DE" sz="800">
+                <a:solidFill>
+                  <a:schemeClr val="tx1"/>
+                </a:solidFill>
+              </a:rPr>
+              <a:t>Customer</a:t>
+            </a:r>
+          </a:p>
+        </p:txBody>
+      </p:sp>
+      <p:sp>
+        <p:nvSpPr>
+          <p:cNvPr id="145" name="Rectangle 144">
+            <a:extLst>
+              <a:ext uri="{FF2B5EF4-FFF2-40B4-BE49-F238E27FC236}">
+                <a16:creationId xmlns:a16="http://schemas.microsoft.com/office/drawing/2014/main" id="{168EE5A3-E5F8-4A5F-92F6-80A748C026C7}"/>
+              </a:ext>
+            </a:extLst>
+          </p:cNvPr>
+          <p:cNvSpPr/>
+          <p:nvPr/>
+        </p:nvSpPr>
+        <p:spPr>
+          <a:xfrm>
+            <a:off x="4770675" y="5289780"/>
+            <a:ext cx="630233" cy="480101"/>
+          </a:xfrm>
+          <a:prstGeom prst="rect">
+            <a:avLst/>
+          </a:prstGeom>
+          <a:solidFill>
+            <a:schemeClr val="bg1">
+              <a:lumMod val="85000"/>
+            </a:schemeClr>
+          </a:solidFill>
+          <a:ln>
+            <a:noFill/>
+          </a:ln>
+        </p:spPr>
+        <p:style>
+          <a:lnRef idx="2">
+            <a:schemeClr val="accent1">
+              <a:shade val="50000"/>
+            </a:schemeClr>
+          </a:lnRef>
+          <a:fillRef idx="1">
+            <a:schemeClr val="accent1"/>
+          </a:fillRef>
+          <a:effectRef idx="0">
+            <a:schemeClr val="accent1"/>
+          </a:effectRef>
+          <a:fontRef idx="minor">
+            <a:schemeClr val="lt1"/>
+          </a:fontRef>
+        </p:style>
+        <p:txBody>
+          <a:bodyPr rtlCol="0" anchor="ctr"/>
+          <a:lstStyle/>
+          <a:p>
+            <a:pPr algn="ctr"/>
+            <a:r>
+              <a:rPr lang="de-DE" sz="800">
+                <a:solidFill>
+                  <a:schemeClr val="tx1"/>
+                </a:solidFill>
+              </a:rPr>
+              <a:t>Customer</a:t>
+            </a:r>
+          </a:p>
+        </p:txBody>
+      </p:sp>
+      <p:sp>
+        <p:nvSpPr>
+          <p:cNvPr id="146" name="Rectangle 145">
+            <a:extLst>
+              <a:ext uri="{FF2B5EF4-FFF2-40B4-BE49-F238E27FC236}">
+                <a16:creationId xmlns:a16="http://schemas.microsoft.com/office/drawing/2014/main" id="{89D094E4-19B5-4FCE-923A-978F22F8F2BE}"/>
+              </a:ext>
+            </a:extLst>
+          </p:cNvPr>
+          <p:cNvSpPr/>
+          <p:nvPr/>
+        </p:nvSpPr>
+        <p:spPr>
+          <a:xfrm>
+            <a:off x="1677862" y="5267475"/>
+            <a:ext cx="630235" cy="480101"/>
+          </a:xfrm>
+          <a:prstGeom prst="rect">
+            <a:avLst/>
+          </a:prstGeom>
+          <a:solidFill>
+            <a:schemeClr val="bg1">
+              <a:lumMod val="85000"/>
+            </a:schemeClr>
+          </a:solidFill>
+          <a:ln>
+            <a:noFill/>
+          </a:ln>
+        </p:spPr>
+        <p:style>
+          <a:lnRef idx="2">
+            <a:schemeClr val="accent1">
+              <a:shade val="50000"/>
+            </a:schemeClr>
+          </a:lnRef>
+          <a:fillRef idx="1">
+            <a:schemeClr val="accent1"/>
+          </a:fillRef>
+          <a:effectRef idx="0">
+            <a:schemeClr val="accent1"/>
+          </a:effectRef>
+          <a:fontRef idx="minor">
+            <a:schemeClr val="lt1"/>
+          </a:fontRef>
+        </p:style>
+        <p:txBody>
+          <a:bodyPr rtlCol="0" anchor="ctr"/>
+          <a:lstStyle/>
+          <a:p>
+            <a:pPr algn="ctr"/>
+            <a:r>
+              <a:rPr lang="de-DE" sz="800">
+                <a:solidFill>
+                  <a:schemeClr val="tx1"/>
+                </a:solidFill>
+              </a:rPr>
+              <a:t>Customer</a:t>
+            </a:r>
+          </a:p>
+        </p:txBody>
+      </p:sp>
+      <p:sp>
+        <p:nvSpPr>
+          <p:cNvPr id="147" name="Rectangle 146">
+            <a:extLst>
+              <a:ext uri="{FF2B5EF4-FFF2-40B4-BE49-F238E27FC236}">
+                <a16:creationId xmlns:a16="http://schemas.microsoft.com/office/drawing/2014/main" id="{E0D4EFBF-313D-46FC-B737-D42F43BF8F5E}"/>
+              </a:ext>
+            </a:extLst>
+          </p:cNvPr>
+          <p:cNvSpPr/>
+          <p:nvPr/>
+        </p:nvSpPr>
+        <p:spPr>
+          <a:xfrm>
+            <a:off x="2448655" y="5267475"/>
+            <a:ext cx="630235" cy="480101"/>
+          </a:xfrm>
+          <a:prstGeom prst="rect">
+            <a:avLst/>
+          </a:prstGeom>
+          <a:solidFill>
+            <a:schemeClr val="bg1">
+              <a:lumMod val="85000"/>
+            </a:schemeClr>
+          </a:solidFill>
+          <a:ln>
+            <a:noFill/>
+          </a:ln>
+        </p:spPr>
+        <p:style>
+          <a:lnRef idx="2">
+            <a:schemeClr val="accent1">
+              <a:shade val="50000"/>
+            </a:schemeClr>
+          </a:lnRef>
+          <a:fillRef idx="1">
+            <a:schemeClr val="accent1"/>
+          </a:fillRef>
+          <a:effectRef idx="0">
+            <a:schemeClr val="accent1"/>
+          </a:effectRef>
+          <a:fontRef idx="minor">
+            <a:schemeClr val="lt1"/>
+          </a:fontRef>
+        </p:style>
+        <p:txBody>
+          <a:bodyPr rtlCol="0" anchor="ctr"/>
+          <a:lstStyle/>
+          <a:p>
+            <a:pPr algn="ctr"/>
+            <a:r>
+              <a:rPr lang="de-DE" sz="800">
+                <a:solidFill>
+                  <a:schemeClr val="tx1"/>
+                </a:solidFill>
+              </a:rPr>
+              <a:t>Customer</a:t>
+            </a:r>
+          </a:p>
+        </p:txBody>
+      </p:sp>
+      <p:sp>
+        <p:nvSpPr>
+          <p:cNvPr id="148" name="Rectangle 147">
+            <a:extLst>
+              <a:ext uri="{FF2B5EF4-FFF2-40B4-BE49-F238E27FC236}">
+                <a16:creationId xmlns:a16="http://schemas.microsoft.com/office/drawing/2014/main" id="{322F7128-0A68-4EC6-B161-1A4AF9C1A1ED}"/>
+              </a:ext>
+            </a:extLst>
+          </p:cNvPr>
+          <p:cNvSpPr/>
+          <p:nvPr/>
+        </p:nvSpPr>
+        <p:spPr>
+          <a:xfrm>
+            <a:off x="3218375" y="5267475"/>
+            <a:ext cx="630235" cy="480101"/>
+          </a:xfrm>
+          <a:prstGeom prst="rect">
+            <a:avLst/>
+          </a:prstGeom>
+          <a:solidFill>
+            <a:schemeClr val="bg1">
+              <a:lumMod val="85000"/>
+            </a:schemeClr>
+          </a:solidFill>
+          <a:ln>
+            <a:noFill/>
+          </a:ln>
+        </p:spPr>
+        <p:style>
+          <a:lnRef idx="2">
+            <a:schemeClr val="accent1">
+              <a:shade val="50000"/>
+            </a:schemeClr>
+          </a:lnRef>
+          <a:fillRef idx="1">
+            <a:schemeClr val="accent1"/>
+          </a:fillRef>
+          <a:effectRef idx="0">
+            <a:schemeClr val="accent1"/>
+          </a:effectRef>
+          <a:fontRef idx="minor">
+            <a:schemeClr val="lt1"/>
+          </a:fontRef>
+        </p:style>
+        <p:txBody>
+          <a:bodyPr rtlCol="0" anchor="ctr"/>
+          <a:lstStyle/>
+          <a:p>
+            <a:pPr algn="ctr"/>
+            <a:r>
+              <a:rPr lang="de-DE" sz="800">
+                <a:solidFill>
+                  <a:schemeClr val="tx1"/>
+                </a:solidFill>
+              </a:rPr>
+              <a:t>Customer</a:t>
+            </a:r>
+          </a:p>
+        </p:txBody>
+      </p:sp>
+      <p:sp>
+        <p:nvSpPr>
+          <p:cNvPr id="149" name="Rectangle 148">
+            <a:extLst>
+              <a:ext uri="{FF2B5EF4-FFF2-40B4-BE49-F238E27FC236}">
+                <a16:creationId xmlns:a16="http://schemas.microsoft.com/office/drawing/2014/main" id="{FB27BA54-C82A-4483-BC62-BD480CD330A3}"/>
+              </a:ext>
+            </a:extLst>
+          </p:cNvPr>
+          <p:cNvSpPr/>
+          <p:nvPr/>
+        </p:nvSpPr>
+        <p:spPr>
+          <a:xfrm>
+            <a:off x="3996076" y="5267475"/>
+            <a:ext cx="630235" cy="480101"/>
+          </a:xfrm>
+          <a:prstGeom prst="rect">
+            <a:avLst/>
+          </a:prstGeom>
+          <a:solidFill>
+            <a:schemeClr val="bg1">
+              <a:lumMod val="85000"/>
+            </a:schemeClr>
+          </a:solidFill>
+          <a:ln>
+            <a:noFill/>
+          </a:ln>
+        </p:spPr>
+        <p:style>
+          <a:lnRef idx="2">
+            <a:schemeClr val="accent1">
+              <a:shade val="50000"/>
+            </a:schemeClr>
+          </a:lnRef>
+          <a:fillRef idx="1">
+            <a:schemeClr val="accent1"/>
+          </a:fillRef>
+          <a:effectRef idx="0">
+            <a:schemeClr val="accent1"/>
+          </a:effectRef>
+          <a:fontRef idx="minor">
+            <a:schemeClr val="lt1"/>
+          </a:fontRef>
+        </p:style>
+        <p:txBody>
+          <a:bodyPr rtlCol="0" anchor="ctr"/>
+          <a:lstStyle/>
+          <a:p>
+            <a:pPr algn="ctr"/>
+            <a:r>
+              <a:rPr lang="de-DE" sz="800">
+                <a:solidFill>
+                  <a:schemeClr val="tx1"/>
+                </a:solidFill>
+              </a:rPr>
+              <a:t>Customer</a:t>
+            </a:r>
+          </a:p>
+        </p:txBody>
+      </p:sp>
+      <p:cxnSp>
+        <p:nvCxnSpPr>
+          <p:cNvPr id="157" name="Straight Arrow Connector 156">
+            <a:extLst>
+              <a:ext uri="{FF2B5EF4-FFF2-40B4-BE49-F238E27FC236}">
+                <a16:creationId xmlns:a16="http://schemas.microsoft.com/office/drawing/2014/main" id="{0366849B-F01A-4DE7-9843-ED58A6307F17}"/>
+              </a:ext>
+            </a:extLst>
+          </p:cNvPr>
+          <p:cNvCxnSpPr>
+            <a:cxnSpLocks/>
+            <a:stCxn id="135" idx="0"/>
+          </p:cNvCxnSpPr>
+          <p:nvPr/>
+        </p:nvCxnSpPr>
+        <p:spPr>
+          <a:xfrm flipV="1">
+            <a:off x="2763773" y="3070121"/>
+            <a:ext cx="156994" cy="884224"/>
+          </a:xfrm>
+          <a:prstGeom prst="straightConnector1">
+            <a:avLst/>
+          </a:prstGeom>
+          <a:ln w="15875">
+            <a:solidFill>
+              <a:schemeClr val="tx1"/>
+            </a:solidFill>
+            <a:tailEnd type="triangle" w="sm" len="sm"/>
+          </a:ln>
+        </p:spPr>
+        <p:style>
+          <a:lnRef idx="1">
+            <a:schemeClr val="accent1"/>
+          </a:lnRef>
+          <a:fillRef idx="0">
+            <a:schemeClr val="accent1"/>
+          </a:fillRef>
+          <a:effectRef idx="0">
+            <a:schemeClr val="accent1"/>
+          </a:effectRef>
+          <a:fontRef idx="minor">
+            <a:schemeClr val="tx1"/>
+          </a:fontRef>
+        </p:style>
+      </p:cxnSp>
+      <p:cxnSp>
+        <p:nvCxnSpPr>
+          <p:cNvPr id="158" name="Straight Arrow Connector 157">
+            <a:extLst>
+              <a:ext uri="{FF2B5EF4-FFF2-40B4-BE49-F238E27FC236}">
+                <a16:creationId xmlns:a16="http://schemas.microsoft.com/office/drawing/2014/main" id="{2D4E3534-A03E-40DB-B06C-00C7D5EBB9F1}"/>
+              </a:ext>
+            </a:extLst>
+          </p:cNvPr>
+          <p:cNvCxnSpPr>
+            <a:cxnSpLocks/>
+            <a:stCxn id="136" idx="0"/>
+          </p:cNvCxnSpPr>
+          <p:nvPr/>
+        </p:nvCxnSpPr>
+        <p:spPr>
+          <a:xfrm flipH="1" flipV="1">
+            <a:off x="3371908" y="3070121"/>
+            <a:ext cx="161585" cy="884224"/>
+          </a:xfrm>
+          <a:prstGeom prst="straightConnector1">
+            <a:avLst/>
+          </a:prstGeom>
+          <a:ln w="15875">
+            <a:solidFill>
+              <a:schemeClr val="tx1"/>
+            </a:solidFill>
+            <a:tailEnd type="triangle" w="sm" len="sm"/>
+          </a:ln>
+        </p:spPr>
+        <p:style>
+          <a:lnRef idx="1">
+            <a:schemeClr val="accent1"/>
+          </a:lnRef>
+          <a:fillRef idx="0">
+            <a:schemeClr val="accent1"/>
+          </a:fillRef>
+          <a:effectRef idx="0">
+            <a:schemeClr val="accent1"/>
+          </a:effectRef>
+          <a:fontRef idx="minor">
+            <a:schemeClr val="tx1"/>
+          </a:fontRef>
+        </p:style>
+      </p:cxnSp>
+      <p:cxnSp>
+        <p:nvCxnSpPr>
+          <p:cNvPr id="159" name="Straight Arrow Connector 158">
+            <a:extLst>
+              <a:ext uri="{FF2B5EF4-FFF2-40B4-BE49-F238E27FC236}">
+                <a16:creationId xmlns:a16="http://schemas.microsoft.com/office/drawing/2014/main" id="{9C852092-77E1-4681-A9F0-A9F1CD183D40}"/>
+              </a:ext>
+            </a:extLst>
+          </p:cNvPr>
+          <p:cNvCxnSpPr>
+            <a:cxnSpLocks/>
+            <a:stCxn id="137" idx="0"/>
+          </p:cNvCxnSpPr>
+          <p:nvPr/>
+        </p:nvCxnSpPr>
+        <p:spPr>
+          <a:xfrm flipH="1" flipV="1">
+            <a:off x="3703058" y="3079996"/>
+            <a:ext cx="608136" cy="874349"/>
+          </a:xfrm>
+          <a:prstGeom prst="straightConnector1">
+            <a:avLst/>
+          </a:prstGeom>
+          <a:ln w="15875">
+            <a:solidFill>
+              <a:schemeClr val="tx1"/>
+            </a:solidFill>
+            <a:tailEnd type="triangle" w="sm" len="sm"/>
+          </a:ln>
+        </p:spPr>
+        <p:style>
+          <a:lnRef idx="1">
+            <a:schemeClr val="accent1"/>
+          </a:lnRef>
+          <a:fillRef idx="0">
+            <a:schemeClr val="accent1"/>
+          </a:fillRef>
+          <a:effectRef idx="0">
+            <a:schemeClr val="accent1"/>
+          </a:effectRef>
+          <a:fontRef idx="minor">
+            <a:schemeClr val="tx1"/>
+          </a:fontRef>
+        </p:style>
+      </p:cxnSp>
+      <p:sp>
+        <p:nvSpPr>
+          <p:cNvPr id="173" name="Rectangle 172">
+            <a:extLst>
+              <a:ext uri="{FF2B5EF4-FFF2-40B4-BE49-F238E27FC236}">
+                <a16:creationId xmlns:a16="http://schemas.microsoft.com/office/drawing/2014/main" id="{F582E427-E604-4B98-8A9B-33F478CA4FA0}"/>
+              </a:ext>
+            </a:extLst>
+          </p:cNvPr>
+          <p:cNvSpPr/>
+          <p:nvPr/>
+        </p:nvSpPr>
+        <p:spPr>
+          <a:xfrm>
+            <a:off x="7019375" y="5457620"/>
+            <a:ext cx="779874" cy="289955"/>
+          </a:xfrm>
+          <a:prstGeom prst="rect">
+            <a:avLst/>
+          </a:prstGeom>
+          <a:solidFill>
+            <a:schemeClr val="accent5"/>
+          </a:solidFill>
+          <a:ln>
+            <a:noFill/>
+          </a:ln>
+        </p:spPr>
+        <p:style>
+          <a:lnRef idx="2">
+            <a:schemeClr val="accent1">
+              <a:shade val="50000"/>
+            </a:schemeClr>
+          </a:lnRef>
+          <a:fillRef idx="1">
+            <a:schemeClr val="accent1"/>
+          </a:fillRef>
+          <a:effectRef idx="0">
+            <a:schemeClr val="accent1"/>
+          </a:effectRef>
+          <a:fontRef idx="minor">
+            <a:schemeClr val="lt1"/>
+          </a:fontRef>
+        </p:style>
+        <p:txBody>
+          <a:bodyPr rtlCol="0" anchor="ctr"/>
+          <a:lstStyle/>
+          <a:p>
+            <a:pPr algn="ctr"/>
+            <a:r>
+              <a:rPr lang="de-DE" sz="800">
+                <a:solidFill>
+                  <a:schemeClr val="bg1"/>
+                </a:solidFill>
+              </a:rPr>
+              <a:t>S/4 Hana</a:t>
+            </a:r>
+            <a:endParaRPr lang="en-US">
+              <a:solidFill>
+                <a:schemeClr val="bg1"/>
+              </a:solidFill>
+            </a:endParaRPr>
+          </a:p>
+        </p:txBody>
+      </p:sp>
+      <p:sp>
+        <p:nvSpPr>
+          <p:cNvPr id="175" name="Rectangle 174">
+            <a:extLst>
+              <a:ext uri="{FF2B5EF4-FFF2-40B4-BE49-F238E27FC236}">
+                <a16:creationId xmlns:a16="http://schemas.microsoft.com/office/drawing/2014/main" id="{E5CE2781-8425-4BD3-BD2F-88AFC8C3778D}"/>
+              </a:ext>
+            </a:extLst>
+          </p:cNvPr>
+          <p:cNvSpPr/>
+          <p:nvPr/>
+        </p:nvSpPr>
+        <p:spPr>
+          <a:xfrm>
+            <a:off x="6773772" y="3368813"/>
+            <a:ext cx="779874" cy="480101"/>
+          </a:xfrm>
+          <a:prstGeom prst="rect">
+            <a:avLst/>
+          </a:prstGeom>
+          <a:solidFill>
+            <a:schemeClr val="bg1">
+              <a:lumMod val="85000"/>
+            </a:schemeClr>
+          </a:solidFill>
+          <a:ln>
+            <a:noFill/>
+          </a:ln>
+        </p:spPr>
+        <p:style>
+          <a:lnRef idx="2">
+            <a:schemeClr val="accent1">
+              <a:shade val="50000"/>
+            </a:schemeClr>
+          </a:lnRef>
+          <a:fillRef idx="1">
+            <a:schemeClr val="accent1"/>
+          </a:fillRef>
+          <a:effectRef idx="0">
+            <a:schemeClr val="accent1"/>
+          </a:effectRef>
+          <a:fontRef idx="minor">
+            <a:schemeClr val="lt1"/>
+          </a:fontRef>
+        </p:style>
+        <p:txBody>
+          <a:bodyPr rtlCol="0" anchor="ctr"/>
+          <a:lstStyle/>
+          <a:p>
+            <a:pPr algn="ctr"/>
+            <a:r>
+              <a:rPr lang="de-DE" sz="800">
+                <a:solidFill>
+                  <a:schemeClr val="tx1"/>
+                </a:solidFill>
+              </a:rPr>
+              <a:t>Subscriber Subaccount</a:t>
+            </a:r>
+          </a:p>
+        </p:txBody>
+      </p:sp>
+      <p:sp>
+        <p:nvSpPr>
+          <p:cNvPr id="176" name="Rectangle 175">
+            <a:extLst>
+              <a:ext uri="{FF2B5EF4-FFF2-40B4-BE49-F238E27FC236}">
+                <a16:creationId xmlns:a16="http://schemas.microsoft.com/office/drawing/2014/main" id="{E7AF3F76-29CE-40C8-BDD5-99917BFC6AEE}"/>
+              </a:ext>
+            </a:extLst>
+          </p:cNvPr>
+          <p:cNvSpPr/>
+          <p:nvPr/>
+        </p:nvSpPr>
+        <p:spPr>
+          <a:xfrm>
+            <a:off x="8482198" y="3368813"/>
+            <a:ext cx="779874" cy="480101"/>
+          </a:xfrm>
+          <a:prstGeom prst="rect">
+            <a:avLst/>
+          </a:prstGeom>
+          <a:solidFill>
+            <a:schemeClr val="bg1">
+              <a:lumMod val="85000"/>
+            </a:schemeClr>
+          </a:solidFill>
+          <a:ln>
+            <a:noFill/>
+          </a:ln>
+        </p:spPr>
+        <p:style>
+          <a:lnRef idx="2">
+            <a:schemeClr val="accent1">
+              <a:shade val="50000"/>
+            </a:schemeClr>
+          </a:lnRef>
+          <a:fillRef idx="1">
+            <a:schemeClr val="accent1"/>
+          </a:fillRef>
+          <a:effectRef idx="0">
+            <a:schemeClr val="accent1"/>
+          </a:effectRef>
+          <a:fontRef idx="minor">
+            <a:schemeClr val="lt1"/>
+          </a:fontRef>
+        </p:style>
+        <p:txBody>
+          <a:bodyPr rtlCol="0" anchor="ctr"/>
+          <a:lstStyle/>
+          <a:p>
+            <a:pPr algn="ctr"/>
+            <a:r>
+              <a:rPr lang="de-DE" sz="800">
+                <a:solidFill>
+                  <a:schemeClr val="tx1"/>
+                </a:solidFill>
+              </a:rPr>
+              <a:t>Subscriber Subaccount</a:t>
+            </a:r>
+          </a:p>
+        </p:txBody>
+      </p:sp>
+      <p:sp>
+        <p:nvSpPr>
+          <p:cNvPr id="177" name="Rectangle 176">
+            <a:extLst>
+              <a:ext uri="{FF2B5EF4-FFF2-40B4-BE49-F238E27FC236}">
+                <a16:creationId xmlns:a16="http://schemas.microsoft.com/office/drawing/2014/main" id="{3764BB8F-6E61-408B-A730-A76C4F91AA2E}"/>
+              </a:ext>
+            </a:extLst>
+          </p:cNvPr>
+          <p:cNvSpPr/>
+          <p:nvPr/>
+        </p:nvSpPr>
+        <p:spPr>
+          <a:xfrm>
+            <a:off x="10190624" y="3368813"/>
+            <a:ext cx="779874" cy="480101"/>
+          </a:xfrm>
+          <a:prstGeom prst="rect">
+            <a:avLst/>
+          </a:prstGeom>
+          <a:solidFill>
+            <a:schemeClr val="bg1">
+              <a:lumMod val="85000"/>
+            </a:schemeClr>
+          </a:solidFill>
+          <a:ln>
+            <a:noFill/>
+          </a:ln>
+        </p:spPr>
+        <p:style>
+          <a:lnRef idx="2">
+            <a:schemeClr val="accent1">
+              <a:shade val="50000"/>
+            </a:schemeClr>
+          </a:lnRef>
+          <a:fillRef idx="1">
+            <a:schemeClr val="accent1"/>
+          </a:fillRef>
+          <a:effectRef idx="0">
+            <a:schemeClr val="accent1"/>
+          </a:effectRef>
+          <a:fontRef idx="minor">
+            <a:schemeClr val="lt1"/>
+          </a:fontRef>
+        </p:style>
+        <p:txBody>
+          <a:bodyPr rtlCol="0" anchor="ctr"/>
+          <a:lstStyle/>
+          <a:p>
+            <a:pPr algn="ctr"/>
+            <a:r>
+              <a:rPr lang="de-DE" sz="800">
+                <a:solidFill>
+                  <a:schemeClr val="tx1"/>
+                </a:solidFill>
+              </a:rPr>
+              <a:t>Subscriber Subaccount</a:t>
+            </a:r>
+          </a:p>
+        </p:txBody>
+      </p:sp>
+      <p:sp>
+        <p:nvSpPr>
+          <p:cNvPr id="181" name="Rectangle 180">
+            <a:extLst>
+              <a:ext uri="{FF2B5EF4-FFF2-40B4-BE49-F238E27FC236}">
+                <a16:creationId xmlns:a16="http://schemas.microsoft.com/office/drawing/2014/main" id="{9DF2B9FD-0656-423E-8C31-D4DA76D81AD3}"/>
+              </a:ext>
+            </a:extLst>
+          </p:cNvPr>
+          <p:cNvSpPr/>
+          <p:nvPr/>
+        </p:nvSpPr>
+        <p:spPr>
+          <a:xfrm>
+            <a:off x="8734719" y="5457620"/>
+            <a:ext cx="779874" cy="289955"/>
+          </a:xfrm>
+          <a:prstGeom prst="rect">
+            <a:avLst/>
+          </a:prstGeom>
+          <a:solidFill>
+            <a:schemeClr val="accent5"/>
+          </a:solidFill>
+          <a:ln>
+            <a:noFill/>
+          </a:ln>
+        </p:spPr>
+        <p:style>
+          <a:lnRef idx="2">
+            <a:schemeClr val="accent1">
+              <a:shade val="50000"/>
+            </a:schemeClr>
+          </a:lnRef>
+          <a:fillRef idx="1">
+            <a:schemeClr val="accent1"/>
+          </a:fillRef>
+          <a:effectRef idx="0">
+            <a:schemeClr val="accent1"/>
+          </a:effectRef>
+          <a:fontRef idx="minor">
+            <a:schemeClr val="lt1"/>
+          </a:fontRef>
+        </p:style>
+        <p:txBody>
+          <a:bodyPr rtlCol="0" anchor="ctr"/>
+          <a:lstStyle/>
+          <a:p>
+            <a:pPr algn="ctr"/>
+            <a:r>
+              <a:rPr lang="de-DE" sz="800">
+                <a:solidFill>
+                  <a:schemeClr val="bg1"/>
+                </a:solidFill>
+              </a:rPr>
+              <a:t>S/4 Hana</a:t>
+            </a:r>
+            <a:endParaRPr lang="en-US">
+              <a:solidFill>
+                <a:schemeClr val="bg1"/>
+              </a:solidFill>
+            </a:endParaRPr>
+          </a:p>
+        </p:txBody>
+      </p:sp>
+      <p:sp>
+        <p:nvSpPr>
+          <p:cNvPr id="182" name="Rectangle 181">
+            <a:extLst>
+              <a:ext uri="{FF2B5EF4-FFF2-40B4-BE49-F238E27FC236}">
+                <a16:creationId xmlns:a16="http://schemas.microsoft.com/office/drawing/2014/main" id="{6802B2AB-9DCE-4928-ABFA-17780EC0BDE4}"/>
+              </a:ext>
+            </a:extLst>
+          </p:cNvPr>
+          <p:cNvSpPr/>
+          <p:nvPr/>
+        </p:nvSpPr>
+        <p:spPr>
+          <a:xfrm>
+            <a:off x="10452268" y="5457620"/>
+            <a:ext cx="779874" cy="289955"/>
+          </a:xfrm>
+          <a:prstGeom prst="rect">
+            <a:avLst/>
+          </a:prstGeom>
+          <a:solidFill>
+            <a:schemeClr val="accent5"/>
+          </a:solidFill>
+          <a:ln>
+            <a:noFill/>
+          </a:ln>
+        </p:spPr>
+        <p:style>
+          <a:lnRef idx="2">
+            <a:schemeClr val="accent1">
+              <a:shade val="50000"/>
+            </a:schemeClr>
+          </a:lnRef>
+          <a:fillRef idx="1">
+            <a:schemeClr val="accent1"/>
+          </a:fillRef>
+          <a:effectRef idx="0">
+            <a:schemeClr val="accent1"/>
+          </a:effectRef>
+          <a:fontRef idx="minor">
+            <a:schemeClr val="lt1"/>
+          </a:fontRef>
+        </p:style>
+        <p:txBody>
+          <a:bodyPr rtlCol="0" anchor="ctr"/>
+          <a:lstStyle/>
+          <a:p>
+            <a:pPr algn="ctr"/>
+            <a:r>
+              <a:rPr lang="de-DE" sz="800">
+                <a:solidFill>
+                  <a:schemeClr val="bg1"/>
+                </a:solidFill>
+              </a:rPr>
+              <a:t>S/4 Hana</a:t>
+            </a:r>
+            <a:endParaRPr lang="en-US">
+              <a:solidFill>
+                <a:schemeClr val="bg1"/>
+              </a:solidFill>
+            </a:endParaRPr>
+          </a:p>
+        </p:txBody>
+      </p:sp>
+      <p:cxnSp>
+        <p:nvCxnSpPr>
+          <p:cNvPr id="184" name="Straight Connector 183">
+            <a:extLst>
+              <a:ext uri="{FF2B5EF4-FFF2-40B4-BE49-F238E27FC236}">
+                <a16:creationId xmlns:a16="http://schemas.microsoft.com/office/drawing/2014/main" id="{9E844562-4A31-47A7-947E-76104023739A}"/>
+              </a:ext>
+            </a:extLst>
+          </p:cNvPr>
+          <p:cNvCxnSpPr>
+            <a:cxnSpLocks/>
+            <a:stCxn id="111" idx="0"/>
+          </p:cNvCxnSpPr>
+          <p:nvPr/>
+        </p:nvCxnSpPr>
+        <p:spPr>
+          <a:xfrm flipV="1">
+            <a:off x="6924267" y="3848914"/>
+            <a:ext cx="0" cy="1002046"/>
+          </a:xfrm>
+          <a:prstGeom prst="line">
+            <a:avLst/>
+          </a:prstGeom>
+          <a:ln>
+            <a:solidFill>
+              <a:schemeClr val="tx1"/>
+            </a:solidFill>
+          </a:ln>
+        </p:spPr>
+        <p:style>
+          <a:lnRef idx="1">
+            <a:schemeClr val="accent1"/>
+          </a:lnRef>
+          <a:fillRef idx="0">
+            <a:schemeClr val="accent1"/>
+          </a:fillRef>
+          <a:effectRef idx="0">
+            <a:schemeClr val="accent1"/>
+          </a:effectRef>
+          <a:fontRef idx="minor">
+            <a:schemeClr val="tx1"/>
+          </a:fontRef>
+        </p:style>
+      </p:cxnSp>
+      <p:cxnSp>
+        <p:nvCxnSpPr>
+          <p:cNvPr id="185" name="Straight Connector 184">
+            <a:extLst>
+              <a:ext uri="{FF2B5EF4-FFF2-40B4-BE49-F238E27FC236}">
+                <a16:creationId xmlns:a16="http://schemas.microsoft.com/office/drawing/2014/main" id="{C2FAE437-C716-46B5-808A-2E63B74886DE}"/>
+              </a:ext>
+            </a:extLst>
+          </p:cNvPr>
+          <p:cNvCxnSpPr>
+            <a:cxnSpLocks/>
+            <a:stCxn id="113" idx="0"/>
+          </p:cNvCxnSpPr>
+          <p:nvPr/>
+        </p:nvCxnSpPr>
+        <p:spPr>
+          <a:xfrm flipV="1">
+            <a:off x="8632693" y="3848914"/>
+            <a:ext cx="0" cy="1002046"/>
+          </a:xfrm>
+          <a:prstGeom prst="line">
+            <a:avLst/>
+          </a:prstGeom>
+          <a:ln>
+            <a:solidFill>
+              <a:schemeClr val="tx1"/>
+            </a:solidFill>
+          </a:ln>
+        </p:spPr>
+        <p:style>
+          <a:lnRef idx="1">
+            <a:schemeClr val="accent1"/>
+          </a:lnRef>
+          <a:fillRef idx="0">
+            <a:schemeClr val="accent1"/>
+          </a:fillRef>
+          <a:effectRef idx="0">
+            <a:schemeClr val="accent1"/>
+          </a:effectRef>
+          <a:fontRef idx="minor">
+            <a:schemeClr val="tx1"/>
+          </a:fontRef>
+        </p:style>
+      </p:cxnSp>
+      <p:cxnSp>
+        <p:nvCxnSpPr>
+          <p:cNvPr id="186" name="Straight Connector 185">
+            <a:extLst>
+              <a:ext uri="{FF2B5EF4-FFF2-40B4-BE49-F238E27FC236}">
+                <a16:creationId xmlns:a16="http://schemas.microsoft.com/office/drawing/2014/main" id="{8EB42300-227C-4BC8-9CC5-07B190B9FD49}"/>
+              </a:ext>
+            </a:extLst>
+          </p:cNvPr>
+          <p:cNvCxnSpPr>
+            <a:cxnSpLocks/>
+            <a:stCxn id="114" idx="0"/>
+          </p:cNvCxnSpPr>
+          <p:nvPr/>
+        </p:nvCxnSpPr>
+        <p:spPr>
+          <a:xfrm flipV="1">
+            <a:off x="10341119" y="3848914"/>
+            <a:ext cx="0" cy="1002046"/>
+          </a:xfrm>
+          <a:prstGeom prst="line">
+            <a:avLst/>
+          </a:prstGeom>
+          <a:ln>
+            <a:solidFill>
+              <a:schemeClr val="tx1"/>
+            </a:solidFill>
+          </a:ln>
+        </p:spPr>
+        <p:style>
+          <a:lnRef idx="1">
+            <a:schemeClr val="accent1"/>
+          </a:lnRef>
+          <a:fillRef idx="0">
+            <a:schemeClr val="accent1"/>
+          </a:fillRef>
+          <a:effectRef idx="0">
+            <a:schemeClr val="accent1"/>
+          </a:effectRef>
+          <a:fontRef idx="minor">
+            <a:schemeClr val="tx1"/>
+          </a:fontRef>
+        </p:style>
+      </p:cxnSp>
+      <p:cxnSp>
+        <p:nvCxnSpPr>
+          <p:cNvPr id="192" name="Straight Connector 191">
+            <a:extLst>
+              <a:ext uri="{FF2B5EF4-FFF2-40B4-BE49-F238E27FC236}">
+                <a16:creationId xmlns:a16="http://schemas.microsoft.com/office/drawing/2014/main" id="{33EB8ECD-EFCE-4930-80BD-670F39DB3FA4}"/>
+              </a:ext>
+            </a:extLst>
+          </p:cNvPr>
+          <p:cNvCxnSpPr>
+            <a:cxnSpLocks/>
+            <a:stCxn id="173" idx="0"/>
+          </p:cNvCxnSpPr>
+          <p:nvPr/>
+        </p:nvCxnSpPr>
+        <p:spPr>
+          <a:xfrm flipH="1" flipV="1">
+            <a:off x="7407108" y="3813520"/>
+            <a:ext cx="2204" cy="1644100"/>
+          </a:xfrm>
+          <a:prstGeom prst="line">
+            <a:avLst/>
+          </a:prstGeom>
+          <a:ln>
+            <a:solidFill>
+              <a:schemeClr val="tx1"/>
+            </a:solidFill>
+            <a:prstDash val="dash"/>
+          </a:ln>
+        </p:spPr>
+        <p:style>
+          <a:lnRef idx="1">
+            <a:schemeClr val="accent1"/>
+          </a:lnRef>
+          <a:fillRef idx="0">
+            <a:schemeClr val="accent1"/>
+          </a:fillRef>
+          <a:effectRef idx="0">
+            <a:schemeClr val="accent1"/>
+          </a:effectRef>
+          <a:fontRef idx="minor">
+            <a:schemeClr val="tx1"/>
+          </a:fontRef>
+        </p:style>
+      </p:cxnSp>
+      <p:cxnSp>
+        <p:nvCxnSpPr>
+          <p:cNvPr id="193" name="Straight Connector 192">
+            <a:extLst>
+              <a:ext uri="{FF2B5EF4-FFF2-40B4-BE49-F238E27FC236}">
+                <a16:creationId xmlns:a16="http://schemas.microsoft.com/office/drawing/2014/main" id="{1C1B7EF8-F708-4D01-BE67-A8409C159086}"/>
+              </a:ext>
+            </a:extLst>
+          </p:cNvPr>
+          <p:cNvCxnSpPr>
+            <a:cxnSpLocks/>
+            <a:stCxn id="181" idx="0"/>
+          </p:cNvCxnSpPr>
+          <p:nvPr/>
+        </p:nvCxnSpPr>
+        <p:spPr>
+          <a:xfrm flipV="1">
+            <a:off x="9124656" y="3848914"/>
+            <a:ext cx="0" cy="1608706"/>
+          </a:xfrm>
+          <a:prstGeom prst="line">
+            <a:avLst/>
+          </a:prstGeom>
+          <a:ln>
+            <a:solidFill>
+              <a:schemeClr val="tx1"/>
+            </a:solidFill>
+            <a:prstDash val="dash"/>
+          </a:ln>
+        </p:spPr>
+        <p:style>
+          <a:lnRef idx="1">
+            <a:schemeClr val="accent1"/>
+          </a:lnRef>
+          <a:fillRef idx="0">
+            <a:schemeClr val="accent1"/>
+          </a:fillRef>
+          <a:effectRef idx="0">
+            <a:schemeClr val="accent1"/>
+          </a:effectRef>
+          <a:fontRef idx="minor">
+            <a:schemeClr val="tx1"/>
+          </a:fontRef>
+        </p:style>
+      </p:cxnSp>
+      <p:cxnSp>
+        <p:nvCxnSpPr>
+          <p:cNvPr id="194" name="Straight Connector 193">
+            <a:extLst>
+              <a:ext uri="{FF2B5EF4-FFF2-40B4-BE49-F238E27FC236}">
+                <a16:creationId xmlns:a16="http://schemas.microsoft.com/office/drawing/2014/main" id="{E28E97F0-9169-4489-B025-C9D9D652B688}"/>
+              </a:ext>
+            </a:extLst>
+          </p:cNvPr>
+          <p:cNvCxnSpPr>
+            <a:cxnSpLocks/>
+            <a:stCxn id="182" idx="0"/>
+          </p:cNvCxnSpPr>
+          <p:nvPr/>
+        </p:nvCxnSpPr>
+        <p:spPr>
+          <a:xfrm flipV="1">
+            <a:off x="10842205" y="3848914"/>
+            <a:ext cx="0" cy="1608706"/>
+          </a:xfrm>
+          <a:prstGeom prst="line">
+            <a:avLst/>
+          </a:prstGeom>
+          <a:ln>
+            <a:solidFill>
+              <a:schemeClr val="tx1"/>
+            </a:solidFill>
+            <a:prstDash val="dash"/>
+          </a:ln>
+        </p:spPr>
+        <p:style>
+          <a:lnRef idx="1">
+            <a:schemeClr val="accent1"/>
+          </a:lnRef>
+          <a:fillRef idx="0">
+            <a:schemeClr val="accent1"/>
+          </a:fillRef>
+          <a:effectRef idx="0">
+            <a:schemeClr val="accent1"/>
+          </a:effectRef>
+          <a:fontRef idx="minor">
+            <a:schemeClr val="tx1"/>
+          </a:fontRef>
+        </p:style>
+      </p:cxnSp>
+      <p:sp>
+        <p:nvSpPr>
+          <p:cNvPr id="204" name="TextBox 203">
+            <a:extLst>
+              <a:ext uri="{FF2B5EF4-FFF2-40B4-BE49-F238E27FC236}">
+                <a16:creationId xmlns:a16="http://schemas.microsoft.com/office/drawing/2014/main" id="{9AB43506-597F-4AB6-B06D-FDB80D68CDCC}"/>
+              </a:ext>
+            </a:extLst>
+          </p:cNvPr>
+          <p:cNvSpPr txBox="1"/>
+          <p:nvPr/>
+        </p:nvSpPr>
+        <p:spPr>
+          <a:xfrm>
+            <a:off x="766253" y="1001956"/>
+            <a:ext cx="2452122" cy="369332"/>
+          </a:xfrm>
+          <a:prstGeom prst="rect">
+            <a:avLst/>
+          </a:prstGeom>
+          <a:noFill/>
+        </p:spPr>
+        <p:txBody>
+          <a:bodyPr wrap="square" rtlCol="0">
+            <a:spAutoFit/>
+          </a:bodyPr>
+          <a:lstStyle/>
+          <a:p>
+            <a:r>
+              <a:rPr lang="de-DE"/>
+              <a:t>Consumer SaaS</a:t>
+            </a:r>
+            <a:endParaRPr lang="en-US"/>
+          </a:p>
+        </p:txBody>
+      </p:sp>
+      <p:sp>
+        <p:nvSpPr>
+          <p:cNvPr id="205" name="TextBox 204">
+            <a:extLst>
+              <a:ext uri="{FF2B5EF4-FFF2-40B4-BE49-F238E27FC236}">
+                <a16:creationId xmlns:a16="http://schemas.microsoft.com/office/drawing/2014/main" id="{AF515CE7-BD9C-435A-A262-4E4881A9F245}"/>
+              </a:ext>
+            </a:extLst>
+          </p:cNvPr>
+          <p:cNvSpPr txBox="1"/>
+          <p:nvPr/>
+        </p:nvSpPr>
+        <p:spPr>
+          <a:xfrm>
+            <a:off x="6493026" y="1001956"/>
+            <a:ext cx="2452122" cy="369332"/>
+          </a:xfrm>
+          <a:prstGeom prst="rect">
+            <a:avLst/>
+          </a:prstGeom>
+          <a:noFill/>
+        </p:spPr>
+        <p:txBody>
+          <a:bodyPr wrap="square" rtlCol="0">
+            <a:spAutoFit/>
+          </a:bodyPr>
+          <a:lstStyle/>
+          <a:p>
+            <a:r>
+              <a:rPr lang="de-DE"/>
+              <a:t>Extension SaaS</a:t>
+            </a:r>
+            <a:endParaRPr lang="en-US"/>
+          </a:p>
+        </p:txBody>
+      </p:sp>
+      <p:sp>
+        <p:nvSpPr>
+          <p:cNvPr id="72" name="Rounded Rectangle 71">
+            <a:extLst>
+              <a:ext uri="{FF2B5EF4-FFF2-40B4-BE49-F238E27FC236}">
+                <a16:creationId xmlns:a16="http://schemas.microsoft.com/office/drawing/2014/main" id="{32B8444E-2A3B-4449-9207-45458CEE9B77}"/>
+              </a:ext>
+            </a:extLst>
+          </p:cNvPr>
+          <p:cNvSpPr/>
+          <p:nvPr/>
+        </p:nvSpPr>
+        <p:spPr>
+          <a:xfrm>
+            <a:off x="6262956" y="842794"/>
+            <a:ext cx="5297084" cy="5172411"/>
+          </a:xfrm>
+          <a:prstGeom prst="roundRect">
+            <a:avLst>
+              <a:gd name="adj" fmla="val 2720"/>
+            </a:avLst>
+          </a:prstGeom>
+          <a:noFill/>
+          <a:ln w="38100">
+            <a:solidFill>
+              <a:schemeClr val="accent4"/>
+            </a:solidFill>
+            <a:prstDash val="dash"/>
+          </a:ln>
+        </p:spPr>
+        <p:style>
+          <a:lnRef idx="2">
+            <a:schemeClr val="accent1">
+              <a:shade val="50000"/>
+            </a:schemeClr>
+          </a:lnRef>
+          <a:fillRef idx="1">
+            <a:schemeClr val="accent1"/>
+          </a:fillRef>
+          <a:effectRef idx="0">
+            <a:schemeClr val="accent1"/>
+          </a:effectRef>
+          <a:fontRef idx="minor">
+            <a:schemeClr val="lt1"/>
+          </a:fontRef>
+        </p:style>
+        <p:txBody>
+          <a:bodyPr rtlCol="0" anchor="ctr"/>
+          <a:lstStyle/>
+          <a:p>
+            <a:pPr algn="ctr"/>
+            <a:endParaRPr lang="en-DE"/>
+          </a:p>
+        </p:txBody>
+      </p:sp>
     </p:spTree>
     <p:extLst>
       <p:ext uri="{BB962C8B-B14F-4D97-AF65-F5344CB8AC3E}">
-        <p14:creationId xmlns:p14="http://schemas.microsoft.com/office/powerpoint/2010/main" val="1793066383"/>
+        <p14:creationId xmlns:p14="http://schemas.microsoft.com/office/powerpoint/2010/main" val="3205055665"/>
       </p:ext>
     </p:extLst>
   </p:cSld>
   <p:clrMapOvr>
     <a:masterClrMapping/>
   </p:clrMapOvr>
+  <p:timing>
+    <p:tnLst>
+      <p:par>
+        <p:cTn id="1" dur="indefinite" restart="never" nodeType="tmRoot">
+          <p:childTnLst>
+            <p:seq concurrent="1" nextAc="seek">
+              <p:cTn id="2" dur="indefinite" nodeType="mainSeq">
+                <p:childTnLst>
+                  <p:par>
+                    <p:cTn id="3" fill="hold">
+                      <p:stCondLst>
+                        <p:cond delay="indefinite"/>
+                      </p:stCondLst>
+                      <p:childTnLst>
+                        <p:par>
+                          <p:cTn id="4" fill="hold">
+                            <p:stCondLst>
+                              <p:cond delay="0"/>
+                            </p:stCondLst>
+                            <p:childTnLst>
+                              <p:par>
+                                <p:cTn id="5" presetID="21" presetClass="entr" presetSubtype="1" fill="hold" grpId="0" nodeType="clickEffect">
+                                  <p:stCondLst>
+                                    <p:cond delay="0"/>
+                                  </p:stCondLst>
+                                  <p:childTnLst>
+                                    <p:set>
+                                      <p:cBhvr>
+                                        <p:cTn id="6" dur="1" fill="hold">
+                                          <p:stCondLst>
+                                            <p:cond delay="0"/>
+                                          </p:stCondLst>
+                                        </p:cTn>
+                                        <p:tgtEl>
+                                          <p:spTgt spid="72"/>
+                                        </p:tgtEl>
+                                        <p:attrNameLst>
+                                          <p:attrName>style.visibility</p:attrName>
+                                        </p:attrNameLst>
+                                      </p:cBhvr>
+                                      <p:to>
+                                        <p:strVal val="visible"/>
+                                      </p:to>
+                                    </p:set>
+                                    <p:animEffect transition="in" filter="wheel(1)">
+                                      <p:cBhvr>
+                                        <p:cTn id="7" dur="2000"/>
+                                        <p:tgtEl>
+                                          <p:spTgt spid="72"/>
+                                        </p:tgtEl>
+                                      </p:cBhvr>
+                                    </p:animEffect>
+                                  </p:childTnLst>
+                                </p:cTn>
+                              </p:par>
+                            </p:childTnLst>
+                          </p:cTn>
+                        </p:par>
+                      </p:childTnLst>
+                    </p:cTn>
+                  </p:par>
+                </p:childTnLst>
+              </p:cTn>
+              <p:prevCondLst>
+                <p:cond evt="onPrev" delay="0">
+                  <p:tgtEl>
+                    <p:sldTgt/>
+                  </p:tgtEl>
+                </p:cond>
+              </p:prevCondLst>
+              <p:nextCondLst>
+                <p:cond evt="onNext" delay="0">
+                  <p:tgtEl>
+                    <p:sldTgt/>
+                  </p:tgtEl>
+                </p:cond>
+              </p:nextCondLst>
+            </p:seq>
+          </p:childTnLst>
+        </p:cTn>
+      </p:par>
+    </p:tnLst>
+    <p:bldLst>
+      <p:bldP spid="72" grpId="0" animBg="1"/>
+    </p:bldLst>
+  </p:timing>
 </p:sld>
 </file>
 

--- a/documentation/images/easyfranchise-diagrams.pptx
+++ b/documentation/images/easyfranchise-diagrams.pptx
@@ -270,7 +270,7 @@
           <a:p>
             <a:fld id="{11055433-DDDA-1147-A71A-BE0AE55CB161}" type="datetimeFigureOut">
               <a:rPr lang="en-DE" smtClean="0"/>
-              <a:t>15.12.21</a:t>
+              <a:t>01/24/2022</a:t>
             </a:fld>
             <a:endParaRPr lang="en-DE"/>
           </a:p>
@@ -470,7 +470,7 @@
           <a:p>
             <a:fld id="{11055433-DDDA-1147-A71A-BE0AE55CB161}" type="datetimeFigureOut">
               <a:rPr lang="en-DE" smtClean="0"/>
-              <a:t>15.12.21</a:t>
+              <a:t>01/24/2022</a:t>
             </a:fld>
             <a:endParaRPr lang="en-DE"/>
           </a:p>
@@ -680,7 +680,7 @@
           <a:p>
             <a:fld id="{11055433-DDDA-1147-A71A-BE0AE55CB161}" type="datetimeFigureOut">
               <a:rPr lang="en-DE" smtClean="0"/>
-              <a:t>15.12.21</a:t>
+              <a:t>01/24/2022</a:t>
             </a:fld>
             <a:endParaRPr lang="en-DE"/>
           </a:p>
@@ -880,7 +880,7 @@
           <a:p>
             <a:fld id="{6108F170-7087-4325-8F5D-6140410ED24A}" type="datetimeFigureOut">
               <a:rPr lang="de-DE" smtClean="0"/>
-              <a:t>15.12.21</a:t>
+              <a:t>24.01.2022</a:t>
             </a:fld>
             <a:endParaRPr lang="de-DE"/>
           </a:p>
@@ -1186,7 +1186,7 @@
           <a:p>
             <a:fld id="{11055433-DDDA-1147-A71A-BE0AE55CB161}" type="datetimeFigureOut">
               <a:rPr lang="en-DE" smtClean="0"/>
-              <a:t>15.12.21</a:t>
+              <a:t>01/24/2022</a:t>
             </a:fld>
             <a:endParaRPr lang="en-DE"/>
           </a:p>
@@ -1454,7 +1454,7 @@
           <a:p>
             <a:fld id="{11055433-DDDA-1147-A71A-BE0AE55CB161}" type="datetimeFigureOut">
               <a:rPr lang="en-DE" smtClean="0"/>
-              <a:t>15.12.21</a:t>
+              <a:t>01/24/2022</a:t>
             </a:fld>
             <a:endParaRPr lang="en-DE"/>
           </a:p>
@@ -1869,7 +1869,7 @@
           <a:p>
             <a:fld id="{11055433-DDDA-1147-A71A-BE0AE55CB161}" type="datetimeFigureOut">
               <a:rPr lang="en-DE" smtClean="0"/>
-              <a:t>15.12.21</a:t>
+              <a:t>01/24/2022</a:t>
             </a:fld>
             <a:endParaRPr lang="en-DE"/>
           </a:p>
@@ -2011,7 +2011,7 @@
           <a:p>
             <a:fld id="{11055433-DDDA-1147-A71A-BE0AE55CB161}" type="datetimeFigureOut">
               <a:rPr lang="en-DE" smtClean="0"/>
-              <a:t>15.12.21</a:t>
+              <a:t>01/24/2022</a:t>
             </a:fld>
             <a:endParaRPr lang="en-DE"/>
           </a:p>
@@ -2124,7 +2124,7 @@
           <a:p>
             <a:fld id="{11055433-DDDA-1147-A71A-BE0AE55CB161}" type="datetimeFigureOut">
               <a:rPr lang="en-DE" smtClean="0"/>
-              <a:t>15.12.21</a:t>
+              <a:t>01/24/2022</a:t>
             </a:fld>
             <a:endParaRPr lang="en-DE"/>
           </a:p>
@@ -2437,7 +2437,7 @@
           <a:p>
             <a:fld id="{11055433-DDDA-1147-A71A-BE0AE55CB161}" type="datetimeFigureOut">
               <a:rPr lang="en-DE" smtClean="0"/>
-              <a:t>15.12.21</a:t>
+              <a:t>01/24/2022</a:t>
             </a:fld>
             <a:endParaRPr lang="en-DE"/>
           </a:p>
@@ -2726,7 +2726,7 @@
           <a:p>
             <a:fld id="{11055433-DDDA-1147-A71A-BE0AE55CB161}" type="datetimeFigureOut">
               <a:rPr lang="en-DE" smtClean="0"/>
-              <a:t>15.12.21</a:t>
+              <a:t>01/24/2022</a:t>
             </a:fld>
             <a:endParaRPr lang="en-DE"/>
           </a:p>
@@ -2969,7 +2969,7 @@
           <a:p>
             <a:fld id="{11055433-DDDA-1147-A71A-BE0AE55CB161}" type="datetimeFigureOut">
               <a:rPr lang="en-DE" smtClean="0"/>
-              <a:t>15.12.21</a:t>
+              <a:t>01/24/2022</a:t>
             </a:fld>
             <a:endParaRPr lang="en-DE"/>
           </a:p>
@@ -5075,8 +5075,8 @@
         </p:nvSpPr>
         <p:spPr>
           <a:xfrm>
-            <a:off x="8584142" y="1740707"/>
-            <a:ext cx="1773504" cy="1200329"/>
+            <a:off x="8584142" y="1854251"/>
+            <a:ext cx="1773504" cy="923330"/>
           </a:xfrm>
           <a:prstGeom prst="rect">
             <a:avLst/>
@@ -5092,11 +5092,7 @@
             <a:pPr algn="ctr"/>
             <a:r>
               <a:rPr lang="en-GB" dirty="0"/>
-              <a:t>Easy Franchise (UAA) Viewer Role Collection </a:t>
-            </a:r>
-            <a:r>
-              <a:rPr lang="en-GB" dirty="0" err="1"/>
-              <a:t>easyfranchise</a:t>
+              <a:t>Easy Franchise Viewer (basis-mission)</a:t>
             </a:r>
             <a:endParaRPr lang="en-DE" dirty="0"/>
           </a:p>
@@ -5116,8 +5112,8 @@
         </p:nvSpPr>
         <p:spPr>
           <a:xfrm>
-            <a:off x="8558934" y="3651460"/>
-            <a:ext cx="1823919" cy="1200329"/>
+            <a:off x="8558934" y="3759970"/>
+            <a:ext cx="1823919" cy="923330"/>
           </a:xfrm>
           <a:prstGeom prst="rect">
             <a:avLst/>
@@ -5133,11 +5129,7 @@
             <a:pPr algn="ctr"/>
             <a:r>
               <a:rPr lang="en-GB" dirty="0"/>
-              <a:t>Easy Franchise (UAA) Backend Role Collection </a:t>
-            </a:r>
-            <a:r>
-              <a:rPr lang="en-GB" dirty="0" err="1"/>
-              <a:t>easyfranchise</a:t>
+              <a:t>Easy Franchise Backend (basis-mission)</a:t>
             </a:r>
             <a:endParaRPr lang="en-DE" dirty="0"/>
           </a:p>

--- a/documentation/images/easyfranchise-diagrams.pptx
+++ b/documentation/images/easyfranchise-diagrams.pptx
@@ -4,6 +4,9 @@
   <p:sldMasterIdLst>
     <p:sldMasterId id="2147483648" r:id="rId1"/>
   </p:sldMasterIdLst>
+  <p:notesMasterIdLst>
+    <p:notesMasterId r:id="rId12"/>
+  </p:notesMasterIdLst>
   <p:sldIdLst>
     <p:sldId id="256" r:id="rId2"/>
     <p:sldId id="258" r:id="rId3"/>
@@ -121,6 +124,440 @@
 </p:presentation>
 </file>
 
+<file path=ppt/notesMasters/notesMaster1.xml><?xml version="1.0" encoding="utf-8"?>
+<p:notesMaster xmlns:a="http://schemas.openxmlformats.org/drawingml/2006/main" xmlns:r="http://schemas.openxmlformats.org/officeDocument/2006/relationships" xmlns:p="http://schemas.openxmlformats.org/presentationml/2006/main">
+  <p:cSld>
+    <p:bg>
+      <p:bgRef idx="1001">
+        <a:schemeClr val="bg1"/>
+      </p:bgRef>
+    </p:bg>
+    <p:spTree>
+      <p:nvGrpSpPr>
+        <p:cNvPr id="1" name=""/>
+        <p:cNvGrpSpPr/>
+        <p:nvPr/>
+      </p:nvGrpSpPr>
+      <p:grpSpPr>
+        <a:xfrm>
+          <a:off x="0" y="0"/>
+          <a:ext cx="0" cy="0"/>
+          <a:chOff x="0" y="0"/>
+          <a:chExt cx="0" cy="0"/>
+        </a:xfrm>
+      </p:grpSpPr>
+      <p:sp>
+        <p:nvSpPr>
+          <p:cNvPr id="2" name="Header Placeholder 1"/>
+          <p:cNvSpPr>
+            <a:spLocks noGrp="1"/>
+          </p:cNvSpPr>
+          <p:nvPr>
+            <p:ph type="hdr" sz="quarter"/>
+          </p:nvPr>
+        </p:nvSpPr>
+        <p:spPr>
+          <a:xfrm>
+            <a:off x="0" y="0"/>
+            <a:ext cx="2971800" cy="458788"/>
+          </a:xfrm>
+          <a:prstGeom prst="rect">
+            <a:avLst/>
+          </a:prstGeom>
+        </p:spPr>
+        <p:txBody>
+          <a:bodyPr vert="horz" lIns="91440" tIns="45720" rIns="91440" bIns="45720" rtlCol="0"/>
+          <a:lstStyle>
+            <a:lvl1pPr algn="l">
+              <a:defRPr sz="1200"/>
+            </a:lvl1pPr>
+          </a:lstStyle>
+          <a:p>
+            <a:endParaRPr lang="de-DE"/>
+          </a:p>
+        </p:txBody>
+      </p:sp>
+      <p:sp>
+        <p:nvSpPr>
+          <p:cNvPr id="3" name="Date Placeholder 2"/>
+          <p:cNvSpPr>
+            <a:spLocks noGrp="1"/>
+          </p:cNvSpPr>
+          <p:nvPr>
+            <p:ph type="dt" idx="1"/>
+          </p:nvPr>
+        </p:nvSpPr>
+        <p:spPr>
+          <a:xfrm>
+            <a:off x="3884613" y="0"/>
+            <a:ext cx="2971800" cy="458788"/>
+          </a:xfrm>
+          <a:prstGeom prst="rect">
+            <a:avLst/>
+          </a:prstGeom>
+        </p:spPr>
+        <p:txBody>
+          <a:bodyPr vert="horz" lIns="91440" tIns="45720" rIns="91440" bIns="45720" rtlCol="0"/>
+          <a:lstStyle>
+            <a:lvl1pPr algn="r">
+              <a:defRPr sz="1200"/>
+            </a:lvl1pPr>
+          </a:lstStyle>
+          <a:p>
+            <a:fld id="{A0BC70EC-B13C-43DA-847A-8A78DD1DEEEE}" type="datetimeFigureOut">
+              <a:rPr lang="de-DE" smtClean="0"/>
+              <a:t>16.02.2023</a:t>
+            </a:fld>
+            <a:endParaRPr lang="de-DE"/>
+          </a:p>
+        </p:txBody>
+      </p:sp>
+      <p:sp>
+        <p:nvSpPr>
+          <p:cNvPr id="4" name="Slide Image Placeholder 3"/>
+          <p:cNvSpPr>
+            <a:spLocks noGrp="1" noRot="1" noChangeAspect="1"/>
+          </p:cNvSpPr>
+          <p:nvPr>
+            <p:ph type="sldImg" idx="2"/>
+          </p:nvPr>
+        </p:nvSpPr>
+        <p:spPr>
+          <a:xfrm>
+            <a:off x="685800" y="1143000"/>
+            <a:ext cx="5486400" cy="3086100"/>
+          </a:xfrm>
+          <a:prstGeom prst="rect">
+            <a:avLst/>
+          </a:prstGeom>
+          <a:noFill/>
+          <a:ln w="12700">
+            <a:solidFill>
+              <a:prstClr val="black"/>
+            </a:solidFill>
+          </a:ln>
+        </p:spPr>
+        <p:txBody>
+          <a:bodyPr vert="horz" lIns="91440" tIns="45720" rIns="91440" bIns="45720" rtlCol="0" anchor="ctr"/>
+          <a:lstStyle/>
+          <a:p>
+            <a:endParaRPr lang="de-DE"/>
+          </a:p>
+        </p:txBody>
+      </p:sp>
+      <p:sp>
+        <p:nvSpPr>
+          <p:cNvPr id="5" name="Notes Placeholder 4"/>
+          <p:cNvSpPr>
+            <a:spLocks noGrp="1"/>
+          </p:cNvSpPr>
+          <p:nvPr>
+            <p:ph type="body" sz="quarter" idx="3"/>
+          </p:nvPr>
+        </p:nvSpPr>
+        <p:spPr>
+          <a:xfrm>
+            <a:off x="685800" y="4400550"/>
+            <a:ext cx="5486400" cy="3600450"/>
+          </a:xfrm>
+          <a:prstGeom prst="rect">
+            <a:avLst/>
+          </a:prstGeom>
+        </p:spPr>
+        <p:txBody>
+          <a:bodyPr vert="horz" lIns="91440" tIns="45720" rIns="91440" bIns="45720" rtlCol="0"/>
+          <a:lstStyle/>
+          <a:p>
+            <a:pPr lvl="0"/>
+            <a:r>
+              <a:rPr lang="en-US"/>
+              <a:t>Click to edit Master text styles</a:t>
+            </a:r>
+          </a:p>
+          <a:p>
+            <a:pPr lvl="1"/>
+            <a:r>
+              <a:rPr lang="en-US"/>
+              <a:t>Second level</a:t>
+            </a:r>
+          </a:p>
+          <a:p>
+            <a:pPr lvl="2"/>
+            <a:r>
+              <a:rPr lang="en-US"/>
+              <a:t>Third level</a:t>
+            </a:r>
+          </a:p>
+          <a:p>
+            <a:pPr lvl="3"/>
+            <a:r>
+              <a:rPr lang="en-US"/>
+              <a:t>Fourth level</a:t>
+            </a:r>
+          </a:p>
+          <a:p>
+            <a:pPr lvl="4"/>
+            <a:r>
+              <a:rPr lang="en-US"/>
+              <a:t>Fifth level</a:t>
+            </a:r>
+            <a:endParaRPr lang="de-DE"/>
+          </a:p>
+        </p:txBody>
+      </p:sp>
+      <p:sp>
+        <p:nvSpPr>
+          <p:cNvPr id="6" name="Footer Placeholder 5"/>
+          <p:cNvSpPr>
+            <a:spLocks noGrp="1"/>
+          </p:cNvSpPr>
+          <p:nvPr>
+            <p:ph type="ftr" sz="quarter" idx="4"/>
+          </p:nvPr>
+        </p:nvSpPr>
+        <p:spPr>
+          <a:xfrm>
+            <a:off x="0" y="8685213"/>
+            <a:ext cx="2971800" cy="458787"/>
+          </a:xfrm>
+          <a:prstGeom prst="rect">
+            <a:avLst/>
+          </a:prstGeom>
+        </p:spPr>
+        <p:txBody>
+          <a:bodyPr vert="horz" lIns="91440" tIns="45720" rIns="91440" bIns="45720" rtlCol="0" anchor="b"/>
+          <a:lstStyle>
+            <a:lvl1pPr algn="l">
+              <a:defRPr sz="1200"/>
+            </a:lvl1pPr>
+          </a:lstStyle>
+          <a:p>
+            <a:endParaRPr lang="de-DE"/>
+          </a:p>
+        </p:txBody>
+      </p:sp>
+      <p:sp>
+        <p:nvSpPr>
+          <p:cNvPr id="7" name="Slide Number Placeholder 6"/>
+          <p:cNvSpPr>
+            <a:spLocks noGrp="1"/>
+          </p:cNvSpPr>
+          <p:nvPr>
+            <p:ph type="sldNum" sz="quarter" idx="5"/>
+          </p:nvPr>
+        </p:nvSpPr>
+        <p:spPr>
+          <a:xfrm>
+            <a:off x="3884613" y="8685213"/>
+            <a:ext cx="2971800" cy="458787"/>
+          </a:xfrm>
+          <a:prstGeom prst="rect">
+            <a:avLst/>
+          </a:prstGeom>
+        </p:spPr>
+        <p:txBody>
+          <a:bodyPr vert="horz" lIns="91440" tIns="45720" rIns="91440" bIns="45720" rtlCol="0" anchor="b"/>
+          <a:lstStyle>
+            <a:lvl1pPr algn="r">
+              <a:defRPr sz="1200"/>
+            </a:lvl1pPr>
+          </a:lstStyle>
+          <a:p>
+            <a:fld id="{E07891BC-AA88-4EB8-B78B-F8B7CAE97EBE}" type="slidenum">
+              <a:rPr lang="de-DE" smtClean="0"/>
+              <a:t>‹#›</a:t>
+            </a:fld>
+            <a:endParaRPr lang="de-DE"/>
+          </a:p>
+        </p:txBody>
+      </p:sp>
+    </p:spTree>
+    <p:extLst>
+      <p:ext uri="{BB962C8B-B14F-4D97-AF65-F5344CB8AC3E}">
+        <p14:creationId xmlns:p14="http://schemas.microsoft.com/office/powerpoint/2010/main" val="696707280"/>
+      </p:ext>
+    </p:extLst>
+  </p:cSld>
+  <p:clrMap bg1="lt1" tx1="dk1" bg2="lt2" tx2="dk2" accent1="accent1" accent2="accent2" accent3="accent3" accent4="accent4" accent5="accent5" accent6="accent6" hlink="hlink" folHlink="folHlink"/>
+  <p:notesStyle>
+    <a:lvl1pPr marL="0" algn="l" defTabSz="914400" rtl="0" eaLnBrk="1" latinLnBrk="0" hangingPunct="1">
+      <a:defRPr sz="1200" kern="1200">
+        <a:solidFill>
+          <a:schemeClr val="tx1"/>
+        </a:solidFill>
+        <a:latin typeface="+mn-lt"/>
+        <a:ea typeface="+mn-ea"/>
+        <a:cs typeface="+mn-cs"/>
+      </a:defRPr>
+    </a:lvl1pPr>
+    <a:lvl2pPr marL="457200" algn="l" defTabSz="914400" rtl="0" eaLnBrk="1" latinLnBrk="0" hangingPunct="1">
+      <a:defRPr sz="1200" kern="1200">
+        <a:solidFill>
+          <a:schemeClr val="tx1"/>
+        </a:solidFill>
+        <a:latin typeface="+mn-lt"/>
+        <a:ea typeface="+mn-ea"/>
+        <a:cs typeface="+mn-cs"/>
+      </a:defRPr>
+    </a:lvl2pPr>
+    <a:lvl3pPr marL="914400" algn="l" defTabSz="914400" rtl="0" eaLnBrk="1" latinLnBrk="0" hangingPunct="1">
+      <a:defRPr sz="1200" kern="1200">
+        <a:solidFill>
+          <a:schemeClr val="tx1"/>
+        </a:solidFill>
+        <a:latin typeface="+mn-lt"/>
+        <a:ea typeface="+mn-ea"/>
+        <a:cs typeface="+mn-cs"/>
+      </a:defRPr>
+    </a:lvl3pPr>
+    <a:lvl4pPr marL="1371600" algn="l" defTabSz="914400" rtl="0" eaLnBrk="1" latinLnBrk="0" hangingPunct="1">
+      <a:defRPr sz="1200" kern="1200">
+        <a:solidFill>
+          <a:schemeClr val="tx1"/>
+        </a:solidFill>
+        <a:latin typeface="+mn-lt"/>
+        <a:ea typeface="+mn-ea"/>
+        <a:cs typeface="+mn-cs"/>
+      </a:defRPr>
+    </a:lvl4pPr>
+    <a:lvl5pPr marL="1828800" algn="l" defTabSz="914400" rtl="0" eaLnBrk="1" latinLnBrk="0" hangingPunct="1">
+      <a:defRPr sz="1200" kern="1200">
+        <a:solidFill>
+          <a:schemeClr val="tx1"/>
+        </a:solidFill>
+        <a:latin typeface="+mn-lt"/>
+        <a:ea typeface="+mn-ea"/>
+        <a:cs typeface="+mn-cs"/>
+      </a:defRPr>
+    </a:lvl5pPr>
+    <a:lvl6pPr marL="2286000" algn="l" defTabSz="914400" rtl="0" eaLnBrk="1" latinLnBrk="0" hangingPunct="1">
+      <a:defRPr sz="1200" kern="1200">
+        <a:solidFill>
+          <a:schemeClr val="tx1"/>
+        </a:solidFill>
+        <a:latin typeface="+mn-lt"/>
+        <a:ea typeface="+mn-ea"/>
+        <a:cs typeface="+mn-cs"/>
+      </a:defRPr>
+    </a:lvl6pPr>
+    <a:lvl7pPr marL="2743200" algn="l" defTabSz="914400" rtl="0" eaLnBrk="1" latinLnBrk="0" hangingPunct="1">
+      <a:defRPr sz="1200" kern="1200">
+        <a:solidFill>
+          <a:schemeClr val="tx1"/>
+        </a:solidFill>
+        <a:latin typeface="+mn-lt"/>
+        <a:ea typeface="+mn-ea"/>
+        <a:cs typeface="+mn-cs"/>
+      </a:defRPr>
+    </a:lvl7pPr>
+    <a:lvl8pPr marL="3200400" algn="l" defTabSz="914400" rtl="0" eaLnBrk="1" latinLnBrk="0" hangingPunct="1">
+      <a:defRPr sz="1200" kern="1200">
+        <a:solidFill>
+          <a:schemeClr val="tx1"/>
+        </a:solidFill>
+        <a:latin typeface="+mn-lt"/>
+        <a:ea typeface="+mn-ea"/>
+        <a:cs typeface="+mn-cs"/>
+      </a:defRPr>
+    </a:lvl8pPr>
+    <a:lvl9pPr marL="3657600" algn="l" defTabSz="914400" rtl="0" eaLnBrk="1" latinLnBrk="0" hangingPunct="1">
+      <a:defRPr sz="1200" kern="1200">
+        <a:solidFill>
+          <a:schemeClr val="tx1"/>
+        </a:solidFill>
+        <a:latin typeface="+mn-lt"/>
+        <a:ea typeface="+mn-ea"/>
+        <a:cs typeface="+mn-cs"/>
+      </a:defRPr>
+    </a:lvl9pPr>
+  </p:notesStyle>
+</p:notesMaster>
+</file>
+
+<file path=ppt/notesSlides/notesSlide1.xml><?xml version="1.0" encoding="utf-8"?>
+<p:notes xmlns:a="http://schemas.openxmlformats.org/drawingml/2006/main" xmlns:r="http://schemas.openxmlformats.org/officeDocument/2006/relationships" xmlns:p="http://schemas.openxmlformats.org/presentationml/2006/main">
+  <p:cSld>
+    <p:spTree>
+      <p:nvGrpSpPr>
+        <p:cNvPr id="1" name=""/>
+        <p:cNvGrpSpPr/>
+        <p:nvPr/>
+      </p:nvGrpSpPr>
+      <p:grpSpPr>
+        <a:xfrm>
+          <a:off x="0" y="0"/>
+          <a:ext cx="0" cy="0"/>
+          <a:chOff x="0" y="0"/>
+          <a:chExt cx="0" cy="0"/>
+        </a:xfrm>
+      </p:grpSpPr>
+      <p:sp>
+        <p:nvSpPr>
+          <p:cNvPr id="2" name="Slide Image Placeholder 1"/>
+          <p:cNvSpPr>
+            <a:spLocks noGrp="1" noRot="1" noChangeAspect="1"/>
+          </p:cNvSpPr>
+          <p:nvPr>
+            <p:ph type="sldImg"/>
+          </p:nvPr>
+        </p:nvSpPr>
+        <p:spPr/>
+      </p:sp>
+      <p:sp>
+        <p:nvSpPr>
+          <p:cNvPr id="3" name="Notes Placeholder 2"/>
+          <p:cNvSpPr>
+            <a:spLocks noGrp="1"/>
+          </p:cNvSpPr>
+          <p:nvPr>
+            <p:ph type="body" idx="1"/>
+          </p:nvPr>
+        </p:nvSpPr>
+        <p:spPr/>
+        <p:txBody>
+          <a:bodyPr/>
+          <a:lstStyle/>
+          <a:p>
+            <a:endParaRPr lang="de-DE" dirty="0"/>
+          </a:p>
+        </p:txBody>
+      </p:sp>
+      <p:sp>
+        <p:nvSpPr>
+          <p:cNvPr id="4" name="Slide Number Placeholder 3"/>
+          <p:cNvSpPr>
+            <a:spLocks noGrp="1"/>
+          </p:cNvSpPr>
+          <p:nvPr>
+            <p:ph type="sldNum" sz="quarter" idx="5"/>
+          </p:nvPr>
+        </p:nvSpPr>
+        <p:spPr/>
+        <p:txBody>
+          <a:bodyPr/>
+          <a:lstStyle/>
+          <a:p>
+            <a:fld id="{E07891BC-AA88-4EB8-B78B-F8B7CAE97EBE}" type="slidenum">
+              <a:rPr lang="de-DE" smtClean="0"/>
+              <a:t>4</a:t>
+            </a:fld>
+            <a:endParaRPr lang="de-DE"/>
+          </a:p>
+        </p:txBody>
+      </p:sp>
+    </p:spTree>
+    <p:extLst>
+      <p:ext uri="{BB962C8B-B14F-4D97-AF65-F5344CB8AC3E}">
+        <p14:creationId xmlns:p14="http://schemas.microsoft.com/office/powerpoint/2010/main" val="1963487078"/>
+      </p:ext>
+    </p:extLst>
+  </p:cSld>
+  <p:clrMapOvr>
+    <a:masterClrMapping/>
+  </p:clrMapOvr>
+</p:notes>
+</file>
+
 <file path=ppt/slideLayouts/slideLayout1.xml><?xml version="1.0" encoding="utf-8"?>
 <p:sldLayout xmlns:a="http://schemas.openxmlformats.org/drawingml/2006/main" xmlns:r="http://schemas.openxmlformats.org/officeDocument/2006/relationships" xmlns:p="http://schemas.openxmlformats.org/presentationml/2006/main" type="title" preserve="1">
   <p:cSld name="Title Slide">
@@ -270,7 +707,7 @@
           <a:p>
             <a:fld id="{11055433-DDDA-1147-A71A-BE0AE55CB161}" type="datetimeFigureOut">
               <a:rPr lang="en-DE" smtClean="0"/>
-              <a:t>01/24/2022</a:t>
+              <a:t>16/02/2023</a:t>
             </a:fld>
             <a:endParaRPr lang="en-DE"/>
           </a:p>
@@ -470,7 +907,7 @@
           <a:p>
             <a:fld id="{11055433-DDDA-1147-A71A-BE0AE55CB161}" type="datetimeFigureOut">
               <a:rPr lang="en-DE" smtClean="0"/>
-              <a:t>01/24/2022</a:t>
+              <a:t>16/02/2023</a:t>
             </a:fld>
             <a:endParaRPr lang="en-DE"/>
           </a:p>
@@ -680,7 +1117,7 @@
           <a:p>
             <a:fld id="{11055433-DDDA-1147-A71A-BE0AE55CB161}" type="datetimeFigureOut">
               <a:rPr lang="en-DE" smtClean="0"/>
-              <a:t>01/24/2022</a:t>
+              <a:t>16/02/2023</a:t>
             </a:fld>
             <a:endParaRPr lang="en-DE"/>
           </a:p>
@@ -880,7 +1317,7 @@
           <a:p>
             <a:fld id="{6108F170-7087-4325-8F5D-6140410ED24A}" type="datetimeFigureOut">
               <a:rPr lang="de-DE" smtClean="0"/>
-              <a:t>24.01.2022</a:t>
+              <a:t>16.02.2023</a:t>
             </a:fld>
             <a:endParaRPr lang="de-DE"/>
           </a:p>
@@ -1186,7 +1623,7 @@
           <a:p>
             <a:fld id="{11055433-DDDA-1147-A71A-BE0AE55CB161}" type="datetimeFigureOut">
               <a:rPr lang="en-DE" smtClean="0"/>
-              <a:t>01/24/2022</a:t>
+              <a:t>16/02/2023</a:t>
             </a:fld>
             <a:endParaRPr lang="en-DE"/>
           </a:p>
@@ -1454,7 +1891,7 @@
           <a:p>
             <a:fld id="{11055433-DDDA-1147-A71A-BE0AE55CB161}" type="datetimeFigureOut">
               <a:rPr lang="en-DE" smtClean="0"/>
-              <a:t>01/24/2022</a:t>
+              <a:t>16/02/2023</a:t>
             </a:fld>
             <a:endParaRPr lang="en-DE"/>
           </a:p>
@@ -1869,7 +2306,7 @@
           <a:p>
             <a:fld id="{11055433-DDDA-1147-A71A-BE0AE55CB161}" type="datetimeFigureOut">
               <a:rPr lang="en-DE" smtClean="0"/>
-              <a:t>01/24/2022</a:t>
+              <a:t>16/02/2023</a:t>
             </a:fld>
             <a:endParaRPr lang="en-DE"/>
           </a:p>
@@ -2011,7 +2448,7 @@
           <a:p>
             <a:fld id="{11055433-DDDA-1147-A71A-BE0AE55CB161}" type="datetimeFigureOut">
               <a:rPr lang="en-DE" smtClean="0"/>
-              <a:t>01/24/2022</a:t>
+              <a:t>16/02/2023</a:t>
             </a:fld>
             <a:endParaRPr lang="en-DE"/>
           </a:p>
@@ -2124,7 +2561,7 @@
           <a:p>
             <a:fld id="{11055433-DDDA-1147-A71A-BE0AE55CB161}" type="datetimeFigureOut">
               <a:rPr lang="en-DE" smtClean="0"/>
-              <a:t>01/24/2022</a:t>
+              <a:t>16/02/2023</a:t>
             </a:fld>
             <a:endParaRPr lang="en-DE"/>
           </a:p>
@@ -2437,7 +2874,7 @@
           <a:p>
             <a:fld id="{11055433-DDDA-1147-A71A-BE0AE55CB161}" type="datetimeFigureOut">
               <a:rPr lang="en-DE" smtClean="0"/>
-              <a:t>01/24/2022</a:t>
+              <a:t>16/02/2023</a:t>
             </a:fld>
             <a:endParaRPr lang="en-DE"/>
           </a:p>
@@ -2726,7 +3163,7 @@
           <a:p>
             <a:fld id="{11055433-DDDA-1147-A71A-BE0AE55CB161}" type="datetimeFigureOut">
               <a:rPr lang="en-DE" smtClean="0"/>
-              <a:t>01/24/2022</a:t>
+              <a:t>16/02/2023</a:t>
             </a:fld>
             <a:endParaRPr lang="en-DE"/>
           </a:p>
@@ -2969,7 +3406,7 @@
           <a:p>
             <a:fld id="{11055433-DDDA-1147-A71A-BE0AE55CB161}" type="datetimeFigureOut">
               <a:rPr lang="en-DE" smtClean="0"/>
-              <a:t>01/24/2022</a:t>
+              <a:t>16/02/2023</a:t>
             </a:fld>
             <a:endParaRPr lang="en-DE"/>
           </a:p>
@@ -5478,2886 +5915,6 @@
           <a:chExt cx="0" cy="0"/>
         </a:xfrm>
       </p:grpSpPr>
-      <p:sp>
-        <p:nvSpPr>
-          <p:cNvPr id="4" name="Rechteck 9">
-            <a:extLst>
-              <a:ext uri="{FF2B5EF4-FFF2-40B4-BE49-F238E27FC236}">
-                <a16:creationId xmlns:a16="http://schemas.microsoft.com/office/drawing/2014/main" id="{843DC14A-BA69-7D46-ACB3-B95EC3790DCE}"/>
-              </a:ext>
-            </a:extLst>
-          </p:cNvPr>
-          <p:cNvSpPr/>
-          <p:nvPr/>
-        </p:nvSpPr>
-        <p:spPr>
-          <a:xfrm>
-            <a:off x="1581482" y="1114573"/>
-            <a:ext cx="4796265" cy="4968176"/>
-          </a:xfrm>
-          <a:prstGeom prst="rect">
-            <a:avLst/>
-          </a:prstGeom>
-          <a:solidFill>
-            <a:schemeClr val="accent5">
-              <a:lumMod val="20000"/>
-              <a:lumOff val="80000"/>
-            </a:schemeClr>
-          </a:solidFill>
-          <a:ln w="19050" cap="rnd">
-            <a:solidFill>
-              <a:srgbClr val="0092D1"/>
-            </a:solidFill>
-          </a:ln>
-        </p:spPr>
-        <p:style>
-          <a:lnRef idx="2">
-            <a:schemeClr val="accent1">
-              <a:shade val="50000"/>
-            </a:schemeClr>
-          </a:lnRef>
-          <a:fillRef idx="1">
-            <a:schemeClr val="accent1"/>
-          </a:fillRef>
-          <a:effectRef idx="0">
-            <a:schemeClr val="accent1"/>
-          </a:effectRef>
-          <a:fontRef idx="minor">
-            <a:schemeClr val="lt1"/>
-          </a:fontRef>
-        </p:style>
-        <p:txBody>
-          <a:bodyPr lIns="71981" tIns="71981" rIns="71981" bIns="71981" rtlCol="0" anchor="t"/>
-          <a:lstStyle/>
-          <a:p>
-            <a:r>
-              <a:rPr lang="en-US" sz="1000" b="1" dirty="0">
-                <a:solidFill>
-                  <a:schemeClr val="accent5"/>
-                </a:solidFill>
-              </a:rPr>
-              <a:t>Partner Provider Subaccount</a:t>
-            </a:r>
-          </a:p>
-          <a:p>
-            <a:endParaRPr lang="en-US" sz="1200" b="1" dirty="0">
-              <a:solidFill>
-                <a:srgbClr val="0092D1"/>
-              </a:solidFill>
-            </a:endParaRPr>
-          </a:p>
-        </p:txBody>
-      </p:sp>
-      <p:sp>
-        <p:nvSpPr>
-          <p:cNvPr id="111" name="Rechteck 61">
-            <a:extLst>
-              <a:ext uri="{FF2B5EF4-FFF2-40B4-BE49-F238E27FC236}">
-                <a16:creationId xmlns:a16="http://schemas.microsoft.com/office/drawing/2014/main" id="{E94B390B-17F9-6642-9EEF-27DB5F7B5DCB}"/>
-              </a:ext>
-            </a:extLst>
-          </p:cNvPr>
-          <p:cNvSpPr/>
-          <p:nvPr/>
-        </p:nvSpPr>
-        <p:spPr>
-          <a:xfrm>
-            <a:off x="4424091" y="2770932"/>
-            <a:ext cx="1041317" cy="456045"/>
-          </a:xfrm>
-          <a:prstGeom prst="rect">
-            <a:avLst/>
-          </a:prstGeom>
-          <a:solidFill>
-            <a:schemeClr val="bg1"/>
-          </a:solidFill>
-          <a:ln w="12700">
-            <a:solidFill>
-              <a:srgbClr val="1A9898"/>
-            </a:solidFill>
-          </a:ln>
-          <a:effectLst/>
-        </p:spPr>
-        <p:style>
-          <a:lnRef idx="2">
-            <a:schemeClr val="accent1">
-              <a:shade val="50000"/>
-            </a:schemeClr>
-          </a:lnRef>
-          <a:fillRef idx="1">
-            <a:schemeClr val="accent1"/>
-          </a:fillRef>
-          <a:effectRef idx="0">
-            <a:schemeClr val="accent1"/>
-          </a:effectRef>
-          <a:fontRef idx="minor">
-            <a:schemeClr val="lt1"/>
-          </a:fontRef>
-        </p:style>
-        <p:txBody>
-          <a:bodyPr lIns="72000" tIns="72000" rIns="72000" bIns="72000" rtlCol="0" anchor="ctr" anchorCtr="0"/>
-          <a:lstStyle/>
-          <a:p>
-            <a:pPr algn="ctr"/>
-            <a:r>
-              <a:rPr lang="en-US" sz="800" kern="0" dirty="0">
-                <a:solidFill>
-                  <a:schemeClr val="tx1"/>
-                </a:solidFill>
-                <a:latin typeface="Arial" panose="020B0604020202020204" pitchFamily="34" charset="0"/>
-                <a:ea typeface="BentonSans Bold" charset="0"/>
-                <a:cs typeface="Arial" panose="020B0604020202020204" pitchFamily="34" charset="0"/>
-              </a:rPr>
-              <a:t>Microservices</a:t>
-            </a:r>
-          </a:p>
-        </p:txBody>
-      </p:sp>
-      <p:sp>
-        <p:nvSpPr>
-          <p:cNvPr id="110" name="Rechteck 61">
-            <a:extLst>
-              <a:ext uri="{FF2B5EF4-FFF2-40B4-BE49-F238E27FC236}">
-                <a16:creationId xmlns:a16="http://schemas.microsoft.com/office/drawing/2014/main" id="{98CFA3E7-E688-9045-ACB8-BEC926C6AB70}"/>
-              </a:ext>
-            </a:extLst>
-          </p:cNvPr>
-          <p:cNvSpPr/>
-          <p:nvPr/>
-        </p:nvSpPr>
-        <p:spPr>
-          <a:xfrm>
-            <a:off x="4353401" y="2699668"/>
-            <a:ext cx="1041317" cy="456045"/>
-          </a:xfrm>
-          <a:prstGeom prst="rect">
-            <a:avLst/>
-          </a:prstGeom>
-          <a:solidFill>
-            <a:schemeClr val="bg1"/>
-          </a:solidFill>
-          <a:ln w="12700">
-            <a:solidFill>
-              <a:srgbClr val="1A9898"/>
-            </a:solidFill>
-          </a:ln>
-          <a:effectLst/>
-        </p:spPr>
-        <p:style>
-          <a:lnRef idx="2">
-            <a:schemeClr val="accent1">
-              <a:shade val="50000"/>
-            </a:schemeClr>
-          </a:lnRef>
-          <a:fillRef idx="1">
-            <a:schemeClr val="accent1"/>
-          </a:fillRef>
-          <a:effectRef idx="0">
-            <a:schemeClr val="accent1"/>
-          </a:effectRef>
-          <a:fontRef idx="minor">
-            <a:schemeClr val="lt1"/>
-          </a:fontRef>
-        </p:style>
-        <p:txBody>
-          <a:bodyPr lIns="72000" tIns="72000" rIns="72000" bIns="72000" rtlCol="0" anchor="ctr" anchorCtr="0"/>
-          <a:lstStyle/>
-          <a:p>
-            <a:pPr algn="ctr"/>
-            <a:r>
-              <a:rPr lang="en-US" sz="800" kern="0" dirty="0">
-                <a:solidFill>
-                  <a:schemeClr val="tx1"/>
-                </a:solidFill>
-                <a:latin typeface="Arial" panose="020B0604020202020204" pitchFamily="34" charset="0"/>
-                <a:ea typeface="BentonSans Bold" charset="0"/>
-                <a:cs typeface="Arial" panose="020B0604020202020204" pitchFamily="34" charset="0"/>
-              </a:rPr>
-              <a:t>Microservices</a:t>
-            </a:r>
-          </a:p>
-        </p:txBody>
-      </p:sp>
-      <p:sp>
-        <p:nvSpPr>
-          <p:cNvPr id="109" name="Rechteck 61">
-            <a:extLst>
-              <a:ext uri="{FF2B5EF4-FFF2-40B4-BE49-F238E27FC236}">
-                <a16:creationId xmlns:a16="http://schemas.microsoft.com/office/drawing/2014/main" id="{660CFAA2-5780-2244-ABEC-8083A196E164}"/>
-              </a:ext>
-            </a:extLst>
-          </p:cNvPr>
-          <p:cNvSpPr/>
-          <p:nvPr/>
-        </p:nvSpPr>
-        <p:spPr>
-          <a:xfrm>
-            <a:off x="4281399" y="2627108"/>
-            <a:ext cx="1041317" cy="456045"/>
-          </a:xfrm>
-          <a:prstGeom prst="rect">
-            <a:avLst/>
-          </a:prstGeom>
-          <a:solidFill>
-            <a:schemeClr val="bg1"/>
-          </a:solidFill>
-          <a:ln w="12700">
-            <a:solidFill>
-              <a:srgbClr val="1A9898"/>
-            </a:solidFill>
-          </a:ln>
-          <a:effectLst/>
-        </p:spPr>
-        <p:style>
-          <a:lnRef idx="2">
-            <a:schemeClr val="accent1">
-              <a:shade val="50000"/>
-            </a:schemeClr>
-          </a:lnRef>
-          <a:fillRef idx="1">
-            <a:schemeClr val="accent1"/>
-          </a:fillRef>
-          <a:effectRef idx="0">
-            <a:schemeClr val="accent1"/>
-          </a:effectRef>
-          <a:fontRef idx="minor">
-            <a:schemeClr val="lt1"/>
-          </a:fontRef>
-        </p:style>
-        <p:txBody>
-          <a:bodyPr lIns="72000" tIns="72000" rIns="72000" bIns="72000" rtlCol="0" anchor="ctr" anchorCtr="0"/>
-          <a:lstStyle/>
-          <a:p>
-            <a:pPr algn="ctr"/>
-            <a:r>
-              <a:rPr lang="en-US" sz="800" kern="0" dirty="0">
-                <a:solidFill>
-                  <a:schemeClr val="tx1"/>
-                </a:solidFill>
-                <a:latin typeface="Arial" panose="020B0604020202020204" pitchFamily="34" charset="0"/>
-                <a:ea typeface="BentonSans Bold" charset="0"/>
-                <a:cs typeface="Arial" panose="020B0604020202020204" pitchFamily="34" charset="0"/>
-              </a:rPr>
-              <a:t>Microservices</a:t>
-            </a:r>
-          </a:p>
-        </p:txBody>
-      </p:sp>
-      <p:sp>
-        <p:nvSpPr>
-          <p:cNvPr id="108" name="Rechteck 61">
-            <a:extLst>
-              <a:ext uri="{FF2B5EF4-FFF2-40B4-BE49-F238E27FC236}">
-                <a16:creationId xmlns:a16="http://schemas.microsoft.com/office/drawing/2014/main" id="{37DA8C0E-F749-7440-A59E-5B6957C2DDB2}"/>
-              </a:ext>
-            </a:extLst>
-          </p:cNvPr>
-          <p:cNvSpPr/>
-          <p:nvPr/>
-        </p:nvSpPr>
-        <p:spPr>
-          <a:xfrm>
-            <a:off x="4281399" y="2627108"/>
-            <a:ext cx="1041317" cy="456045"/>
-          </a:xfrm>
-          <a:prstGeom prst="rect">
-            <a:avLst/>
-          </a:prstGeom>
-          <a:solidFill>
-            <a:schemeClr val="bg1"/>
-          </a:solidFill>
-          <a:ln w="12700">
-            <a:solidFill>
-              <a:srgbClr val="1A9898"/>
-            </a:solidFill>
-          </a:ln>
-          <a:effectLst/>
-        </p:spPr>
-        <p:style>
-          <a:lnRef idx="2">
-            <a:schemeClr val="accent1">
-              <a:shade val="50000"/>
-            </a:schemeClr>
-          </a:lnRef>
-          <a:fillRef idx="1">
-            <a:schemeClr val="accent1"/>
-          </a:fillRef>
-          <a:effectRef idx="0">
-            <a:schemeClr val="accent1"/>
-          </a:effectRef>
-          <a:fontRef idx="minor">
-            <a:schemeClr val="lt1"/>
-          </a:fontRef>
-        </p:style>
-        <p:txBody>
-          <a:bodyPr lIns="72000" tIns="72000" rIns="72000" bIns="72000" rtlCol="0" anchor="ctr" anchorCtr="0"/>
-          <a:lstStyle/>
-          <a:p>
-            <a:pPr algn="ctr"/>
-            <a:r>
-              <a:rPr lang="en-US" sz="800" kern="0" dirty="0">
-                <a:solidFill>
-                  <a:schemeClr val="tx1"/>
-                </a:solidFill>
-                <a:latin typeface="Arial" panose="020B0604020202020204" pitchFamily="34" charset="0"/>
-                <a:ea typeface="BentonSans Bold" charset="0"/>
-                <a:cs typeface="Arial" panose="020B0604020202020204" pitchFamily="34" charset="0"/>
-              </a:rPr>
-              <a:t>Microservices</a:t>
-            </a:r>
-          </a:p>
-        </p:txBody>
-      </p:sp>
-      <p:sp>
-        <p:nvSpPr>
-          <p:cNvPr id="107" name="Rechteck 61">
-            <a:extLst>
-              <a:ext uri="{FF2B5EF4-FFF2-40B4-BE49-F238E27FC236}">
-                <a16:creationId xmlns:a16="http://schemas.microsoft.com/office/drawing/2014/main" id="{49CEF7C3-AFBB-B24B-8BA7-092C02554C2E}"/>
-              </a:ext>
-            </a:extLst>
-          </p:cNvPr>
-          <p:cNvSpPr/>
-          <p:nvPr/>
-        </p:nvSpPr>
-        <p:spPr>
-          <a:xfrm>
-            <a:off x="4281399" y="2627108"/>
-            <a:ext cx="1041317" cy="456045"/>
-          </a:xfrm>
-          <a:prstGeom prst="rect">
-            <a:avLst/>
-          </a:prstGeom>
-          <a:solidFill>
-            <a:schemeClr val="bg1"/>
-          </a:solidFill>
-          <a:ln w="12700">
-            <a:solidFill>
-              <a:srgbClr val="1A9898"/>
-            </a:solidFill>
-          </a:ln>
-          <a:effectLst/>
-        </p:spPr>
-        <p:style>
-          <a:lnRef idx="2">
-            <a:schemeClr val="accent1">
-              <a:shade val="50000"/>
-            </a:schemeClr>
-          </a:lnRef>
-          <a:fillRef idx="1">
-            <a:schemeClr val="accent1"/>
-          </a:fillRef>
-          <a:effectRef idx="0">
-            <a:schemeClr val="accent1"/>
-          </a:effectRef>
-          <a:fontRef idx="minor">
-            <a:schemeClr val="lt1"/>
-          </a:fontRef>
-        </p:style>
-        <p:txBody>
-          <a:bodyPr lIns="72000" tIns="72000" rIns="72000" bIns="72000" rtlCol="0" anchor="ctr" anchorCtr="0"/>
-          <a:lstStyle/>
-          <a:p>
-            <a:pPr algn="ctr"/>
-            <a:r>
-              <a:rPr lang="en-US" sz="800" kern="0" dirty="0">
-                <a:solidFill>
-                  <a:schemeClr val="tx1"/>
-                </a:solidFill>
-                <a:latin typeface="Arial" panose="020B0604020202020204" pitchFamily="34" charset="0"/>
-                <a:ea typeface="BentonSans Bold" charset="0"/>
-                <a:cs typeface="Arial" panose="020B0604020202020204" pitchFamily="34" charset="0"/>
-              </a:rPr>
-              <a:t>Microservices</a:t>
-            </a:r>
-          </a:p>
-        </p:txBody>
-      </p:sp>
-      <p:sp>
-        <p:nvSpPr>
-          <p:cNvPr id="15" name="Rechteck 9">
-            <a:extLst>
-              <a:ext uri="{FF2B5EF4-FFF2-40B4-BE49-F238E27FC236}">
-                <a16:creationId xmlns:a16="http://schemas.microsoft.com/office/drawing/2014/main" id="{74C4F2F1-BC7B-F346-ADFF-7430EE28ACC0}"/>
-              </a:ext>
-            </a:extLst>
-          </p:cNvPr>
-          <p:cNvSpPr/>
-          <p:nvPr/>
-        </p:nvSpPr>
-        <p:spPr>
-          <a:xfrm>
-            <a:off x="6387547" y="1114573"/>
-            <a:ext cx="3299792" cy="2362685"/>
-          </a:xfrm>
-          <a:prstGeom prst="rect">
-            <a:avLst/>
-          </a:prstGeom>
-          <a:solidFill>
-            <a:schemeClr val="accent5">
-              <a:lumMod val="20000"/>
-              <a:lumOff val="80000"/>
-            </a:schemeClr>
-          </a:solidFill>
-          <a:ln w="19050" cap="rnd">
-            <a:solidFill>
-              <a:srgbClr val="0092D1"/>
-            </a:solidFill>
-          </a:ln>
-        </p:spPr>
-        <p:style>
-          <a:lnRef idx="2">
-            <a:schemeClr val="accent1">
-              <a:shade val="50000"/>
-            </a:schemeClr>
-          </a:lnRef>
-          <a:fillRef idx="1">
-            <a:schemeClr val="accent1"/>
-          </a:fillRef>
-          <a:effectRef idx="0">
-            <a:schemeClr val="accent1"/>
-          </a:effectRef>
-          <a:fontRef idx="minor">
-            <a:schemeClr val="lt1"/>
-          </a:fontRef>
-        </p:style>
-        <p:txBody>
-          <a:bodyPr lIns="71981" tIns="71981" rIns="71981" bIns="71981" rtlCol="0" anchor="t"/>
-          <a:lstStyle/>
-          <a:p>
-            <a:endParaRPr lang="en-US" sz="1200" b="1" dirty="0">
-              <a:solidFill>
-                <a:srgbClr val="0092D1"/>
-              </a:solidFill>
-            </a:endParaRPr>
-          </a:p>
-        </p:txBody>
-      </p:sp>
-      <p:sp>
-        <p:nvSpPr>
-          <p:cNvPr id="20" name="Rechteck 9">
-            <a:extLst>
-              <a:ext uri="{FF2B5EF4-FFF2-40B4-BE49-F238E27FC236}">
-                <a16:creationId xmlns:a16="http://schemas.microsoft.com/office/drawing/2014/main" id="{AF7E6466-972D-964A-ACAD-0F38F86D6C70}"/>
-              </a:ext>
-            </a:extLst>
-          </p:cNvPr>
-          <p:cNvSpPr/>
-          <p:nvPr/>
-        </p:nvSpPr>
-        <p:spPr>
-          <a:xfrm>
-            <a:off x="6913065" y="4253949"/>
-            <a:ext cx="2774274" cy="1828799"/>
-          </a:xfrm>
-          <a:prstGeom prst="rect">
-            <a:avLst/>
-          </a:prstGeom>
-          <a:solidFill>
-            <a:schemeClr val="accent5">
-              <a:lumMod val="20000"/>
-              <a:lumOff val="80000"/>
-            </a:schemeClr>
-          </a:solidFill>
-          <a:ln w="19050" cap="rnd">
-            <a:solidFill>
-              <a:srgbClr val="0092D1"/>
-            </a:solidFill>
-          </a:ln>
-        </p:spPr>
-        <p:style>
-          <a:lnRef idx="2">
-            <a:schemeClr val="accent1">
-              <a:shade val="50000"/>
-            </a:schemeClr>
-          </a:lnRef>
-          <a:fillRef idx="1">
-            <a:schemeClr val="accent1"/>
-          </a:fillRef>
-          <a:effectRef idx="0">
-            <a:schemeClr val="accent1"/>
-          </a:effectRef>
-          <a:fontRef idx="minor">
-            <a:schemeClr val="lt1"/>
-          </a:fontRef>
-        </p:style>
-        <p:txBody>
-          <a:bodyPr lIns="71981" tIns="71981" rIns="71981" bIns="71981" rtlCol="0" anchor="t"/>
-          <a:lstStyle/>
-          <a:p>
-            <a:endParaRPr lang="en-US" sz="1200" b="1" dirty="0">
-              <a:solidFill>
-                <a:srgbClr val="0092D1"/>
-              </a:solidFill>
-            </a:endParaRPr>
-          </a:p>
-        </p:txBody>
-      </p:sp>
-      <p:sp>
-        <p:nvSpPr>
-          <p:cNvPr id="19" name="Rechteck 9">
-            <a:extLst>
-              <a:ext uri="{FF2B5EF4-FFF2-40B4-BE49-F238E27FC236}">
-                <a16:creationId xmlns:a16="http://schemas.microsoft.com/office/drawing/2014/main" id="{C9064A47-D602-D44B-B78E-4A53A3C88ABA}"/>
-              </a:ext>
-            </a:extLst>
-          </p:cNvPr>
-          <p:cNvSpPr/>
-          <p:nvPr/>
-        </p:nvSpPr>
-        <p:spPr>
-          <a:xfrm>
-            <a:off x="6760665" y="4101549"/>
-            <a:ext cx="2774274" cy="1828799"/>
-          </a:xfrm>
-          <a:prstGeom prst="rect">
-            <a:avLst/>
-          </a:prstGeom>
-          <a:solidFill>
-            <a:schemeClr val="accent5">
-              <a:lumMod val="20000"/>
-              <a:lumOff val="80000"/>
-            </a:schemeClr>
-          </a:solidFill>
-          <a:ln w="19050" cap="rnd">
-            <a:solidFill>
-              <a:srgbClr val="0092D1"/>
-            </a:solidFill>
-          </a:ln>
-        </p:spPr>
-        <p:style>
-          <a:lnRef idx="2">
-            <a:schemeClr val="accent1">
-              <a:shade val="50000"/>
-            </a:schemeClr>
-          </a:lnRef>
-          <a:fillRef idx="1">
-            <a:schemeClr val="accent1"/>
-          </a:fillRef>
-          <a:effectRef idx="0">
-            <a:schemeClr val="accent1"/>
-          </a:effectRef>
-          <a:fontRef idx="minor">
-            <a:schemeClr val="lt1"/>
-          </a:fontRef>
-        </p:style>
-        <p:txBody>
-          <a:bodyPr lIns="71981" tIns="71981" rIns="71981" bIns="71981" rtlCol="0" anchor="t"/>
-          <a:lstStyle/>
-          <a:p>
-            <a:endParaRPr lang="en-US" sz="1200" b="1" dirty="0">
-              <a:solidFill>
-                <a:srgbClr val="0092D1"/>
-              </a:solidFill>
-            </a:endParaRPr>
-          </a:p>
-        </p:txBody>
-      </p:sp>
-      <p:sp>
-        <p:nvSpPr>
-          <p:cNvPr id="12" name="Rectangle 11">
-            <a:extLst>
-              <a:ext uri="{FF2B5EF4-FFF2-40B4-BE49-F238E27FC236}">
-                <a16:creationId xmlns:a16="http://schemas.microsoft.com/office/drawing/2014/main" id="{2B9831DC-6083-4B47-94EB-7CBA79C14B6C}"/>
-              </a:ext>
-            </a:extLst>
-          </p:cNvPr>
-          <p:cNvSpPr/>
-          <p:nvPr/>
-        </p:nvSpPr>
-        <p:spPr>
-          <a:xfrm>
-            <a:off x="10424435" y="722287"/>
-            <a:ext cx="1312178" cy="5579124"/>
-          </a:xfrm>
-          <a:prstGeom prst="rect">
-            <a:avLst/>
-          </a:prstGeom>
-          <a:solidFill>
-            <a:schemeClr val="bg1"/>
-          </a:solidFill>
-          <a:ln w="15875">
-            <a:solidFill>
-              <a:schemeClr val="bg1">
-                <a:lumMod val="65000"/>
-              </a:schemeClr>
-            </a:solidFill>
-            <a:prstDash val="sysDot"/>
-          </a:ln>
-        </p:spPr>
-        <p:style>
-          <a:lnRef idx="2">
-            <a:schemeClr val="accent1">
-              <a:shade val="50000"/>
-            </a:schemeClr>
-          </a:lnRef>
-          <a:fillRef idx="1">
-            <a:schemeClr val="accent1"/>
-          </a:fillRef>
-          <a:effectRef idx="0">
-            <a:schemeClr val="accent1"/>
-          </a:effectRef>
-          <a:fontRef idx="minor">
-            <a:schemeClr val="lt1"/>
-          </a:fontRef>
-        </p:style>
-        <p:txBody>
-          <a:bodyPr rtlCol="0" anchor="ctr"/>
-          <a:lstStyle/>
-          <a:p>
-            <a:pPr algn="ctr"/>
-            <a:endParaRPr lang="en-DE"/>
-          </a:p>
-        </p:txBody>
-      </p:sp>
-      <p:sp>
-        <p:nvSpPr>
-          <p:cNvPr id="11" name="Rectangle 10">
-            <a:extLst>
-              <a:ext uri="{FF2B5EF4-FFF2-40B4-BE49-F238E27FC236}">
-                <a16:creationId xmlns:a16="http://schemas.microsoft.com/office/drawing/2014/main" id="{1C9E87D4-0E3A-0F44-95A3-348AFE84F009}"/>
-              </a:ext>
-            </a:extLst>
-          </p:cNvPr>
-          <p:cNvSpPr/>
-          <p:nvPr/>
-        </p:nvSpPr>
-        <p:spPr>
-          <a:xfrm>
-            <a:off x="10344921" y="649399"/>
-            <a:ext cx="1312178" cy="5579124"/>
-          </a:xfrm>
-          <a:prstGeom prst="rect">
-            <a:avLst/>
-          </a:prstGeom>
-          <a:solidFill>
-            <a:schemeClr val="bg1"/>
-          </a:solidFill>
-          <a:ln w="15875">
-            <a:solidFill>
-              <a:schemeClr val="bg1">
-                <a:lumMod val="65000"/>
-              </a:schemeClr>
-            </a:solidFill>
-            <a:prstDash val="sysDot"/>
-          </a:ln>
-        </p:spPr>
-        <p:style>
-          <a:lnRef idx="2">
-            <a:schemeClr val="accent1">
-              <a:shade val="50000"/>
-            </a:schemeClr>
-          </a:lnRef>
-          <a:fillRef idx="1">
-            <a:schemeClr val="accent1"/>
-          </a:fillRef>
-          <a:effectRef idx="0">
-            <a:schemeClr val="accent1"/>
-          </a:effectRef>
-          <a:fontRef idx="minor">
-            <a:schemeClr val="lt1"/>
-          </a:fontRef>
-        </p:style>
-        <p:txBody>
-          <a:bodyPr rtlCol="0" anchor="ctr"/>
-          <a:lstStyle/>
-          <a:p>
-            <a:pPr algn="ctr"/>
-            <a:endParaRPr lang="en-DE"/>
-          </a:p>
-        </p:txBody>
-      </p:sp>
-      <p:sp>
-        <p:nvSpPr>
-          <p:cNvPr id="9" name="Rectangle 8">
-            <a:extLst>
-              <a:ext uri="{FF2B5EF4-FFF2-40B4-BE49-F238E27FC236}">
-                <a16:creationId xmlns:a16="http://schemas.microsoft.com/office/drawing/2014/main" id="{EAEBDF2E-E572-EE44-9BF9-4B20B314BABB}"/>
-              </a:ext>
-            </a:extLst>
-          </p:cNvPr>
-          <p:cNvSpPr/>
-          <p:nvPr/>
-        </p:nvSpPr>
-        <p:spPr>
-          <a:xfrm>
-            <a:off x="10265407" y="576511"/>
-            <a:ext cx="1312178" cy="5579124"/>
-          </a:xfrm>
-          <a:prstGeom prst="rect">
-            <a:avLst/>
-          </a:prstGeom>
-          <a:solidFill>
-            <a:schemeClr val="bg1"/>
-          </a:solidFill>
-          <a:ln w="15875">
-            <a:solidFill>
-              <a:schemeClr val="bg1">
-                <a:lumMod val="65000"/>
-              </a:schemeClr>
-            </a:solidFill>
-            <a:prstDash val="sysDot"/>
-          </a:ln>
-        </p:spPr>
-        <p:style>
-          <a:lnRef idx="2">
-            <a:schemeClr val="accent1">
-              <a:shade val="50000"/>
-            </a:schemeClr>
-          </a:lnRef>
-          <a:fillRef idx="1">
-            <a:schemeClr val="accent1"/>
-          </a:fillRef>
-          <a:effectRef idx="0">
-            <a:schemeClr val="accent1"/>
-          </a:effectRef>
-          <a:fontRef idx="minor">
-            <a:schemeClr val="lt1"/>
-          </a:fontRef>
-        </p:style>
-        <p:txBody>
-          <a:bodyPr rtlCol="0" anchor="ctr"/>
-          <a:lstStyle/>
-          <a:p>
-            <a:pPr algn="ctr"/>
-            <a:r>
-              <a:rPr lang="en-DE" sz="1000" dirty="0">
-                <a:solidFill>
-                  <a:schemeClr val="tx1"/>
-                </a:solidFill>
-              </a:rPr>
-              <a:t>SAP </a:t>
-            </a:r>
-          </a:p>
-          <a:p>
-            <a:pPr algn="ctr"/>
-            <a:r>
-              <a:rPr lang="en-DE" sz="1000" dirty="0">
-                <a:solidFill>
-                  <a:schemeClr val="tx1"/>
-                </a:solidFill>
-              </a:rPr>
-              <a:t>S/4 HANA </a:t>
-            </a:r>
-          </a:p>
-          <a:p>
-            <a:pPr algn="ctr"/>
-            <a:r>
-              <a:rPr lang="en-DE" sz="1000" dirty="0">
-                <a:solidFill>
-                  <a:schemeClr val="tx1"/>
-                </a:solidFill>
-              </a:rPr>
-              <a:t>Cloud</a:t>
-            </a:r>
-          </a:p>
-        </p:txBody>
-      </p:sp>
-      <p:sp>
-        <p:nvSpPr>
-          <p:cNvPr id="2" name="Rechteck 9">
-            <a:extLst>
-              <a:ext uri="{FF2B5EF4-FFF2-40B4-BE49-F238E27FC236}">
-                <a16:creationId xmlns:a16="http://schemas.microsoft.com/office/drawing/2014/main" id="{C07D0A0D-62AF-974E-874B-ACB6BAC14F37}"/>
-              </a:ext>
-            </a:extLst>
-          </p:cNvPr>
-          <p:cNvSpPr/>
-          <p:nvPr/>
-        </p:nvSpPr>
-        <p:spPr>
-          <a:xfrm>
-            <a:off x="1376864" y="576511"/>
-            <a:ext cx="8522053" cy="5704978"/>
-          </a:xfrm>
-          <a:prstGeom prst="rect">
-            <a:avLst/>
-          </a:prstGeom>
-          <a:noFill/>
-          <a:ln w="19050">
-            <a:solidFill>
-              <a:srgbClr val="427CAC"/>
-            </a:solidFill>
-          </a:ln>
-        </p:spPr>
-        <p:style>
-          <a:lnRef idx="2">
-            <a:schemeClr val="accent1">
-              <a:shade val="50000"/>
-            </a:schemeClr>
-          </a:lnRef>
-          <a:fillRef idx="1">
-            <a:schemeClr val="accent1"/>
-          </a:fillRef>
-          <a:effectRef idx="0">
-            <a:schemeClr val="accent1"/>
-          </a:effectRef>
-          <a:fontRef idx="minor">
-            <a:schemeClr val="lt1"/>
-          </a:fontRef>
-        </p:style>
-        <p:txBody>
-          <a:bodyPr lIns="71983" tIns="71983" rIns="71983" bIns="71983" rtlCol="0" anchor="t"/>
-          <a:lstStyle/>
-          <a:p>
-            <a:endParaRPr lang="en-US" sz="1799" b="1" dirty="0">
-              <a:solidFill>
-                <a:schemeClr val="tx1">
-                  <a:lumMod val="65000"/>
-                  <a:lumOff val="35000"/>
-                </a:schemeClr>
-              </a:solidFill>
-            </a:endParaRPr>
-          </a:p>
-        </p:txBody>
-      </p:sp>
-      <p:sp>
-        <p:nvSpPr>
-          <p:cNvPr id="3" name="TextBox 2">
-            <a:extLst>
-              <a:ext uri="{FF2B5EF4-FFF2-40B4-BE49-F238E27FC236}">
-                <a16:creationId xmlns:a16="http://schemas.microsoft.com/office/drawing/2014/main" id="{8322A7B5-D204-BF44-B2AD-294A876ADD95}"/>
-              </a:ext>
-            </a:extLst>
-          </p:cNvPr>
-          <p:cNvSpPr txBox="1"/>
-          <p:nvPr/>
-        </p:nvSpPr>
-        <p:spPr>
-          <a:xfrm>
-            <a:off x="1436499" y="673954"/>
-            <a:ext cx="2951295" cy="276999"/>
-          </a:xfrm>
-          <a:prstGeom prst="rect">
-            <a:avLst/>
-          </a:prstGeom>
-          <a:noFill/>
-        </p:spPr>
-        <p:txBody>
-          <a:bodyPr wrap="square" rtlCol="0">
-            <a:spAutoFit/>
-          </a:bodyPr>
-          <a:lstStyle/>
-          <a:p>
-            <a:r>
-              <a:rPr lang="en-DE" sz="1200" b="1" dirty="0"/>
-              <a:t>SAP BTP – Partner Global Account</a:t>
-            </a:r>
-          </a:p>
-        </p:txBody>
-      </p:sp>
-      <p:sp>
-        <p:nvSpPr>
-          <p:cNvPr id="6" name="Rectangle 5">
-            <a:extLst>
-              <a:ext uri="{FF2B5EF4-FFF2-40B4-BE49-F238E27FC236}">
-                <a16:creationId xmlns:a16="http://schemas.microsoft.com/office/drawing/2014/main" id="{21D7C2CA-BF19-AF4D-8EE8-2A63999B0C3A}"/>
-              </a:ext>
-            </a:extLst>
-          </p:cNvPr>
-          <p:cNvSpPr/>
-          <p:nvPr/>
-        </p:nvSpPr>
-        <p:spPr>
-          <a:xfrm>
-            <a:off x="10442419" y="946527"/>
-            <a:ext cx="975360" cy="5050081"/>
-          </a:xfrm>
-          <a:prstGeom prst="rect">
-            <a:avLst/>
-          </a:prstGeom>
-          <a:noFill/>
-          <a:ln>
-            <a:solidFill>
-              <a:schemeClr val="tx1"/>
-            </a:solidFill>
-          </a:ln>
-        </p:spPr>
-        <p:style>
-          <a:lnRef idx="2">
-            <a:schemeClr val="accent1">
-              <a:shade val="50000"/>
-            </a:schemeClr>
-          </a:lnRef>
-          <a:fillRef idx="1">
-            <a:schemeClr val="accent1"/>
-          </a:fillRef>
-          <a:effectRef idx="0">
-            <a:schemeClr val="accent1"/>
-          </a:effectRef>
-          <a:fontRef idx="minor">
-            <a:schemeClr val="lt1"/>
-          </a:fontRef>
-        </p:style>
-        <p:txBody>
-          <a:bodyPr rtlCol="0" anchor="ctr"/>
-          <a:lstStyle/>
-          <a:p>
-            <a:pPr algn="ctr"/>
-            <a:endParaRPr lang="en-DE"/>
-          </a:p>
-        </p:txBody>
-      </p:sp>
-      <p:sp>
-        <p:nvSpPr>
-          <p:cNvPr id="10" name="TextBox 9">
-            <a:extLst>
-              <a:ext uri="{FF2B5EF4-FFF2-40B4-BE49-F238E27FC236}">
-                <a16:creationId xmlns:a16="http://schemas.microsoft.com/office/drawing/2014/main" id="{F0C104F9-042F-064D-8FC8-33F4131EFE2F}"/>
-              </a:ext>
-            </a:extLst>
-          </p:cNvPr>
-          <p:cNvSpPr txBox="1"/>
-          <p:nvPr/>
-        </p:nvSpPr>
-        <p:spPr>
-          <a:xfrm>
-            <a:off x="10266007" y="616394"/>
-            <a:ext cx="1311578" cy="246221"/>
-          </a:xfrm>
-          <a:prstGeom prst="rect">
-            <a:avLst/>
-          </a:prstGeom>
-          <a:noFill/>
-        </p:spPr>
-        <p:txBody>
-          <a:bodyPr wrap="none" rtlCol="0">
-            <a:spAutoFit/>
-          </a:bodyPr>
-          <a:lstStyle/>
-          <a:p>
-            <a:r>
-              <a:rPr lang="en-DE" sz="1000" b="1" dirty="0">
-                <a:solidFill>
-                  <a:schemeClr val="bg1">
-                    <a:lumMod val="50000"/>
-                  </a:schemeClr>
-                </a:solidFill>
-              </a:rPr>
-              <a:t>Customer landscapes</a:t>
-            </a:r>
-          </a:p>
-        </p:txBody>
-      </p:sp>
-      <p:sp>
-        <p:nvSpPr>
-          <p:cNvPr id="13" name="Abgerundetes Rechteck 30">
-            <a:extLst>
-              <a:ext uri="{FF2B5EF4-FFF2-40B4-BE49-F238E27FC236}">
-                <a16:creationId xmlns:a16="http://schemas.microsoft.com/office/drawing/2014/main" id="{C1A2AA0B-3092-A74E-8B54-6707F6BABB9B}"/>
-              </a:ext>
-            </a:extLst>
-          </p:cNvPr>
-          <p:cNvSpPr/>
-          <p:nvPr/>
-        </p:nvSpPr>
-        <p:spPr>
-          <a:xfrm>
-            <a:off x="313236" y="3628560"/>
-            <a:ext cx="773607" cy="309486"/>
-          </a:xfrm>
-          <a:prstGeom prst="roundRect">
-            <a:avLst>
-              <a:gd name="adj" fmla="val 4078"/>
-            </a:avLst>
-          </a:prstGeom>
-          <a:noFill/>
-          <a:ln w="28575">
-            <a:noFill/>
-          </a:ln>
-        </p:spPr>
-        <p:style>
-          <a:lnRef idx="2">
-            <a:schemeClr val="accent1">
-              <a:shade val="50000"/>
-            </a:schemeClr>
-          </a:lnRef>
-          <a:fillRef idx="1">
-            <a:schemeClr val="accent1"/>
-          </a:fillRef>
-          <a:effectRef idx="0">
-            <a:schemeClr val="accent1"/>
-          </a:effectRef>
-          <a:fontRef idx="minor">
-            <a:schemeClr val="lt1"/>
-          </a:fontRef>
-        </p:style>
-        <p:txBody>
-          <a:bodyPr lIns="35982" tIns="35982" rIns="35982" bIns="35982" rtlCol="0" anchor="ctr"/>
-          <a:lstStyle/>
-          <a:p>
-            <a:pPr algn="ctr"/>
-            <a:r>
-              <a:rPr lang="en-US" sz="800" dirty="0">
-                <a:solidFill>
-                  <a:schemeClr val="tx1">
-                    <a:lumMod val="65000"/>
-                    <a:lumOff val="35000"/>
-                  </a:schemeClr>
-                </a:solidFill>
-                <a:latin typeface="Arial" charset="0"/>
-                <a:cs typeface="Arial" charset="0"/>
-              </a:rPr>
-              <a:t>Mentor coordinator</a:t>
-            </a:r>
-          </a:p>
-          <a:p>
-            <a:pPr algn="ctr"/>
-            <a:r>
-              <a:rPr lang="en-US" sz="800" dirty="0">
-                <a:solidFill>
-                  <a:schemeClr val="tx1">
-                    <a:lumMod val="65000"/>
-                    <a:lumOff val="35000"/>
-                  </a:schemeClr>
-                </a:solidFill>
-                <a:latin typeface="Arial" charset="0"/>
-                <a:cs typeface="Arial" charset="0"/>
-              </a:rPr>
-              <a:t>(City Scooter)</a:t>
-            </a:r>
-          </a:p>
-        </p:txBody>
-      </p:sp>
-      <p:pic>
-        <p:nvPicPr>
-          <p:cNvPr id="14" name="Bild 5">
-            <a:extLst>
-              <a:ext uri="{FF2B5EF4-FFF2-40B4-BE49-F238E27FC236}">
-                <a16:creationId xmlns:a16="http://schemas.microsoft.com/office/drawing/2014/main" id="{3A534551-F2F6-E845-8164-1AE9C2D5CC2E}"/>
-              </a:ext>
-            </a:extLst>
-          </p:cNvPr>
-          <p:cNvPicPr>
-            <a:picLocks noChangeAspect="1"/>
-          </p:cNvPicPr>
-          <p:nvPr/>
-        </p:nvPicPr>
-        <p:blipFill rotWithShape="1">
-          <a:blip r:embed="rId2">
-            <a:extLst>
-              <a:ext uri="{28A0092B-C50C-407E-A947-70E740481C1C}">
-                <a14:useLocalDpi xmlns:a14="http://schemas.microsoft.com/office/drawing/2010/main" val="0"/>
-              </a:ext>
-            </a:extLst>
-          </a:blip>
-          <a:srcRect t="-1" b="-14943"/>
-          <a:stretch/>
-        </p:blipFill>
-        <p:spPr>
-          <a:xfrm>
-            <a:off x="534901" y="3258924"/>
-            <a:ext cx="313201" cy="360000"/>
-          </a:xfrm>
-          <a:prstGeom prst="rect">
-            <a:avLst/>
-          </a:prstGeom>
-        </p:spPr>
-      </p:pic>
-      <p:sp>
-        <p:nvSpPr>
-          <p:cNvPr id="16" name="Rechteck 9">
-            <a:extLst>
-              <a:ext uri="{FF2B5EF4-FFF2-40B4-BE49-F238E27FC236}">
-                <a16:creationId xmlns:a16="http://schemas.microsoft.com/office/drawing/2014/main" id="{906424B4-C884-7D48-B433-A5712F6CC29D}"/>
-              </a:ext>
-            </a:extLst>
-          </p:cNvPr>
-          <p:cNvSpPr/>
-          <p:nvPr/>
-        </p:nvSpPr>
-        <p:spPr>
-          <a:xfrm>
-            <a:off x="6362147" y="1124649"/>
-            <a:ext cx="83710" cy="2190573"/>
-          </a:xfrm>
-          <a:prstGeom prst="rect">
-            <a:avLst/>
-          </a:prstGeom>
-          <a:solidFill>
-            <a:schemeClr val="accent5">
-              <a:lumMod val="20000"/>
-              <a:lumOff val="80000"/>
-            </a:schemeClr>
-          </a:solidFill>
-          <a:ln w="19050" cap="rnd">
-            <a:noFill/>
-          </a:ln>
-        </p:spPr>
-        <p:style>
-          <a:lnRef idx="2">
-            <a:schemeClr val="accent1">
-              <a:shade val="50000"/>
-            </a:schemeClr>
-          </a:lnRef>
-          <a:fillRef idx="1">
-            <a:schemeClr val="accent1"/>
-          </a:fillRef>
-          <a:effectRef idx="0">
-            <a:schemeClr val="accent1"/>
-          </a:effectRef>
-          <a:fontRef idx="minor">
-            <a:schemeClr val="lt1"/>
-          </a:fontRef>
-        </p:style>
-        <p:txBody>
-          <a:bodyPr lIns="71981" tIns="71981" rIns="71981" bIns="71981" rtlCol="0" anchor="t"/>
-          <a:lstStyle/>
-          <a:p>
-            <a:endParaRPr lang="en-US" sz="1200" b="1" dirty="0">
-              <a:solidFill>
-                <a:srgbClr val="0092D1"/>
-              </a:solidFill>
-            </a:endParaRPr>
-          </a:p>
-        </p:txBody>
-      </p:sp>
-      <p:sp>
-        <p:nvSpPr>
-          <p:cNvPr id="17" name="Rechteck 9">
-            <a:extLst>
-              <a:ext uri="{FF2B5EF4-FFF2-40B4-BE49-F238E27FC236}">
-                <a16:creationId xmlns:a16="http://schemas.microsoft.com/office/drawing/2014/main" id="{F0AFB558-A023-F940-BC71-6B3E4EABB89A}"/>
-              </a:ext>
-            </a:extLst>
-          </p:cNvPr>
-          <p:cNvSpPr/>
-          <p:nvPr/>
-        </p:nvSpPr>
-        <p:spPr>
-          <a:xfrm>
-            <a:off x="6349447" y="1277049"/>
-            <a:ext cx="83710" cy="2190573"/>
-          </a:xfrm>
-          <a:prstGeom prst="rect">
-            <a:avLst/>
-          </a:prstGeom>
-          <a:solidFill>
-            <a:schemeClr val="accent5">
-              <a:lumMod val="20000"/>
-              <a:lumOff val="80000"/>
-            </a:schemeClr>
-          </a:solidFill>
-          <a:ln w="19050" cap="rnd">
-            <a:noFill/>
-          </a:ln>
-        </p:spPr>
-        <p:style>
-          <a:lnRef idx="2">
-            <a:schemeClr val="accent1">
-              <a:shade val="50000"/>
-            </a:schemeClr>
-          </a:lnRef>
-          <a:fillRef idx="1">
-            <a:schemeClr val="accent1"/>
-          </a:fillRef>
-          <a:effectRef idx="0">
-            <a:schemeClr val="accent1"/>
-          </a:effectRef>
-          <a:fontRef idx="minor">
-            <a:schemeClr val="lt1"/>
-          </a:fontRef>
-        </p:style>
-        <p:txBody>
-          <a:bodyPr lIns="71981" tIns="71981" rIns="71981" bIns="71981" rtlCol="0" anchor="t"/>
-          <a:lstStyle/>
-          <a:p>
-            <a:endParaRPr lang="en-US" sz="1200" b="1" dirty="0">
-              <a:solidFill>
-                <a:srgbClr val="0092D1"/>
-              </a:solidFill>
-            </a:endParaRPr>
-          </a:p>
-        </p:txBody>
-      </p:sp>
-      <p:sp>
-        <p:nvSpPr>
-          <p:cNvPr id="18" name="Rechteck 9">
-            <a:extLst>
-              <a:ext uri="{FF2B5EF4-FFF2-40B4-BE49-F238E27FC236}">
-                <a16:creationId xmlns:a16="http://schemas.microsoft.com/office/drawing/2014/main" id="{C6595030-9149-DC41-AB82-7B6F55A98BD7}"/>
-              </a:ext>
-            </a:extLst>
-          </p:cNvPr>
-          <p:cNvSpPr/>
-          <p:nvPr/>
-        </p:nvSpPr>
-        <p:spPr>
-          <a:xfrm>
-            <a:off x="6608265" y="3949149"/>
-            <a:ext cx="2774274" cy="1828799"/>
-          </a:xfrm>
-          <a:prstGeom prst="rect">
-            <a:avLst/>
-          </a:prstGeom>
-          <a:solidFill>
-            <a:schemeClr val="accent5">
-              <a:lumMod val="20000"/>
-              <a:lumOff val="80000"/>
-            </a:schemeClr>
-          </a:solidFill>
-          <a:ln w="19050" cap="rnd">
-            <a:solidFill>
-              <a:srgbClr val="0092D1"/>
-            </a:solidFill>
-          </a:ln>
-        </p:spPr>
-        <p:style>
-          <a:lnRef idx="2">
-            <a:schemeClr val="accent1">
-              <a:shade val="50000"/>
-            </a:schemeClr>
-          </a:lnRef>
-          <a:fillRef idx="1">
-            <a:schemeClr val="accent1"/>
-          </a:fillRef>
-          <a:effectRef idx="0">
-            <a:schemeClr val="accent1"/>
-          </a:effectRef>
-          <a:fontRef idx="minor">
-            <a:schemeClr val="lt1"/>
-          </a:fontRef>
-        </p:style>
-        <p:txBody>
-          <a:bodyPr lIns="71981" tIns="71981" rIns="71981" bIns="71981" rtlCol="0" anchor="t"/>
-          <a:lstStyle/>
-          <a:p>
-            <a:r>
-              <a:rPr lang="en-US" sz="1000" b="1" dirty="0">
-                <a:solidFill>
-                  <a:schemeClr val="accent5"/>
-                </a:solidFill>
-              </a:rPr>
-              <a:t>Consumer Subaccounts</a:t>
-            </a:r>
-          </a:p>
-        </p:txBody>
-      </p:sp>
-      <p:sp>
-        <p:nvSpPr>
-          <p:cNvPr id="21" name="Rectangle 20">
-            <a:extLst>
-              <a:ext uri="{FF2B5EF4-FFF2-40B4-BE49-F238E27FC236}">
-                <a16:creationId xmlns:a16="http://schemas.microsoft.com/office/drawing/2014/main" id="{65CC5A98-B99E-A246-8201-09841D559A53}"/>
-              </a:ext>
-            </a:extLst>
-          </p:cNvPr>
-          <p:cNvSpPr/>
-          <p:nvPr/>
-        </p:nvSpPr>
-        <p:spPr>
-          <a:xfrm>
-            <a:off x="1766729" y="1498784"/>
-            <a:ext cx="4475046" cy="4431564"/>
-          </a:xfrm>
-          <a:prstGeom prst="rect">
-            <a:avLst/>
-          </a:prstGeom>
-          <a:noFill/>
-          <a:ln>
-            <a:solidFill>
-              <a:schemeClr val="tx2"/>
-            </a:solidFill>
-          </a:ln>
-        </p:spPr>
-        <p:style>
-          <a:lnRef idx="2">
-            <a:schemeClr val="accent1">
-              <a:shade val="50000"/>
-            </a:schemeClr>
-          </a:lnRef>
-          <a:fillRef idx="1">
-            <a:schemeClr val="accent1"/>
-          </a:fillRef>
-          <a:effectRef idx="0">
-            <a:schemeClr val="accent1"/>
-          </a:effectRef>
-          <a:fontRef idx="minor">
-            <a:schemeClr val="lt1"/>
-          </a:fontRef>
-        </p:style>
-        <p:txBody>
-          <a:bodyPr rtlCol="0" anchor="ctr"/>
-          <a:lstStyle/>
-          <a:p>
-            <a:pPr algn="ctr"/>
-            <a:endParaRPr lang="en-DE" dirty="0"/>
-          </a:p>
-        </p:txBody>
-      </p:sp>
-      <p:pic>
-        <p:nvPicPr>
-          <p:cNvPr id="1026" name="Picture 2" descr="GitHub - kyma-project/kyma: A flexible and easy way to connect and extend  enterprise applications in a cloud-native world">
-            <a:extLst>
-              <a:ext uri="{FF2B5EF4-FFF2-40B4-BE49-F238E27FC236}">
-                <a16:creationId xmlns:a16="http://schemas.microsoft.com/office/drawing/2014/main" id="{83A04BB7-1236-2C47-A716-AFCCC36A7ED9}"/>
-              </a:ext>
-            </a:extLst>
-          </p:cNvPr>
-          <p:cNvPicPr>
-            <a:picLocks noChangeAspect="1" noChangeArrowheads="1"/>
-          </p:cNvPicPr>
-          <p:nvPr/>
-        </p:nvPicPr>
-        <p:blipFill>
-          <a:blip r:embed="rId3">
-            <a:extLst>
-              <a:ext uri="{28A0092B-C50C-407E-A947-70E740481C1C}">
-                <a14:useLocalDpi xmlns:a14="http://schemas.microsoft.com/office/drawing/2010/main" val="0"/>
-              </a:ext>
-            </a:extLst>
-          </a:blip>
-          <a:srcRect/>
-          <a:stretch>
-            <a:fillRect/>
-          </a:stretch>
-        </p:blipFill>
-        <p:spPr bwMode="auto">
-          <a:xfrm>
-            <a:off x="1890893" y="1602012"/>
-            <a:ext cx="613768" cy="216257"/>
-          </a:xfrm>
-          <a:prstGeom prst="rect">
-            <a:avLst/>
-          </a:prstGeom>
-          <a:noFill/>
-          <a:extLst>
-            <a:ext uri="{909E8E84-426E-40DD-AFC4-6F175D3DCCD1}">
-              <a14:hiddenFill xmlns:a14="http://schemas.microsoft.com/office/drawing/2010/main">
-                <a:solidFill>
-                  <a:srgbClr val="FFFFFF"/>
-                </a:solidFill>
-              </a14:hiddenFill>
-            </a:ext>
-          </a:extLst>
-        </p:spPr>
-      </p:pic>
-      <p:sp>
-        <p:nvSpPr>
-          <p:cNvPr id="23" name="Rectangle 22">
-            <a:extLst>
-              <a:ext uri="{FF2B5EF4-FFF2-40B4-BE49-F238E27FC236}">
-                <a16:creationId xmlns:a16="http://schemas.microsoft.com/office/drawing/2014/main" id="{D8C16350-31BF-0140-BFA1-0B628BE410C7}"/>
-              </a:ext>
-            </a:extLst>
-          </p:cNvPr>
-          <p:cNvSpPr/>
-          <p:nvPr/>
-        </p:nvSpPr>
-        <p:spPr>
-          <a:xfrm>
-            <a:off x="6387547" y="1498783"/>
-            <a:ext cx="3147392" cy="1826515"/>
-          </a:xfrm>
-          <a:prstGeom prst="rect">
-            <a:avLst/>
-          </a:prstGeom>
-          <a:noFill/>
-          <a:ln>
-            <a:solidFill>
-              <a:schemeClr val="tx2"/>
-            </a:solidFill>
-          </a:ln>
-        </p:spPr>
-        <p:style>
-          <a:lnRef idx="2">
-            <a:schemeClr val="accent1">
-              <a:shade val="50000"/>
-            </a:schemeClr>
-          </a:lnRef>
-          <a:fillRef idx="1">
-            <a:schemeClr val="accent1"/>
-          </a:fillRef>
-          <a:effectRef idx="0">
-            <a:schemeClr val="accent1"/>
-          </a:effectRef>
-          <a:fontRef idx="minor">
-            <a:schemeClr val="lt1"/>
-          </a:fontRef>
-        </p:style>
-        <p:txBody>
-          <a:bodyPr rtlCol="0" anchor="ctr"/>
-          <a:lstStyle/>
-          <a:p>
-            <a:pPr algn="ctr"/>
-            <a:endParaRPr lang="en-DE" dirty="0"/>
-          </a:p>
-        </p:txBody>
-      </p:sp>
-      <p:pic>
-        <p:nvPicPr>
-          <p:cNvPr id="1028" name="Picture 4" descr="Cloud Foundry – Open Source Cloud Native Application Delivery">
-            <a:extLst>
-              <a:ext uri="{FF2B5EF4-FFF2-40B4-BE49-F238E27FC236}">
-                <a16:creationId xmlns:a16="http://schemas.microsoft.com/office/drawing/2014/main" id="{CBEBA09B-CC6D-5448-9FCE-CEB7170E6C16}"/>
-              </a:ext>
-            </a:extLst>
-          </p:cNvPr>
-          <p:cNvPicPr>
-            <a:picLocks noChangeAspect="1" noChangeArrowheads="1"/>
-          </p:cNvPicPr>
-          <p:nvPr/>
-        </p:nvPicPr>
-        <p:blipFill>
-          <a:blip r:embed="rId4">
-            <a:extLst>
-              <a:ext uri="{28A0092B-C50C-407E-A947-70E740481C1C}">
-                <a14:useLocalDpi xmlns:a14="http://schemas.microsoft.com/office/drawing/2010/main" val="0"/>
-              </a:ext>
-            </a:extLst>
-          </a:blip>
-          <a:srcRect/>
-          <a:stretch>
-            <a:fillRect/>
-          </a:stretch>
-        </p:blipFill>
-        <p:spPr bwMode="auto">
-          <a:xfrm>
-            <a:off x="6482349" y="1602012"/>
-            <a:ext cx="1063096" cy="145345"/>
-          </a:xfrm>
-          <a:prstGeom prst="rect">
-            <a:avLst/>
-          </a:prstGeom>
-          <a:noFill/>
-          <a:extLst>
-            <a:ext uri="{909E8E84-426E-40DD-AFC4-6F175D3DCCD1}">
-              <a14:hiddenFill xmlns:a14="http://schemas.microsoft.com/office/drawing/2010/main">
-                <a:solidFill>
-                  <a:srgbClr val="FFFFFF"/>
-                </a:solidFill>
-              </a14:hiddenFill>
-            </a:ext>
-          </a:extLst>
-        </p:spPr>
-      </p:pic>
-      <p:sp>
-        <p:nvSpPr>
-          <p:cNvPr id="29" name="Rectangle 28">
-            <a:extLst>
-              <a:ext uri="{FF2B5EF4-FFF2-40B4-BE49-F238E27FC236}">
-                <a16:creationId xmlns:a16="http://schemas.microsoft.com/office/drawing/2014/main" id="{44F578B9-2043-AC4B-8C4A-A980C2720241}"/>
-              </a:ext>
-            </a:extLst>
-          </p:cNvPr>
-          <p:cNvSpPr/>
-          <p:nvPr/>
-        </p:nvSpPr>
-        <p:spPr>
-          <a:xfrm>
-            <a:off x="2308271" y="1981888"/>
-            <a:ext cx="3342687" cy="1956158"/>
-          </a:xfrm>
-          <a:prstGeom prst="rect">
-            <a:avLst/>
-          </a:prstGeom>
-          <a:noFill/>
-          <a:ln w="15875">
-            <a:solidFill>
-              <a:schemeClr val="tx1">
-                <a:lumMod val="50000"/>
-                <a:lumOff val="50000"/>
-              </a:schemeClr>
-            </a:solidFill>
-            <a:prstDash val="sysDot"/>
-          </a:ln>
-        </p:spPr>
-        <p:style>
-          <a:lnRef idx="2">
-            <a:schemeClr val="accent1">
-              <a:shade val="50000"/>
-            </a:schemeClr>
-          </a:lnRef>
-          <a:fillRef idx="1">
-            <a:schemeClr val="accent1"/>
-          </a:fillRef>
-          <a:effectRef idx="0">
-            <a:schemeClr val="accent1"/>
-          </a:effectRef>
-          <a:fontRef idx="minor">
-            <a:schemeClr val="lt1"/>
-          </a:fontRef>
-        </p:style>
-        <p:txBody>
-          <a:bodyPr rtlCol="0" anchor="ctr"/>
-          <a:lstStyle/>
-          <a:p>
-            <a:pPr algn="ctr"/>
-            <a:endParaRPr lang="en-DE" sz="1000" dirty="0">
-              <a:solidFill>
-                <a:schemeClr val="tx1"/>
-              </a:solidFill>
-            </a:endParaRPr>
-          </a:p>
-        </p:txBody>
-      </p:sp>
-      <p:sp>
-        <p:nvSpPr>
-          <p:cNvPr id="37" name="Rechteck 61">
-            <a:extLst>
-              <a:ext uri="{FF2B5EF4-FFF2-40B4-BE49-F238E27FC236}">
-                <a16:creationId xmlns:a16="http://schemas.microsoft.com/office/drawing/2014/main" id="{4BD469F0-03AC-0A45-B660-99B25790F577}"/>
-              </a:ext>
-            </a:extLst>
-          </p:cNvPr>
-          <p:cNvSpPr/>
-          <p:nvPr/>
-        </p:nvSpPr>
-        <p:spPr>
-          <a:xfrm>
-            <a:off x="2594592" y="2476287"/>
-            <a:ext cx="1041317" cy="456045"/>
-          </a:xfrm>
-          <a:prstGeom prst="rect">
-            <a:avLst/>
-          </a:prstGeom>
-          <a:solidFill>
-            <a:schemeClr val="bg1"/>
-          </a:solidFill>
-          <a:ln w="12700">
-            <a:solidFill>
-              <a:srgbClr val="1A9898"/>
-            </a:solidFill>
-          </a:ln>
-          <a:effectLst/>
-        </p:spPr>
-        <p:style>
-          <a:lnRef idx="2">
-            <a:schemeClr val="accent1">
-              <a:shade val="50000"/>
-            </a:schemeClr>
-          </a:lnRef>
-          <a:fillRef idx="1">
-            <a:schemeClr val="accent1"/>
-          </a:fillRef>
-          <a:effectRef idx="0">
-            <a:schemeClr val="accent1"/>
-          </a:effectRef>
-          <a:fontRef idx="minor">
-            <a:schemeClr val="lt1"/>
-          </a:fontRef>
-        </p:style>
-        <p:txBody>
-          <a:bodyPr lIns="72000" tIns="72000" rIns="72000" bIns="72000" rtlCol="0" anchor="ctr" anchorCtr="0"/>
-          <a:lstStyle/>
-          <a:p>
-            <a:pPr algn="ctr"/>
-            <a:r>
-              <a:rPr lang="en-US" sz="800" kern="0" dirty="0" err="1">
-                <a:solidFill>
-                  <a:schemeClr val="tx1"/>
-                </a:solidFill>
-                <a:latin typeface="Arial" panose="020B0604020202020204" pitchFamily="34" charset="0"/>
-                <a:ea typeface="BentonSans Bold" charset="0"/>
-                <a:cs typeface="Arial" panose="020B0604020202020204" pitchFamily="34" charset="0"/>
-              </a:rPr>
-              <a:t>AppRouter</a:t>
-            </a:r>
-            <a:endParaRPr lang="en-US" sz="800" kern="0" dirty="0">
-              <a:solidFill>
-                <a:schemeClr val="tx1"/>
-              </a:solidFill>
-              <a:latin typeface="Arial" panose="020B0604020202020204" pitchFamily="34" charset="0"/>
-              <a:ea typeface="BentonSans Bold" charset="0"/>
-              <a:cs typeface="Arial" panose="020B0604020202020204" pitchFamily="34" charset="0"/>
-            </a:endParaRPr>
-          </a:p>
-        </p:txBody>
-      </p:sp>
-      <p:sp>
-        <p:nvSpPr>
-          <p:cNvPr id="43" name="Rechteck 61">
-            <a:extLst>
-              <a:ext uri="{FF2B5EF4-FFF2-40B4-BE49-F238E27FC236}">
-                <a16:creationId xmlns:a16="http://schemas.microsoft.com/office/drawing/2014/main" id="{61F5C82C-44E7-B049-999A-967401ACCADA}"/>
-              </a:ext>
-            </a:extLst>
-          </p:cNvPr>
-          <p:cNvSpPr/>
-          <p:nvPr/>
-        </p:nvSpPr>
-        <p:spPr>
-          <a:xfrm>
-            <a:off x="6753259" y="4297654"/>
-            <a:ext cx="2476260" cy="456045"/>
-          </a:xfrm>
-          <a:prstGeom prst="rect">
-            <a:avLst/>
-          </a:prstGeom>
-          <a:solidFill>
-            <a:schemeClr val="bg1"/>
-          </a:solidFill>
-          <a:ln w="12700">
-            <a:solidFill>
-              <a:srgbClr val="1A9898"/>
-            </a:solidFill>
-          </a:ln>
-          <a:effectLst/>
-        </p:spPr>
-        <p:style>
-          <a:lnRef idx="2">
-            <a:schemeClr val="accent1">
-              <a:shade val="50000"/>
-            </a:schemeClr>
-          </a:lnRef>
-          <a:fillRef idx="1">
-            <a:schemeClr val="accent1"/>
-          </a:fillRef>
-          <a:effectRef idx="0">
-            <a:schemeClr val="accent1"/>
-          </a:effectRef>
-          <a:fontRef idx="minor">
-            <a:schemeClr val="lt1"/>
-          </a:fontRef>
-        </p:style>
-        <p:txBody>
-          <a:bodyPr lIns="72000" tIns="72000" rIns="72000" bIns="72000" rtlCol="0" anchor="ctr" anchorCtr="0"/>
-          <a:lstStyle/>
-          <a:p>
-            <a:pPr algn="ctr"/>
-            <a:r>
-              <a:rPr lang="en-US" sz="800" kern="0" dirty="0">
-                <a:solidFill>
-                  <a:schemeClr val="tx1"/>
-                </a:solidFill>
-                <a:latin typeface="Arial" panose="020B0604020202020204" pitchFamily="34" charset="0"/>
-                <a:ea typeface="BentonSans Bold" charset="0"/>
-                <a:cs typeface="Arial" panose="020B0604020202020204" pitchFamily="34" charset="0"/>
-              </a:rPr>
-              <a:t>Destination configuration</a:t>
-            </a:r>
-          </a:p>
-        </p:txBody>
-      </p:sp>
-      <p:sp>
-        <p:nvSpPr>
-          <p:cNvPr id="44" name="Rechteck 61">
-            <a:extLst>
-              <a:ext uri="{FF2B5EF4-FFF2-40B4-BE49-F238E27FC236}">
-                <a16:creationId xmlns:a16="http://schemas.microsoft.com/office/drawing/2014/main" id="{29FCC4AB-8D68-924D-821C-BEFD09ABE7EF}"/>
-              </a:ext>
-            </a:extLst>
-          </p:cNvPr>
-          <p:cNvSpPr/>
-          <p:nvPr/>
-        </p:nvSpPr>
-        <p:spPr>
-          <a:xfrm>
-            <a:off x="6767293" y="4992184"/>
-            <a:ext cx="2476260" cy="456045"/>
-          </a:xfrm>
-          <a:prstGeom prst="rect">
-            <a:avLst/>
-          </a:prstGeom>
-          <a:solidFill>
-            <a:schemeClr val="bg1"/>
-          </a:solidFill>
-          <a:ln w="12700">
-            <a:solidFill>
-              <a:srgbClr val="1A9898"/>
-            </a:solidFill>
-          </a:ln>
-          <a:effectLst/>
-        </p:spPr>
-        <p:style>
-          <a:lnRef idx="2">
-            <a:schemeClr val="accent1">
-              <a:shade val="50000"/>
-            </a:schemeClr>
-          </a:lnRef>
-          <a:fillRef idx="1">
-            <a:schemeClr val="accent1"/>
-          </a:fillRef>
-          <a:effectRef idx="0">
-            <a:schemeClr val="accent1"/>
-          </a:effectRef>
-          <a:fontRef idx="minor">
-            <a:schemeClr val="lt1"/>
-          </a:fontRef>
-        </p:style>
-        <p:txBody>
-          <a:bodyPr lIns="72000" tIns="72000" rIns="72000" bIns="72000" rtlCol="0" anchor="ctr" anchorCtr="0"/>
-          <a:lstStyle/>
-          <a:p>
-            <a:pPr algn="ctr"/>
-            <a:r>
-              <a:rPr lang="en-US" sz="800" kern="0" dirty="0">
-                <a:solidFill>
-                  <a:schemeClr val="tx1"/>
-                </a:solidFill>
-                <a:latin typeface="Arial" panose="020B0604020202020204" pitchFamily="34" charset="0"/>
-                <a:ea typeface="BentonSans Bold" charset="0"/>
-                <a:cs typeface="Arial" panose="020B0604020202020204" pitchFamily="34" charset="0"/>
-              </a:rPr>
-              <a:t>End User </a:t>
-            </a:r>
-            <a:r>
-              <a:rPr lang="en-US" sz="800" kern="0" dirty="0" err="1">
-                <a:solidFill>
-                  <a:schemeClr val="tx1"/>
-                </a:solidFill>
-                <a:latin typeface="Arial" panose="020B0604020202020204" pitchFamily="34" charset="0"/>
-                <a:ea typeface="BentonSans Bold" charset="0"/>
-                <a:cs typeface="Arial" panose="020B0604020202020204" pitchFamily="34" charset="0"/>
-              </a:rPr>
-              <a:t>Assignement</a:t>
-            </a:r>
-            <a:endParaRPr lang="en-US" sz="800" kern="0" dirty="0">
-              <a:solidFill>
-                <a:schemeClr val="tx1"/>
-              </a:solidFill>
-              <a:latin typeface="Arial" panose="020B0604020202020204" pitchFamily="34" charset="0"/>
-              <a:ea typeface="BentonSans Bold" charset="0"/>
-              <a:cs typeface="Arial" panose="020B0604020202020204" pitchFamily="34" charset="0"/>
-            </a:endParaRPr>
-          </a:p>
-        </p:txBody>
-      </p:sp>
-      <p:sp>
-        <p:nvSpPr>
-          <p:cNvPr id="54" name="Rectangle 53">
-            <a:extLst>
-              <a:ext uri="{FF2B5EF4-FFF2-40B4-BE49-F238E27FC236}">
-                <a16:creationId xmlns:a16="http://schemas.microsoft.com/office/drawing/2014/main" id="{5DB38D41-92F6-164C-9D07-B0206166646F}"/>
-              </a:ext>
-            </a:extLst>
-          </p:cNvPr>
-          <p:cNvSpPr/>
-          <p:nvPr/>
-        </p:nvSpPr>
-        <p:spPr>
-          <a:xfrm>
-            <a:off x="6531507" y="1895187"/>
-            <a:ext cx="2851032" cy="1271544"/>
-          </a:xfrm>
-          <a:prstGeom prst="rect">
-            <a:avLst/>
-          </a:prstGeom>
-          <a:solidFill>
-            <a:schemeClr val="bg1"/>
-          </a:solidFill>
-          <a:ln w="15875">
-            <a:solidFill>
-              <a:schemeClr val="tx1">
-                <a:lumMod val="50000"/>
-                <a:lumOff val="50000"/>
-              </a:schemeClr>
-            </a:solidFill>
-            <a:prstDash val="sysDot"/>
-          </a:ln>
-        </p:spPr>
-        <p:style>
-          <a:lnRef idx="2">
-            <a:schemeClr val="accent1">
-              <a:shade val="50000"/>
-            </a:schemeClr>
-          </a:lnRef>
-          <a:fillRef idx="1">
-            <a:schemeClr val="accent1"/>
-          </a:fillRef>
-          <a:effectRef idx="0">
-            <a:schemeClr val="accent1"/>
-          </a:effectRef>
-          <a:fontRef idx="minor">
-            <a:schemeClr val="lt1"/>
-          </a:fontRef>
-        </p:style>
-        <p:txBody>
-          <a:bodyPr rtlCol="0" anchor="ctr"/>
-          <a:lstStyle/>
-          <a:p>
-            <a:pPr algn="ctr"/>
-            <a:endParaRPr lang="en-DE" sz="1000" dirty="0">
-              <a:solidFill>
-                <a:schemeClr val="tx1"/>
-              </a:solidFill>
-            </a:endParaRPr>
-          </a:p>
-        </p:txBody>
-      </p:sp>
-      <p:sp>
-        <p:nvSpPr>
-          <p:cNvPr id="55" name="TextBox 54">
-            <a:extLst>
-              <a:ext uri="{FF2B5EF4-FFF2-40B4-BE49-F238E27FC236}">
-                <a16:creationId xmlns:a16="http://schemas.microsoft.com/office/drawing/2014/main" id="{DE8D58DE-86FB-AC46-801A-7F7CFC8394CA}"/>
-              </a:ext>
-            </a:extLst>
-          </p:cNvPr>
-          <p:cNvSpPr txBox="1"/>
-          <p:nvPr/>
-        </p:nvSpPr>
-        <p:spPr>
-          <a:xfrm>
-            <a:off x="6557325" y="1943462"/>
-            <a:ext cx="894797" cy="215444"/>
-          </a:xfrm>
-          <a:prstGeom prst="rect">
-            <a:avLst/>
-          </a:prstGeom>
-          <a:noFill/>
-        </p:spPr>
-        <p:txBody>
-          <a:bodyPr wrap="none" rtlCol="0">
-            <a:spAutoFit/>
-          </a:bodyPr>
-          <a:lstStyle/>
-          <a:p>
-            <a:r>
-              <a:rPr lang="en-DE" sz="800" b="1" dirty="0">
-                <a:solidFill>
-                  <a:schemeClr val="tx1">
-                    <a:lumMod val="50000"/>
-                    <a:lumOff val="50000"/>
-                  </a:schemeClr>
-                </a:solidFill>
-              </a:rPr>
-              <a:t>SAP HANA Cloud</a:t>
-            </a:r>
-          </a:p>
-        </p:txBody>
-      </p:sp>
-      <p:pic>
-        <p:nvPicPr>
-          <p:cNvPr id="1044" name="Picture 20" descr="Datenbank - Kostenlose technologie Icons">
-            <a:extLst>
-              <a:ext uri="{FF2B5EF4-FFF2-40B4-BE49-F238E27FC236}">
-                <a16:creationId xmlns:a16="http://schemas.microsoft.com/office/drawing/2014/main" id="{02E14EAC-C5B6-DE4B-8F0C-B776A25B480B}"/>
-              </a:ext>
-            </a:extLst>
-          </p:cNvPr>
-          <p:cNvPicPr>
-            <a:picLocks noChangeAspect="1" noChangeArrowheads="1"/>
-          </p:cNvPicPr>
-          <p:nvPr/>
-        </p:nvPicPr>
-        <p:blipFill>
-          <a:blip r:embed="rId5">
-            <a:duotone>
-              <a:prstClr val="black"/>
-              <a:schemeClr val="accent3">
-                <a:tint val="45000"/>
-                <a:satMod val="400000"/>
-              </a:schemeClr>
-            </a:duotone>
-            <a:extLst>
-              <a:ext uri="{28A0092B-C50C-407E-A947-70E740481C1C}">
-                <a14:useLocalDpi xmlns:a14="http://schemas.microsoft.com/office/drawing/2010/main" val="0"/>
-              </a:ext>
-            </a:extLst>
-          </a:blip>
-          <a:srcRect/>
-          <a:stretch>
-            <a:fillRect/>
-          </a:stretch>
-        </p:blipFill>
-        <p:spPr bwMode="auto">
-          <a:xfrm>
-            <a:off x="7051477" y="2392178"/>
-            <a:ext cx="301876" cy="301876"/>
-          </a:xfrm>
-          <a:prstGeom prst="rect">
-            <a:avLst/>
-          </a:prstGeom>
-          <a:noFill/>
-          <a:extLst>
-            <a:ext uri="{909E8E84-426E-40DD-AFC4-6F175D3DCCD1}">
-              <a14:hiddenFill xmlns:a14="http://schemas.microsoft.com/office/drawing/2010/main">
-                <a:solidFill>
-                  <a:srgbClr val="FFFFFF"/>
-                </a:solidFill>
-              </a14:hiddenFill>
-            </a:ext>
-          </a:extLst>
-        </p:spPr>
-      </p:pic>
-      <p:pic>
-        <p:nvPicPr>
-          <p:cNvPr id="57" name="Picture 20" descr="Datenbank - Kostenlose technologie Icons">
-            <a:extLst>
-              <a:ext uri="{FF2B5EF4-FFF2-40B4-BE49-F238E27FC236}">
-                <a16:creationId xmlns:a16="http://schemas.microsoft.com/office/drawing/2014/main" id="{9EF612DB-4FCC-D74B-851F-381ADF50111B}"/>
-              </a:ext>
-            </a:extLst>
-          </p:cNvPr>
-          <p:cNvPicPr>
-            <a:picLocks noChangeAspect="1" noChangeArrowheads="1"/>
-          </p:cNvPicPr>
-          <p:nvPr/>
-        </p:nvPicPr>
-        <p:blipFill>
-          <a:blip r:embed="rId5">
-            <a:duotone>
-              <a:prstClr val="black"/>
-              <a:schemeClr val="accent3">
-                <a:tint val="45000"/>
-                <a:satMod val="400000"/>
-              </a:schemeClr>
-            </a:duotone>
-            <a:extLst>
-              <a:ext uri="{28A0092B-C50C-407E-A947-70E740481C1C}">
-                <a14:useLocalDpi xmlns:a14="http://schemas.microsoft.com/office/drawing/2010/main" val="0"/>
-              </a:ext>
-            </a:extLst>
-          </a:blip>
-          <a:srcRect/>
-          <a:stretch>
-            <a:fillRect/>
-          </a:stretch>
-        </p:blipFill>
-        <p:spPr bwMode="auto">
-          <a:xfrm>
-            <a:off x="8009390" y="2389489"/>
-            <a:ext cx="301876" cy="301876"/>
-          </a:xfrm>
-          <a:prstGeom prst="rect">
-            <a:avLst/>
-          </a:prstGeom>
-          <a:noFill/>
-          <a:extLst>
-            <a:ext uri="{909E8E84-426E-40DD-AFC4-6F175D3DCCD1}">
-              <a14:hiddenFill xmlns:a14="http://schemas.microsoft.com/office/drawing/2010/main">
-                <a:solidFill>
-                  <a:srgbClr val="FFFFFF"/>
-                </a:solidFill>
-              </a14:hiddenFill>
-            </a:ext>
-          </a:extLst>
-        </p:spPr>
-      </p:pic>
-      <p:pic>
-        <p:nvPicPr>
-          <p:cNvPr id="58" name="Picture 20" descr="Datenbank - Kostenlose technologie Icons">
-            <a:extLst>
-              <a:ext uri="{FF2B5EF4-FFF2-40B4-BE49-F238E27FC236}">
-                <a16:creationId xmlns:a16="http://schemas.microsoft.com/office/drawing/2014/main" id="{43BE0961-4AF8-884E-83F1-DEB1324CC64C}"/>
-              </a:ext>
-            </a:extLst>
-          </p:cNvPr>
-          <p:cNvPicPr>
-            <a:picLocks noChangeAspect="1" noChangeArrowheads="1"/>
-          </p:cNvPicPr>
-          <p:nvPr/>
-        </p:nvPicPr>
-        <p:blipFill>
-          <a:blip r:embed="rId5">
-            <a:duotone>
-              <a:prstClr val="black"/>
-              <a:schemeClr val="accent3">
-                <a:tint val="45000"/>
-                <a:satMod val="400000"/>
-              </a:schemeClr>
-            </a:duotone>
-            <a:extLst>
-              <a:ext uri="{28A0092B-C50C-407E-A947-70E740481C1C}">
-                <a14:useLocalDpi xmlns:a14="http://schemas.microsoft.com/office/drawing/2010/main" val="0"/>
-              </a:ext>
-            </a:extLst>
-          </a:blip>
-          <a:srcRect/>
-          <a:stretch>
-            <a:fillRect/>
-          </a:stretch>
-        </p:blipFill>
-        <p:spPr bwMode="auto">
-          <a:xfrm>
-            <a:off x="8399739" y="2384643"/>
-            <a:ext cx="301876" cy="301876"/>
-          </a:xfrm>
-          <a:prstGeom prst="rect">
-            <a:avLst/>
-          </a:prstGeom>
-          <a:noFill/>
-          <a:extLst>
-            <a:ext uri="{909E8E84-426E-40DD-AFC4-6F175D3DCCD1}">
-              <a14:hiddenFill xmlns:a14="http://schemas.microsoft.com/office/drawing/2010/main">
-                <a:solidFill>
-                  <a:srgbClr val="FFFFFF"/>
-                </a:solidFill>
-              </a14:hiddenFill>
-            </a:ext>
-          </a:extLst>
-        </p:spPr>
-      </p:pic>
-      <p:pic>
-        <p:nvPicPr>
-          <p:cNvPr id="59" name="Picture 20" descr="Datenbank - Kostenlose technologie Icons">
-            <a:extLst>
-              <a:ext uri="{FF2B5EF4-FFF2-40B4-BE49-F238E27FC236}">
-                <a16:creationId xmlns:a16="http://schemas.microsoft.com/office/drawing/2014/main" id="{977C8B9D-3BDB-6F47-95CB-262AC0F604FF}"/>
-              </a:ext>
-            </a:extLst>
-          </p:cNvPr>
-          <p:cNvPicPr>
-            <a:picLocks noChangeAspect="1" noChangeArrowheads="1"/>
-          </p:cNvPicPr>
-          <p:nvPr/>
-        </p:nvPicPr>
-        <p:blipFill>
-          <a:blip r:embed="rId5">
-            <a:duotone>
-              <a:prstClr val="black"/>
-              <a:schemeClr val="accent3">
-                <a:tint val="45000"/>
-                <a:satMod val="400000"/>
-              </a:schemeClr>
-            </a:duotone>
-            <a:extLst>
-              <a:ext uri="{28A0092B-C50C-407E-A947-70E740481C1C}">
-                <a14:useLocalDpi xmlns:a14="http://schemas.microsoft.com/office/drawing/2010/main" val="0"/>
-              </a:ext>
-            </a:extLst>
-          </a:blip>
-          <a:srcRect/>
-          <a:stretch>
-            <a:fillRect/>
-          </a:stretch>
-        </p:blipFill>
-        <p:spPr bwMode="auto">
-          <a:xfrm>
-            <a:off x="8789503" y="2384643"/>
-            <a:ext cx="301876" cy="301876"/>
-          </a:xfrm>
-          <a:prstGeom prst="rect">
-            <a:avLst/>
-          </a:prstGeom>
-          <a:noFill/>
-          <a:extLst>
-            <a:ext uri="{909E8E84-426E-40DD-AFC4-6F175D3DCCD1}">
-              <a14:hiddenFill xmlns:a14="http://schemas.microsoft.com/office/drawing/2010/main">
-                <a:solidFill>
-                  <a:srgbClr val="FFFFFF"/>
-                </a:solidFill>
-              </a14:hiddenFill>
-            </a:ext>
-          </a:extLst>
-        </p:spPr>
-      </p:pic>
-      <p:sp>
-        <p:nvSpPr>
-          <p:cNvPr id="26" name="TextBox 25">
-            <a:extLst>
-              <a:ext uri="{FF2B5EF4-FFF2-40B4-BE49-F238E27FC236}">
-                <a16:creationId xmlns:a16="http://schemas.microsoft.com/office/drawing/2014/main" id="{031E8F6E-B1F9-C048-8889-347562A1E461}"/>
-              </a:ext>
-            </a:extLst>
-          </p:cNvPr>
-          <p:cNvSpPr txBox="1"/>
-          <p:nvPr/>
-        </p:nvSpPr>
-        <p:spPr>
-          <a:xfrm flipH="1">
-            <a:off x="6748050" y="2711111"/>
-            <a:ext cx="881102" cy="215444"/>
-          </a:xfrm>
-          <a:prstGeom prst="rect">
-            <a:avLst/>
-          </a:prstGeom>
-          <a:noFill/>
-        </p:spPr>
-        <p:txBody>
-          <a:bodyPr wrap="square" rtlCol="0">
-            <a:spAutoFit/>
-          </a:bodyPr>
-          <a:lstStyle/>
-          <a:p>
-            <a:r>
-              <a:rPr lang="en-DE" sz="800" dirty="0">
-                <a:solidFill>
-                  <a:schemeClr val="tx1">
-                    <a:lumMod val="75000"/>
-                    <a:lumOff val="25000"/>
-                  </a:schemeClr>
-                </a:solidFill>
-              </a:rPr>
-              <a:t>Provider schema</a:t>
-            </a:r>
-          </a:p>
-        </p:txBody>
-      </p:sp>
-      <p:sp>
-        <p:nvSpPr>
-          <p:cNvPr id="61" name="TextBox 60">
-            <a:extLst>
-              <a:ext uri="{FF2B5EF4-FFF2-40B4-BE49-F238E27FC236}">
-                <a16:creationId xmlns:a16="http://schemas.microsoft.com/office/drawing/2014/main" id="{EF6DEA95-B95D-9C49-B4CD-A306911EF9AA}"/>
-              </a:ext>
-            </a:extLst>
-          </p:cNvPr>
-          <p:cNvSpPr txBox="1"/>
-          <p:nvPr/>
-        </p:nvSpPr>
-        <p:spPr>
-          <a:xfrm flipH="1">
-            <a:off x="8009390" y="2708422"/>
-            <a:ext cx="1081988" cy="215444"/>
-          </a:xfrm>
-          <a:prstGeom prst="rect">
-            <a:avLst/>
-          </a:prstGeom>
-          <a:noFill/>
-        </p:spPr>
-        <p:txBody>
-          <a:bodyPr wrap="square" rtlCol="0">
-            <a:spAutoFit/>
-          </a:bodyPr>
-          <a:lstStyle/>
-          <a:p>
-            <a:pPr algn="ctr"/>
-            <a:r>
-              <a:rPr lang="en-DE" sz="800" dirty="0">
-                <a:solidFill>
-                  <a:schemeClr val="tx1">
-                    <a:lumMod val="75000"/>
-                    <a:lumOff val="25000"/>
-                  </a:schemeClr>
-                </a:solidFill>
-              </a:rPr>
-              <a:t>Customer schemas</a:t>
-            </a:r>
-          </a:p>
-        </p:txBody>
-      </p:sp>
-      <p:cxnSp>
-        <p:nvCxnSpPr>
-          <p:cNvPr id="89" name="Gewinkelte Verbindung 42">
-            <a:extLst>
-              <a:ext uri="{FF2B5EF4-FFF2-40B4-BE49-F238E27FC236}">
-                <a16:creationId xmlns:a16="http://schemas.microsoft.com/office/drawing/2014/main" id="{71E604D1-FBA1-D24B-94FD-4EB1DC0087C1}"/>
-              </a:ext>
-            </a:extLst>
-          </p:cNvPr>
-          <p:cNvCxnSpPr>
-            <a:cxnSpLocks/>
-          </p:cNvCxnSpPr>
-          <p:nvPr/>
-        </p:nvCxnSpPr>
-        <p:spPr>
-          <a:xfrm>
-            <a:off x="5948948" y="3740424"/>
-            <a:ext cx="2311216" cy="554366"/>
-          </a:xfrm>
-          <a:prstGeom prst="bentConnector3">
-            <a:avLst>
-              <a:gd name="adj1" fmla="val 100095"/>
-            </a:avLst>
-          </a:prstGeom>
-          <a:ln w="19050" cap="rnd" cmpd="sng">
-            <a:solidFill>
-              <a:schemeClr val="tx1">
-                <a:lumMod val="65000"/>
-                <a:lumOff val="35000"/>
-              </a:schemeClr>
-            </a:solidFill>
-            <a:round/>
-            <a:headEnd type="none" w="med" len="med"/>
-            <a:tailEnd type="triangle" w="med" len="med"/>
-          </a:ln>
-        </p:spPr>
-        <p:style>
-          <a:lnRef idx="1">
-            <a:schemeClr val="accent1"/>
-          </a:lnRef>
-          <a:fillRef idx="0">
-            <a:schemeClr val="accent1"/>
-          </a:fillRef>
-          <a:effectRef idx="0">
-            <a:schemeClr val="accent1"/>
-          </a:effectRef>
-          <a:fontRef idx="minor">
-            <a:schemeClr val="tx1"/>
-          </a:fontRef>
-        </p:style>
-      </p:cxnSp>
-      <p:cxnSp>
-        <p:nvCxnSpPr>
-          <p:cNvPr id="95" name="Gewinkelte Verbindung 42">
-            <a:extLst>
-              <a:ext uri="{FF2B5EF4-FFF2-40B4-BE49-F238E27FC236}">
-                <a16:creationId xmlns:a16="http://schemas.microsoft.com/office/drawing/2014/main" id="{356B6331-1B44-5149-9ACB-9AE9A3162CF0}"/>
-              </a:ext>
-            </a:extLst>
-          </p:cNvPr>
-          <p:cNvCxnSpPr>
-            <a:cxnSpLocks/>
-          </p:cNvCxnSpPr>
-          <p:nvPr/>
-        </p:nvCxnSpPr>
-        <p:spPr>
-          <a:xfrm flipV="1">
-            <a:off x="8408920" y="3740424"/>
-            <a:ext cx="2015515" cy="554366"/>
-          </a:xfrm>
-          <a:prstGeom prst="bentConnector3">
-            <a:avLst>
-              <a:gd name="adj1" fmla="val 63"/>
-            </a:avLst>
-          </a:prstGeom>
-          <a:ln w="19050" cap="rnd" cmpd="sng">
-            <a:solidFill>
-              <a:schemeClr val="tx1">
-                <a:lumMod val="65000"/>
-                <a:lumOff val="35000"/>
-              </a:schemeClr>
-            </a:solidFill>
-            <a:round/>
-            <a:headEnd type="none" w="med" len="med"/>
-            <a:tailEnd type="triangle" w="med" len="med"/>
-          </a:ln>
-        </p:spPr>
-        <p:style>
-          <a:lnRef idx="1">
-            <a:schemeClr val="accent1"/>
-          </a:lnRef>
-          <a:fillRef idx="0">
-            <a:schemeClr val="accent1"/>
-          </a:fillRef>
-          <a:effectRef idx="0">
-            <a:schemeClr val="accent1"/>
-          </a:effectRef>
-          <a:fontRef idx="minor">
-            <a:schemeClr val="tx1"/>
-          </a:fontRef>
-        </p:style>
-      </p:cxnSp>
-      <p:sp>
-        <p:nvSpPr>
-          <p:cNvPr id="102" name="Rechteck 61">
-            <a:extLst>
-              <a:ext uri="{FF2B5EF4-FFF2-40B4-BE49-F238E27FC236}">
-                <a16:creationId xmlns:a16="http://schemas.microsoft.com/office/drawing/2014/main" id="{9940339F-A396-EA4A-9084-64C46C06D769}"/>
-              </a:ext>
-            </a:extLst>
-          </p:cNvPr>
-          <p:cNvSpPr/>
-          <p:nvPr/>
-        </p:nvSpPr>
-        <p:spPr>
-          <a:xfrm>
-            <a:off x="2594591" y="3079142"/>
-            <a:ext cx="1041317" cy="456045"/>
-          </a:xfrm>
-          <a:prstGeom prst="rect">
-            <a:avLst/>
-          </a:prstGeom>
-          <a:solidFill>
-            <a:schemeClr val="bg1"/>
-          </a:solidFill>
-          <a:ln w="12700">
-            <a:solidFill>
-              <a:srgbClr val="1A9898"/>
-            </a:solidFill>
-          </a:ln>
-          <a:effectLst/>
-        </p:spPr>
-        <p:style>
-          <a:lnRef idx="2">
-            <a:schemeClr val="accent1">
-              <a:shade val="50000"/>
-            </a:schemeClr>
-          </a:lnRef>
-          <a:fillRef idx="1">
-            <a:schemeClr val="accent1"/>
-          </a:fillRef>
-          <a:effectRef idx="0">
-            <a:schemeClr val="accent1"/>
-          </a:effectRef>
-          <a:fontRef idx="minor">
-            <a:schemeClr val="lt1"/>
-          </a:fontRef>
-        </p:style>
-        <p:txBody>
-          <a:bodyPr lIns="72000" tIns="72000" rIns="72000" bIns="72000" rtlCol="0" anchor="ctr" anchorCtr="0"/>
-          <a:lstStyle/>
-          <a:p>
-            <a:pPr algn="ctr"/>
-            <a:r>
-              <a:rPr lang="en-US" sz="800" kern="0" dirty="0">
-                <a:solidFill>
-                  <a:schemeClr val="tx1"/>
-                </a:solidFill>
-                <a:latin typeface="Arial" panose="020B0604020202020204" pitchFamily="34" charset="0"/>
-                <a:ea typeface="BentonSans Bold" charset="0"/>
-                <a:cs typeface="Arial" panose="020B0604020202020204" pitchFamily="34" charset="0"/>
-              </a:rPr>
-              <a:t>Broker</a:t>
-            </a:r>
-          </a:p>
-        </p:txBody>
-      </p:sp>
-      <p:sp>
-        <p:nvSpPr>
-          <p:cNvPr id="104" name="TextBox 103">
-            <a:extLst>
-              <a:ext uri="{FF2B5EF4-FFF2-40B4-BE49-F238E27FC236}">
-                <a16:creationId xmlns:a16="http://schemas.microsoft.com/office/drawing/2014/main" id="{66EAE5E3-A715-1049-AD68-DF79996798A9}"/>
-              </a:ext>
-            </a:extLst>
-          </p:cNvPr>
-          <p:cNvSpPr txBox="1"/>
-          <p:nvPr/>
-        </p:nvSpPr>
-        <p:spPr>
-          <a:xfrm>
-            <a:off x="3069750" y="1892283"/>
-            <a:ext cx="1819729" cy="215444"/>
-          </a:xfrm>
-          <a:prstGeom prst="rect">
-            <a:avLst/>
-          </a:prstGeom>
-          <a:solidFill>
-            <a:schemeClr val="accent5">
-              <a:lumMod val="20000"/>
-              <a:lumOff val="80000"/>
-            </a:schemeClr>
-          </a:solidFill>
-        </p:spPr>
-        <p:txBody>
-          <a:bodyPr wrap="none" rtlCol="0">
-            <a:spAutoFit/>
-          </a:bodyPr>
-          <a:lstStyle/>
-          <a:p>
-            <a:r>
-              <a:rPr lang="en-DE" sz="800" b="1" dirty="0">
-                <a:solidFill>
-                  <a:schemeClr val="tx1">
-                    <a:lumMod val="50000"/>
-                    <a:lumOff val="50000"/>
-                  </a:schemeClr>
-                </a:solidFill>
-              </a:rPr>
-              <a:t>Multitenant Application Microservices</a:t>
-            </a:r>
-          </a:p>
-        </p:txBody>
-      </p:sp>
-      <p:sp>
-        <p:nvSpPr>
-          <p:cNvPr id="105" name="Rechteck 61">
-            <a:extLst>
-              <a:ext uri="{FF2B5EF4-FFF2-40B4-BE49-F238E27FC236}">
-                <a16:creationId xmlns:a16="http://schemas.microsoft.com/office/drawing/2014/main" id="{08DF21A6-1ADF-DA4E-84F6-AAF7DFA1D78B}"/>
-              </a:ext>
-            </a:extLst>
-          </p:cNvPr>
-          <p:cNvSpPr/>
-          <p:nvPr/>
-        </p:nvSpPr>
-        <p:spPr>
-          <a:xfrm>
-            <a:off x="4207913" y="2550908"/>
-            <a:ext cx="1041317" cy="456045"/>
-          </a:xfrm>
-          <a:prstGeom prst="rect">
-            <a:avLst/>
-          </a:prstGeom>
-          <a:solidFill>
-            <a:schemeClr val="bg1"/>
-          </a:solidFill>
-          <a:ln w="12700">
-            <a:solidFill>
-              <a:srgbClr val="1A9898"/>
-            </a:solidFill>
-          </a:ln>
-          <a:effectLst/>
-        </p:spPr>
-        <p:style>
-          <a:lnRef idx="2">
-            <a:schemeClr val="accent1">
-              <a:shade val="50000"/>
-            </a:schemeClr>
-          </a:lnRef>
-          <a:fillRef idx="1">
-            <a:schemeClr val="accent1"/>
-          </a:fillRef>
-          <a:effectRef idx="0">
-            <a:schemeClr val="accent1"/>
-          </a:effectRef>
-          <a:fontRef idx="minor">
-            <a:schemeClr val="lt1"/>
-          </a:fontRef>
-        </p:style>
-        <p:txBody>
-          <a:bodyPr lIns="72000" tIns="72000" rIns="72000" bIns="72000" rtlCol="0" anchor="ctr" anchorCtr="0"/>
-          <a:lstStyle/>
-          <a:p>
-            <a:pPr algn="ctr"/>
-            <a:r>
-              <a:rPr lang="en-US" sz="800" kern="0" dirty="0">
-                <a:solidFill>
-                  <a:schemeClr val="tx1"/>
-                </a:solidFill>
-                <a:latin typeface="Arial" panose="020B0604020202020204" pitchFamily="34" charset="0"/>
-                <a:ea typeface="BentonSans Bold" charset="0"/>
-                <a:cs typeface="Arial" panose="020B0604020202020204" pitchFamily="34" charset="0"/>
-              </a:rPr>
-              <a:t>Microservices</a:t>
-            </a:r>
-          </a:p>
-        </p:txBody>
-      </p:sp>
-      <p:sp>
-        <p:nvSpPr>
-          <p:cNvPr id="106" name="Rechteck 61">
-            <a:extLst>
-              <a:ext uri="{FF2B5EF4-FFF2-40B4-BE49-F238E27FC236}">
-                <a16:creationId xmlns:a16="http://schemas.microsoft.com/office/drawing/2014/main" id="{2788AE44-3118-7D4C-AE70-9BF5611321AF}"/>
-              </a:ext>
-            </a:extLst>
-          </p:cNvPr>
-          <p:cNvSpPr/>
-          <p:nvPr/>
-        </p:nvSpPr>
-        <p:spPr>
-          <a:xfrm>
-            <a:off x="4128999" y="2474708"/>
-            <a:ext cx="1041317" cy="456045"/>
-          </a:xfrm>
-          <a:prstGeom prst="rect">
-            <a:avLst/>
-          </a:prstGeom>
-          <a:solidFill>
-            <a:schemeClr val="bg1"/>
-          </a:solidFill>
-          <a:ln w="12700">
-            <a:solidFill>
-              <a:srgbClr val="1A9898"/>
-            </a:solidFill>
-          </a:ln>
-          <a:effectLst/>
-        </p:spPr>
-        <p:style>
-          <a:lnRef idx="2">
-            <a:schemeClr val="accent1">
-              <a:shade val="50000"/>
-            </a:schemeClr>
-          </a:lnRef>
-          <a:fillRef idx="1">
-            <a:schemeClr val="accent1"/>
-          </a:fillRef>
-          <a:effectRef idx="0">
-            <a:schemeClr val="accent1"/>
-          </a:effectRef>
-          <a:fontRef idx="minor">
-            <a:schemeClr val="lt1"/>
-          </a:fontRef>
-        </p:style>
-        <p:txBody>
-          <a:bodyPr lIns="72000" tIns="72000" rIns="72000" bIns="72000" rtlCol="0" anchor="ctr" anchorCtr="0"/>
-          <a:lstStyle/>
-          <a:p>
-            <a:pPr algn="ctr"/>
-            <a:r>
-              <a:rPr lang="en-US" sz="800" kern="0" dirty="0">
-                <a:solidFill>
-                  <a:schemeClr val="tx1"/>
-                </a:solidFill>
-                <a:latin typeface="Arial" panose="020B0604020202020204" pitchFamily="34" charset="0"/>
-                <a:ea typeface="BentonSans Bold" charset="0"/>
-                <a:cs typeface="Arial" panose="020B0604020202020204" pitchFamily="34" charset="0"/>
-              </a:rPr>
-              <a:t>Microservices</a:t>
-            </a:r>
-          </a:p>
-        </p:txBody>
-      </p:sp>
-      <p:sp>
-        <p:nvSpPr>
-          <p:cNvPr id="112" name="Rechteck 44">
-            <a:extLst>
-              <a:ext uri="{FF2B5EF4-FFF2-40B4-BE49-F238E27FC236}">
-                <a16:creationId xmlns:a16="http://schemas.microsoft.com/office/drawing/2014/main" id="{C1657FF2-5FDA-A744-8693-709AA60FB656}"/>
-              </a:ext>
-            </a:extLst>
-          </p:cNvPr>
-          <p:cNvSpPr/>
-          <p:nvPr/>
-        </p:nvSpPr>
-        <p:spPr>
-          <a:xfrm>
-            <a:off x="2478882" y="5002010"/>
-            <a:ext cx="513115" cy="123111"/>
-          </a:xfrm>
-          <a:prstGeom prst="rect">
-            <a:avLst/>
-          </a:prstGeom>
-        </p:spPr>
-        <p:txBody>
-          <a:bodyPr wrap="square" lIns="0" tIns="0" rIns="0" bIns="0">
-            <a:spAutoFit/>
-          </a:bodyPr>
-          <a:lstStyle/>
-          <a:p>
-            <a:pPr algn="ctr"/>
-            <a:r>
-              <a:rPr lang="en-US" sz="800" b="1" dirty="0">
-                <a:solidFill>
-                  <a:srgbClr val="427CAC"/>
-                </a:solidFill>
-                <a:latin typeface="Arial" charset="0"/>
-                <a:ea typeface="Arial" charset="0"/>
-                <a:cs typeface="Arial" charset="0"/>
-              </a:rPr>
-              <a:t>XSUAA</a:t>
-            </a:r>
-          </a:p>
-        </p:txBody>
-      </p:sp>
-      <p:pic>
-        <p:nvPicPr>
-          <p:cNvPr id="113" name="Bild 36">
-            <a:extLst>
-              <a:ext uri="{FF2B5EF4-FFF2-40B4-BE49-F238E27FC236}">
-                <a16:creationId xmlns:a16="http://schemas.microsoft.com/office/drawing/2014/main" id="{CB5EBAAD-E85C-294E-9FC3-D8ADFC7295D2}"/>
-              </a:ext>
-            </a:extLst>
-          </p:cNvPr>
-          <p:cNvPicPr>
-            <a:picLocks noChangeAspect="1"/>
-          </p:cNvPicPr>
-          <p:nvPr/>
-        </p:nvPicPr>
-        <p:blipFill>
-          <a:blip r:embed="rId6">
-            <a:extLst>
-              <a:ext uri="{28A0092B-C50C-407E-A947-70E740481C1C}">
-                <a14:useLocalDpi xmlns:a14="http://schemas.microsoft.com/office/drawing/2010/main" val="0"/>
-              </a:ext>
-            </a:extLst>
-          </a:blip>
-          <a:stretch>
-            <a:fillRect/>
-          </a:stretch>
-        </p:blipFill>
-        <p:spPr>
-          <a:xfrm>
-            <a:off x="2615054" y="4623829"/>
-            <a:ext cx="259739" cy="259739"/>
-          </a:xfrm>
-          <a:prstGeom prst="rect">
-            <a:avLst/>
-          </a:prstGeom>
-        </p:spPr>
-      </p:pic>
-      <p:sp>
-        <p:nvSpPr>
-          <p:cNvPr id="114" name="Oval 113">
-            <a:extLst>
-              <a:ext uri="{FF2B5EF4-FFF2-40B4-BE49-F238E27FC236}">
-                <a16:creationId xmlns:a16="http://schemas.microsoft.com/office/drawing/2014/main" id="{8693FA51-4CCB-6546-91CD-130B98852365}"/>
-              </a:ext>
-            </a:extLst>
-          </p:cNvPr>
-          <p:cNvSpPr/>
-          <p:nvPr/>
-        </p:nvSpPr>
-        <p:spPr>
-          <a:xfrm>
-            <a:off x="2550194" y="4562214"/>
-            <a:ext cx="386787" cy="392724"/>
-          </a:xfrm>
-          <a:prstGeom prst="ellipse">
-            <a:avLst/>
-          </a:prstGeom>
-          <a:noFill/>
-          <a:ln w="22860">
-            <a:solidFill>
-              <a:schemeClr val="accent5">
-                <a:lumMod val="75000"/>
-              </a:schemeClr>
-            </a:solidFill>
-          </a:ln>
-        </p:spPr>
-        <p:style>
-          <a:lnRef idx="2">
-            <a:schemeClr val="accent1">
-              <a:shade val="50000"/>
-            </a:schemeClr>
-          </a:lnRef>
-          <a:fillRef idx="1">
-            <a:schemeClr val="accent1"/>
-          </a:fillRef>
-          <a:effectRef idx="0">
-            <a:schemeClr val="accent1"/>
-          </a:effectRef>
-          <a:fontRef idx="minor">
-            <a:schemeClr val="lt1"/>
-          </a:fontRef>
-        </p:style>
-        <p:txBody>
-          <a:bodyPr rtlCol="0" anchor="ctr"/>
-          <a:lstStyle/>
-          <a:p>
-            <a:pPr algn="ctr"/>
-            <a:endParaRPr lang="en-DE"/>
-          </a:p>
-        </p:txBody>
-      </p:sp>
-      <p:sp>
-        <p:nvSpPr>
-          <p:cNvPr id="115" name="Rechteck 44">
-            <a:extLst>
-              <a:ext uri="{FF2B5EF4-FFF2-40B4-BE49-F238E27FC236}">
-                <a16:creationId xmlns:a16="http://schemas.microsoft.com/office/drawing/2014/main" id="{76F3C1FB-41E3-AE4A-826C-22FFC4F0B064}"/>
-              </a:ext>
-            </a:extLst>
-          </p:cNvPr>
-          <p:cNvSpPr/>
-          <p:nvPr/>
-        </p:nvSpPr>
-        <p:spPr>
-          <a:xfrm>
-            <a:off x="3630630" y="5002010"/>
-            <a:ext cx="513115" cy="246221"/>
-          </a:xfrm>
-          <a:prstGeom prst="rect">
-            <a:avLst/>
-          </a:prstGeom>
-        </p:spPr>
-        <p:txBody>
-          <a:bodyPr wrap="square" lIns="0" tIns="0" rIns="0" bIns="0">
-            <a:spAutoFit/>
-          </a:bodyPr>
-          <a:lstStyle/>
-          <a:p>
-            <a:pPr algn="ctr"/>
-            <a:r>
-              <a:rPr lang="en-US" sz="800" b="1" dirty="0">
-                <a:solidFill>
-                  <a:srgbClr val="427CAC"/>
-                </a:solidFill>
-                <a:latin typeface="Arial" charset="0"/>
-                <a:ea typeface="Arial" charset="0"/>
-                <a:cs typeface="Arial" charset="0"/>
-              </a:rPr>
-              <a:t>SaaS Registry</a:t>
-            </a:r>
-          </a:p>
-        </p:txBody>
-      </p:sp>
-      <p:pic>
-        <p:nvPicPr>
-          <p:cNvPr id="116" name="Bild 36">
-            <a:extLst>
-              <a:ext uri="{FF2B5EF4-FFF2-40B4-BE49-F238E27FC236}">
-                <a16:creationId xmlns:a16="http://schemas.microsoft.com/office/drawing/2014/main" id="{16A02DE4-44D2-7A44-8342-E2CB28254F6B}"/>
-              </a:ext>
-            </a:extLst>
-          </p:cNvPr>
-          <p:cNvPicPr>
-            <a:picLocks noChangeAspect="1"/>
-          </p:cNvPicPr>
-          <p:nvPr/>
-        </p:nvPicPr>
-        <p:blipFill>
-          <a:blip r:embed="rId6">
-            <a:extLst>
-              <a:ext uri="{28A0092B-C50C-407E-A947-70E740481C1C}">
-                <a14:useLocalDpi xmlns:a14="http://schemas.microsoft.com/office/drawing/2010/main" val="0"/>
-              </a:ext>
-            </a:extLst>
-          </a:blip>
-          <a:stretch>
-            <a:fillRect/>
-          </a:stretch>
-        </p:blipFill>
-        <p:spPr>
-          <a:xfrm>
-            <a:off x="3766802" y="4623829"/>
-            <a:ext cx="259739" cy="259739"/>
-          </a:xfrm>
-          <a:prstGeom prst="rect">
-            <a:avLst/>
-          </a:prstGeom>
-        </p:spPr>
-      </p:pic>
-      <p:sp>
-        <p:nvSpPr>
-          <p:cNvPr id="117" name="Oval 116">
-            <a:extLst>
-              <a:ext uri="{FF2B5EF4-FFF2-40B4-BE49-F238E27FC236}">
-                <a16:creationId xmlns:a16="http://schemas.microsoft.com/office/drawing/2014/main" id="{59D95624-E14B-6344-BA4A-349073213678}"/>
-              </a:ext>
-            </a:extLst>
-          </p:cNvPr>
-          <p:cNvSpPr/>
-          <p:nvPr/>
-        </p:nvSpPr>
-        <p:spPr>
-          <a:xfrm>
-            <a:off x="3701942" y="4562214"/>
-            <a:ext cx="386787" cy="392724"/>
-          </a:xfrm>
-          <a:prstGeom prst="ellipse">
-            <a:avLst/>
-          </a:prstGeom>
-          <a:noFill/>
-          <a:ln w="22860">
-            <a:solidFill>
-              <a:schemeClr val="accent5">
-                <a:lumMod val="75000"/>
-              </a:schemeClr>
-            </a:solidFill>
-          </a:ln>
-        </p:spPr>
-        <p:style>
-          <a:lnRef idx="2">
-            <a:schemeClr val="accent1">
-              <a:shade val="50000"/>
-            </a:schemeClr>
-          </a:lnRef>
-          <a:fillRef idx="1">
-            <a:schemeClr val="accent1"/>
-          </a:fillRef>
-          <a:effectRef idx="0">
-            <a:schemeClr val="accent1"/>
-          </a:effectRef>
-          <a:fontRef idx="minor">
-            <a:schemeClr val="lt1"/>
-          </a:fontRef>
-        </p:style>
-        <p:txBody>
-          <a:bodyPr rtlCol="0" anchor="ctr"/>
-          <a:lstStyle/>
-          <a:p>
-            <a:pPr algn="ctr"/>
-            <a:endParaRPr lang="en-DE"/>
-          </a:p>
-        </p:txBody>
-      </p:sp>
-      <p:sp>
-        <p:nvSpPr>
-          <p:cNvPr id="118" name="Rechteck 44">
-            <a:extLst>
-              <a:ext uri="{FF2B5EF4-FFF2-40B4-BE49-F238E27FC236}">
-                <a16:creationId xmlns:a16="http://schemas.microsoft.com/office/drawing/2014/main" id="{5D1AD4DE-DCDB-FA41-AB57-0D54A6981ACC}"/>
-              </a:ext>
-            </a:extLst>
-          </p:cNvPr>
-          <p:cNvSpPr/>
-          <p:nvPr/>
-        </p:nvSpPr>
-        <p:spPr>
-          <a:xfrm>
-            <a:off x="4740094" y="4995447"/>
-            <a:ext cx="612886" cy="123111"/>
-          </a:xfrm>
-          <a:prstGeom prst="rect">
-            <a:avLst/>
-          </a:prstGeom>
-        </p:spPr>
-        <p:txBody>
-          <a:bodyPr wrap="square" lIns="0" tIns="0" rIns="0" bIns="0">
-            <a:spAutoFit/>
-          </a:bodyPr>
-          <a:lstStyle/>
-          <a:p>
-            <a:pPr algn="ctr"/>
-            <a:r>
-              <a:rPr lang="en-US" sz="800" b="1" dirty="0">
-                <a:solidFill>
-                  <a:srgbClr val="427CAC"/>
-                </a:solidFill>
-                <a:latin typeface="Arial" charset="0"/>
-                <a:ea typeface="Arial" charset="0"/>
-                <a:cs typeface="Arial" charset="0"/>
-              </a:rPr>
-              <a:t>Destination</a:t>
-            </a:r>
-          </a:p>
-        </p:txBody>
-      </p:sp>
-      <p:pic>
-        <p:nvPicPr>
-          <p:cNvPr id="119" name="Bild 36">
-            <a:extLst>
-              <a:ext uri="{FF2B5EF4-FFF2-40B4-BE49-F238E27FC236}">
-                <a16:creationId xmlns:a16="http://schemas.microsoft.com/office/drawing/2014/main" id="{AEB88F5D-4F11-7D44-A73E-82708FF90D18}"/>
-              </a:ext>
-            </a:extLst>
-          </p:cNvPr>
-          <p:cNvPicPr>
-            <a:picLocks noChangeAspect="1"/>
-          </p:cNvPicPr>
-          <p:nvPr/>
-        </p:nvPicPr>
-        <p:blipFill>
-          <a:blip r:embed="rId6">
-            <a:extLst>
-              <a:ext uri="{28A0092B-C50C-407E-A947-70E740481C1C}">
-                <a14:useLocalDpi xmlns:a14="http://schemas.microsoft.com/office/drawing/2010/main" val="0"/>
-              </a:ext>
-            </a:extLst>
-          </a:blip>
-          <a:stretch>
-            <a:fillRect/>
-          </a:stretch>
-        </p:blipFill>
-        <p:spPr>
-          <a:xfrm>
-            <a:off x="4918004" y="4623829"/>
-            <a:ext cx="259739" cy="259739"/>
-          </a:xfrm>
-          <a:prstGeom prst="rect">
-            <a:avLst/>
-          </a:prstGeom>
-        </p:spPr>
-      </p:pic>
-      <p:sp>
-        <p:nvSpPr>
-          <p:cNvPr id="120" name="Oval 119">
-            <a:extLst>
-              <a:ext uri="{FF2B5EF4-FFF2-40B4-BE49-F238E27FC236}">
-                <a16:creationId xmlns:a16="http://schemas.microsoft.com/office/drawing/2014/main" id="{9D6BE1CD-62CD-4E43-989E-D3F980362888}"/>
-              </a:ext>
-            </a:extLst>
-          </p:cNvPr>
-          <p:cNvSpPr/>
-          <p:nvPr/>
-        </p:nvSpPr>
-        <p:spPr>
-          <a:xfrm>
-            <a:off x="4853144" y="4562214"/>
-            <a:ext cx="386787" cy="392724"/>
-          </a:xfrm>
-          <a:prstGeom prst="ellipse">
-            <a:avLst/>
-          </a:prstGeom>
-          <a:noFill/>
-          <a:ln w="22860">
-            <a:solidFill>
-              <a:schemeClr val="accent5">
-                <a:lumMod val="75000"/>
-              </a:schemeClr>
-            </a:solidFill>
-          </a:ln>
-        </p:spPr>
-        <p:style>
-          <a:lnRef idx="2">
-            <a:schemeClr val="accent1">
-              <a:shade val="50000"/>
-            </a:schemeClr>
-          </a:lnRef>
-          <a:fillRef idx="1">
-            <a:schemeClr val="accent1"/>
-          </a:fillRef>
-          <a:effectRef idx="0">
-            <a:schemeClr val="accent1"/>
-          </a:effectRef>
-          <a:fontRef idx="minor">
-            <a:schemeClr val="lt1"/>
-          </a:fontRef>
-        </p:style>
-        <p:txBody>
-          <a:bodyPr rtlCol="0" anchor="ctr"/>
-          <a:lstStyle/>
-          <a:p>
-            <a:pPr algn="ctr"/>
-            <a:endParaRPr lang="en-DE"/>
-          </a:p>
-        </p:txBody>
-      </p:sp>
     </p:spTree>
     <p:extLst>
       <p:ext uri="{BB962C8B-B14F-4D97-AF65-F5344CB8AC3E}">
@@ -9140,7 +6697,7 @@
           <p:nvPr/>
         </p:nvPicPr>
         <p:blipFill rotWithShape="1">
-          <a:blip r:embed="rId2">
+          <a:blip r:embed="rId3">
             <a:extLst>
               <a:ext uri="{28A0092B-C50C-407E-A947-70E740481C1C}">
                 <a14:useLocalDpi xmlns:a14="http://schemas.microsoft.com/office/drawing/2010/main" val="0"/>
@@ -9406,7 +6963,7 @@
           <p:nvPr/>
         </p:nvPicPr>
         <p:blipFill>
-          <a:blip r:embed="rId3">
+          <a:blip r:embed="rId4">
             <a:extLst>
               <a:ext uri="{28A0092B-C50C-407E-A947-70E740481C1C}">
                 <a14:useLocalDpi xmlns:a14="http://schemas.microsoft.com/office/drawing/2010/main" val="0"/>
@@ -9490,53 +7047,6 @@
           </a:p>
         </p:txBody>
       </p:sp>
-      <p:pic>
-        <p:nvPicPr>
-          <p:cNvPr id="1028" name="Picture 4" descr="Cloud Foundry – Open Source Cloud Native Application Delivery">
-            <a:extLst>
-              <a:ext uri="{FF2B5EF4-FFF2-40B4-BE49-F238E27FC236}">
-                <a16:creationId xmlns:a16="http://schemas.microsoft.com/office/drawing/2014/main" id="{CBEBA09B-CC6D-5448-9FCE-CEB7170E6C16}"/>
-              </a:ext>
-            </a:extLst>
-          </p:cNvPr>
-          <p:cNvPicPr>
-            <a:picLocks noChangeAspect="1" noChangeArrowheads="1"/>
-          </p:cNvPicPr>
-          <p:nvPr/>
-        </p:nvPicPr>
-        <p:blipFill>
-          <a:blip r:embed="rId4">
-            <a:extLst>
-              <a:ext uri="{28A0092B-C50C-407E-A947-70E740481C1C}">
-                <a14:useLocalDpi xmlns:a14="http://schemas.microsoft.com/office/drawing/2010/main" val="0"/>
-              </a:ext>
-            </a:extLst>
-          </a:blip>
-          <a:srcRect/>
-          <a:stretch>
-            <a:fillRect/>
-          </a:stretch>
-        </p:blipFill>
-        <p:spPr bwMode="auto">
-          <a:xfrm>
-            <a:off x="6482349" y="1602012"/>
-            <a:ext cx="1063096" cy="145345"/>
-          </a:xfrm>
-          <a:prstGeom prst="rect">
-            <a:avLst/>
-          </a:prstGeom>
-          <a:noFill/>
-          <a:extLst>
-            <a:ext uri="{909E8E84-426E-40DD-AFC4-6F175D3DCCD1}">
-              <a14:hiddenFill xmlns:a14="http://schemas.microsoft.com/office/drawing/2010/main">
-                <a:solidFill>
-                  <a:srgbClr val="FFFFFF"/>
-                </a:solidFill>
-              </a14:hiddenFill>
-            </a:ext>
-          </a:extLst>
-        </p:spPr>
-      </p:pic>
       <p:sp>
         <p:nvSpPr>
           <p:cNvPr id="25" name="Rectangle 24">
@@ -10556,7 +8066,7 @@
         <p:spPr>
           <a:xfrm>
             <a:off x="6557325" y="1943462"/>
-            <a:ext cx="894797" cy="215444"/>
+            <a:ext cx="947695" cy="215444"/>
           </a:xfrm>
           <a:prstGeom prst="rect">
             <a:avLst/>
@@ -10570,7 +8080,7 @@
           <a:lstStyle/>
           <a:p>
             <a:r>
-              <a:rPr lang="en-DE" sz="800" b="1" dirty="0">
+              <a:rPr lang="en-US" sz="800" b="1" dirty="0">
                 <a:solidFill>
                   <a:schemeClr val="tx1">
                     <a:lumMod val="50000"/>
@@ -10578,8 +8088,16 @@
                   </a:schemeClr>
                 </a:solidFill>
               </a:rPr>
-              <a:t>SAP HANA Cloud</a:t>
-            </a:r>
+              <a:t>Easy Franchise DB</a:t>
+            </a:r>
+            <a:endParaRPr lang="en-DE" sz="800" b="1" dirty="0">
+              <a:solidFill>
+                <a:schemeClr val="tx1">
+                  <a:lumMod val="50000"/>
+                  <a:lumOff val="50000"/>
+                </a:schemeClr>
+              </a:solidFill>
+            </a:endParaRPr>
           </a:p>
         </p:txBody>
       </p:sp>
@@ -11681,6 +9199,50 @@
           </a:fontRef>
         </p:style>
       </p:cxnSp>
+      <p:sp>
+        <p:nvSpPr>
+          <p:cNvPr id="5" name="TextBox 4">
+            <a:extLst>
+              <a:ext uri="{FF2B5EF4-FFF2-40B4-BE49-F238E27FC236}">
+                <a16:creationId xmlns:a16="http://schemas.microsoft.com/office/drawing/2014/main" id="{BD45996B-BA17-4984-975F-73DE407799D6}"/>
+              </a:ext>
+            </a:extLst>
+          </p:cNvPr>
+          <p:cNvSpPr txBox="1"/>
+          <p:nvPr/>
+        </p:nvSpPr>
+        <p:spPr>
+          <a:xfrm>
+            <a:off x="6443895" y="1572048"/>
+            <a:ext cx="2647483" cy="246221"/>
+          </a:xfrm>
+          <a:prstGeom prst="rect">
+            <a:avLst/>
+          </a:prstGeom>
+          <a:noFill/>
+        </p:spPr>
+        <p:txBody>
+          <a:bodyPr wrap="square" rtlCol="0">
+            <a:spAutoFit/>
+          </a:bodyPr>
+          <a:lstStyle/>
+          <a:p>
+            <a:r>
+              <a:rPr lang="en-US" sz="1000" b="1" dirty="0">
+                <a:solidFill>
+                  <a:srgbClr val="5B9BD5"/>
+                </a:solidFill>
+              </a:rPr>
+              <a:t>SAP HANA Cloud</a:t>
+            </a:r>
+            <a:endParaRPr lang="de-DE" sz="1000" b="1" dirty="0">
+              <a:solidFill>
+                <a:srgbClr val="5B9BD5"/>
+              </a:solidFill>
+            </a:endParaRPr>
+          </a:p>
+        </p:txBody>
+      </p:sp>
     </p:spTree>
     <p:extLst>
       <p:ext uri="{BB962C8B-B14F-4D97-AF65-F5344CB8AC3E}">
@@ -12792,53 +10354,6 @@
           </a:p>
         </p:txBody>
       </p:sp>
-      <p:pic>
-        <p:nvPicPr>
-          <p:cNvPr id="1028" name="Picture 4" descr="Cloud Foundry – Open Source Cloud Native Application Delivery">
-            <a:extLst>
-              <a:ext uri="{FF2B5EF4-FFF2-40B4-BE49-F238E27FC236}">
-                <a16:creationId xmlns:a16="http://schemas.microsoft.com/office/drawing/2014/main" id="{CBEBA09B-CC6D-5448-9FCE-CEB7170E6C16}"/>
-              </a:ext>
-            </a:extLst>
-          </p:cNvPr>
-          <p:cNvPicPr>
-            <a:picLocks noChangeAspect="1" noChangeArrowheads="1"/>
-          </p:cNvPicPr>
-          <p:nvPr/>
-        </p:nvPicPr>
-        <p:blipFill>
-          <a:blip r:embed="rId4">
-            <a:extLst>
-              <a:ext uri="{28A0092B-C50C-407E-A947-70E740481C1C}">
-                <a14:useLocalDpi xmlns:a14="http://schemas.microsoft.com/office/drawing/2010/main" val="0"/>
-              </a:ext>
-            </a:extLst>
-          </a:blip>
-          <a:srcRect/>
-          <a:stretch>
-            <a:fillRect/>
-          </a:stretch>
-        </p:blipFill>
-        <p:spPr bwMode="auto">
-          <a:xfrm>
-            <a:off x="6482349" y="1602012"/>
-            <a:ext cx="1063096" cy="145345"/>
-          </a:xfrm>
-          <a:prstGeom prst="rect">
-            <a:avLst/>
-          </a:prstGeom>
-          <a:noFill/>
-          <a:extLst>
-            <a:ext uri="{909E8E84-426E-40DD-AFC4-6F175D3DCCD1}">
-              <a14:hiddenFill xmlns:a14="http://schemas.microsoft.com/office/drawing/2010/main">
-                <a:solidFill>
-                  <a:srgbClr val="FFFFFF"/>
-                </a:solidFill>
-              </a14:hiddenFill>
-            </a:ext>
-          </a:extLst>
-        </p:spPr>
-      </p:pic>
       <p:sp>
         <p:nvSpPr>
           <p:cNvPr id="25" name="Rectangle 24">
@@ -13681,7 +11196,7 @@
           <p:nvPr/>
         </p:nvPicPr>
         <p:blipFill>
-          <a:blip r:embed="rId5">
+          <a:blip r:embed="rId4">
             <a:extLst>
               <a:ext uri="{28A0092B-C50C-407E-A947-70E740481C1C}">
                 <a14:useLocalDpi xmlns:a14="http://schemas.microsoft.com/office/drawing/2010/main" val="0"/>
@@ -13728,7 +11243,7 @@
           <p:nvPr/>
         </p:nvPicPr>
         <p:blipFill>
-          <a:blip r:embed="rId5">
+          <a:blip r:embed="rId4">
             <a:extLst>
               <a:ext uri="{28A0092B-C50C-407E-A947-70E740481C1C}">
                 <a14:useLocalDpi xmlns:a14="http://schemas.microsoft.com/office/drawing/2010/main" val="0"/>
@@ -13775,7 +11290,7 @@
           <p:nvPr/>
         </p:nvPicPr>
         <p:blipFill>
-          <a:blip r:embed="rId6">
+          <a:blip r:embed="rId5">
             <a:extLst>
               <a:ext uri="{28A0092B-C50C-407E-A947-70E740481C1C}">
                 <a14:useLocalDpi xmlns:a14="http://schemas.microsoft.com/office/drawing/2010/main" val="0"/>
@@ -13884,7 +11399,7 @@
         <p:spPr>
           <a:xfrm>
             <a:off x="6557325" y="1943462"/>
-            <a:ext cx="894797" cy="215444"/>
+            <a:ext cx="947695" cy="215444"/>
           </a:xfrm>
           <a:prstGeom prst="rect">
             <a:avLst/>
@@ -13898,7 +11413,7 @@
           <a:lstStyle/>
           <a:p>
             <a:r>
-              <a:rPr lang="en-DE" sz="800" b="1" dirty="0">
+              <a:rPr lang="en-US" sz="800" b="1" dirty="0">
                 <a:solidFill>
                   <a:schemeClr val="tx1">
                     <a:lumMod val="50000"/>
@@ -13906,8 +11421,16 @@
                   </a:schemeClr>
                 </a:solidFill>
               </a:rPr>
-              <a:t>SAP HANA Cloud</a:t>
-            </a:r>
+              <a:t>Easy Franchise DB</a:t>
+            </a:r>
+            <a:endParaRPr lang="en-DE" sz="800" b="1" dirty="0">
+              <a:solidFill>
+                <a:schemeClr val="tx1">
+                  <a:lumMod val="50000"/>
+                  <a:lumOff val="50000"/>
+                </a:schemeClr>
+              </a:solidFill>
+            </a:endParaRPr>
           </a:p>
         </p:txBody>
       </p:sp>
@@ -13926,7 +11449,7 @@
           <p:nvPr/>
         </p:nvPicPr>
         <p:blipFill>
-          <a:blip r:embed="rId7">
+          <a:blip r:embed="rId6">
             <a:duotone>
               <a:prstClr val="black"/>
               <a:schemeClr val="accent3">
@@ -13980,7 +11503,7 @@
           <p:nvPr/>
         </p:nvPicPr>
         <p:blipFill>
-          <a:blip r:embed="rId7">
+          <a:blip r:embed="rId6">
             <a:duotone>
               <a:prstClr val="black"/>
               <a:schemeClr val="accent3">
@@ -14034,7 +11557,7 @@
           <p:nvPr/>
         </p:nvPicPr>
         <p:blipFill>
-          <a:blip r:embed="rId7">
+          <a:blip r:embed="rId6">
             <a:duotone>
               <a:prstClr val="black"/>
               <a:schemeClr val="accent3">
@@ -14088,7 +11611,7 @@
           <p:nvPr/>
         </p:nvPicPr>
         <p:blipFill>
-          <a:blip r:embed="rId7">
+          <a:blip r:embed="rId6">
             <a:duotone>
               <a:prstClr val="black"/>
               <a:schemeClr val="accent3">
@@ -15499,7 +13022,7 @@
           <p:nvPr/>
         </p:nvPicPr>
         <p:blipFill>
-          <a:blip r:embed="rId8">
+          <a:blip r:embed="rId7">
             <a:extLst>
               <a:ext uri="{28A0092B-C50C-407E-A947-70E740481C1C}">
                 <a14:useLocalDpi xmlns:a14="http://schemas.microsoft.com/office/drawing/2010/main" val="0"/>
@@ -15735,7 +13258,7 @@
           <p:nvPr/>
         </p:nvPicPr>
         <p:blipFill>
-          <a:blip r:embed="rId9">
+          <a:blip r:embed="rId8">
             <a:extLst>
               <a:ext uri="{28A0092B-C50C-407E-A947-70E740481C1C}">
                 <a14:useLocalDpi xmlns:a14="http://schemas.microsoft.com/office/drawing/2010/main" val="0"/>
@@ -15782,7 +13305,7 @@
           <p:nvPr/>
         </p:nvPicPr>
         <p:blipFill>
-          <a:blip r:embed="rId5">
+          <a:blip r:embed="rId4">
             <a:extLst>
               <a:ext uri="{28A0092B-C50C-407E-A947-70E740481C1C}">
                 <a14:useLocalDpi xmlns:a14="http://schemas.microsoft.com/office/drawing/2010/main" val="0"/>
@@ -15860,6 +13383,50 @@
               </a:rPr>
               <a:t>Service</a:t>
             </a:r>
+          </a:p>
+        </p:txBody>
+      </p:sp>
+      <p:sp>
+        <p:nvSpPr>
+          <p:cNvPr id="81" name="TextBox 80">
+            <a:extLst>
+              <a:ext uri="{FF2B5EF4-FFF2-40B4-BE49-F238E27FC236}">
+                <a16:creationId xmlns:a16="http://schemas.microsoft.com/office/drawing/2014/main" id="{E1940BF4-B6B9-497D-BD7F-4F6863DDD31F}"/>
+              </a:ext>
+            </a:extLst>
+          </p:cNvPr>
+          <p:cNvSpPr txBox="1"/>
+          <p:nvPr/>
+        </p:nvSpPr>
+        <p:spPr>
+          <a:xfrm>
+            <a:off x="6443895" y="1572048"/>
+            <a:ext cx="2647483" cy="246221"/>
+          </a:xfrm>
+          <a:prstGeom prst="rect">
+            <a:avLst/>
+          </a:prstGeom>
+          <a:noFill/>
+        </p:spPr>
+        <p:txBody>
+          <a:bodyPr wrap="square" rtlCol="0">
+            <a:spAutoFit/>
+          </a:bodyPr>
+          <a:lstStyle/>
+          <a:p>
+            <a:r>
+              <a:rPr lang="en-US" sz="1000" b="1" dirty="0">
+                <a:solidFill>
+                  <a:srgbClr val="5B9BD5"/>
+                </a:solidFill>
+              </a:rPr>
+              <a:t>SAP HANA Cloud</a:t>
+            </a:r>
+            <a:endParaRPr lang="de-DE" sz="1000" b="1" dirty="0">
+              <a:solidFill>
+                <a:srgbClr val="5B9BD5"/>
+              </a:solidFill>
+            </a:endParaRPr>
           </a:p>
         </p:txBody>
       </p:sp>
@@ -16859,53 +14426,6 @@
           </a:p>
         </p:txBody>
       </p:sp>
-      <p:pic>
-        <p:nvPicPr>
-          <p:cNvPr id="1028" name="Picture 4" descr="Cloud Foundry – Open Source Cloud Native Application Delivery">
-            <a:extLst>
-              <a:ext uri="{FF2B5EF4-FFF2-40B4-BE49-F238E27FC236}">
-                <a16:creationId xmlns:a16="http://schemas.microsoft.com/office/drawing/2014/main" id="{CBEBA09B-CC6D-5448-9FCE-CEB7170E6C16}"/>
-              </a:ext>
-            </a:extLst>
-          </p:cNvPr>
-          <p:cNvPicPr>
-            <a:picLocks noChangeAspect="1" noChangeArrowheads="1"/>
-          </p:cNvPicPr>
-          <p:nvPr/>
-        </p:nvPicPr>
-        <p:blipFill>
-          <a:blip r:embed="rId3">
-            <a:extLst>
-              <a:ext uri="{28A0092B-C50C-407E-A947-70E740481C1C}">
-                <a14:useLocalDpi xmlns:a14="http://schemas.microsoft.com/office/drawing/2010/main" val="0"/>
-              </a:ext>
-            </a:extLst>
-          </a:blip>
-          <a:srcRect/>
-          <a:stretch>
-            <a:fillRect/>
-          </a:stretch>
-        </p:blipFill>
-        <p:spPr bwMode="auto">
-          <a:xfrm>
-            <a:off x="6482349" y="1602012"/>
-            <a:ext cx="1063096" cy="145345"/>
-          </a:xfrm>
-          <a:prstGeom prst="rect">
-            <a:avLst/>
-          </a:prstGeom>
-          <a:noFill/>
-          <a:extLst>
-            <a:ext uri="{909E8E84-426E-40DD-AFC4-6F175D3DCCD1}">
-              <a14:hiddenFill xmlns:a14="http://schemas.microsoft.com/office/drawing/2010/main">
-                <a:solidFill>
-                  <a:srgbClr val="FFFFFF"/>
-                </a:solidFill>
-              </a14:hiddenFill>
-            </a:ext>
-          </a:extLst>
-        </p:spPr>
-      </p:pic>
       <p:sp>
         <p:nvSpPr>
           <p:cNvPr id="25" name="Rectangle 24">
@@ -17735,7 +15255,7 @@
           <p:nvPr/>
         </p:nvPicPr>
         <p:blipFill>
-          <a:blip r:embed="rId4">
+          <a:blip r:embed="rId3">
             <a:extLst>
               <a:ext uri="{28A0092B-C50C-407E-A947-70E740481C1C}">
                 <a14:useLocalDpi xmlns:a14="http://schemas.microsoft.com/office/drawing/2010/main" val="0"/>
@@ -17782,7 +15302,7 @@
           <p:nvPr/>
         </p:nvPicPr>
         <p:blipFill>
-          <a:blip r:embed="rId5">
+          <a:blip r:embed="rId4">
             <a:extLst>
               <a:ext uri="{28A0092B-C50C-407E-A947-70E740481C1C}">
                 <a14:useLocalDpi xmlns:a14="http://schemas.microsoft.com/office/drawing/2010/main" val="0"/>
@@ -17891,7 +15411,7 @@
         <p:spPr>
           <a:xfrm>
             <a:off x="6557325" y="1943462"/>
-            <a:ext cx="894797" cy="215444"/>
+            <a:ext cx="947695" cy="215444"/>
           </a:xfrm>
           <a:prstGeom prst="rect">
             <a:avLst/>
@@ -17905,7 +15425,7 @@
           <a:lstStyle/>
           <a:p>
             <a:r>
-              <a:rPr lang="en-DE" sz="800" b="1" dirty="0">
+              <a:rPr lang="en-US" sz="800" b="1" dirty="0">
                 <a:solidFill>
                   <a:schemeClr val="tx1">
                     <a:lumMod val="50000"/>
@@ -17913,8 +15433,16 @@
                   </a:schemeClr>
                 </a:solidFill>
               </a:rPr>
-              <a:t>SAP HANA Cloud</a:t>
-            </a:r>
+              <a:t>Easy Franchise DB</a:t>
+            </a:r>
+            <a:endParaRPr lang="en-DE" sz="800" b="1" dirty="0">
+              <a:solidFill>
+                <a:schemeClr val="tx1">
+                  <a:lumMod val="50000"/>
+                  <a:lumOff val="50000"/>
+                </a:schemeClr>
+              </a:solidFill>
+            </a:endParaRPr>
           </a:p>
         </p:txBody>
       </p:sp>
@@ -17933,7 +15461,7 @@
           <p:nvPr/>
         </p:nvPicPr>
         <p:blipFill>
-          <a:blip r:embed="rId6">
+          <a:blip r:embed="rId5">
             <a:duotone>
               <a:prstClr val="black"/>
               <a:schemeClr val="accent3">
@@ -17987,7 +15515,7 @@
           <p:nvPr/>
         </p:nvPicPr>
         <p:blipFill>
-          <a:blip r:embed="rId6">
+          <a:blip r:embed="rId5">
             <a:duotone>
               <a:prstClr val="black"/>
               <a:schemeClr val="accent3">
@@ -18041,7 +15569,7 @@
           <p:nvPr/>
         </p:nvPicPr>
         <p:blipFill>
-          <a:blip r:embed="rId6">
+          <a:blip r:embed="rId5">
             <a:duotone>
               <a:prstClr val="black"/>
               <a:schemeClr val="accent3">
@@ -18095,7 +15623,7 @@
           <p:nvPr/>
         </p:nvPicPr>
         <p:blipFill>
-          <a:blip r:embed="rId6">
+          <a:blip r:embed="rId5">
             <a:duotone>
               <a:prstClr val="black"/>
               <a:schemeClr val="accent3">
@@ -18520,7 +16048,7 @@
           <p:nvPr/>
         </p:nvPicPr>
         <p:blipFill>
-          <a:blip r:embed="rId7"/>
+          <a:blip r:embed="rId6"/>
           <a:stretch>
             <a:fillRect/>
           </a:stretch>
@@ -19192,7 +16720,7 @@
           <p:nvPr/>
         </p:nvPicPr>
         <p:blipFill>
-          <a:blip r:embed="rId5">
+          <a:blip r:embed="rId4">
             <a:extLst>
               <a:ext uri="{28A0092B-C50C-407E-A947-70E740481C1C}">
                 <a14:useLocalDpi xmlns:a14="http://schemas.microsoft.com/office/drawing/2010/main" val="0"/>
@@ -19239,7 +16767,7 @@
           <p:nvPr/>
         </p:nvPicPr>
         <p:blipFill>
-          <a:blip r:embed="rId5">
+          <a:blip r:embed="rId4">
             <a:extLst>
               <a:ext uri="{28A0092B-C50C-407E-A947-70E740481C1C}">
                 <a14:useLocalDpi xmlns:a14="http://schemas.microsoft.com/office/drawing/2010/main" val="0"/>
@@ -19286,7 +16814,7 @@
           <p:nvPr/>
         </p:nvPicPr>
         <p:blipFill>
-          <a:blip r:embed="rId8">
+          <a:blip r:embed="rId7">
             <a:extLst>
               <a:ext uri="{28A0092B-C50C-407E-A947-70E740481C1C}">
                 <a14:useLocalDpi xmlns:a14="http://schemas.microsoft.com/office/drawing/2010/main" val="0"/>
@@ -19318,6 +16846,50 @@
           </a:extLst>
         </p:spPr>
       </p:pic>
+      <p:sp>
+        <p:nvSpPr>
+          <p:cNvPr id="69" name="TextBox 68">
+            <a:extLst>
+              <a:ext uri="{FF2B5EF4-FFF2-40B4-BE49-F238E27FC236}">
+                <a16:creationId xmlns:a16="http://schemas.microsoft.com/office/drawing/2014/main" id="{3DF2F7F6-EB9E-45F2-B96C-0B0D61A67384}"/>
+              </a:ext>
+            </a:extLst>
+          </p:cNvPr>
+          <p:cNvSpPr txBox="1"/>
+          <p:nvPr/>
+        </p:nvSpPr>
+        <p:spPr>
+          <a:xfrm>
+            <a:off x="6443895" y="1572048"/>
+            <a:ext cx="2647483" cy="246221"/>
+          </a:xfrm>
+          <a:prstGeom prst="rect">
+            <a:avLst/>
+          </a:prstGeom>
+          <a:noFill/>
+        </p:spPr>
+        <p:txBody>
+          <a:bodyPr wrap="square" rtlCol="0">
+            <a:spAutoFit/>
+          </a:bodyPr>
+          <a:lstStyle/>
+          <a:p>
+            <a:r>
+              <a:rPr lang="en-US" sz="1000" b="1" dirty="0">
+                <a:solidFill>
+                  <a:srgbClr val="5B9BD5"/>
+                </a:solidFill>
+              </a:rPr>
+              <a:t>SAP HANA Cloud</a:t>
+            </a:r>
+            <a:endParaRPr lang="de-DE" sz="1000" b="1" dirty="0">
+              <a:solidFill>
+                <a:srgbClr val="5B9BD5"/>
+              </a:solidFill>
+            </a:endParaRPr>
+          </a:p>
+        </p:txBody>
+      </p:sp>
     </p:spTree>
     <p:extLst>
       <p:ext uri="{BB962C8B-B14F-4D97-AF65-F5344CB8AC3E}">
@@ -28088,4 +25660,299 @@
     </a:ext>
   </a:extLst>
 </a:theme>
+</file>
+
+<file path=ppt/theme/theme2.xml><?xml version="1.0" encoding="utf-8"?>
+<a:theme xmlns:a="http://schemas.openxmlformats.org/drawingml/2006/main" name="Office Theme">
+  <a:themeElements>
+    <a:clrScheme name="Office">
+      <a:dk1>
+        <a:sysClr val="windowText" lastClr="000000"/>
+      </a:dk1>
+      <a:lt1>
+        <a:sysClr val="window" lastClr="FFFFFF"/>
+      </a:lt1>
+      <a:dk2>
+        <a:srgbClr val="44546A"/>
+      </a:dk2>
+      <a:lt2>
+        <a:srgbClr val="E7E6E6"/>
+      </a:lt2>
+      <a:accent1>
+        <a:srgbClr val="4472C4"/>
+      </a:accent1>
+      <a:accent2>
+        <a:srgbClr val="ED7D31"/>
+      </a:accent2>
+      <a:accent3>
+        <a:srgbClr val="A5A5A5"/>
+      </a:accent3>
+      <a:accent4>
+        <a:srgbClr val="FFC000"/>
+      </a:accent4>
+      <a:accent5>
+        <a:srgbClr val="5B9BD5"/>
+      </a:accent5>
+      <a:accent6>
+        <a:srgbClr val="70AD47"/>
+      </a:accent6>
+      <a:hlink>
+        <a:srgbClr val="0563C1"/>
+      </a:hlink>
+      <a:folHlink>
+        <a:srgbClr val="954F72"/>
+      </a:folHlink>
+    </a:clrScheme>
+    <a:fontScheme name="Office">
+      <a:majorFont>
+        <a:latin typeface="Calibri Light" panose="020F0302020204030204"/>
+        <a:ea typeface=""/>
+        <a:cs typeface=""/>
+        <a:font script="Jpan" typeface="游ゴシック Light"/>
+        <a:font script="Hang" typeface="맑은 고딕"/>
+        <a:font script="Hans" typeface="等线 Light"/>
+        <a:font script="Hant" typeface="新細明體"/>
+        <a:font script="Arab" typeface="Times New Roman"/>
+        <a:font script="Hebr" typeface="Times New Roman"/>
+        <a:font script="Thai" typeface="Angsana New"/>
+        <a:font script="Ethi" typeface="Nyala"/>
+        <a:font script="Beng" typeface="Vrinda"/>
+        <a:font script="Gujr" typeface="Shruti"/>
+        <a:font script="Khmr" typeface="MoolBoran"/>
+        <a:font script="Knda" typeface="Tunga"/>
+        <a:font script="Guru" typeface="Raavi"/>
+        <a:font script="Cans" typeface="Euphemia"/>
+        <a:font script="Cher" typeface="Plantagenet Cherokee"/>
+        <a:font script="Yiii" typeface="Microsoft Yi Baiti"/>
+        <a:font script="Tibt" typeface="Microsoft Himalaya"/>
+        <a:font script="Thaa" typeface="MV Boli"/>
+        <a:font script="Deva" typeface="Mangal"/>
+        <a:font script="Telu" typeface="Gautami"/>
+        <a:font script="Taml" typeface="Latha"/>
+        <a:font script="Syrc" typeface="Estrangelo Edessa"/>
+        <a:font script="Orya" typeface="Kalinga"/>
+        <a:font script="Mlym" typeface="Kartika"/>
+        <a:font script="Laoo" typeface="DokChampa"/>
+        <a:font script="Sinh" typeface="Iskoola Pota"/>
+        <a:font script="Mong" typeface="Mongolian Baiti"/>
+        <a:font script="Viet" typeface="Times New Roman"/>
+        <a:font script="Uigh" typeface="Microsoft Uighur"/>
+        <a:font script="Geor" typeface="Sylfaen"/>
+        <a:font script="Armn" typeface="Arial"/>
+        <a:font script="Bugi" typeface="Leelawadee UI"/>
+        <a:font script="Bopo" typeface="Microsoft JhengHei"/>
+        <a:font script="Java" typeface="Javanese Text"/>
+        <a:font script="Lisu" typeface="Segoe UI"/>
+        <a:font script="Mymr" typeface="Myanmar Text"/>
+        <a:font script="Nkoo" typeface="Ebrima"/>
+        <a:font script="Olck" typeface="Nirmala UI"/>
+        <a:font script="Osma" typeface="Ebrima"/>
+        <a:font script="Phag" typeface="Phagspa"/>
+        <a:font script="Syrn" typeface="Estrangelo Edessa"/>
+        <a:font script="Syrj" typeface="Estrangelo Edessa"/>
+        <a:font script="Syre" typeface="Estrangelo Edessa"/>
+        <a:font script="Sora" typeface="Nirmala UI"/>
+        <a:font script="Tale" typeface="Microsoft Tai Le"/>
+        <a:font script="Talu" typeface="Microsoft New Tai Lue"/>
+        <a:font script="Tfng" typeface="Ebrima"/>
+      </a:majorFont>
+      <a:minorFont>
+        <a:latin typeface="Calibri" panose="020F0502020204030204"/>
+        <a:ea typeface=""/>
+        <a:cs typeface=""/>
+        <a:font script="Jpan" typeface="游ゴシック"/>
+        <a:font script="Hang" typeface="맑은 고딕"/>
+        <a:font script="Hans" typeface="等线"/>
+        <a:font script="Hant" typeface="新細明體"/>
+        <a:font script="Arab" typeface="Arial"/>
+        <a:font script="Hebr" typeface="Arial"/>
+        <a:font script="Thai" typeface="Cordia New"/>
+        <a:font script="Ethi" typeface="Nyala"/>
+        <a:font script="Beng" typeface="Vrinda"/>
+        <a:font script="Gujr" typeface="Shruti"/>
+        <a:font script="Khmr" typeface="DaunPenh"/>
+        <a:font script="Knda" typeface="Tunga"/>
+        <a:font script="Guru" typeface="Raavi"/>
+        <a:font script="Cans" typeface="Euphemia"/>
+        <a:font script="Cher" typeface="Plantagenet Cherokee"/>
+        <a:font script="Yiii" typeface="Microsoft Yi Baiti"/>
+        <a:font script="Tibt" typeface="Microsoft Himalaya"/>
+        <a:font script="Thaa" typeface="MV Boli"/>
+        <a:font script="Deva" typeface="Mangal"/>
+        <a:font script="Telu" typeface="Gautami"/>
+        <a:font script="Taml" typeface="Latha"/>
+        <a:font script="Syrc" typeface="Estrangelo Edessa"/>
+        <a:font script="Orya" typeface="Kalinga"/>
+        <a:font script="Mlym" typeface="Kartika"/>
+        <a:font script="Laoo" typeface="DokChampa"/>
+        <a:font script="Sinh" typeface="Iskoola Pota"/>
+        <a:font script="Mong" typeface="Mongolian Baiti"/>
+        <a:font script="Viet" typeface="Arial"/>
+        <a:font script="Uigh" typeface="Microsoft Uighur"/>
+        <a:font script="Geor" typeface="Sylfaen"/>
+        <a:font script="Armn" typeface="Arial"/>
+        <a:font script="Bugi" typeface="Leelawadee UI"/>
+        <a:font script="Bopo" typeface="Microsoft JhengHei"/>
+        <a:font script="Java" typeface="Javanese Text"/>
+        <a:font script="Lisu" typeface="Segoe UI"/>
+        <a:font script="Mymr" typeface="Myanmar Text"/>
+        <a:font script="Nkoo" typeface="Ebrima"/>
+        <a:font script="Olck" typeface="Nirmala UI"/>
+        <a:font script="Osma" typeface="Ebrima"/>
+        <a:font script="Phag" typeface="Phagspa"/>
+        <a:font script="Syrn" typeface="Estrangelo Edessa"/>
+        <a:font script="Syrj" typeface="Estrangelo Edessa"/>
+        <a:font script="Syre" typeface="Estrangelo Edessa"/>
+        <a:font script="Sora" typeface="Nirmala UI"/>
+        <a:font script="Tale" typeface="Microsoft Tai Le"/>
+        <a:font script="Talu" typeface="Microsoft New Tai Lue"/>
+        <a:font script="Tfng" typeface="Ebrima"/>
+      </a:minorFont>
+    </a:fontScheme>
+    <a:fmtScheme name="Office">
+      <a:fillStyleLst>
+        <a:solidFill>
+          <a:schemeClr val="phClr"/>
+        </a:solidFill>
+        <a:gradFill rotWithShape="1">
+          <a:gsLst>
+            <a:gs pos="0">
+              <a:schemeClr val="phClr">
+                <a:lumMod val="110000"/>
+                <a:satMod val="105000"/>
+                <a:tint val="67000"/>
+              </a:schemeClr>
+            </a:gs>
+            <a:gs pos="50000">
+              <a:schemeClr val="phClr">
+                <a:lumMod val="105000"/>
+                <a:satMod val="103000"/>
+                <a:tint val="73000"/>
+              </a:schemeClr>
+            </a:gs>
+            <a:gs pos="100000">
+              <a:schemeClr val="phClr">
+                <a:lumMod val="105000"/>
+                <a:satMod val="109000"/>
+                <a:tint val="81000"/>
+              </a:schemeClr>
+            </a:gs>
+          </a:gsLst>
+          <a:lin ang="5400000" scaled="0"/>
+        </a:gradFill>
+        <a:gradFill rotWithShape="1">
+          <a:gsLst>
+            <a:gs pos="0">
+              <a:schemeClr val="phClr">
+                <a:satMod val="103000"/>
+                <a:lumMod val="102000"/>
+                <a:tint val="94000"/>
+              </a:schemeClr>
+            </a:gs>
+            <a:gs pos="50000">
+              <a:schemeClr val="phClr">
+                <a:satMod val="110000"/>
+                <a:lumMod val="100000"/>
+                <a:shade val="100000"/>
+              </a:schemeClr>
+            </a:gs>
+            <a:gs pos="100000">
+              <a:schemeClr val="phClr">
+                <a:lumMod val="99000"/>
+                <a:satMod val="120000"/>
+                <a:shade val="78000"/>
+              </a:schemeClr>
+            </a:gs>
+          </a:gsLst>
+          <a:lin ang="5400000" scaled="0"/>
+        </a:gradFill>
+      </a:fillStyleLst>
+      <a:lnStyleLst>
+        <a:ln w="6350" cap="flat" cmpd="sng" algn="ctr">
+          <a:solidFill>
+            <a:schemeClr val="phClr"/>
+          </a:solidFill>
+          <a:prstDash val="solid"/>
+          <a:miter lim="800000"/>
+        </a:ln>
+        <a:ln w="12700" cap="flat" cmpd="sng" algn="ctr">
+          <a:solidFill>
+            <a:schemeClr val="phClr"/>
+          </a:solidFill>
+          <a:prstDash val="solid"/>
+          <a:miter lim="800000"/>
+        </a:ln>
+        <a:ln w="19050" cap="flat" cmpd="sng" algn="ctr">
+          <a:solidFill>
+            <a:schemeClr val="phClr"/>
+          </a:solidFill>
+          <a:prstDash val="solid"/>
+          <a:miter lim="800000"/>
+        </a:ln>
+      </a:lnStyleLst>
+      <a:effectStyleLst>
+        <a:effectStyle>
+          <a:effectLst/>
+        </a:effectStyle>
+        <a:effectStyle>
+          <a:effectLst/>
+        </a:effectStyle>
+        <a:effectStyle>
+          <a:effectLst>
+            <a:outerShdw blurRad="57150" dist="19050" dir="5400000" algn="ctr" rotWithShape="0">
+              <a:srgbClr val="000000">
+                <a:alpha val="63000"/>
+              </a:srgbClr>
+            </a:outerShdw>
+          </a:effectLst>
+        </a:effectStyle>
+      </a:effectStyleLst>
+      <a:bgFillStyleLst>
+        <a:solidFill>
+          <a:schemeClr val="phClr"/>
+        </a:solidFill>
+        <a:solidFill>
+          <a:schemeClr val="phClr">
+            <a:tint val="95000"/>
+            <a:satMod val="170000"/>
+          </a:schemeClr>
+        </a:solidFill>
+        <a:gradFill rotWithShape="1">
+          <a:gsLst>
+            <a:gs pos="0">
+              <a:schemeClr val="phClr">
+                <a:tint val="93000"/>
+                <a:satMod val="150000"/>
+                <a:shade val="98000"/>
+                <a:lumMod val="102000"/>
+              </a:schemeClr>
+            </a:gs>
+            <a:gs pos="50000">
+              <a:schemeClr val="phClr">
+                <a:tint val="98000"/>
+                <a:satMod val="130000"/>
+                <a:shade val="90000"/>
+                <a:lumMod val="103000"/>
+              </a:schemeClr>
+            </a:gs>
+            <a:gs pos="100000">
+              <a:schemeClr val="phClr">
+                <a:shade val="63000"/>
+                <a:satMod val="120000"/>
+              </a:schemeClr>
+            </a:gs>
+          </a:gsLst>
+          <a:lin ang="5400000" scaled="0"/>
+        </a:gradFill>
+      </a:bgFillStyleLst>
+    </a:fmtScheme>
+  </a:themeElements>
+  <a:objectDefaults/>
+  <a:extraClrSchemeLst/>
+  <a:extLst>
+    <a:ext uri="{05A4C25C-085E-4340-85A3-A5531E510DB2}">
+      <thm15:themeFamily xmlns:thm15="http://schemas.microsoft.com/office/thememl/2012/main" name="Office Theme" id="{62F939B6-93AF-4DB8-9C6B-D6C7DFDC589F}" vid="{4A3C46E8-61CC-4603-A589-7422A47A8E4A}"/>
+    </a:ext>
+  </a:extLst>
+</a:theme>
 </file>